--- a/02-Using-Objects/PowerPoints/01-Instances-of-Classes.pptx
+++ b/02-Using-Objects/PowerPoints/01-Instances-of-Classes.pptx
@@ -2,7 +2,7 @@
 <file path=ppt/presentation.xml><?xml version="1.0" encoding="utf-8"?>
 <p:presentation xmlns:a="http://schemas.openxmlformats.org/drawingml/2006/main" xmlns:r="http://schemas.openxmlformats.org/officeDocument/2006/relationships" xmlns:p="http://schemas.openxmlformats.org/presentationml/2006/main" saveSubsetFonts="1">
   <p:sldMasterIdLst>
-    <p:sldMasterId id="2147483648" r:id="rId1"/>
+    <p:sldMasterId id="2147483660" r:id="rId1"/>
   </p:sldMasterIdLst>
   <p:notesMasterIdLst>
     <p:notesMasterId r:id="rId8"/>
@@ -11,7 +11,7 @@
     <p:sldId id="256" r:id="rId2"/>
     <p:sldId id="257" r:id="rId3"/>
     <p:sldId id="260" r:id="rId4"/>
-    <p:sldId id="261" r:id="rId5"/>
+    <p:sldId id="265" r:id="rId5"/>
     <p:sldId id="259" r:id="rId6"/>
     <p:sldId id="262" r:id="rId7"/>
   </p:sldIdLst>
@@ -21,7 +21,7 @@
     <a:defPPr>
       <a:defRPr lang="en-US"/>
     </a:defPPr>
-    <a:lvl1pPr marL="0" algn="l" defTabSz="914400" rtl="0" eaLnBrk="1" latinLnBrk="0" hangingPunct="1">
+    <a:lvl1pPr marL="0" algn="l" defTabSz="457200" rtl="0" eaLnBrk="1" latinLnBrk="0" hangingPunct="1">
       <a:defRPr sz="1800" kern="1200">
         <a:solidFill>
           <a:schemeClr val="tx1"/>
@@ -31,7 +31,7 @@
         <a:cs typeface="+mn-cs"/>
       </a:defRPr>
     </a:lvl1pPr>
-    <a:lvl2pPr marL="457200" algn="l" defTabSz="914400" rtl="0" eaLnBrk="1" latinLnBrk="0" hangingPunct="1">
+    <a:lvl2pPr marL="457200" algn="l" defTabSz="457200" rtl="0" eaLnBrk="1" latinLnBrk="0" hangingPunct="1">
       <a:defRPr sz="1800" kern="1200">
         <a:solidFill>
           <a:schemeClr val="tx1"/>
@@ -41,7 +41,7 @@
         <a:cs typeface="+mn-cs"/>
       </a:defRPr>
     </a:lvl2pPr>
-    <a:lvl3pPr marL="914400" algn="l" defTabSz="914400" rtl="0" eaLnBrk="1" latinLnBrk="0" hangingPunct="1">
+    <a:lvl3pPr marL="914400" algn="l" defTabSz="457200" rtl="0" eaLnBrk="1" latinLnBrk="0" hangingPunct="1">
       <a:defRPr sz="1800" kern="1200">
         <a:solidFill>
           <a:schemeClr val="tx1"/>
@@ -51,7 +51,7 @@
         <a:cs typeface="+mn-cs"/>
       </a:defRPr>
     </a:lvl3pPr>
-    <a:lvl4pPr marL="1371600" algn="l" defTabSz="914400" rtl="0" eaLnBrk="1" latinLnBrk="0" hangingPunct="1">
+    <a:lvl4pPr marL="1371600" algn="l" defTabSz="457200" rtl="0" eaLnBrk="1" latinLnBrk="0" hangingPunct="1">
       <a:defRPr sz="1800" kern="1200">
         <a:solidFill>
           <a:schemeClr val="tx1"/>
@@ -61,7 +61,7 @@
         <a:cs typeface="+mn-cs"/>
       </a:defRPr>
     </a:lvl4pPr>
-    <a:lvl5pPr marL="1828800" algn="l" defTabSz="914400" rtl="0" eaLnBrk="1" latinLnBrk="0" hangingPunct="1">
+    <a:lvl5pPr marL="1828800" algn="l" defTabSz="457200" rtl="0" eaLnBrk="1" latinLnBrk="0" hangingPunct="1">
       <a:defRPr sz="1800" kern="1200">
         <a:solidFill>
           <a:schemeClr val="tx1"/>
@@ -71,7 +71,7 @@
         <a:cs typeface="+mn-cs"/>
       </a:defRPr>
     </a:lvl5pPr>
-    <a:lvl6pPr marL="2286000" algn="l" defTabSz="914400" rtl="0" eaLnBrk="1" latinLnBrk="0" hangingPunct="1">
+    <a:lvl6pPr marL="2286000" algn="l" defTabSz="457200" rtl="0" eaLnBrk="1" latinLnBrk="0" hangingPunct="1">
       <a:defRPr sz="1800" kern="1200">
         <a:solidFill>
           <a:schemeClr val="tx1"/>
@@ -81,7 +81,7 @@
         <a:cs typeface="+mn-cs"/>
       </a:defRPr>
     </a:lvl6pPr>
-    <a:lvl7pPr marL="2743200" algn="l" defTabSz="914400" rtl="0" eaLnBrk="1" latinLnBrk="0" hangingPunct="1">
+    <a:lvl7pPr marL="2743200" algn="l" defTabSz="457200" rtl="0" eaLnBrk="1" latinLnBrk="0" hangingPunct="1">
       <a:defRPr sz="1800" kern="1200">
         <a:solidFill>
           <a:schemeClr val="tx1"/>
@@ -91,7 +91,7 @@
         <a:cs typeface="+mn-cs"/>
       </a:defRPr>
     </a:lvl7pPr>
-    <a:lvl8pPr marL="3200400" algn="l" defTabSz="914400" rtl="0" eaLnBrk="1" latinLnBrk="0" hangingPunct="1">
+    <a:lvl8pPr marL="3200400" algn="l" defTabSz="457200" rtl="0" eaLnBrk="1" latinLnBrk="0" hangingPunct="1">
       <a:defRPr sz="1800" kern="1200">
         <a:solidFill>
           <a:schemeClr val="tx1"/>
@@ -101,7 +101,7 @@
         <a:cs typeface="+mn-cs"/>
       </a:defRPr>
     </a:lvl8pPr>
-    <a:lvl9pPr marL="3657600" algn="l" defTabSz="914400" rtl="0" eaLnBrk="1" latinLnBrk="0" hangingPunct="1">
+    <a:lvl9pPr marL="3657600" algn="l" defTabSz="457200" rtl="0" eaLnBrk="1" latinLnBrk="0" hangingPunct="1">
       <a:defRPr sz="1800" kern="1200">
         <a:solidFill>
           <a:schemeClr val="tx1"/>
@@ -202,7 +202,7 @@
           <a:p>
             <a:fld id="{74736013-8CCC-4BE9-B788-AF95780C0786}" type="datetimeFigureOut">
               <a:rPr lang="en-US" smtClean="0"/>
-              <a:t>1/15/2021</a:t>
+              <a:t>1/18/2021</a:t>
             </a:fld>
             <a:endParaRPr lang="en-US"/>
           </a:p>
@@ -515,6 +515,93 @@
           <a:p>
             <a:r>
               <a:rPr lang="en-US" dirty="0"/>
+              <a:t>Alright, onto our objectives for today. As always, we start off the unit by discussing why learning about the unit matters. Next, we will write our first program, Hello World, with a little bit of help from a template. Then, we will discuss a good programming practice of standardizing what we refer to as “whitespace”. At the very end will be some exercises and suggested activities to help you!</a:t>
+            </a:r>
+          </a:p>
+        </p:txBody>
+      </p:sp>
+      <p:sp>
+        <p:nvSpPr>
+          <p:cNvPr id="4" name="Slide Number Placeholder 3"/>
+          <p:cNvSpPr>
+            <a:spLocks noGrp="1"/>
+          </p:cNvSpPr>
+          <p:nvPr>
+            <p:ph type="sldNum" sz="quarter" idx="5"/>
+          </p:nvPr>
+        </p:nvSpPr>
+        <p:spPr/>
+        <p:txBody>
+          <a:bodyPr/>
+          <a:lstStyle/>
+          <a:p>
+            <a:fld id="{A22EFDB4-0BC3-4CB3-A7B2-14BE3B37D75F}" type="slidenum">
+              <a:rPr lang="en-US" smtClean="0"/>
+              <a:t>4</a:t>
+            </a:fld>
+            <a:endParaRPr lang="en-US"/>
+          </a:p>
+        </p:txBody>
+      </p:sp>
+    </p:spTree>
+    <p:extLst>
+      <p:ext uri="{BB962C8B-B14F-4D97-AF65-F5344CB8AC3E}">
+        <p14:creationId xmlns:p14="http://schemas.microsoft.com/office/powerpoint/2010/main" val="1323803178"/>
+      </p:ext>
+    </p:extLst>
+  </p:cSld>
+  <p:clrMapOvr>
+    <a:masterClrMapping/>
+  </p:clrMapOvr>
+</p:notes>
+</file>
+
+<file path=ppt/notesSlides/notesSlide2.xml><?xml version="1.0" encoding="utf-8"?>
+<p:notes xmlns:a="http://schemas.openxmlformats.org/drawingml/2006/main" xmlns:r="http://schemas.openxmlformats.org/officeDocument/2006/relationships" xmlns:p="http://schemas.openxmlformats.org/presentationml/2006/main">
+  <p:cSld>
+    <p:spTree>
+      <p:nvGrpSpPr>
+        <p:cNvPr id="1" name=""/>
+        <p:cNvGrpSpPr/>
+        <p:nvPr/>
+      </p:nvGrpSpPr>
+      <p:grpSpPr>
+        <a:xfrm>
+          <a:off x="0" y="0"/>
+          <a:ext cx="0" cy="0"/>
+          <a:chOff x="0" y="0"/>
+          <a:chExt cx="0" cy="0"/>
+        </a:xfrm>
+      </p:grpSpPr>
+      <p:sp>
+        <p:nvSpPr>
+          <p:cNvPr id="2" name="Slide Image Placeholder 1"/>
+          <p:cNvSpPr>
+            <a:spLocks noGrp="1" noRot="1" noChangeAspect="1"/>
+          </p:cNvSpPr>
+          <p:nvPr>
+            <p:ph type="sldImg"/>
+          </p:nvPr>
+        </p:nvSpPr>
+        <p:spPr/>
+      </p:sp>
+      <p:sp>
+        <p:nvSpPr>
+          <p:cNvPr id="3" name="Notes Placeholder 2"/>
+          <p:cNvSpPr>
+            <a:spLocks noGrp="1"/>
+          </p:cNvSpPr>
+          <p:nvPr>
+            <p:ph type="body" idx="1"/>
+          </p:nvPr>
+        </p:nvSpPr>
+        <p:spPr/>
+        <p:txBody>
+          <a:bodyPr/>
+          <a:lstStyle/>
+          <a:p>
+            <a:r>
+              <a:rPr lang="en-US" dirty="0"/>
               <a:t>In Unit 1, we discussed a little bit about the necessity for including public class at the very beginning of our code to make it work. We said that we would learn later what this is for and why it is necessary. We will begin discussing it today and fully discuss classes (and creating our own) in Unit 5.</a:t>
             </a:r>
           </a:p>
@@ -581,7 +668,7 @@
 </file>
 
 <file path=ppt/slideLayouts/slideLayout1.xml><?xml version="1.0" encoding="utf-8"?>
-<p:sldLayout xmlns:a="http://schemas.openxmlformats.org/drawingml/2006/main" xmlns:r="http://schemas.openxmlformats.org/officeDocument/2006/relationships" xmlns:p="http://schemas.openxmlformats.org/presentationml/2006/main" type="title" preserve="1">
+<p:sldLayout xmlns:a="http://schemas.openxmlformats.org/drawingml/2006/main" xmlns:r="http://schemas.openxmlformats.org/officeDocument/2006/relationships" xmlns:p="http://schemas.openxmlformats.org/presentationml/2006/main" showMasterSp="0" type="title" preserve="1">
   <p:cSld name="Title Slide">
     <p:spTree>
       <p:nvGrpSpPr>
@@ -599,31 +686,113 @@
       </p:grpSpPr>
       <p:sp>
         <p:nvSpPr>
-          <p:cNvPr id="2" name="Title 1">
-            <a:extLst>
-              <a:ext uri="{FF2B5EF4-FFF2-40B4-BE49-F238E27FC236}">
-                <a16:creationId xmlns:a16="http://schemas.microsoft.com/office/drawing/2014/main" id="{5873E764-BA89-4F6C-AC11-5A33FE3A9168}"/>
-              </a:ext>
-            </a:extLst>
-          </p:cNvPr>
-          <p:cNvSpPr>
-            <a:spLocks noGrp="1"/>
-          </p:cNvSpPr>
-          <p:nvPr>
-            <p:ph type="ctrTitle"/>
-          </p:nvPr>
+          <p:cNvPr id="7" name="Rectangle 6"/>
+          <p:cNvSpPr/>
+          <p:nvPr/>
         </p:nvSpPr>
         <p:spPr>
           <a:xfrm>
-            <a:off x="1524000" y="1122363"/>
-            <a:ext cx="9144000" cy="2387600"/>
+            <a:off x="3175" y="6400800"/>
+            <a:ext cx="12188825" cy="457200"/>
+          </a:xfrm>
+          <a:prstGeom prst="rect">
+            <a:avLst/>
+          </a:prstGeom>
+          <a:solidFill>
+            <a:schemeClr val="accent2"/>
+          </a:solidFill>
+          <a:ln>
+            <a:noFill/>
+          </a:ln>
+        </p:spPr>
+        <p:style>
+          <a:lnRef idx="2">
+            <a:schemeClr val="accent1">
+              <a:shade val="50000"/>
+            </a:schemeClr>
+          </a:lnRef>
+          <a:fillRef idx="1">
+            <a:schemeClr val="accent1"/>
+          </a:fillRef>
+          <a:effectRef idx="0">
+            <a:schemeClr val="accent1"/>
+          </a:effectRef>
+          <a:fontRef idx="minor">
+            <a:schemeClr val="lt1"/>
+          </a:fontRef>
+        </p:style>
+      </p:sp>
+      <p:sp>
+        <p:nvSpPr>
+          <p:cNvPr id="8" name="Rectangle 7"/>
+          <p:cNvSpPr/>
+          <p:nvPr/>
+        </p:nvSpPr>
+        <p:spPr>
+          <a:xfrm>
+            <a:off x="15" y="6334316"/>
+            <a:ext cx="12188825" cy="64008"/>
+          </a:xfrm>
+          <a:prstGeom prst="rect">
+            <a:avLst/>
+          </a:prstGeom>
+          <a:solidFill>
+            <a:schemeClr val="accent1"/>
+          </a:solidFill>
+          <a:ln>
+            <a:noFill/>
+          </a:ln>
+        </p:spPr>
+        <p:style>
+          <a:lnRef idx="2">
+            <a:schemeClr val="accent1">
+              <a:shade val="50000"/>
+            </a:schemeClr>
+          </a:lnRef>
+          <a:fillRef idx="1">
+            <a:schemeClr val="accent1"/>
+          </a:fillRef>
+          <a:effectRef idx="0">
+            <a:schemeClr val="accent1"/>
+          </a:effectRef>
+          <a:fontRef idx="minor">
+            <a:schemeClr val="lt1"/>
+          </a:fontRef>
+        </p:style>
+      </p:sp>
+      <p:sp>
+        <p:nvSpPr>
+          <p:cNvPr id="2" name="Title 1"/>
+          <p:cNvSpPr>
+            <a:spLocks noGrp="1"/>
+          </p:cNvSpPr>
+          <p:nvPr>
+            <p:ph type="ctrTitle"/>
+          </p:nvPr>
+        </p:nvSpPr>
+        <p:spPr>
+          <a:xfrm>
+            <a:off x="1097280" y="758952"/>
+            <a:ext cx="10058400" cy="3566160"/>
           </a:xfrm>
         </p:spPr>
         <p:txBody>
-          <a:bodyPr anchor="b"/>
+          <a:bodyPr anchor="b">
+            <a:normAutofit/>
+          </a:bodyPr>
           <a:lstStyle>
-            <a:lvl1pPr algn="ctr">
-              <a:defRPr sz="6000"/>
+            <a:lvl1pPr algn="l">
+              <a:lnSpc>
+                <a:spcPct val="85000"/>
+              </a:lnSpc>
+              <a:defRPr sz="8000" spc="-50" baseline="0">
+                <a:solidFill>
+                  <a:schemeClr val="tx1">
+                    <a:lumMod val="85000"/>
+                    <a:lumOff val="15000"/>
+                  </a:schemeClr>
+                </a:solidFill>
+              </a:defRPr>
             </a:lvl1pPr>
           </a:lstStyle>
           <a:p>
@@ -631,18 +800,13 @@
               <a:rPr lang="en-US"/>
               <a:t>Click to edit Master title style</a:t>
             </a:r>
-          </a:p>
-        </p:txBody>
-      </p:sp>
-      <p:sp>
-        <p:nvSpPr>
-          <p:cNvPr id="3" name="Subtitle 2">
-            <a:extLst>
-              <a:ext uri="{FF2B5EF4-FFF2-40B4-BE49-F238E27FC236}">
-                <a16:creationId xmlns:a16="http://schemas.microsoft.com/office/drawing/2014/main" id="{E3CCD01B-DA7B-4307-9E16-3211A15295BB}"/>
-              </a:ext>
-            </a:extLst>
-          </p:cNvPr>
+            <a:endParaRPr lang="en-US" dirty="0"/>
+          </a:p>
+        </p:txBody>
+      </p:sp>
+      <p:sp>
+        <p:nvSpPr>
+          <p:cNvPr id="3" name="Subtitle 2"/>
           <p:cNvSpPr>
             <a:spLocks noGrp="1"/>
           </p:cNvSpPr>
@@ -652,48 +816,55 @@
         </p:nvSpPr>
         <p:spPr>
           <a:xfrm>
-            <a:off x="1524000" y="3602038"/>
-            <a:ext cx="9144000" cy="1655762"/>
+            <a:off x="1100051" y="4455620"/>
+            <a:ext cx="10058400" cy="1143000"/>
           </a:xfrm>
         </p:spPr>
         <p:txBody>
-          <a:bodyPr/>
+          <a:bodyPr lIns="91440" rIns="91440">
+            <a:normAutofit/>
+          </a:bodyPr>
           <a:lstStyle>
-            <a:lvl1pPr marL="0" indent="0" algn="ctr">
-              <a:buNone/>
-              <a:defRPr sz="2400"/>
+            <a:lvl1pPr marL="0" indent="0" algn="l">
+              <a:buNone/>
+              <a:defRPr sz="2400" cap="all" spc="200" baseline="0">
+                <a:solidFill>
+                  <a:schemeClr val="tx2"/>
+                </a:solidFill>
+                <a:latin typeface="+mj-lt"/>
+              </a:defRPr>
             </a:lvl1pPr>
             <a:lvl2pPr marL="457200" indent="0" algn="ctr">
               <a:buNone/>
-              <a:defRPr sz="2000"/>
+              <a:defRPr sz="2400"/>
             </a:lvl2pPr>
             <a:lvl3pPr marL="914400" indent="0" algn="ctr">
               <a:buNone/>
-              <a:defRPr sz="1800"/>
+              <a:defRPr sz="2400"/>
             </a:lvl3pPr>
             <a:lvl4pPr marL="1371600" indent="0" algn="ctr">
               <a:buNone/>
-              <a:defRPr sz="1600"/>
+              <a:defRPr sz="2000"/>
             </a:lvl4pPr>
             <a:lvl5pPr marL="1828800" indent="0" algn="ctr">
               <a:buNone/>
-              <a:defRPr sz="1600"/>
+              <a:defRPr sz="2000"/>
             </a:lvl5pPr>
             <a:lvl6pPr marL="2286000" indent="0" algn="ctr">
               <a:buNone/>
-              <a:defRPr sz="1600"/>
+              <a:defRPr sz="2000"/>
             </a:lvl6pPr>
             <a:lvl7pPr marL="2743200" indent="0" algn="ctr">
               <a:buNone/>
-              <a:defRPr sz="1600"/>
+              <a:defRPr sz="2000"/>
             </a:lvl7pPr>
             <a:lvl8pPr marL="3200400" indent="0" algn="ctr">
               <a:buNone/>
-              <a:defRPr sz="1600"/>
+              <a:defRPr sz="2000"/>
             </a:lvl8pPr>
             <a:lvl9pPr marL="3657600" indent="0" algn="ctr">
               <a:buNone/>
-              <a:defRPr sz="1600"/>
+              <a:defRPr sz="2000"/>
             </a:lvl9pPr>
           </a:lstStyle>
           <a:p>
@@ -701,18 +872,13 @@
               <a:rPr lang="en-US"/>
               <a:t>Click to edit Master subtitle style</a:t>
             </a:r>
-          </a:p>
-        </p:txBody>
-      </p:sp>
-      <p:sp>
-        <p:nvSpPr>
-          <p:cNvPr id="4" name="Date Placeholder 3">
-            <a:extLst>
-              <a:ext uri="{FF2B5EF4-FFF2-40B4-BE49-F238E27FC236}">
-                <a16:creationId xmlns:a16="http://schemas.microsoft.com/office/drawing/2014/main" id="{3BC91B9D-B594-4908-A7D5-1A22522B6D44}"/>
-              </a:ext>
-            </a:extLst>
-          </p:cNvPr>
+            <a:endParaRPr lang="en-US" dirty="0"/>
+          </a:p>
+        </p:txBody>
+      </p:sp>
+      <p:sp>
+        <p:nvSpPr>
+          <p:cNvPr id="4" name="Date Placeholder 3"/>
           <p:cNvSpPr>
             <a:spLocks noGrp="1"/>
           </p:cNvSpPr>
@@ -727,7 +893,7 @@
           <a:p>
             <a:fld id="{EB5B1443-7FEB-4797-A546-AD7699624C9A}" type="datetimeFigureOut">
               <a:rPr lang="en-US" smtClean="0"/>
-              <a:t>1/15/2021</a:t>
+              <a:t>1/18/2021</a:t>
             </a:fld>
             <a:endParaRPr lang="en-US"/>
           </a:p>
@@ -735,13 +901,7 @@
       </p:sp>
       <p:sp>
         <p:nvSpPr>
-          <p:cNvPr id="5" name="Footer Placeholder 4">
-            <a:extLst>
-              <a:ext uri="{FF2B5EF4-FFF2-40B4-BE49-F238E27FC236}">
-                <a16:creationId xmlns:a16="http://schemas.microsoft.com/office/drawing/2014/main" id="{0B6906D1-BBC9-47E1-AF86-F0F81761CD43}"/>
-              </a:ext>
-            </a:extLst>
-          </p:cNvPr>
+          <p:cNvPr id="5" name="Footer Placeholder 4"/>
           <p:cNvSpPr>
             <a:spLocks noGrp="1"/>
           </p:cNvSpPr>
@@ -760,13 +920,7 @@
       </p:sp>
       <p:sp>
         <p:nvSpPr>
-          <p:cNvPr id="6" name="Slide Number Placeholder 5">
-            <a:extLst>
-              <a:ext uri="{FF2B5EF4-FFF2-40B4-BE49-F238E27FC236}">
-                <a16:creationId xmlns:a16="http://schemas.microsoft.com/office/drawing/2014/main" id="{6BAB4AA0-7515-4476-BC10-8F9C0C061872}"/>
-              </a:ext>
-            </a:extLst>
-          </p:cNvPr>
+          <p:cNvPr id="6" name="Slide Number Placeholder 5"/>
           <p:cNvSpPr>
             <a:spLocks noGrp="1"/>
           </p:cNvSpPr>
@@ -787,10 +941,48 @@
           </a:p>
         </p:txBody>
       </p:sp>
+      <p:cxnSp>
+        <p:nvCxnSpPr>
+          <p:cNvPr id="9" name="Straight Connector 8"/>
+          <p:cNvCxnSpPr/>
+          <p:nvPr/>
+        </p:nvCxnSpPr>
+        <p:spPr>
+          <a:xfrm>
+            <a:off x="1207658" y="4343400"/>
+            <a:ext cx="9875520" cy="0"/>
+          </a:xfrm>
+          <a:prstGeom prst="line">
+            <a:avLst/>
+          </a:prstGeom>
+          <a:ln w="6350">
+            <a:solidFill>
+              <a:schemeClr val="tx1">
+                <a:lumMod val="50000"/>
+                <a:lumOff val="50000"/>
+              </a:schemeClr>
+            </a:solidFill>
+          </a:ln>
+        </p:spPr>
+        <p:style>
+          <a:lnRef idx="1">
+            <a:schemeClr val="accent1"/>
+          </a:lnRef>
+          <a:fillRef idx="0">
+            <a:schemeClr val="accent1"/>
+          </a:fillRef>
+          <a:effectRef idx="0">
+            <a:schemeClr val="accent1"/>
+          </a:effectRef>
+          <a:fontRef idx="minor">
+            <a:schemeClr val="tx1"/>
+          </a:fontRef>
+        </p:style>
+      </p:cxnSp>
     </p:spTree>
     <p:extLst>
       <p:ext uri="{BB962C8B-B14F-4D97-AF65-F5344CB8AC3E}">
-        <p14:creationId xmlns:p14="http://schemas.microsoft.com/office/powerpoint/2010/main" val="730555499"/>
+        <p14:creationId xmlns:p14="http://schemas.microsoft.com/office/powerpoint/2010/main" val="12938726"/>
       </p:ext>
     </p:extLst>
   </p:cSld>
@@ -819,13 +1011,7 @@
       </p:grpSpPr>
       <p:sp>
         <p:nvSpPr>
-          <p:cNvPr id="2" name="Title 1">
-            <a:extLst>
-              <a:ext uri="{FF2B5EF4-FFF2-40B4-BE49-F238E27FC236}">
-                <a16:creationId xmlns:a16="http://schemas.microsoft.com/office/drawing/2014/main" id="{469D1D9D-68B8-409A-92BC-AEA58E5DA2FD}"/>
-              </a:ext>
-            </a:extLst>
-          </p:cNvPr>
+          <p:cNvPr id="2" name="Title 1"/>
           <p:cNvSpPr>
             <a:spLocks noGrp="1"/>
           </p:cNvSpPr>
@@ -842,18 +1028,13 @@
               <a:rPr lang="en-US"/>
               <a:t>Click to edit Master title style</a:t>
             </a:r>
-          </a:p>
-        </p:txBody>
-      </p:sp>
-      <p:sp>
-        <p:nvSpPr>
-          <p:cNvPr id="3" name="Vertical Text Placeholder 2">
-            <a:extLst>
-              <a:ext uri="{FF2B5EF4-FFF2-40B4-BE49-F238E27FC236}">
-                <a16:creationId xmlns:a16="http://schemas.microsoft.com/office/drawing/2014/main" id="{EDB0C56E-9A5C-4C31-8A7D-D1D58C6E8204}"/>
-              </a:ext>
-            </a:extLst>
-          </p:cNvPr>
+            <a:endParaRPr lang="en-US" dirty="0"/>
+          </a:p>
+        </p:txBody>
+      </p:sp>
+      <p:sp>
+        <p:nvSpPr>
+          <p:cNvPr id="3" name="Vertical Text Placeholder 2"/>
           <p:cNvSpPr>
             <a:spLocks noGrp="1"/>
           </p:cNvSpPr>
@@ -863,7 +1044,7 @@
         </p:nvSpPr>
         <p:spPr/>
         <p:txBody>
-          <a:bodyPr vert="eaVert"/>
+          <a:bodyPr vert="eaVert" lIns="45720" tIns="0" rIns="45720" bIns="0"/>
           <a:lstStyle/>
           <a:p>
             <a:pPr lvl="0"/>
@@ -899,18 +1080,13 @@
               <a:rPr lang="en-US"/>
               <a:t>Fifth level</a:t>
             </a:r>
-          </a:p>
-        </p:txBody>
-      </p:sp>
-      <p:sp>
-        <p:nvSpPr>
-          <p:cNvPr id="4" name="Date Placeholder 3">
-            <a:extLst>
-              <a:ext uri="{FF2B5EF4-FFF2-40B4-BE49-F238E27FC236}">
-                <a16:creationId xmlns:a16="http://schemas.microsoft.com/office/drawing/2014/main" id="{9E3BE1D4-4223-4530-8FD8-10B7D91F1157}"/>
-              </a:ext>
-            </a:extLst>
-          </p:cNvPr>
+            <a:endParaRPr lang="en-US" dirty="0"/>
+          </a:p>
+        </p:txBody>
+      </p:sp>
+      <p:sp>
+        <p:nvSpPr>
+          <p:cNvPr id="4" name="Date Placeholder 3"/>
           <p:cNvSpPr>
             <a:spLocks noGrp="1"/>
           </p:cNvSpPr>
@@ -925,7 +1101,7 @@
           <a:p>
             <a:fld id="{EB5B1443-7FEB-4797-A546-AD7699624C9A}" type="datetimeFigureOut">
               <a:rPr lang="en-US" smtClean="0"/>
-              <a:t>1/15/2021</a:t>
+              <a:t>1/18/2021</a:t>
             </a:fld>
             <a:endParaRPr lang="en-US"/>
           </a:p>
@@ -933,13 +1109,7 @@
       </p:sp>
       <p:sp>
         <p:nvSpPr>
-          <p:cNvPr id="5" name="Footer Placeholder 4">
-            <a:extLst>
-              <a:ext uri="{FF2B5EF4-FFF2-40B4-BE49-F238E27FC236}">
-                <a16:creationId xmlns:a16="http://schemas.microsoft.com/office/drawing/2014/main" id="{9315BAB7-A96F-4D44-807A-4043630652D7}"/>
-              </a:ext>
-            </a:extLst>
-          </p:cNvPr>
+          <p:cNvPr id="5" name="Footer Placeholder 4"/>
           <p:cNvSpPr>
             <a:spLocks noGrp="1"/>
           </p:cNvSpPr>
@@ -958,13 +1128,7 @@
       </p:sp>
       <p:sp>
         <p:nvSpPr>
-          <p:cNvPr id="6" name="Slide Number Placeholder 5">
-            <a:extLst>
-              <a:ext uri="{FF2B5EF4-FFF2-40B4-BE49-F238E27FC236}">
-                <a16:creationId xmlns:a16="http://schemas.microsoft.com/office/drawing/2014/main" id="{9AA59F65-6A71-47C4-AAB9-F173A89DC6BE}"/>
-              </a:ext>
-            </a:extLst>
-          </p:cNvPr>
+          <p:cNvPr id="6" name="Slide Number Placeholder 5"/>
           <p:cNvSpPr>
             <a:spLocks noGrp="1"/>
           </p:cNvSpPr>
@@ -988,7 +1152,7 @@
     </p:spTree>
     <p:extLst>
       <p:ext uri="{BB962C8B-B14F-4D97-AF65-F5344CB8AC3E}">
-        <p14:creationId xmlns:p14="http://schemas.microsoft.com/office/powerpoint/2010/main" val="1539731363"/>
+        <p14:creationId xmlns:p14="http://schemas.microsoft.com/office/powerpoint/2010/main" val="1314961808"/>
       </p:ext>
     </p:extLst>
   </p:cSld>
@@ -999,7 +1163,7 @@
 </file>
 
 <file path=ppt/slideLayouts/slideLayout11.xml><?xml version="1.0" encoding="utf-8"?>
-<p:sldLayout xmlns:a="http://schemas.openxmlformats.org/drawingml/2006/main" xmlns:r="http://schemas.openxmlformats.org/officeDocument/2006/relationships" xmlns:p="http://schemas.openxmlformats.org/presentationml/2006/main" type="vertTitleAndTx" preserve="1">
+<p:sldLayout xmlns:a="http://schemas.openxmlformats.org/drawingml/2006/main" xmlns:r="http://schemas.openxmlformats.org/officeDocument/2006/relationships" xmlns:p="http://schemas.openxmlformats.org/presentationml/2006/main" showMasterSp="0" type="vertTitleAndTx" preserve="1">
   <p:cSld name="Vertical Title and Text">
     <p:spTree>
       <p:nvGrpSpPr>
@@ -1017,24 +1181,94 @@
       </p:grpSpPr>
       <p:sp>
         <p:nvSpPr>
-          <p:cNvPr id="2" name="Vertical Title 1">
-            <a:extLst>
-              <a:ext uri="{FF2B5EF4-FFF2-40B4-BE49-F238E27FC236}">
-                <a16:creationId xmlns:a16="http://schemas.microsoft.com/office/drawing/2014/main" id="{AA4E7C6B-6784-4F1C-88DA-6A63561F873C}"/>
-              </a:ext>
-            </a:extLst>
-          </p:cNvPr>
-          <p:cNvSpPr>
-            <a:spLocks noGrp="1"/>
-          </p:cNvSpPr>
-          <p:nvPr>
-            <p:ph type="title" orient="vert"/>
-          </p:nvPr>
+          <p:cNvPr id="7" name="Rectangle 6"/>
+          <p:cNvSpPr/>
+          <p:nvPr/>
         </p:nvSpPr>
         <p:spPr>
           <a:xfrm>
-            <a:off x="8724900" y="365125"/>
-            <a:ext cx="2628900" cy="5811838"/>
+            <a:off x="3175" y="6400800"/>
+            <a:ext cx="12188825" cy="457200"/>
+          </a:xfrm>
+          <a:prstGeom prst="rect">
+            <a:avLst/>
+          </a:prstGeom>
+          <a:solidFill>
+            <a:schemeClr val="accent2"/>
+          </a:solidFill>
+          <a:ln>
+            <a:noFill/>
+          </a:ln>
+        </p:spPr>
+        <p:style>
+          <a:lnRef idx="2">
+            <a:schemeClr val="accent1">
+              <a:shade val="50000"/>
+            </a:schemeClr>
+          </a:lnRef>
+          <a:fillRef idx="1">
+            <a:schemeClr val="accent1"/>
+          </a:fillRef>
+          <a:effectRef idx="0">
+            <a:schemeClr val="accent1"/>
+          </a:effectRef>
+          <a:fontRef idx="minor">
+            <a:schemeClr val="lt1"/>
+          </a:fontRef>
+        </p:style>
+      </p:sp>
+      <p:sp>
+        <p:nvSpPr>
+          <p:cNvPr id="8" name="Rectangle 7"/>
+          <p:cNvSpPr/>
+          <p:nvPr/>
+        </p:nvSpPr>
+        <p:spPr>
+          <a:xfrm>
+            <a:off x="15" y="6334316"/>
+            <a:ext cx="12188825" cy="64008"/>
+          </a:xfrm>
+          <a:prstGeom prst="rect">
+            <a:avLst/>
+          </a:prstGeom>
+          <a:solidFill>
+            <a:schemeClr val="accent1"/>
+          </a:solidFill>
+          <a:ln>
+            <a:noFill/>
+          </a:ln>
+        </p:spPr>
+        <p:style>
+          <a:lnRef idx="2">
+            <a:schemeClr val="accent1">
+              <a:shade val="50000"/>
+            </a:schemeClr>
+          </a:lnRef>
+          <a:fillRef idx="1">
+            <a:schemeClr val="accent1"/>
+          </a:fillRef>
+          <a:effectRef idx="0">
+            <a:schemeClr val="accent1"/>
+          </a:effectRef>
+          <a:fontRef idx="minor">
+            <a:schemeClr val="lt1"/>
+          </a:fontRef>
+        </p:style>
+      </p:sp>
+      <p:sp>
+        <p:nvSpPr>
+          <p:cNvPr id="2" name="Vertical Title 1"/>
+          <p:cNvSpPr>
+            <a:spLocks noGrp="1"/>
+          </p:cNvSpPr>
+          <p:nvPr>
+            <p:ph type="title" orient="vert"/>
+          </p:nvPr>
+        </p:nvSpPr>
+        <p:spPr>
+          <a:xfrm>
+            <a:off x="8724900" y="414778"/>
+            <a:ext cx="2628900" cy="5757421"/>
           </a:xfrm>
         </p:spPr>
         <p:txBody>
@@ -1045,18 +1279,13 @@
               <a:rPr lang="en-US"/>
               <a:t>Click to edit Master title style</a:t>
             </a:r>
-          </a:p>
-        </p:txBody>
-      </p:sp>
-      <p:sp>
-        <p:nvSpPr>
-          <p:cNvPr id="3" name="Vertical Text Placeholder 2">
-            <a:extLst>
-              <a:ext uri="{FF2B5EF4-FFF2-40B4-BE49-F238E27FC236}">
-                <a16:creationId xmlns:a16="http://schemas.microsoft.com/office/drawing/2014/main" id="{B2CFDD9D-A5CD-4F6D-9864-F1C591AC5563}"/>
-              </a:ext>
-            </a:extLst>
-          </p:cNvPr>
+            <a:endParaRPr lang="en-US" dirty="0"/>
+          </a:p>
+        </p:txBody>
+      </p:sp>
+      <p:sp>
+        <p:nvSpPr>
+          <p:cNvPr id="3" name="Vertical Text Placeholder 2"/>
           <p:cNvSpPr>
             <a:spLocks noGrp="1"/>
           </p:cNvSpPr>
@@ -1066,12 +1295,12 @@
         </p:nvSpPr>
         <p:spPr>
           <a:xfrm>
-            <a:off x="838200" y="365125"/>
-            <a:ext cx="7734300" cy="5811838"/>
+            <a:off x="838200" y="414778"/>
+            <a:ext cx="7734300" cy="5757422"/>
           </a:xfrm>
         </p:spPr>
         <p:txBody>
-          <a:bodyPr vert="eaVert"/>
+          <a:bodyPr vert="eaVert" lIns="45720" tIns="0" rIns="45720" bIns="0"/>
           <a:lstStyle/>
           <a:p>
             <a:pPr lvl="0"/>
@@ -1107,18 +1336,13 @@
               <a:rPr lang="en-US"/>
               <a:t>Fifth level</a:t>
             </a:r>
-          </a:p>
-        </p:txBody>
-      </p:sp>
-      <p:sp>
-        <p:nvSpPr>
-          <p:cNvPr id="4" name="Date Placeholder 3">
-            <a:extLst>
-              <a:ext uri="{FF2B5EF4-FFF2-40B4-BE49-F238E27FC236}">
-                <a16:creationId xmlns:a16="http://schemas.microsoft.com/office/drawing/2014/main" id="{2AFA3A34-F30C-4EC9-9282-8FAC53E3DEE7}"/>
-              </a:ext>
-            </a:extLst>
-          </p:cNvPr>
+            <a:endParaRPr lang="en-US" dirty="0"/>
+          </a:p>
+        </p:txBody>
+      </p:sp>
+      <p:sp>
+        <p:nvSpPr>
+          <p:cNvPr id="4" name="Date Placeholder 3"/>
           <p:cNvSpPr>
             <a:spLocks noGrp="1"/>
           </p:cNvSpPr>
@@ -1133,7 +1357,7 @@
           <a:p>
             <a:fld id="{EB5B1443-7FEB-4797-A546-AD7699624C9A}" type="datetimeFigureOut">
               <a:rPr lang="en-US" smtClean="0"/>
-              <a:t>1/15/2021</a:t>
+              <a:t>1/18/2021</a:t>
             </a:fld>
             <a:endParaRPr lang="en-US"/>
           </a:p>
@@ -1141,13 +1365,7 @@
       </p:sp>
       <p:sp>
         <p:nvSpPr>
-          <p:cNvPr id="5" name="Footer Placeholder 4">
-            <a:extLst>
-              <a:ext uri="{FF2B5EF4-FFF2-40B4-BE49-F238E27FC236}">
-                <a16:creationId xmlns:a16="http://schemas.microsoft.com/office/drawing/2014/main" id="{E4A9F00C-D226-42AC-8E57-D6151AE9A89F}"/>
-              </a:ext>
-            </a:extLst>
-          </p:cNvPr>
+          <p:cNvPr id="5" name="Footer Placeholder 4"/>
           <p:cNvSpPr>
             <a:spLocks noGrp="1"/>
           </p:cNvSpPr>
@@ -1166,13 +1384,7 @@
       </p:sp>
       <p:sp>
         <p:nvSpPr>
-          <p:cNvPr id="6" name="Slide Number Placeholder 5">
-            <a:extLst>
-              <a:ext uri="{FF2B5EF4-FFF2-40B4-BE49-F238E27FC236}">
-                <a16:creationId xmlns:a16="http://schemas.microsoft.com/office/drawing/2014/main" id="{CF757B68-7DFC-406A-AA2E-9F2AD61F4A8D}"/>
-              </a:ext>
-            </a:extLst>
-          </p:cNvPr>
+          <p:cNvPr id="6" name="Slide Number Placeholder 5"/>
           <p:cNvSpPr>
             <a:spLocks noGrp="1"/>
           </p:cNvSpPr>
@@ -1196,7 +1408,7 @@
     </p:spTree>
     <p:extLst>
       <p:ext uri="{BB962C8B-B14F-4D97-AF65-F5344CB8AC3E}">
-        <p14:creationId xmlns:p14="http://schemas.microsoft.com/office/powerpoint/2010/main" val="257040826"/>
+        <p14:creationId xmlns:p14="http://schemas.microsoft.com/office/powerpoint/2010/main" val="2777575080"/>
       </p:ext>
     </p:extLst>
   </p:cSld>
@@ -1225,13 +1437,7 @@
       </p:grpSpPr>
       <p:sp>
         <p:nvSpPr>
-          <p:cNvPr id="2" name="Title 1">
-            <a:extLst>
-              <a:ext uri="{FF2B5EF4-FFF2-40B4-BE49-F238E27FC236}">
-                <a16:creationId xmlns:a16="http://schemas.microsoft.com/office/drawing/2014/main" id="{0EBDDF0D-60C7-4D2D-93C2-0AED5C08A371}"/>
-              </a:ext>
-            </a:extLst>
-          </p:cNvPr>
+          <p:cNvPr id="2" name="Title 1"/>
           <p:cNvSpPr>
             <a:spLocks noGrp="1"/>
           </p:cNvSpPr>
@@ -1242,24 +1448,23 @@
         <p:spPr/>
         <p:txBody>
           <a:bodyPr/>
-          <a:lstStyle/>
+          <a:lstStyle>
+            <a:lvl1pPr marL="0">
+              <a:defRPr/>
+            </a:lvl1pPr>
+          </a:lstStyle>
           <a:p>
             <a:r>
               <a:rPr lang="en-US"/>
               <a:t>Click to edit Master title style</a:t>
             </a:r>
-          </a:p>
-        </p:txBody>
-      </p:sp>
-      <p:sp>
-        <p:nvSpPr>
-          <p:cNvPr id="3" name="Content Placeholder 2">
-            <a:extLst>
-              <a:ext uri="{FF2B5EF4-FFF2-40B4-BE49-F238E27FC236}">
-                <a16:creationId xmlns:a16="http://schemas.microsoft.com/office/drawing/2014/main" id="{CBC32C8B-944C-4583-B195-60DF202371CF}"/>
-              </a:ext>
-            </a:extLst>
-          </p:cNvPr>
+            <a:endParaRPr lang="en-US" dirty="0"/>
+          </a:p>
+        </p:txBody>
+      </p:sp>
+      <p:sp>
+        <p:nvSpPr>
+          <p:cNvPr id="3" name="Content Placeholder 2"/>
           <p:cNvSpPr>
             <a:spLocks noGrp="1"/>
           </p:cNvSpPr>
@@ -1305,18 +1510,13 @@
               <a:rPr lang="en-US"/>
               <a:t>Fifth level</a:t>
             </a:r>
-          </a:p>
-        </p:txBody>
-      </p:sp>
-      <p:sp>
-        <p:nvSpPr>
-          <p:cNvPr id="4" name="Date Placeholder 3">
-            <a:extLst>
-              <a:ext uri="{FF2B5EF4-FFF2-40B4-BE49-F238E27FC236}">
-                <a16:creationId xmlns:a16="http://schemas.microsoft.com/office/drawing/2014/main" id="{1F6F9C6D-A146-44E8-B8D5-12DC77B40886}"/>
-              </a:ext>
-            </a:extLst>
-          </p:cNvPr>
+            <a:endParaRPr lang="en-US" dirty="0"/>
+          </a:p>
+        </p:txBody>
+      </p:sp>
+      <p:sp>
+        <p:nvSpPr>
+          <p:cNvPr id="4" name="Date Placeholder 3"/>
           <p:cNvSpPr>
             <a:spLocks noGrp="1"/>
           </p:cNvSpPr>
@@ -1331,7 +1531,7 @@
           <a:p>
             <a:fld id="{EB5B1443-7FEB-4797-A546-AD7699624C9A}" type="datetimeFigureOut">
               <a:rPr lang="en-US" smtClean="0"/>
-              <a:t>1/15/2021</a:t>
+              <a:t>1/18/2021</a:t>
             </a:fld>
             <a:endParaRPr lang="en-US"/>
           </a:p>
@@ -1339,13 +1539,7 @@
       </p:sp>
       <p:sp>
         <p:nvSpPr>
-          <p:cNvPr id="5" name="Footer Placeholder 4">
-            <a:extLst>
-              <a:ext uri="{FF2B5EF4-FFF2-40B4-BE49-F238E27FC236}">
-                <a16:creationId xmlns:a16="http://schemas.microsoft.com/office/drawing/2014/main" id="{BFDC5E99-6206-41B4-8CD9-EB309A11AF67}"/>
-              </a:ext>
-            </a:extLst>
-          </p:cNvPr>
+          <p:cNvPr id="5" name="Footer Placeholder 4"/>
           <p:cNvSpPr>
             <a:spLocks noGrp="1"/>
           </p:cNvSpPr>
@@ -1364,13 +1558,7 @@
       </p:sp>
       <p:sp>
         <p:nvSpPr>
-          <p:cNvPr id="6" name="Slide Number Placeholder 5">
-            <a:extLst>
-              <a:ext uri="{FF2B5EF4-FFF2-40B4-BE49-F238E27FC236}">
-                <a16:creationId xmlns:a16="http://schemas.microsoft.com/office/drawing/2014/main" id="{4A10B67F-F7FD-4522-B510-856BB44B4251}"/>
-              </a:ext>
-            </a:extLst>
-          </p:cNvPr>
+          <p:cNvPr id="6" name="Slide Number Placeholder 5"/>
           <p:cNvSpPr>
             <a:spLocks noGrp="1"/>
           </p:cNvSpPr>
@@ -1394,7 +1582,7 @@
     </p:spTree>
     <p:extLst>
       <p:ext uri="{BB962C8B-B14F-4D97-AF65-F5344CB8AC3E}">
-        <p14:creationId xmlns:p14="http://schemas.microsoft.com/office/powerpoint/2010/main" val="971842994"/>
+        <p14:creationId xmlns:p14="http://schemas.microsoft.com/office/powerpoint/2010/main" val="1065958003"/>
       </p:ext>
     </p:extLst>
   </p:cSld>
@@ -1405,8 +1593,16 @@
 </file>
 
 <file path=ppt/slideLayouts/slideLayout3.xml><?xml version="1.0" encoding="utf-8"?>
-<p:sldLayout xmlns:a="http://schemas.openxmlformats.org/drawingml/2006/main" xmlns:r="http://schemas.openxmlformats.org/officeDocument/2006/relationships" xmlns:p="http://schemas.openxmlformats.org/presentationml/2006/main" type="secHead" preserve="1">
+<p:sldLayout xmlns:a="http://schemas.openxmlformats.org/drawingml/2006/main" xmlns:r="http://schemas.openxmlformats.org/officeDocument/2006/relationships" xmlns:p="http://schemas.openxmlformats.org/presentationml/2006/main" showMasterSp="0" type="secHead" preserve="1">
   <p:cSld name="Section Header">
+    <p:bg>
+      <p:bgPr>
+        <a:solidFill>
+          <a:schemeClr val="bg1"/>
+        </a:solidFill>
+        <a:effectLst/>
+      </p:bgPr>
+    </p:bg>
     <p:spTree>
       <p:nvGrpSpPr>
         <p:cNvPr id="1" name=""/>
@@ -1423,79 +1619,157 @@
       </p:grpSpPr>
       <p:sp>
         <p:nvSpPr>
-          <p:cNvPr id="2" name="Title 1">
-            <a:extLst>
-              <a:ext uri="{FF2B5EF4-FFF2-40B4-BE49-F238E27FC236}">
-                <a16:creationId xmlns:a16="http://schemas.microsoft.com/office/drawing/2014/main" id="{D3695137-A146-4FBA-80C2-2569C8043E58}"/>
-              </a:ext>
-            </a:extLst>
-          </p:cNvPr>
-          <p:cNvSpPr>
-            <a:spLocks noGrp="1"/>
-          </p:cNvSpPr>
-          <p:nvPr>
-            <p:ph type="title"/>
-          </p:nvPr>
+          <p:cNvPr id="7" name="Rectangle 6"/>
+          <p:cNvSpPr/>
+          <p:nvPr/>
         </p:nvSpPr>
         <p:spPr>
           <a:xfrm>
-            <a:off x="831850" y="1709738"/>
-            <a:ext cx="10515600" cy="2852737"/>
+            <a:off x="3175" y="6400800"/>
+            <a:ext cx="12188825" cy="457200"/>
+          </a:xfrm>
+          <a:prstGeom prst="rect">
+            <a:avLst/>
+          </a:prstGeom>
+          <a:solidFill>
+            <a:schemeClr val="accent2"/>
+          </a:solidFill>
+          <a:ln>
+            <a:noFill/>
+          </a:ln>
+        </p:spPr>
+        <p:style>
+          <a:lnRef idx="2">
+            <a:schemeClr val="accent1">
+              <a:shade val="50000"/>
+            </a:schemeClr>
+          </a:lnRef>
+          <a:fillRef idx="1">
+            <a:schemeClr val="accent1"/>
+          </a:fillRef>
+          <a:effectRef idx="0">
+            <a:schemeClr val="accent1"/>
+          </a:effectRef>
+          <a:fontRef idx="minor">
+            <a:schemeClr val="lt1"/>
+          </a:fontRef>
+        </p:style>
+      </p:sp>
+      <p:sp>
+        <p:nvSpPr>
+          <p:cNvPr id="8" name="Rectangle 7"/>
+          <p:cNvSpPr/>
+          <p:nvPr/>
+        </p:nvSpPr>
+        <p:spPr>
+          <a:xfrm>
+            <a:off x="15" y="6334316"/>
+            <a:ext cx="12188825" cy="64008"/>
+          </a:xfrm>
+          <a:prstGeom prst="rect">
+            <a:avLst/>
+          </a:prstGeom>
+          <a:solidFill>
+            <a:schemeClr val="accent1"/>
+          </a:solidFill>
+          <a:ln>
+            <a:noFill/>
+          </a:ln>
+        </p:spPr>
+        <p:style>
+          <a:lnRef idx="2">
+            <a:schemeClr val="accent1">
+              <a:shade val="50000"/>
+            </a:schemeClr>
+          </a:lnRef>
+          <a:fillRef idx="1">
+            <a:schemeClr val="accent1"/>
+          </a:fillRef>
+          <a:effectRef idx="0">
+            <a:schemeClr val="accent1"/>
+          </a:effectRef>
+          <a:fontRef idx="minor">
+            <a:schemeClr val="lt1"/>
+          </a:fontRef>
+        </p:style>
+      </p:sp>
+      <p:sp>
+        <p:nvSpPr>
+          <p:cNvPr id="2" name="Title 1"/>
+          <p:cNvSpPr>
+            <a:spLocks noGrp="1"/>
+          </p:cNvSpPr>
+          <p:nvPr>
+            <p:ph type="title"/>
+          </p:nvPr>
+        </p:nvSpPr>
+        <p:spPr>
+          <a:xfrm>
+            <a:off x="1097280" y="758952"/>
+            <a:ext cx="10058400" cy="3566160"/>
           </a:xfrm>
         </p:spPr>
         <p:txBody>
-          <a:bodyPr anchor="b"/>
+          <a:bodyPr anchor="b" anchorCtr="0">
+            <a:normAutofit/>
+          </a:bodyPr>
           <a:lstStyle>
             <a:lvl1pPr>
-              <a:defRPr sz="6000"/>
-            </a:lvl1pPr>
-          </a:lstStyle>
-          <a:p>
-            <a:r>
-              <a:rPr lang="en-US"/>
-              <a:t>Click to edit Master title style</a:t>
-            </a:r>
-          </a:p>
-        </p:txBody>
-      </p:sp>
-      <p:sp>
-        <p:nvSpPr>
-          <p:cNvPr id="3" name="Text Placeholder 2">
-            <a:extLst>
-              <a:ext uri="{FF2B5EF4-FFF2-40B4-BE49-F238E27FC236}">
-                <a16:creationId xmlns:a16="http://schemas.microsoft.com/office/drawing/2014/main" id="{B726AECD-53AD-4FB0-ABF9-50E077508940}"/>
-              </a:ext>
-            </a:extLst>
-          </p:cNvPr>
-          <p:cNvSpPr>
-            <a:spLocks noGrp="1"/>
-          </p:cNvSpPr>
-          <p:nvPr>
-            <p:ph type="body" idx="1"/>
-          </p:nvPr>
-        </p:nvSpPr>
-        <p:spPr>
-          <a:xfrm>
-            <a:off x="831850" y="4589463"/>
-            <a:ext cx="10515600" cy="1500187"/>
-          </a:xfrm>
-        </p:spPr>
-        <p:txBody>
-          <a:bodyPr/>
-          <a:lstStyle>
-            <a:lvl1pPr marL="0" indent="0">
-              <a:buNone/>
-              <a:defRPr sz="2400">
+              <a:lnSpc>
+                <a:spcPct val="85000"/>
+              </a:lnSpc>
+              <a:defRPr sz="8000" b="0">
                 <a:solidFill>
                   <a:schemeClr val="tx1">
-                    <a:tint val="75000"/>
+                    <a:lumMod val="85000"/>
+                    <a:lumOff val="15000"/>
                   </a:schemeClr>
                 </a:solidFill>
               </a:defRPr>
             </a:lvl1pPr>
+          </a:lstStyle>
+          <a:p>
+            <a:r>
+              <a:rPr lang="en-US"/>
+              <a:t>Click to edit Master title style</a:t>
+            </a:r>
+            <a:endParaRPr lang="en-US" dirty="0"/>
+          </a:p>
+        </p:txBody>
+      </p:sp>
+      <p:sp>
+        <p:nvSpPr>
+          <p:cNvPr id="3" name="Text Placeholder 2"/>
+          <p:cNvSpPr>
+            <a:spLocks noGrp="1"/>
+          </p:cNvSpPr>
+          <p:nvPr>
+            <p:ph type="body" idx="1"/>
+          </p:nvPr>
+        </p:nvSpPr>
+        <p:spPr>
+          <a:xfrm>
+            <a:off x="1097280" y="4453128"/>
+            <a:ext cx="10058400" cy="1143000"/>
+          </a:xfrm>
+        </p:spPr>
+        <p:txBody>
+          <a:bodyPr lIns="91440" rIns="91440" anchor="t" anchorCtr="0">
+            <a:normAutofit/>
+          </a:bodyPr>
+          <a:lstStyle>
+            <a:lvl1pPr marL="0" indent="0">
+              <a:buNone/>
+              <a:defRPr sz="2400" cap="all" spc="200" baseline="0">
+                <a:solidFill>
+                  <a:schemeClr val="tx2"/>
+                </a:solidFill>
+                <a:latin typeface="+mj-lt"/>
+              </a:defRPr>
+            </a:lvl1pPr>
             <a:lvl2pPr marL="457200" indent="0">
               <a:buNone/>
-              <a:defRPr sz="2000">
+              <a:defRPr sz="1800">
                 <a:solidFill>
                   <a:schemeClr val="tx1">
                     <a:tint val="75000"/>
@@ -1505,7 +1779,7 @@
             </a:lvl2pPr>
             <a:lvl3pPr marL="914400" indent="0">
               <a:buNone/>
-              <a:defRPr sz="1800">
+              <a:defRPr sz="1600">
                 <a:solidFill>
                   <a:schemeClr val="tx1">
                     <a:tint val="75000"/>
@@ -1515,7 +1789,7 @@
             </a:lvl3pPr>
             <a:lvl4pPr marL="1371600" indent="0">
               <a:buNone/>
-              <a:defRPr sz="1600">
+              <a:defRPr sz="1400">
                 <a:solidFill>
                   <a:schemeClr val="tx1">
                     <a:tint val="75000"/>
@@ -1525,7 +1799,7 @@
             </a:lvl4pPr>
             <a:lvl5pPr marL="1828800" indent="0">
               <a:buNone/>
-              <a:defRPr sz="1600">
+              <a:defRPr sz="1400">
                 <a:solidFill>
                   <a:schemeClr val="tx1">
                     <a:tint val="75000"/>
@@ -1535,7 +1809,7 @@
             </a:lvl5pPr>
             <a:lvl6pPr marL="2286000" indent="0">
               <a:buNone/>
-              <a:defRPr sz="1600">
+              <a:defRPr sz="1400">
                 <a:solidFill>
                   <a:schemeClr val="tx1">
                     <a:tint val="75000"/>
@@ -1545,7 +1819,7 @@
             </a:lvl6pPr>
             <a:lvl7pPr marL="2743200" indent="0">
               <a:buNone/>
-              <a:defRPr sz="1600">
+              <a:defRPr sz="1400">
                 <a:solidFill>
                   <a:schemeClr val="tx1">
                     <a:tint val="75000"/>
@@ -1555,7 +1829,7 @@
             </a:lvl7pPr>
             <a:lvl8pPr marL="3200400" indent="0">
               <a:buNone/>
-              <a:defRPr sz="1600">
+              <a:defRPr sz="1400">
                 <a:solidFill>
                   <a:schemeClr val="tx1">
                     <a:tint val="75000"/>
@@ -1565,7 +1839,7 @@
             </a:lvl8pPr>
             <a:lvl9pPr marL="3657600" indent="0">
               <a:buNone/>
-              <a:defRPr sz="1600">
+              <a:defRPr sz="1400">
                 <a:solidFill>
                   <a:schemeClr val="tx1">
                     <a:tint val="75000"/>
@@ -1585,13 +1859,7 @@
       </p:sp>
       <p:sp>
         <p:nvSpPr>
-          <p:cNvPr id="4" name="Date Placeholder 3">
-            <a:extLst>
-              <a:ext uri="{FF2B5EF4-FFF2-40B4-BE49-F238E27FC236}">
-                <a16:creationId xmlns:a16="http://schemas.microsoft.com/office/drawing/2014/main" id="{A66FA866-8FA6-496C-B5E6-3DBFF6372B98}"/>
-              </a:ext>
-            </a:extLst>
-          </p:cNvPr>
+          <p:cNvPr id="4" name="Date Placeholder 3"/>
           <p:cNvSpPr>
             <a:spLocks noGrp="1"/>
           </p:cNvSpPr>
@@ -1606,7 +1874,7 @@
           <a:p>
             <a:fld id="{EB5B1443-7FEB-4797-A546-AD7699624C9A}" type="datetimeFigureOut">
               <a:rPr lang="en-US" smtClean="0"/>
-              <a:t>1/15/2021</a:t>
+              <a:t>1/18/2021</a:t>
             </a:fld>
             <a:endParaRPr lang="en-US"/>
           </a:p>
@@ -1614,13 +1882,7 @@
       </p:sp>
       <p:sp>
         <p:nvSpPr>
-          <p:cNvPr id="5" name="Footer Placeholder 4">
-            <a:extLst>
-              <a:ext uri="{FF2B5EF4-FFF2-40B4-BE49-F238E27FC236}">
-                <a16:creationId xmlns:a16="http://schemas.microsoft.com/office/drawing/2014/main" id="{BA1F10CC-7B53-499D-BDB9-5BE8394387BF}"/>
-              </a:ext>
-            </a:extLst>
-          </p:cNvPr>
+          <p:cNvPr id="5" name="Footer Placeholder 4"/>
           <p:cNvSpPr>
             <a:spLocks noGrp="1"/>
           </p:cNvSpPr>
@@ -1639,13 +1901,7 @@
       </p:sp>
       <p:sp>
         <p:nvSpPr>
-          <p:cNvPr id="6" name="Slide Number Placeholder 5">
-            <a:extLst>
-              <a:ext uri="{FF2B5EF4-FFF2-40B4-BE49-F238E27FC236}">
-                <a16:creationId xmlns:a16="http://schemas.microsoft.com/office/drawing/2014/main" id="{C5D4C84A-CE7A-47B9-B3E4-8D8377F015E2}"/>
-              </a:ext>
-            </a:extLst>
-          </p:cNvPr>
+          <p:cNvPr id="6" name="Slide Number Placeholder 5"/>
           <p:cNvSpPr>
             <a:spLocks noGrp="1"/>
           </p:cNvSpPr>
@@ -1666,10 +1922,48 @@
           </a:p>
         </p:txBody>
       </p:sp>
+      <p:cxnSp>
+        <p:nvCxnSpPr>
+          <p:cNvPr id="9" name="Straight Connector 8"/>
+          <p:cNvCxnSpPr/>
+          <p:nvPr/>
+        </p:nvCxnSpPr>
+        <p:spPr>
+          <a:xfrm>
+            <a:off x="1207658" y="4343400"/>
+            <a:ext cx="9875520" cy="0"/>
+          </a:xfrm>
+          <a:prstGeom prst="line">
+            <a:avLst/>
+          </a:prstGeom>
+          <a:ln w="6350">
+            <a:solidFill>
+              <a:schemeClr val="tx1">
+                <a:lumMod val="50000"/>
+                <a:lumOff val="50000"/>
+              </a:schemeClr>
+            </a:solidFill>
+          </a:ln>
+        </p:spPr>
+        <p:style>
+          <a:lnRef idx="1">
+            <a:schemeClr val="accent1"/>
+          </a:lnRef>
+          <a:fillRef idx="0">
+            <a:schemeClr val="accent1"/>
+          </a:fillRef>
+          <a:effectRef idx="0">
+            <a:schemeClr val="accent1"/>
+          </a:effectRef>
+          <a:fontRef idx="minor">
+            <a:schemeClr val="tx1"/>
+          </a:fontRef>
+        </p:style>
+      </p:cxnSp>
     </p:spTree>
     <p:extLst>
       <p:ext uri="{BB962C8B-B14F-4D97-AF65-F5344CB8AC3E}">
-        <p14:creationId xmlns:p14="http://schemas.microsoft.com/office/powerpoint/2010/main" val="1997701808"/>
+        <p14:creationId xmlns:p14="http://schemas.microsoft.com/office/powerpoint/2010/main" val="946133033"/>
       </p:ext>
     </p:extLst>
   </p:cSld>
@@ -1698,114 +1992,46 @@
       </p:grpSpPr>
       <p:sp>
         <p:nvSpPr>
-          <p:cNvPr id="2" name="Title 1">
-            <a:extLst>
-              <a:ext uri="{FF2B5EF4-FFF2-40B4-BE49-F238E27FC236}">
-                <a16:creationId xmlns:a16="http://schemas.microsoft.com/office/drawing/2014/main" id="{1F30D183-1ED0-44C9-B3D5-514301E8F8CE}"/>
-              </a:ext>
-            </a:extLst>
-          </p:cNvPr>
+          <p:cNvPr id="8" name="Title 7"/>
           <p:cNvSpPr>
             <a:spLocks noGrp="1"/>
           </p:cNvSpPr>
           <p:nvPr>
             <p:ph type="title"/>
-          </p:nvPr>
-        </p:nvSpPr>
-        <p:spPr/>
-        <p:txBody>
-          <a:bodyPr/>
-          <a:lstStyle/>
-          <a:p>
-            <a:r>
-              <a:rPr lang="en-US"/>
-              <a:t>Click to edit Master title style</a:t>
-            </a:r>
-          </a:p>
-        </p:txBody>
-      </p:sp>
-      <p:sp>
-        <p:nvSpPr>
-          <p:cNvPr id="3" name="Content Placeholder 2">
-            <a:extLst>
-              <a:ext uri="{FF2B5EF4-FFF2-40B4-BE49-F238E27FC236}">
-                <a16:creationId xmlns:a16="http://schemas.microsoft.com/office/drawing/2014/main" id="{115D5865-908A-4AD0-A2D6-59458A1A8FEC}"/>
-              </a:ext>
-            </a:extLst>
-          </p:cNvPr>
-          <p:cNvSpPr>
-            <a:spLocks noGrp="1"/>
-          </p:cNvSpPr>
-          <p:nvPr>
-            <p:ph sz="half" idx="1"/>
           </p:nvPr>
         </p:nvSpPr>
         <p:spPr>
           <a:xfrm>
-            <a:off x="838200" y="1825625"/>
-            <a:ext cx="5181600" cy="4351338"/>
+            <a:off x="1097280" y="286603"/>
+            <a:ext cx="10058400" cy="1450757"/>
           </a:xfrm>
         </p:spPr>
         <p:txBody>
           <a:bodyPr/>
           <a:lstStyle/>
           <a:p>
-            <a:pPr lvl="0"/>
-            <a:r>
-              <a:rPr lang="en-US"/>
-              <a:t>Click to edit Master text styles</a:t>
-            </a:r>
-          </a:p>
-          <a:p>
-            <a:pPr lvl="1"/>
-            <a:r>
-              <a:rPr lang="en-US"/>
-              <a:t>Second level</a:t>
-            </a:r>
-          </a:p>
-          <a:p>
-            <a:pPr lvl="2"/>
-            <a:r>
-              <a:rPr lang="en-US"/>
-              <a:t>Third level</a:t>
-            </a:r>
-          </a:p>
-          <a:p>
-            <a:pPr lvl="3"/>
-            <a:r>
-              <a:rPr lang="en-US"/>
-              <a:t>Fourth level</a:t>
-            </a:r>
-          </a:p>
-          <a:p>
-            <a:pPr lvl="4"/>
-            <a:r>
-              <a:rPr lang="en-US"/>
-              <a:t>Fifth level</a:t>
-            </a:r>
-          </a:p>
-        </p:txBody>
-      </p:sp>
-      <p:sp>
-        <p:nvSpPr>
-          <p:cNvPr id="4" name="Content Placeholder 3">
-            <a:extLst>
-              <a:ext uri="{FF2B5EF4-FFF2-40B4-BE49-F238E27FC236}">
-                <a16:creationId xmlns:a16="http://schemas.microsoft.com/office/drawing/2014/main" id="{C623627D-B162-4E98-8255-21692BBDE506}"/>
-              </a:ext>
-            </a:extLst>
-          </p:cNvPr>
-          <p:cNvSpPr>
-            <a:spLocks noGrp="1"/>
-          </p:cNvSpPr>
-          <p:nvPr>
-            <p:ph sz="half" idx="2"/>
+            <a:r>
+              <a:rPr lang="en-US"/>
+              <a:t>Click to edit Master title style</a:t>
+            </a:r>
+            <a:endParaRPr lang="en-US" dirty="0"/>
+          </a:p>
+        </p:txBody>
+      </p:sp>
+      <p:sp>
+        <p:nvSpPr>
+          <p:cNvPr id="3" name="Content Placeholder 2"/>
+          <p:cNvSpPr>
+            <a:spLocks noGrp="1"/>
+          </p:cNvSpPr>
+          <p:nvPr>
+            <p:ph sz="half" idx="1"/>
           </p:nvPr>
         </p:nvSpPr>
         <p:spPr>
           <a:xfrm>
-            <a:off x="6172200" y="1825625"/>
-            <a:ext cx="5181600" cy="4351338"/>
+            <a:off x="1097279" y="1845734"/>
+            <a:ext cx="4937760" cy="4023360"/>
           </a:xfrm>
         </p:spPr>
         <p:txBody>
@@ -1845,18 +2071,70 @@
               <a:rPr lang="en-US"/>
               <a:t>Fifth level</a:t>
             </a:r>
-          </a:p>
-        </p:txBody>
-      </p:sp>
-      <p:sp>
-        <p:nvSpPr>
-          <p:cNvPr id="5" name="Date Placeholder 4">
-            <a:extLst>
-              <a:ext uri="{FF2B5EF4-FFF2-40B4-BE49-F238E27FC236}">
-                <a16:creationId xmlns:a16="http://schemas.microsoft.com/office/drawing/2014/main" id="{ECD571D9-40D7-486B-B523-062499EACF3B}"/>
-              </a:ext>
-            </a:extLst>
-          </p:cNvPr>
+            <a:endParaRPr lang="en-US" dirty="0"/>
+          </a:p>
+        </p:txBody>
+      </p:sp>
+      <p:sp>
+        <p:nvSpPr>
+          <p:cNvPr id="4" name="Content Placeholder 3"/>
+          <p:cNvSpPr>
+            <a:spLocks noGrp="1"/>
+          </p:cNvSpPr>
+          <p:nvPr>
+            <p:ph sz="half" idx="2"/>
+          </p:nvPr>
+        </p:nvSpPr>
+        <p:spPr>
+          <a:xfrm>
+            <a:off x="6217920" y="1845735"/>
+            <a:ext cx="4937760" cy="4023360"/>
+          </a:xfrm>
+        </p:spPr>
+        <p:txBody>
+          <a:bodyPr/>
+          <a:lstStyle/>
+          <a:p>
+            <a:pPr lvl="0"/>
+            <a:r>
+              <a:rPr lang="en-US"/>
+              <a:t>Click to edit Master text styles</a:t>
+            </a:r>
+          </a:p>
+          <a:p>
+            <a:pPr lvl="1"/>
+            <a:r>
+              <a:rPr lang="en-US"/>
+              <a:t>Second level</a:t>
+            </a:r>
+          </a:p>
+          <a:p>
+            <a:pPr lvl="2"/>
+            <a:r>
+              <a:rPr lang="en-US"/>
+              <a:t>Third level</a:t>
+            </a:r>
+          </a:p>
+          <a:p>
+            <a:pPr lvl="3"/>
+            <a:r>
+              <a:rPr lang="en-US"/>
+              <a:t>Fourth level</a:t>
+            </a:r>
+          </a:p>
+          <a:p>
+            <a:pPr lvl="4"/>
+            <a:r>
+              <a:rPr lang="en-US"/>
+              <a:t>Fifth level</a:t>
+            </a:r>
+            <a:endParaRPr lang="en-US" dirty="0"/>
+          </a:p>
+        </p:txBody>
+      </p:sp>
+      <p:sp>
+        <p:nvSpPr>
+          <p:cNvPr id="5" name="Date Placeholder 4"/>
           <p:cNvSpPr>
             <a:spLocks noGrp="1"/>
           </p:cNvSpPr>
@@ -1871,7 +2149,7 @@
           <a:p>
             <a:fld id="{EB5B1443-7FEB-4797-A546-AD7699624C9A}" type="datetimeFigureOut">
               <a:rPr lang="en-US" smtClean="0"/>
-              <a:t>1/15/2021</a:t>
+              <a:t>1/18/2021</a:t>
             </a:fld>
             <a:endParaRPr lang="en-US"/>
           </a:p>
@@ -1879,13 +2157,7 @@
       </p:sp>
       <p:sp>
         <p:nvSpPr>
-          <p:cNvPr id="6" name="Footer Placeholder 5">
-            <a:extLst>
-              <a:ext uri="{FF2B5EF4-FFF2-40B4-BE49-F238E27FC236}">
-                <a16:creationId xmlns:a16="http://schemas.microsoft.com/office/drawing/2014/main" id="{D97EB0D2-A269-4DF0-A8AB-3EF313B38350}"/>
-              </a:ext>
-            </a:extLst>
-          </p:cNvPr>
+          <p:cNvPr id="6" name="Footer Placeholder 5"/>
           <p:cNvSpPr>
             <a:spLocks noGrp="1"/>
           </p:cNvSpPr>
@@ -1904,13 +2176,7 @@
       </p:sp>
       <p:sp>
         <p:nvSpPr>
-          <p:cNvPr id="7" name="Slide Number Placeholder 6">
-            <a:extLst>
-              <a:ext uri="{FF2B5EF4-FFF2-40B4-BE49-F238E27FC236}">
-                <a16:creationId xmlns:a16="http://schemas.microsoft.com/office/drawing/2014/main" id="{FC6664CF-F9A8-4926-B0A3-F1E02E89B4AB}"/>
-              </a:ext>
-            </a:extLst>
-          </p:cNvPr>
+          <p:cNvPr id="7" name="Slide Number Placeholder 6"/>
           <p:cNvSpPr>
             <a:spLocks noGrp="1"/>
           </p:cNvSpPr>
@@ -1934,7 +2200,7 @@
     </p:spTree>
     <p:extLst>
       <p:ext uri="{BB962C8B-B14F-4D97-AF65-F5344CB8AC3E}">
-        <p14:creationId xmlns:p14="http://schemas.microsoft.com/office/powerpoint/2010/main" val="945989642"/>
+        <p14:creationId xmlns:p14="http://schemas.microsoft.com/office/powerpoint/2010/main" val="4158787082"/>
       </p:ext>
     </p:extLst>
   </p:cSld>
@@ -1963,13 +2229,7 @@
       </p:grpSpPr>
       <p:sp>
         <p:nvSpPr>
-          <p:cNvPr id="2" name="Title 1">
-            <a:extLst>
-              <a:ext uri="{FF2B5EF4-FFF2-40B4-BE49-F238E27FC236}">
-                <a16:creationId xmlns:a16="http://schemas.microsoft.com/office/drawing/2014/main" id="{DBB47930-2699-4675-BF9B-11EB7EBD106C}"/>
-              </a:ext>
-            </a:extLst>
-          </p:cNvPr>
+          <p:cNvPr id="10" name="Title 9"/>
           <p:cNvSpPr>
             <a:spLocks noGrp="1"/>
           </p:cNvSpPr>
@@ -1979,8 +2239,8 @@
         </p:nvSpPr>
         <p:spPr>
           <a:xfrm>
-            <a:off x="839788" y="365125"/>
-            <a:ext cx="10515600" cy="1325563"/>
+            <a:off x="1097280" y="286603"/>
+            <a:ext cx="10058400" cy="1450757"/>
           </a:xfrm>
         </p:spPr>
         <p:txBody>
@@ -1991,18 +2251,13 @@
               <a:rPr lang="en-US"/>
               <a:t>Click to edit Master title style</a:t>
             </a:r>
-          </a:p>
-        </p:txBody>
-      </p:sp>
-      <p:sp>
-        <p:nvSpPr>
-          <p:cNvPr id="3" name="Text Placeholder 2">
-            <a:extLst>
-              <a:ext uri="{FF2B5EF4-FFF2-40B4-BE49-F238E27FC236}">
-                <a16:creationId xmlns:a16="http://schemas.microsoft.com/office/drawing/2014/main" id="{C621B3FA-AF35-451A-A274-F69D6B7826EA}"/>
-              </a:ext>
-            </a:extLst>
-          </p:cNvPr>
+            <a:endParaRPr lang="en-US" dirty="0"/>
+          </a:p>
+        </p:txBody>
+      </p:sp>
+      <p:sp>
+        <p:nvSpPr>
+          <p:cNvPr id="3" name="Text Placeholder 2"/>
           <p:cNvSpPr>
             <a:spLocks noGrp="1"/>
           </p:cNvSpPr>
@@ -2012,16 +2267,22 @@
         </p:nvSpPr>
         <p:spPr>
           <a:xfrm>
-            <a:off x="839788" y="1681163"/>
-            <a:ext cx="5157787" cy="823912"/>
+            <a:off x="1097280" y="1846052"/>
+            <a:ext cx="4937760" cy="736282"/>
           </a:xfrm>
         </p:spPr>
         <p:txBody>
-          <a:bodyPr anchor="b"/>
+          <a:bodyPr lIns="91440" rIns="91440" anchor="ctr">
+            <a:normAutofit/>
+          </a:bodyPr>
           <a:lstStyle>
             <a:lvl1pPr marL="0" indent="0">
               <a:buNone/>
-              <a:defRPr sz="2400" b="1"/>
+              <a:defRPr sz="2000" b="0" cap="all" baseline="0">
+                <a:solidFill>
+                  <a:schemeClr val="tx2"/>
+                </a:solidFill>
+              </a:defRPr>
             </a:lvl1pPr>
             <a:lvl2pPr marL="457200" indent="0">
               <a:buNone/>
@@ -2067,13 +2328,7 @@
       </p:sp>
       <p:sp>
         <p:nvSpPr>
-          <p:cNvPr id="4" name="Content Placeholder 3">
-            <a:extLst>
-              <a:ext uri="{FF2B5EF4-FFF2-40B4-BE49-F238E27FC236}">
-                <a16:creationId xmlns:a16="http://schemas.microsoft.com/office/drawing/2014/main" id="{33209E50-97E7-46E3-B449-FFEF814CF090}"/>
-              </a:ext>
-            </a:extLst>
-          </p:cNvPr>
+          <p:cNvPr id="4" name="Content Placeholder 3"/>
           <p:cNvSpPr>
             <a:spLocks noGrp="1"/>
           </p:cNvSpPr>
@@ -2083,8 +2338,8 @@
         </p:nvSpPr>
         <p:spPr>
           <a:xfrm>
-            <a:off x="839788" y="2505075"/>
-            <a:ext cx="5157787" cy="3684588"/>
+            <a:off x="1097280" y="2582334"/>
+            <a:ext cx="4937760" cy="3378200"/>
           </a:xfrm>
         </p:spPr>
         <p:txBody>
@@ -2124,18 +2379,13 @@
               <a:rPr lang="en-US"/>
               <a:t>Fifth level</a:t>
             </a:r>
-          </a:p>
-        </p:txBody>
-      </p:sp>
-      <p:sp>
-        <p:nvSpPr>
-          <p:cNvPr id="5" name="Text Placeholder 4">
-            <a:extLst>
-              <a:ext uri="{FF2B5EF4-FFF2-40B4-BE49-F238E27FC236}">
-                <a16:creationId xmlns:a16="http://schemas.microsoft.com/office/drawing/2014/main" id="{DFCA46CF-7F39-4B16-B8A8-7B749AC521EB}"/>
-              </a:ext>
-            </a:extLst>
-          </p:cNvPr>
+            <a:endParaRPr lang="en-US" dirty="0"/>
+          </a:p>
+        </p:txBody>
+      </p:sp>
+      <p:sp>
+        <p:nvSpPr>
+          <p:cNvPr id="5" name="Text Placeholder 4"/>
           <p:cNvSpPr>
             <a:spLocks noGrp="1"/>
           </p:cNvSpPr>
@@ -2145,16 +2395,22 @@
         </p:nvSpPr>
         <p:spPr>
           <a:xfrm>
-            <a:off x="6172200" y="1681163"/>
-            <a:ext cx="5183188" cy="823912"/>
+            <a:off x="6217920" y="1846052"/>
+            <a:ext cx="4937760" cy="736282"/>
           </a:xfrm>
         </p:spPr>
         <p:txBody>
-          <a:bodyPr anchor="b"/>
+          <a:bodyPr lIns="91440" rIns="91440" anchor="ctr">
+            <a:normAutofit/>
+          </a:bodyPr>
           <a:lstStyle>
             <a:lvl1pPr marL="0" indent="0">
               <a:buNone/>
-              <a:defRPr sz="2400" b="1"/>
+              <a:defRPr sz="2000" b="0" cap="all" baseline="0">
+                <a:solidFill>
+                  <a:schemeClr val="tx2"/>
+                </a:solidFill>
+              </a:defRPr>
             </a:lvl1pPr>
             <a:lvl2pPr marL="457200" indent="0">
               <a:buNone/>
@@ -2200,13 +2456,7 @@
       </p:sp>
       <p:sp>
         <p:nvSpPr>
-          <p:cNvPr id="6" name="Content Placeholder 5">
-            <a:extLst>
-              <a:ext uri="{FF2B5EF4-FFF2-40B4-BE49-F238E27FC236}">
-                <a16:creationId xmlns:a16="http://schemas.microsoft.com/office/drawing/2014/main" id="{14E4B4FB-7B7D-4611-929D-2B4D7A583598}"/>
-              </a:ext>
-            </a:extLst>
-          </p:cNvPr>
+          <p:cNvPr id="6" name="Content Placeholder 5"/>
           <p:cNvSpPr>
             <a:spLocks noGrp="1"/>
           </p:cNvSpPr>
@@ -2216,8 +2466,8 @@
         </p:nvSpPr>
         <p:spPr>
           <a:xfrm>
-            <a:off x="6172200" y="2505075"/>
-            <a:ext cx="5183188" cy="3684588"/>
+            <a:off x="6217920" y="2582334"/>
+            <a:ext cx="4937760" cy="3378200"/>
           </a:xfrm>
         </p:spPr>
         <p:txBody>
@@ -2257,18 +2507,13 @@
               <a:rPr lang="en-US"/>
               <a:t>Fifth level</a:t>
             </a:r>
-          </a:p>
-        </p:txBody>
-      </p:sp>
-      <p:sp>
-        <p:nvSpPr>
-          <p:cNvPr id="7" name="Date Placeholder 6">
-            <a:extLst>
-              <a:ext uri="{FF2B5EF4-FFF2-40B4-BE49-F238E27FC236}">
-                <a16:creationId xmlns:a16="http://schemas.microsoft.com/office/drawing/2014/main" id="{E34CDA72-9052-44A7-BEAF-AD7523335DF2}"/>
-              </a:ext>
-            </a:extLst>
-          </p:cNvPr>
+            <a:endParaRPr lang="en-US" dirty="0"/>
+          </a:p>
+        </p:txBody>
+      </p:sp>
+      <p:sp>
+        <p:nvSpPr>
+          <p:cNvPr id="7" name="Date Placeholder 6"/>
           <p:cNvSpPr>
             <a:spLocks noGrp="1"/>
           </p:cNvSpPr>
@@ -2283,7 +2528,7 @@
           <a:p>
             <a:fld id="{EB5B1443-7FEB-4797-A546-AD7699624C9A}" type="datetimeFigureOut">
               <a:rPr lang="en-US" smtClean="0"/>
-              <a:t>1/15/2021</a:t>
+              <a:t>1/18/2021</a:t>
             </a:fld>
             <a:endParaRPr lang="en-US"/>
           </a:p>
@@ -2291,13 +2536,7 @@
       </p:sp>
       <p:sp>
         <p:nvSpPr>
-          <p:cNvPr id="8" name="Footer Placeholder 7">
-            <a:extLst>
-              <a:ext uri="{FF2B5EF4-FFF2-40B4-BE49-F238E27FC236}">
-                <a16:creationId xmlns:a16="http://schemas.microsoft.com/office/drawing/2014/main" id="{0BCBCD40-6ACC-4A65-8658-CE2E323BDA9C}"/>
-              </a:ext>
-            </a:extLst>
-          </p:cNvPr>
+          <p:cNvPr id="8" name="Footer Placeholder 7"/>
           <p:cNvSpPr>
             <a:spLocks noGrp="1"/>
           </p:cNvSpPr>
@@ -2316,13 +2555,7 @@
       </p:sp>
       <p:sp>
         <p:nvSpPr>
-          <p:cNvPr id="9" name="Slide Number Placeholder 8">
-            <a:extLst>
-              <a:ext uri="{FF2B5EF4-FFF2-40B4-BE49-F238E27FC236}">
-                <a16:creationId xmlns:a16="http://schemas.microsoft.com/office/drawing/2014/main" id="{C9419162-6B00-401E-96AA-24BFADA883C6}"/>
-              </a:ext>
-            </a:extLst>
-          </p:cNvPr>
+          <p:cNvPr id="9" name="Slide Number Placeholder 8"/>
           <p:cNvSpPr>
             <a:spLocks noGrp="1"/>
           </p:cNvSpPr>
@@ -2346,7 +2579,7 @@
     </p:spTree>
     <p:extLst>
       <p:ext uri="{BB962C8B-B14F-4D97-AF65-F5344CB8AC3E}">
-        <p14:creationId xmlns:p14="http://schemas.microsoft.com/office/powerpoint/2010/main" val="756374084"/>
+        <p14:creationId xmlns:p14="http://schemas.microsoft.com/office/powerpoint/2010/main" val="2078753130"/>
       </p:ext>
     </p:extLst>
   </p:cSld>
@@ -2375,13 +2608,7 @@
       </p:grpSpPr>
       <p:sp>
         <p:nvSpPr>
-          <p:cNvPr id="2" name="Title 1">
-            <a:extLst>
-              <a:ext uri="{FF2B5EF4-FFF2-40B4-BE49-F238E27FC236}">
-                <a16:creationId xmlns:a16="http://schemas.microsoft.com/office/drawing/2014/main" id="{9E9071E1-1BA3-4B74-9006-55280DC67635}"/>
-              </a:ext>
-            </a:extLst>
-          </p:cNvPr>
+          <p:cNvPr id="2" name="Title 1"/>
           <p:cNvSpPr>
             <a:spLocks noGrp="1"/>
           </p:cNvSpPr>
@@ -2398,18 +2625,13 @@
               <a:rPr lang="en-US"/>
               <a:t>Click to edit Master title style</a:t>
             </a:r>
-          </a:p>
-        </p:txBody>
-      </p:sp>
-      <p:sp>
-        <p:nvSpPr>
-          <p:cNvPr id="3" name="Date Placeholder 2">
-            <a:extLst>
-              <a:ext uri="{FF2B5EF4-FFF2-40B4-BE49-F238E27FC236}">
-                <a16:creationId xmlns:a16="http://schemas.microsoft.com/office/drawing/2014/main" id="{F7FC9A70-0874-46A4-AEF8-F1D92F2EFB6C}"/>
-              </a:ext>
-            </a:extLst>
-          </p:cNvPr>
+            <a:endParaRPr lang="en-US" dirty="0"/>
+          </a:p>
+        </p:txBody>
+      </p:sp>
+      <p:sp>
+        <p:nvSpPr>
+          <p:cNvPr id="3" name="Date Placeholder 2"/>
           <p:cNvSpPr>
             <a:spLocks noGrp="1"/>
           </p:cNvSpPr>
@@ -2424,7 +2646,7 @@
           <a:p>
             <a:fld id="{EB5B1443-7FEB-4797-A546-AD7699624C9A}" type="datetimeFigureOut">
               <a:rPr lang="en-US" smtClean="0"/>
-              <a:t>1/15/2021</a:t>
+              <a:t>1/18/2021</a:t>
             </a:fld>
             <a:endParaRPr lang="en-US"/>
           </a:p>
@@ -2432,13 +2654,7 @@
       </p:sp>
       <p:sp>
         <p:nvSpPr>
-          <p:cNvPr id="4" name="Footer Placeholder 3">
-            <a:extLst>
-              <a:ext uri="{FF2B5EF4-FFF2-40B4-BE49-F238E27FC236}">
-                <a16:creationId xmlns:a16="http://schemas.microsoft.com/office/drawing/2014/main" id="{F954CD06-72FA-46A5-8195-D0F1B746BC51}"/>
-              </a:ext>
-            </a:extLst>
-          </p:cNvPr>
+          <p:cNvPr id="4" name="Footer Placeholder 3"/>
           <p:cNvSpPr>
             <a:spLocks noGrp="1"/>
           </p:cNvSpPr>
@@ -2457,13 +2673,7 @@
       </p:sp>
       <p:sp>
         <p:nvSpPr>
-          <p:cNvPr id="5" name="Slide Number Placeholder 4">
-            <a:extLst>
-              <a:ext uri="{FF2B5EF4-FFF2-40B4-BE49-F238E27FC236}">
-                <a16:creationId xmlns:a16="http://schemas.microsoft.com/office/drawing/2014/main" id="{C92DF85C-9345-4AC3-9066-546D7C255DC7}"/>
-              </a:ext>
-            </a:extLst>
-          </p:cNvPr>
+          <p:cNvPr id="5" name="Slide Number Placeholder 4"/>
           <p:cNvSpPr>
             <a:spLocks noGrp="1"/>
           </p:cNvSpPr>
@@ -2487,7 +2697,7 @@
     </p:spTree>
     <p:extLst>
       <p:ext uri="{BB962C8B-B14F-4D97-AF65-F5344CB8AC3E}">
-        <p14:creationId xmlns:p14="http://schemas.microsoft.com/office/powerpoint/2010/main" val="4257905749"/>
+        <p14:creationId xmlns:p14="http://schemas.microsoft.com/office/powerpoint/2010/main" val="1230838145"/>
       </p:ext>
     </p:extLst>
   </p:cSld>
@@ -2498,7 +2708,7 @@
 </file>
 
 <file path=ppt/slideLayouts/slideLayout7.xml><?xml version="1.0" encoding="utf-8"?>
-<p:sldLayout xmlns:a="http://schemas.openxmlformats.org/drawingml/2006/main" xmlns:r="http://schemas.openxmlformats.org/officeDocument/2006/relationships" xmlns:p="http://schemas.openxmlformats.org/presentationml/2006/main" type="blank" preserve="1">
+<p:sldLayout xmlns:a="http://schemas.openxmlformats.org/drawingml/2006/main" xmlns:r="http://schemas.openxmlformats.org/officeDocument/2006/relationships" xmlns:p="http://schemas.openxmlformats.org/presentationml/2006/main" showMasterSp="0" type="blank" preserve="1">
   <p:cSld name="Blank">
     <p:spTree>
       <p:nvGrpSpPr>
@@ -2516,13 +2726,83 @@
       </p:grpSpPr>
       <p:sp>
         <p:nvSpPr>
-          <p:cNvPr id="2" name="Date Placeholder 1">
-            <a:extLst>
-              <a:ext uri="{FF2B5EF4-FFF2-40B4-BE49-F238E27FC236}">
-                <a16:creationId xmlns:a16="http://schemas.microsoft.com/office/drawing/2014/main" id="{CAE06595-46D8-491D-8313-FA3CAA6E6B70}"/>
-              </a:ext>
-            </a:extLst>
-          </p:cNvPr>
+          <p:cNvPr id="5" name="Rectangle 4"/>
+          <p:cNvSpPr/>
+          <p:nvPr/>
+        </p:nvSpPr>
+        <p:spPr>
+          <a:xfrm>
+            <a:off x="3175" y="6400800"/>
+            <a:ext cx="12188825" cy="457200"/>
+          </a:xfrm>
+          <a:prstGeom prst="rect">
+            <a:avLst/>
+          </a:prstGeom>
+          <a:solidFill>
+            <a:schemeClr val="accent2"/>
+          </a:solidFill>
+          <a:ln>
+            <a:noFill/>
+          </a:ln>
+        </p:spPr>
+        <p:style>
+          <a:lnRef idx="2">
+            <a:schemeClr val="accent1">
+              <a:shade val="50000"/>
+            </a:schemeClr>
+          </a:lnRef>
+          <a:fillRef idx="1">
+            <a:schemeClr val="accent1"/>
+          </a:fillRef>
+          <a:effectRef idx="0">
+            <a:schemeClr val="accent1"/>
+          </a:effectRef>
+          <a:fontRef idx="minor">
+            <a:schemeClr val="lt1"/>
+          </a:fontRef>
+        </p:style>
+      </p:sp>
+      <p:sp>
+        <p:nvSpPr>
+          <p:cNvPr id="6" name="Rectangle 5"/>
+          <p:cNvSpPr/>
+          <p:nvPr/>
+        </p:nvSpPr>
+        <p:spPr>
+          <a:xfrm>
+            <a:off x="15" y="6334316"/>
+            <a:ext cx="12188825" cy="64008"/>
+          </a:xfrm>
+          <a:prstGeom prst="rect">
+            <a:avLst/>
+          </a:prstGeom>
+          <a:solidFill>
+            <a:schemeClr val="accent1"/>
+          </a:solidFill>
+          <a:ln>
+            <a:noFill/>
+          </a:ln>
+        </p:spPr>
+        <p:style>
+          <a:lnRef idx="2">
+            <a:schemeClr val="accent1">
+              <a:shade val="50000"/>
+            </a:schemeClr>
+          </a:lnRef>
+          <a:fillRef idx="1">
+            <a:schemeClr val="accent1"/>
+          </a:fillRef>
+          <a:effectRef idx="0">
+            <a:schemeClr val="accent1"/>
+          </a:effectRef>
+          <a:fontRef idx="minor">
+            <a:schemeClr val="lt1"/>
+          </a:fontRef>
+        </p:style>
+      </p:sp>
+      <p:sp>
+        <p:nvSpPr>
+          <p:cNvPr id="7" name="Date Placeholder 6"/>
           <p:cNvSpPr>
             <a:spLocks noGrp="1"/>
           </p:cNvSpPr>
@@ -2537,7 +2817,7 @@
           <a:p>
             <a:fld id="{EB5B1443-7FEB-4797-A546-AD7699624C9A}" type="datetimeFigureOut">
               <a:rPr lang="en-US" smtClean="0"/>
-              <a:t>1/15/2021</a:t>
+              <a:t>1/18/2021</a:t>
             </a:fld>
             <a:endParaRPr lang="en-US"/>
           </a:p>
@@ -2545,13 +2825,7 @@
       </p:sp>
       <p:sp>
         <p:nvSpPr>
-          <p:cNvPr id="3" name="Footer Placeholder 2">
-            <a:extLst>
-              <a:ext uri="{FF2B5EF4-FFF2-40B4-BE49-F238E27FC236}">
-                <a16:creationId xmlns:a16="http://schemas.microsoft.com/office/drawing/2014/main" id="{5D65E4B9-019D-41F4-B154-E3A0A32AA588}"/>
-              </a:ext>
-            </a:extLst>
-          </p:cNvPr>
+          <p:cNvPr id="8" name="Footer Placeholder 7"/>
           <p:cNvSpPr>
             <a:spLocks noGrp="1"/>
           </p:cNvSpPr>
@@ -2562,7 +2836,15 @@
         <p:spPr/>
         <p:txBody>
           <a:bodyPr/>
-          <a:lstStyle/>
+          <a:lstStyle>
+            <a:lvl1pPr>
+              <a:defRPr>
+                <a:solidFill>
+                  <a:srgbClr val="FFFFFF"/>
+                </a:solidFill>
+              </a:defRPr>
+            </a:lvl1pPr>
+          </a:lstStyle>
           <a:p>
             <a:endParaRPr lang="en-US"/>
           </a:p>
@@ -2570,13 +2852,7 @@
       </p:sp>
       <p:sp>
         <p:nvSpPr>
-          <p:cNvPr id="4" name="Slide Number Placeholder 3">
-            <a:extLst>
-              <a:ext uri="{FF2B5EF4-FFF2-40B4-BE49-F238E27FC236}">
-                <a16:creationId xmlns:a16="http://schemas.microsoft.com/office/drawing/2014/main" id="{73F182B7-3CF0-4DC9-A281-3298369A40C1}"/>
-              </a:ext>
-            </a:extLst>
-          </p:cNvPr>
+          <p:cNvPr id="9" name="Slide Number Placeholder 8"/>
           <p:cNvSpPr>
             <a:spLocks noGrp="1"/>
           </p:cNvSpPr>
@@ -2600,7 +2876,7 @@
     </p:spTree>
     <p:extLst>
       <p:ext uri="{BB962C8B-B14F-4D97-AF65-F5344CB8AC3E}">
-        <p14:creationId xmlns:p14="http://schemas.microsoft.com/office/powerpoint/2010/main" val="2452840747"/>
+        <p14:creationId xmlns:p14="http://schemas.microsoft.com/office/powerpoint/2010/main" val="1567200285"/>
       </p:ext>
     </p:extLst>
   </p:cSld>
@@ -2611,7 +2887,7 @@
 </file>
 
 <file path=ppt/slideLayouts/slideLayout8.xml><?xml version="1.0" encoding="utf-8"?>
-<p:sldLayout xmlns:a="http://schemas.openxmlformats.org/drawingml/2006/main" xmlns:r="http://schemas.openxmlformats.org/officeDocument/2006/relationships" xmlns:p="http://schemas.openxmlformats.org/presentationml/2006/main" type="objTx" preserve="1">
+<p:sldLayout xmlns:a="http://schemas.openxmlformats.org/drawingml/2006/main" xmlns:r="http://schemas.openxmlformats.org/officeDocument/2006/relationships" xmlns:p="http://schemas.openxmlformats.org/presentationml/2006/main" showMasterSp="0" type="objTx" preserve="1">
   <p:cSld name="Content with Caption">
     <p:spTree>
       <p:nvGrpSpPr>
@@ -2629,31 +2905,107 @@
       </p:grpSpPr>
       <p:sp>
         <p:nvSpPr>
-          <p:cNvPr id="2" name="Title 1">
-            <a:extLst>
-              <a:ext uri="{FF2B5EF4-FFF2-40B4-BE49-F238E27FC236}">
-                <a16:creationId xmlns:a16="http://schemas.microsoft.com/office/drawing/2014/main" id="{E017A989-E340-4D2A-B15B-E4C00EE080EA}"/>
-              </a:ext>
-            </a:extLst>
-          </p:cNvPr>
-          <p:cNvSpPr>
-            <a:spLocks noGrp="1"/>
-          </p:cNvSpPr>
-          <p:nvPr>
-            <p:ph type="title"/>
-          </p:nvPr>
+          <p:cNvPr id="8" name="Rectangle 7"/>
+          <p:cNvSpPr/>
+          <p:nvPr/>
         </p:nvSpPr>
         <p:spPr>
           <a:xfrm>
-            <a:off x="839788" y="457200"/>
-            <a:ext cx="3932237" cy="1600200"/>
+            <a:off x="16" y="0"/>
+            <a:ext cx="4050791" cy="6858000"/>
+          </a:xfrm>
+          <a:prstGeom prst="rect">
+            <a:avLst/>
+          </a:prstGeom>
+          <a:solidFill>
+            <a:schemeClr val="accent2"/>
+          </a:solidFill>
+          <a:ln>
+            <a:noFill/>
+          </a:ln>
+        </p:spPr>
+        <p:style>
+          <a:lnRef idx="2">
+            <a:schemeClr val="accent1">
+              <a:shade val="50000"/>
+            </a:schemeClr>
+          </a:lnRef>
+          <a:fillRef idx="1">
+            <a:schemeClr val="accent1"/>
+          </a:fillRef>
+          <a:effectRef idx="0">
+            <a:schemeClr val="accent1"/>
+          </a:effectRef>
+          <a:fontRef idx="minor">
+            <a:schemeClr val="lt1"/>
+          </a:fontRef>
+        </p:style>
+      </p:sp>
+      <p:sp>
+        <p:nvSpPr>
+          <p:cNvPr id="9" name="Rectangle 8"/>
+          <p:cNvSpPr/>
+          <p:nvPr/>
+        </p:nvSpPr>
+        <p:spPr>
+          <a:xfrm>
+            <a:off x="4040071" y="0"/>
+            <a:ext cx="64008" cy="6858000"/>
+          </a:xfrm>
+          <a:prstGeom prst="rect">
+            <a:avLst/>
+          </a:prstGeom>
+          <a:solidFill>
+            <a:schemeClr val="accent1"/>
+          </a:solidFill>
+          <a:ln>
+            <a:noFill/>
+          </a:ln>
+        </p:spPr>
+        <p:style>
+          <a:lnRef idx="2">
+            <a:schemeClr val="accent1">
+              <a:shade val="50000"/>
+            </a:schemeClr>
+          </a:lnRef>
+          <a:fillRef idx="1">
+            <a:schemeClr val="accent1"/>
+          </a:fillRef>
+          <a:effectRef idx="0">
+            <a:schemeClr val="accent1"/>
+          </a:effectRef>
+          <a:fontRef idx="minor">
+            <a:schemeClr val="lt1"/>
+          </a:fontRef>
+        </p:style>
+      </p:sp>
+      <p:sp>
+        <p:nvSpPr>
+          <p:cNvPr id="2" name="Title 1"/>
+          <p:cNvSpPr>
+            <a:spLocks noGrp="1"/>
+          </p:cNvSpPr>
+          <p:nvPr>
+            <p:ph type="title"/>
+          </p:nvPr>
+        </p:nvSpPr>
+        <p:spPr>
+          <a:xfrm>
+            <a:off x="457200" y="594359"/>
+            <a:ext cx="3200400" cy="2286000"/>
           </a:xfrm>
         </p:spPr>
         <p:txBody>
-          <a:bodyPr anchor="b"/>
+          <a:bodyPr anchor="b">
+            <a:normAutofit/>
+          </a:bodyPr>
           <a:lstStyle>
             <a:lvl1pPr>
-              <a:defRPr sz="3200"/>
+              <a:defRPr sz="3600" b="0">
+                <a:solidFill>
+                  <a:srgbClr val="FFFFFF"/>
+                </a:solidFill>
+              </a:defRPr>
             </a:lvl1pPr>
           </a:lstStyle>
           <a:p>
@@ -2661,18 +3013,13 @@
               <a:rPr lang="en-US"/>
               <a:t>Click to edit Master title style</a:t>
             </a:r>
-          </a:p>
-        </p:txBody>
-      </p:sp>
-      <p:sp>
-        <p:nvSpPr>
-          <p:cNvPr id="3" name="Content Placeholder 2">
-            <a:extLst>
-              <a:ext uri="{FF2B5EF4-FFF2-40B4-BE49-F238E27FC236}">
-                <a16:creationId xmlns:a16="http://schemas.microsoft.com/office/drawing/2014/main" id="{DA51744A-D082-442B-8DD2-5EF2B6CBA282}"/>
-              </a:ext>
-            </a:extLst>
-          </p:cNvPr>
+            <a:endParaRPr lang="en-US" dirty="0"/>
+          </a:p>
+        </p:txBody>
+      </p:sp>
+      <p:sp>
+        <p:nvSpPr>
+          <p:cNvPr id="3" name="Content Placeholder 2"/>
           <p:cNvSpPr>
             <a:spLocks noGrp="1"/>
           </p:cNvSpPr>
@@ -2682,223 +3029,208 @@
         </p:nvSpPr>
         <p:spPr>
           <a:xfrm>
-            <a:off x="5183188" y="987425"/>
-            <a:ext cx="6172200" cy="4873625"/>
+            <a:off x="4800600" y="731520"/>
+            <a:ext cx="6492240" cy="5257800"/>
           </a:xfrm>
         </p:spPr>
         <p:txBody>
           <a:bodyPr/>
+          <a:lstStyle/>
+          <a:p>
+            <a:pPr lvl="0"/>
+            <a:r>
+              <a:rPr lang="en-US"/>
+              <a:t>Click to edit Master text styles</a:t>
+            </a:r>
+          </a:p>
+          <a:p>
+            <a:pPr lvl="1"/>
+            <a:r>
+              <a:rPr lang="en-US"/>
+              <a:t>Second level</a:t>
+            </a:r>
+          </a:p>
+          <a:p>
+            <a:pPr lvl="2"/>
+            <a:r>
+              <a:rPr lang="en-US"/>
+              <a:t>Third level</a:t>
+            </a:r>
+          </a:p>
+          <a:p>
+            <a:pPr lvl="3"/>
+            <a:r>
+              <a:rPr lang="en-US"/>
+              <a:t>Fourth level</a:t>
+            </a:r>
+          </a:p>
+          <a:p>
+            <a:pPr lvl="4"/>
+            <a:r>
+              <a:rPr lang="en-US"/>
+              <a:t>Fifth level</a:t>
+            </a:r>
+            <a:endParaRPr lang="en-US" dirty="0"/>
+          </a:p>
+        </p:txBody>
+      </p:sp>
+      <p:sp>
+        <p:nvSpPr>
+          <p:cNvPr id="4" name="Text Placeholder 3"/>
+          <p:cNvSpPr>
+            <a:spLocks noGrp="1"/>
+          </p:cNvSpPr>
+          <p:nvPr>
+            <p:ph type="body" sz="half" idx="2"/>
+          </p:nvPr>
+        </p:nvSpPr>
+        <p:spPr>
+          <a:xfrm>
+            <a:off x="457200" y="2926080"/>
+            <a:ext cx="3200400" cy="3379124"/>
+          </a:xfrm>
+        </p:spPr>
+        <p:txBody>
+          <a:bodyPr lIns="91440" rIns="91440">
+            <a:normAutofit/>
+          </a:bodyPr>
+          <a:lstStyle>
+            <a:lvl1pPr marL="0" indent="0">
+              <a:buNone/>
+              <a:defRPr sz="1500">
+                <a:solidFill>
+                  <a:srgbClr val="FFFFFF"/>
+                </a:solidFill>
+              </a:defRPr>
+            </a:lvl1pPr>
+            <a:lvl2pPr marL="457200" indent="0">
+              <a:buNone/>
+              <a:defRPr sz="1200"/>
+            </a:lvl2pPr>
+            <a:lvl3pPr marL="914400" indent="0">
+              <a:buNone/>
+              <a:defRPr sz="1000"/>
+            </a:lvl3pPr>
+            <a:lvl4pPr marL="1371600" indent="0">
+              <a:buNone/>
+              <a:defRPr sz="900"/>
+            </a:lvl4pPr>
+            <a:lvl5pPr marL="1828800" indent="0">
+              <a:buNone/>
+              <a:defRPr sz="900"/>
+            </a:lvl5pPr>
+            <a:lvl6pPr marL="2286000" indent="0">
+              <a:buNone/>
+              <a:defRPr sz="900"/>
+            </a:lvl6pPr>
+            <a:lvl7pPr marL="2743200" indent="0">
+              <a:buNone/>
+              <a:defRPr sz="900"/>
+            </a:lvl7pPr>
+            <a:lvl8pPr marL="3200400" indent="0">
+              <a:buNone/>
+              <a:defRPr sz="900"/>
+            </a:lvl8pPr>
+            <a:lvl9pPr marL="3657600" indent="0">
+              <a:buNone/>
+              <a:defRPr sz="900"/>
+            </a:lvl9pPr>
+          </a:lstStyle>
+          <a:p>
+            <a:pPr lvl="0"/>
+            <a:r>
+              <a:rPr lang="en-US"/>
+              <a:t>Click to edit Master text styles</a:t>
+            </a:r>
+          </a:p>
+        </p:txBody>
+      </p:sp>
+      <p:sp>
+        <p:nvSpPr>
+          <p:cNvPr id="5" name="Date Placeholder 4"/>
+          <p:cNvSpPr>
+            <a:spLocks noGrp="1"/>
+          </p:cNvSpPr>
+          <p:nvPr>
+            <p:ph type="dt" sz="half" idx="10"/>
+          </p:nvPr>
+        </p:nvSpPr>
+        <p:spPr>
+          <a:xfrm>
+            <a:off x="465512" y="6459785"/>
+            <a:ext cx="2618510" cy="365125"/>
+          </a:xfrm>
+        </p:spPr>
+        <p:txBody>
+          <a:bodyPr/>
+          <a:lstStyle>
+            <a:lvl1pPr algn="l">
+              <a:defRPr/>
+            </a:lvl1pPr>
+          </a:lstStyle>
+          <a:p>
+            <a:fld id="{EB5B1443-7FEB-4797-A546-AD7699624C9A}" type="datetimeFigureOut">
+              <a:rPr lang="en-US" smtClean="0"/>
+              <a:t>1/18/2021</a:t>
+            </a:fld>
+            <a:endParaRPr lang="en-US"/>
+          </a:p>
+        </p:txBody>
+      </p:sp>
+      <p:sp>
+        <p:nvSpPr>
+          <p:cNvPr id="6" name="Footer Placeholder 5"/>
+          <p:cNvSpPr>
+            <a:spLocks noGrp="1"/>
+          </p:cNvSpPr>
+          <p:nvPr>
+            <p:ph type="ftr" sz="quarter" idx="11"/>
+          </p:nvPr>
+        </p:nvSpPr>
+        <p:spPr>
+          <a:xfrm>
+            <a:off x="4800600" y="6459785"/>
+            <a:ext cx="4648200" cy="365125"/>
+          </a:xfrm>
+        </p:spPr>
+        <p:txBody>
+          <a:bodyPr/>
+          <a:lstStyle>
+            <a:lvl1pPr algn="l">
+              <a:defRPr>
+                <a:solidFill>
+                  <a:schemeClr val="tx2"/>
+                </a:solidFill>
+              </a:defRPr>
+            </a:lvl1pPr>
+          </a:lstStyle>
+          <a:p>
+            <a:endParaRPr lang="en-US"/>
+          </a:p>
+        </p:txBody>
+      </p:sp>
+      <p:sp>
+        <p:nvSpPr>
+          <p:cNvPr id="7" name="Slide Number Placeholder 6"/>
+          <p:cNvSpPr>
+            <a:spLocks noGrp="1"/>
+          </p:cNvSpPr>
+          <p:nvPr>
+            <p:ph type="sldNum" sz="quarter" idx="12"/>
+          </p:nvPr>
+        </p:nvSpPr>
+        <p:spPr/>
+        <p:txBody>
+          <a:bodyPr/>
           <a:lstStyle>
             <a:lvl1pPr>
-              <a:defRPr sz="3200"/>
+              <a:defRPr>
+                <a:solidFill>
+                  <a:schemeClr val="tx2"/>
+                </a:solidFill>
+              </a:defRPr>
             </a:lvl1pPr>
-            <a:lvl2pPr>
-              <a:defRPr sz="2800"/>
-            </a:lvl2pPr>
-            <a:lvl3pPr>
-              <a:defRPr sz="2400"/>
-            </a:lvl3pPr>
-            <a:lvl4pPr>
-              <a:defRPr sz="2000"/>
-            </a:lvl4pPr>
-            <a:lvl5pPr>
-              <a:defRPr sz="2000"/>
-            </a:lvl5pPr>
-            <a:lvl6pPr>
-              <a:defRPr sz="2000"/>
-            </a:lvl6pPr>
-            <a:lvl7pPr>
-              <a:defRPr sz="2000"/>
-            </a:lvl7pPr>
-            <a:lvl8pPr>
-              <a:defRPr sz="2000"/>
-            </a:lvl8pPr>
-            <a:lvl9pPr>
-              <a:defRPr sz="2000"/>
-            </a:lvl9pPr>
           </a:lstStyle>
-          <a:p>
-            <a:pPr lvl="0"/>
-            <a:r>
-              <a:rPr lang="en-US"/>
-              <a:t>Click to edit Master text styles</a:t>
-            </a:r>
-          </a:p>
-          <a:p>
-            <a:pPr lvl="1"/>
-            <a:r>
-              <a:rPr lang="en-US"/>
-              <a:t>Second level</a:t>
-            </a:r>
-          </a:p>
-          <a:p>
-            <a:pPr lvl="2"/>
-            <a:r>
-              <a:rPr lang="en-US"/>
-              <a:t>Third level</a:t>
-            </a:r>
-          </a:p>
-          <a:p>
-            <a:pPr lvl="3"/>
-            <a:r>
-              <a:rPr lang="en-US"/>
-              <a:t>Fourth level</a:t>
-            </a:r>
-          </a:p>
-          <a:p>
-            <a:pPr lvl="4"/>
-            <a:r>
-              <a:rPr lang="en-US"/>
-              <a:t>Fifth level</a:t>
-            </a:r>
-          </a:p>
-        </p:txBody>
-      </p:sp>
-      <p:sp>
-        <p:nvSpPr>
-          <p:cNvPr id="4" name="Text Placeholder 3">
-            <a:extLst>
-              <a:ext uri="{FF2B5EF4-FFF2-40B4-BE49-F238E27FC236}">
-                <a16:creationId xmlns:a16="http://schemas.microsoft.com/office/drawing/2014/main" id="{A72C3DF2-30AA-4D18-AB71-4A0D6B3A1351}"/>
-              </a:ext>
-            </a:extLst>
-          </p:cNvPr>
-          <p:cNvSpPr>
-            <a:spLocks noGrp="1"/>
-          </p:cNvSpPr>
-          <p:nvPr>
-            <p:ph type="body" sz="half" idx="2"/>
-          </p:nvPr>
-        </p:nvSpPr>
-        <p:spPr>
-          <a:xfrm>
-            <a:off x="839788" y="2057400"/>
-            <a:ext cx="3932237" cy="3811588"/>
-          </a:xfrm>
-        </p:spPr>
-        <p:txBody>
-          <a:bodyPr/>
-          <a:lstStyle>
-            <a:lvl1pPr marL="0" indent="0">
-              <a:buNone/>
-              <a:defRPr sz="1600"/>
-            </a:lvl1pPr>
-            <a:lvl2pPr marL="457200" indent="0">
-              <a:buNone/>
-              <a:defRPr sz="1400"/>
-            </a:lvl2pPr>
-            <a:lvl3pPr marL="914400" indent="0">
-              <a:buNone/>
-              <a:defRPr sz="1200"/>
-            </a:lvl3pPr>
-            <a:lvl4pPr marL="1371600" indent="0">
-              <a:buNone/>
-              <a:defRPr sz="1000"/>
-            </a:lvl4pPr>
-            <a:lvl5pPr marL="1828800" indent="0">
-              <a:buNone/>
-              <a:defRPr sz="1000"/>
-            </a:lvl5pPr>
-            <a:lvl6pPr marL="2286000" indent="0">
-              <a:buNone/>
-              <a:defRPr sz="1000"/>
-            </a:lvl6pPr>
-            <a:lvl7pPr marL="2743200" indent="0">
-              <a:buNone/>
-              <a:defRPr sz="1000"/>
-            </a:lvl7pPr>
-            <a:lvl8pPr marL="3200400" indent="0">
-              <a:buNone/>
-              <a:defRPr sz="1000"/>
-            </a:lvl8pPr>
-            <a:lvl9pPr marL="3657600" indent="0">
-              <a:buNone/>
-              <a:defRPr sz="1000"/>
-            </a:lvl9pPr>
-          </a:lstStyle>
-          <a:p>
-            <a:pPr lvl="0"/>
-            <a:r>
-              <a:rPr lang="en-US"/>
-              <a:t>Click to edit Master text styles</a:t>
-            </a:r>
-          </a:p>
-        </p:txBody>
-      </p:sp>
-      <p:sp>
-        <p:nvSpPr>
-          <p:cNvPr id="5" name="Date Placeholder 4">
-            <a:extLst>
-              <a:ext uri="{FF2B5EF4-FFF2-40B4-BE49-F238E27FC236}">
-                <a16:creationId xmlns:a16="http://schemas.microsoft.com/office/drawing/2014/main" id="{2E956EAD-8A68-4584-A432-E9D7CC6905CD}"/>
-              </a:ext>
-            </a:extLst>
-          </p:cNvPr>
-          <p:cNvSpPr>
-            <a:spLocks noGrp="1"/>
-          </p:cNvSpPr>
-          <p:nvPr>
-            <p:ph type="dt" sz="half" idx="10"/>
-          </p:nvPr>
-        </p:nvSpPr>
-        <p:spPr/>
-        <p:txBody>
-          <a:bodyPr/>
-          <a:lstStyle/>
-          <a:p>
-            <a:fld id="{EB5B1443-7FEB-4797-A546-AD7699624C9A}" type="datetimeFigureOut">
-              <a:rPr lang="en-US" smtClean="0"/>
-              <a:t>1/15/2021</a:t>
-            </a:fld>
-            <a:endParaRPr lang="en-US"/>
-          </a:p>
-        </p:txBody>
-      </p:sp>
-      <p:sp>
-        <p:nvSpPr>
-          <p:cNvPr id="6" name="Footer Placeholder 5">
-            <a:extLst>
-              <a:ext uri="{FF2B5EF4-FFF2-40B4-BE49-F238E27FC236}">
-                <a16:creationId xmlns:a16="http://schemas.microsoft.com/office/drawing/2014/main" id="{358FF74A-BE6F-40B2-8489-199B3071BB60}"/>
-              </a:ext>
-            </a:extLst>
-          </p:cNvPr>
-          <p:cNvSpPr>
-            <a:spLocks noGrp="1"/>
-          </p:cNvSpPr>
-          <p:nvPr>
-            <p:ph type="ftr" sz="quarter" idx="11"/>
-          </p:nvPr>
-        </p:nvSpPr>
-        <p:spPr/>
-        <p:txBody>
-          <a:bodyPr/>
-          <a:lstStyle/>
-          <a:p>
-            <a:endParaRPr lang="en-US"/>
-          </a:p>
-        </p:txBody>
-      </p:sp>
-      <p:sp>
-        <p:nvSpPr>
-          <p:cNvPr id="7" name="Slide Number Placeholder 6">
-            <a:extLst>
-              <a:ext uri="{FF2B5EF4-FFF2-40B4-BE49-F238E27FC236}">
-                <a16:creationId xmlns:a16="http://schemas.microsoft.com/office/drawing/2014/main" id="{B21225CE-F73E-45F3-B952-2DF16DD9B5C1}"/>
-              </a:ext>
-            </a:extLst>
-          </p:cNvPr>
-          <p:cNvSpPr>
-            <a:spLocks noGrp="1"/>
-          </p:cNvSpPr>
-          <p:nvPr>
-            <p:ph type="sldNum" sz="quarter" idx="12"/>
-          </p:nvPr>
-        </p:nvSpPr>
-        <p:spPr/>
-        <p:txBody>
-          <a:bodyPr/>
-          <a:lstStyle/>
           <a:p>
             <a:fld id="{28CF36CB-D0F6-4EE0-BD18-A54A02C5C8EC}" type="slidenum">
               <a:rPr lang="en-US" smtClean="0"/>
@@ -2911,7 +3243,7 @@
     </p:spTree>
     <p:extLst>
       <p:ext uri="{BB962C8B-B14F-4D97-AF65-F5344CB8AC3E}">
-        <p14:creationId xmlns:p14="http://schemas.microsoft.com/office/powerpoint/2010/main" val="1697919688"/>
+        <p14:creationId xmlns:p14="http://schemas.microsoft.com/office/powerpoint/2010/main" val="3245674755"/>
       </p:ext>
     </p:extLst>
   </p:cSld>
@@ -2922,7 +3254,7 @@
 </file>
 
 <file path=ppt/slideLayouts/slideLayout9.xml><?xml version="1.0" encoding="utf-8"?>
-<p:sldLayout xmlns:a="http://schemas.openxmlformats.org/drawingml/2006/main" xmlns:r="http://schemas.openxmlformats.org/officeDocument/2006/relationships" xmlns:p="http://schemas.openxmlformats.org/presentationml/2006/main" type="picTx" preserve="1">
+<p:sldLayout xmlns:a="http://schemas.openxmlformats.org/drawingml/2006/main" xmlns:r="http://schemas.openxmlformats.org/officeDocument/2006/relationships" xmlns:p="http://schemas.openxmlformats.org/presentationml/2006/main" showMasterSp="0" type="picTx" preserve="1">
   <p:cSld name="Picture with Caption">
     <p:spTree>
       <p:nvGrpSpPr>
@@ -2940,31 +3272,107 @@
       </p:grpSpPr>
       <p:sp>
         <p:nvSpPr>
-          <p:cNvPr id="2" name="Title 1">
-            <a:extLst>
-              <a:ext uri="{FF2B5EF4-FFF2-40B4-BE49-F238E27FC236}">
-                <a16:creationId xmlns:a16="http://schemas.microsoft.com/office/drawing/2014/main" id="{63AE044F-04AB-44F7-917B-0EA46270FDD3}"/>
-              </a:ext>
-            </a:extLst>
-          </p:cNvPr>
-          <p:cNvSpPr>
-            <a:spLocks noGrp="1"/>
-          </p:cNvSpPr>
-          <p:nvPr>
-            <p:ph type="title"/>
-          </p:nvPr>
+          <p:cNvPr id="8" name="Rectangle 7"/>
+          <p:cNvSpPr/>
+          <p:nvPr/>
         </p:nvSpPr>
         <p:spPr>
           <a:xfrm>
-            <a:off x="839788" y="457200"/>
-            <a:ext cx="3932237" cy="1600200"/>
+            <a:off x="0" y="4953000"/>
+            <a:ext cx="12188825" cy="1905000"/>
+          </a:xfrm>
+          <a:prstGeom prst="rect">
+            <a:avLst/>
+          </a:prstGeom>
+          <a:solidFill>
+            <a:schemeClr val="accent2"/>
+          </a:solidFill>
+          <a:ln>
+            <a:noFill/>
+          </a:ln>
+        </p:spPr>
+        <p:style>
+          <a:lnRef idx="2">
+            <a:schemeClr val="accent1">
+              <a:shade val="50000"/>
+            </a:schemeClr>
+          </a:lnRef>
+          <a:fillRef idx="1">
+            <a:schemeClr val="accent1"/>
+          </a:fillRef>
+          <a:effectRef idx="0">
+            <a:schemeClr val="accent1"/>
+          </a:effectRef>
+          <a:fontRef idx="minor">
+            <a:schemeClr val="lt1"/>
+          </a:fontRef>
+        </p:style>
+      </p:sp>
+      <p:sp>
+        <p:nvSpPr>
+          <p:cNvPr id="9" name="Rectangle 8"/>
+          <p:cNvSpPr/>
+          <p:nvPr/>
+        </p:nvSpPr>
+        <p:spPr>
+          <a:xfrm>
+            <a:off x="15" y="4915076"/>
+            <a:ext cx="12188825" cy="64008"/>
+          </a:xfrm>
+          <a:prstGeom prst="rect">
+            <a:avLst/>
+          </a:prstGeom>
+          <a:solidFill>
+            <a:schemeClr val="accent1"/>
+          </a:solidFill>
+          <a:ln>
+            <a:noFill/>
+          </a:ln>
+        </p:spPr>
+        <p:style>
+          <a:lnRef idx="2">
+            <a:schemeClr val="accent1">
+              <a:shade val="50000"/>
+            </a:schemeClr>
+          </a:lnRef>
+          <a:fillRef idx="1">
+            <a:schemeClr val="accent1"/>
+          </a:fillRef>
+          <a:effectRef idx="0">
+            <a:schemeClr val="accent1"/>
+          </a:effectRef>
+          <a:fontRef idx="minor">
+            <a:schemeClr val="lt1"/>
+          </a:fontRef>
+        </p:style>
+      </p:sp>
+      <p:sp>
+        <p:nvSpPr>
+          <p:cNvPr id="2" name="Title 1"/>
+          <p:cNvSpPr>
+            <a:spLocks noGrp="1"/>
+          </p:cNvSpPr>
+          <p:nvPr>
+            <p:ph type="title"/>
+          </p:nvPr>
+        </p:nvSpPr>
+        <p:spPr>
+          <a:xfrm>
+            <a:off x="1097280" y="5074920"/>
+            <a:ext cx="10113264" cy="822960"/>
           </a:xfrm>
         </p:spPr>
         <p:txBody>
-          <a:bodyPr anchor="b"/>
+          <a:bodyPr lIns="91440" tIns="0" rIns="91440" bIns="0" anchor="b">
+            <a:noAutofit/>
+          </a:bodyPr>
           <a:lstStyle>
             <a:lvl1pPr>
-              <a:defRPr sz="3200"/>
+              <a:defRPr sz="3600" b="0">
+                <a:solidFill>
+                  <a:srgbClr val="FFFFFF"/>
+                </a:solidFill>
+              </a:defRPr>
             </a:lvl1pPr>
           </a:lstStyle>
           <a:p>
@@ -2972,20 +3380,15 @@
               <a:rPr lang="en-US"/>
               <a:t>Click to edit Master title style</a:t>
             </a:r>
-          </a:p>
-        </p:txBody>
-      </p:sp>
-      <p:sp>
-        <p:nvSpPr>
-          <p:cNvPr id="3" name="Picture Placeholder 2">
-            <a:extLst>
-              <a:ext uri="{FF2B5EF4-FFF2-40B4-BE49-F238E27FC236}">
-                <a16:creationId xmlns:a16="http://schemas.microsoft.com/office/drawing/2014/main" id="{5551FABA-D4A6-4244-B0DE-4A940541C060}"/>
-              </a:ext>
-            </a:extLst>
-          </p:cNvPr>
-          <p:cNvSpPr>
-            <a:spLocks noGrp="1"/>
+            <a:endParaRPr lang="en-US" dirty="0"/>
+          </a:p>
+        </p:txBody>
+      </p:sp>
+      <p:sp>
+        <p:nvSpPr>
+          <p:cNvPr id="3" name="Picture Placeholder 2"/>
+          <p:cNvSpPr>
+            <a:spLocks noGrp="1" noChangeAspect="1"/>
           </p:cNvSpPr>
           <p:nvPr>
             <p:ph type="pic" idx="1"/>
@@ -2993,16 +3396,26 @@
         </p:nvSpPr>
         <p:spPr>
           <a:xfrm>
-            <a:off x="5183188" y="987425"/>
-            <a:ext cx="6172200" cy="4873625"/>
+            <a:off x="15" y="0"/>
+            <a:ext cx="12191985" cy="4915076"/>
           </a:xfrm>
+          <a:blipFill>
+            <a:blip r:embed="rId2"/>
+            <a:stretch>
+              <a:fillRect/>
+            </a:stretch>
+          </a:blipFill>
         </p:spPr>
         <p:txBody>
-          <a:bodyPr/>
+          <a:bodyPr lIns="457200" tIns="457200" anchor="t"/>
           <a:lstStyle>
             <a:lvl1pPr marL="0" indent="0">
               <a:buNone/>
-              <a:defRPr sz="3200"/>
+              <a:defRPr sz="3200">
+                <a:solidFill>
+                  <a:schemeClr val="bg1"/>
+                </a:solidFill>
+              </a:defRPr>
             </a:lvl1pPr>
             <a:lvl2pPr marL="457200" indent="0">
               <a:buNone/>
@@ -3038,19 +3451,17 @@
             </a:lvl9pPr>
           </a:lstStyle>
           <a:p>
-            <a:endParaRPr lang="en-US"/>
-          </a:p>
-        </p:txBody>
-      </p:sp>
-      <p:sp>
-        <p:nvSpPr>
-          <p:cNvPr id="4" name="Text Placeholder 3">
-            <a:extLst>
-              <a:ext uri="{FF2B5EF4-FFF2-40B4-BE49-F238E27FC236}">
-                <a16:creationId xmlns:a16="http://schemas.microsoft.com/office/drawing/2014/main" id="{BC78A865-3941-4B4C-AB1C-FCDB56A80FC3}"/>
-              </a:ext>
-            </a:extLst>
-          </p:cNvPr>
+            <a:r>
+              <a:rPr lang="en-US"/>
+              <a:t>Click icon to add picture</a:t>
+            </a:r>
+            <a:endParaRPr lang="en-US" dirty="0"/>
+          </a:p>
+        </p:txBody>
+      </p:sp>
+      <p:sp>
+        <p:nvSpPr>
+          <p:cNvPr id="4" name="Text Placeholder 3"/>
           <p:cNvSpPr>
             <a:spLocks noGrp="1"/>
           </p:cNvSpPr>
@@ -3060,48 +3471,60 @@
         </p:nvSpPr>
         <p:spPr>
           <a:xfrm>
-            <a:off x="839788" y="2057400"/>
-            <a:ext cx="3932237" cy="3811588"/>
+            <a:off x="1097280" y="5907023"/>
+            <a:ext cx="10113264" cy="594360"/>
           </a:xfrm>
         </p:spPr>
         <p:txBody>
-          <a:bodyPr/>
+          <a:bodyPr lIns="91440" tIns="0" rIns="91440" bIns="0">
+            <a:normAutofit/>
+          </a:bodyPr>
           <a:lstStyle>
             <a:lvl1pPr marL="0" indent="0">
-              <a:buNone/>
-              <a:defRPr sz="1600"/>
+              <a:spcBef>
+                <a:spcPts val="0"/>
+              </a:spcBef>
+              <a:spcAft>
+                <a:spcPts val="600"/>
+              </a:spcAft>
+              <a:buNone/>
+              <a:defRPr sz="1500">
+                <a:solidFill>
+                  <a:srgbClr val="FFFFFF"/>
+                </a:solidFill>
+              </a:defRPr>
             </a:lvl1pPr>
             <a:lvl2pPr marL="457200" indent="0">
               <a:buNone/>
-              <a:defRPr sz="1400"/>
+              <a:defRPr sz="1200"/>
             </a:lvl2pPr>
             <a:lvl3pPr marL="914400" indent="0">
               <a:buNone/>
-              <a:defRPr sz="1200"/>
+              <a:defRPr sz="1000"/>
             </a:lvl3pPr>
             <a:lvl4pPr marL="1371600" indent="0">
               <a:buNone/>
-              <a:defRPr sz="1000"/>
+              <a:defRPr sz="900"/>
             </a:lvl4pPr>
             <a:lvl5pPr marL="1828800" indent="0">
               <a:buNone/>
-              <a:defRPr sz="1000"/>
+              <a:defRPr sz="900"/>
             </a:lvl5pPr>
             <a:lvl6pPr marL="2286000" indent="0">
               <a:buNone/>
-              <a:defRPr sz="1000"/>
+              <a:defRPr sz="900"/>
             </a:lvl6pPr>
             <a:lvl7pPr marL="2743200" indent="0">
               <a:buNone/>
-              <a:defRPr sz="1000"/>
+              <a:defRPr sz="900"/>
             </a:lvl7pPr>
             <a:lvl8pPr marL="3200400" indent="0">
               <a:buNone/>
-              <a:defRPr sz="1000"/>
+              <a:defRPr sz="900"/>
             </a:lvl8pPr>
             <a:lvl9pPr marL="3657600" indent="0">
               <a:buNone/>
-              <a:defRPr sz="1000"/>
+              <a:defRPr sz="900"/>
             </a:lvl9pPr>
           </a:lstStyle>
           <a:p>
@@ -3115,13 +3538,7 @@
       </p:sp>
       <p:sp>
         <p:nvSpPr>
-          <p:cNvPr id="5" name="Date Placeholder 4">
-            <a:extLst>
-              <a:ext uri="{FF2B5EF4-FFF2-40B4-BE49-F238E27FC236}">
-                <a16:creationId xmlns:a16="http://schemas.microsoft.com/office/drawing/2014/main" id="{1D9B5E3C-D813-41A2-8DCB-132D13A3C210}"/>
-              </a:ext>
-            </a:extLst>
-          </p:cNvPr>
+          <p:cNvPr id="5" name="Date Placeholder 4"/>
           <p:cNvSpPr>
             <a:spLocks noGrp="1"/>
           </p:cNvSpPr>
@@ -3136,7 +3553,7 @@
           <a:p>
             <a:fld id="{EB5B1443-7FEB-4797-A546-AD7699624C9A}" type="datetimeFigureOut">
               <a:rPr lang="en-US" smtClean="0"/>
-              <a:t>1/15/2021</a:t>
+              <a:t>1/18/2021</a:t>
             </a:fld>
             <a:endParaRPr lang="en-US"/>
           </a:p>
@@ -3144,13 +3561,7 @@
       </p:sp>
       <p:sp>
         <p:nvSpPr>
-          <p:cNvPr id="6" name="Footer Placeholder 5">
-            <a:extLst>
-              <a:ext uri="{FF2B5EF4-FFF2-40B4-BE49-F238E27FC236}">
-                <a16:creationId xmlns:a16="http://schemas.microsoft.com/office/drawing/2014/main" id="{AC16DD1A-A32B-4210-818D-EF77BF21169A}"/>
-              </a:ext>
-            </a:extLst>
-          </p:cNvPr>
+          <p:cNvPr id="6" name="Footer Placeholder 5"/>
           <p:cNvSpPr>
             <a:spLocks noGrp="1"/>
           </p:cNvSpPr>
@@ -3169,13 +3580,7 @@
       </p:sp>
       <p:sp>
         <p:nvSpPr>
-          <p:cNvPr id="7" name="Slide Number Placeholder 6">
-            <a:extLst>
-              <a:ext uri="{FF2B5EF4-FFF2-40B4-BE49-F238E27FC236}">
-                <a16:creationId xmlns:a16="http://schemas.microsoft.com/office/drawing/2014/main" id="{194947A5-9C41-42B9-A939-D2B1EC6B0522}"/>
-              </a:ext>
-            </a:extLst>
-          </p:cNvPr>
+          <p:cNvPr id="7" name="Slide Number Placeholder 6"/>
           <p:cNvSpPr>
             <a:spLocks noGrp="1"/>
           </p:cNvSpPr>
@@ -3199,7 +3604,7 @@
     </p:spTree>
     <p:extLst>
       <p:ext uri="{BB962C8B-B14F-4D97-AF65-F5344CB8AC3E}">
-        <p14:creationId xmlns:p14="http://schemas.microsoft.com/office/powerpoint/2010/main" val="4056055000"/>
+        <p14:creationId xmlns:p14="http://schemas.microsoft.com/office/powerpoint/2010/main" val="2397863352"/>
       </p:ext>
     </p:extLst>
   </p:cSld>
@@ -3233,31 +3638,101 @@
       </p:grpSpPr>
       <p:sp>
         <p:nvSpPr>
-          <p:cNvPr id="2" name="Title Placeholder 1">
-            <a:extLst>
-              <a:ext uri="{FF2B5EF4-FFF2-40B4-BE49-F238E27FC236}">
-                <a16:creationId xmlns:a16="http://schemas.microsoft.com/office/drawing/2014/main" id="{59F4C232-A520-4D1A-BC02-B543B40DDC4C}"/>
-              </a:ext>
-            </a:extLst>
-          </p:cNvPr>
-          <p:cNvSpPr>
-            <a:spLocks noGrp="1"/>
-          </p:cNvSpPr>
-          <p:nvPr>
-            <p:ph type="title"/>
-          </p:nvPr>
+          <p:cNvPr id="7" name="Rectangle 6"/>
+          <p:cNvSpPr/>
+          <p:nvPr/>
         </p:nvSpPr>
         <p:spPr>
           <a:xfrm>
-            <a:off x="838200" y="365125"/>
-            <a:ext cx="10515600" cy="1325563"/>
+            <a:off x="1" y="6400800"/>
+            <a:ext cx="12192000" cy="457200"/>
+          </a:xfrm>
+          <a:prstGeom prst="rect">
+            <a:avLst/>
+          </a:prstGeom>
+          <a:solidFill>
+            <a:schemeClr val="accent2"/>
+          </a:solidFill>
+          <a:ln>
+            <a:noFill/>
+          </a:ln>
+        </p:spPr>
+        <p:style>
+          <a:lnRef idx="2">
+            <a:schemeClr val="accent1">
+              <a:shade val="50000"/>
+            </a:schemeClr>
+          </a:lnRef>
+          <a:fillRef idx="1">
+            <a:schemeClr val="accent1"/>
+          </a:fillRef>
+          <a:effectRef idx="0">
+            <a:schemeClr val="accent1"/>
+          </a:effectRef>
+          <a:fontRef idx="minor">
+            <a:schemeClr val="lt1"/>
+          </a:fontRef>
+        </p:style>
+      </p:sp>
+      <p:sp>
+        <p:nvSpPr>
+          <p:cNvPr id="9" name="Rectangle 8"/>
+          <p:cNvSpPr/>
+          <p:nvPr/>
+        </p:nvSpPr>
+        <p:spPr>
+          <a:xfrm>
+            <a:off x="0" y="6334316"/>
+            <a:ext cx="12192001" cy="65998"/>
+          </a:xfrm>
+          <a:prstGeom prst="rect">
+            <a:avLst/>
+          </a:prstGeom>
+          <a:solidFill>
+            <a:schemeClr val="accent1"/>
+          </a:solidFill>
+          <a:ln>
+            <a:noFill/>
+          </a:ln>
+        </p:spPr>
+        <p:style>
+          <a:lnRef idx="2">
+            <a:schemeClr val="accent1">
+              <a:shade val="50000"/>
+            </a:schemeClr>
+          </a:lnRef>
+          <a:fillRef idx="1">
+            <a:schemeClr val="accent1"/>
+          </a:fillRef>
+          <a:effectRef idx="0">
+            <a:schemeClr val="accent1"/>
+          </a:effectRef>
+          <a:fontRef idx="minor">
+            <a:schemeClr val="lt1"/>
+          </a:fontRef>
+        </p:style>
+      </p:sp>
+      <p:sp>
+        <p:nvSpPr>
+          <p:cNvPr id="2" name="Title Placeholder 1"/>
+          <p:cNvSpPr>
+            <a:spLocks noGrp="1"/>
+          </p:cNvSpPr>
+          <p:nvPr>
+            <p:ph type="title"/>
+          </p:nvPr>
+        </p:nvSpPr>
+        <p:spPr>
+          <a:xfrm>
+            <a:off x="1097280" y="286603"/>
+            <a:ext cx="10058400" cy="1450757"/>
           </a:xfrm>
           <a:prstGeom prst="rect">
             <a:avLst/>
           </a:prstGeom>
         </p:spPr>
         <p:txBody>
-          <a:bodyPr vert="horz" lIns="91440" tIns="45720" rIns="91440" bIns="45720" rtlCol="0" anchor="ctr">
+          <a:bodyPr vert="horz" lIns="91440" tIns="45720" rIns="91440" bIns="45720" rtlCol="0" anchor="b">
             <a:normAutofit/>
           </a:bodyPr>
           <a:lstStyle/>
@@ -3266,18 +3741,13 @@
               <a:rPr lang="en-US"/>
               <a:t>Click to edit Master title style</a:t>
             </a:r>
-          </a:p>
-        </p:txBody>
-      </p:sp>
-      <p:sp>
-        <p:nvSpPr>
-          <p:cNvPr id="3" name="Text Placeholder 2">
-            <a:extLst>
-              <a:ext uri="{FF2B5EF4-FFF2-40B4-BE49-F238E27FC236}">
-                <a16:creationId xmlns:a16="http://schemas.microsoft.com/office/drawing/2014/main" id="{61F95684-9EAA-4A01-9A55-53322A57FAC5}"/>
-              </a:ext>
-            </a:extLst>
-          </p:cNvPr>
+            <a:endParaRPr lang="en-US" dirty="0"/>
+          </a:p>
+        </p:txBody>
+      </p:sp>
+      <p:sp>
+        <p:nvSpPr>
+          <p:cNvPr id="3" name="Text Placeholder 2"/>
           <p:cNvSpPr>
             <a:spLocks noGrp="1"/>
           </p:cNvSpPr>
@@ -3287,15 +3757,15 @@
         </p:nvSpPr>
         <p:spPr>
           <a:xfrm>
-            <a:off x="838200" y="1825625"/>
-            <a:ext cx="10515600" cy="4351338"/>
+            <a:off x="1097280" y="1845734"/>
+            <a:ext cx="10058400" cy="4023360"/>
           </a:xfrm>
           <a:prstGeom prst="rect">
             <a:avLst/>
           </a:prstGeom>
         </p:spPr>
         <p:txBody>
-          <a:bodyPr vert="horz" lIns="91440" tIns="45720" rIns="91440" bIns="45720" rtlCol="0">
+          <a:bodyPr vert="horz" lIns="0" tIns="45720" rIns="0" bIns="45720" rtlCol="0">
             <a:normAutofit/>
           </a:bodyPr>
           <a:lstStyle/>
@@ -3333,18 +3803,13 @@
               <a:rPr lang="en-US"/>
               <a:t>Fifth level</a:t>
             </a:r>
-          </a:p>
-        </p:txBody>
-      </p:sp>
-      <p:sp>
-        <p:nvSpPr>
-          <p:cNvPr id="4" name="Date Placeholder 3">
-            <a:extLst>
-              <a:ext uri="{FF2B5EF4-FFF2-40B4-BE49-F238E27FC236}">
-                <a16:creationId xmlns:a16="http://schemas.microsoft.com/office/drawing/2014/main" id="{69B1A989-0E52-436C-AD36-59A0C2C30E22}"/>
-              </a:ext>
-            </a:extLst>
-          </p:cNvPr>
+            <a:endParaRPr lang="en-US" dirty="0"/>
+          </a:p>
+        </p:txBody>
+      </p:sp>
+      <p:sp>
+        <p:nvSpPr>
+          <p:cNvPr id="4" name="Date Placeholder 3"/>
           <p:cNvSpPr>
             <a:spLocks noGrp="1"/>
           </p:cNvSpPr>
@@ -3354,8 +3819,8 @@
         </p:nvSpPr>
         <p:spPr>
           <a:xfrm>
-            <a:off x="838200" y="6356350"/>
-            <a:ext cx="2743200" cy="365125"/>
+            <a:off x="1097280" y="6459785"/>
+            <a:ext cx="2472271" cy="365125"/>
           </a:xfrm>
           <a:prstGeom prst="rect">
             <a:avLst/>
@@ -3365,11 +3830,9 @@
           <a:bodyPr vert="horz" lIns="91440" tIns="45720" rIns="91440" bIns="45720" rtlCol="0" anchor="ctr"/>
           <a:lstStyle>
             <a:lvl1pPr algn="l">
-              <a:defRPr sz="1200">
+              <a:defRPr sz="900">
                 <a:solidFill>
-                  <a:schemeClr val="tx1">
-                    <a:tint val="75000"/>
-                  </a:schemeClr>
+                  <a:srgbClr val="FFFFFF"/>
                 </a:solidFill>
               </a:defRPr>
             </a:lvl1pPr>
@@ -3377,7 +3840,7 @@
           <a:p>
             <a:fld id="{EB5B1443-7FEB-4797-A546-AD7699624C9A}" type="datetimeFigureOut">
               <a:rPr lang="en-US" smtClean="0"/>
-              <a:t>1/15/2021</a:t>
+              <a:t>1/18/2021</a:t>
             </a:fld>
             <a:endParaRPr lang="en-US"/>
           </a:p>
@@ -3385,13 +3848,7 @@
       </p:sp>
       <p:sp>
         <p:nvSpPr>
-          <p:cNvPr id="5" name="Footer Placeholder 4">
-            <a:extLst>
-              <a:ext uri="{FF2B5EF4-FFF2-40B4-BE49-F238E27FC236}">
-                <a16:creationId xmlns:a16="http://schemas.microsoft.com/office/drawing/2014/main" id="{69DF7312-C9D8-4297-8931-D9D4FD0260E3}"/>
-              </a:ext>
-            </a:extLst>
-          </p:cNvPr>
+          <p:cNvPr id="5" name="Footer Placeholder 4"/>
           <p:cNvSpPr>
             <a:spLocks noGrp="1"/>
           </p:cNvSpPr>
@@ -3401,8 +3858,8 @@
         </p:nvSpPr>
         <p:spPr>
           <a:xfrm>
-            <a:off x="4038600" y="6356350"/>
-            <a:ext cx="4114800" cy="365125"/>
+            <a:off x="3686185" y="6459785"/>
+            <a:ext cx="4822804" cy="365125"/>
           </a:xfrm>
           <a:prstGeom prst="rect">
             <a:avLst/>
@@ -3412,11 +3869,9 @@
           <a:bodyPr vert="horz" lIns="91440" tIns="45720" rIns="91440" bIns="45720" rtlCol="0" anchor="ctr"/>
           <a:lstStyle>
             <a:lvl1pPr algn="ctr">
-              <a:defRPr sz="1200">
+              <a:defRPr sz="900" cap="all" baseline="0">
                 <a:solidFill>
-                  <a:schemeClr val="tx1">
-                    <a:tint val="75000"/>
-                  </a:schemeClr>
+                  <a:srgbClr val="FFFFFF"/>
                 </a:solidFill>
               </a:defRPr>
             </a:lvl1pPr>
@@ -3428,13 +3883,7 @@
       </p:sp>
       <p:sp>
         <p:nvSpPr>
-          <p:cNvPr id="6" name="Slide Number Placeholder 5">
-            <a:extLst>
-              <a:ext uri="{FF2B5EF4-FFF2-40B4-BE49-F238E27FC236}">
-                <a16:creationId xmlns:a16="http://schemas.microsoft.com/office/drawing/2014/main" id="{8BA53479-60C5-479C-B280-AD82DD8D6751}"/>
-              </a:ext>
-            </a:extLst>
-          </p:cNvPr>
+          <p:cNvPr id="6" name="Slide Number Placeholder 5"/>
           <p:cNvSpPr>
             <a:spLocks noGrp="1"/>
           </p:cNvSpPr>
@@ -3444,8 +3893,8 @@
         </p:nvSpPr>
         <p:spPr>
           <a:xfrm>
-            <a:off x="8610600" y="6356350"/>
-            <a:ext cx="2743200" cy="365125"/>
+            <a:off x="9900458" y="6459785"/>
+            <a:ext cx="1312025" cy="365125"/>
           </a:xfrm>
           <a:prstGeom prst="rect">
             <a:avLst/>
@@ -3455,11 +3904,9 @@
           <a:bodyPr vert="horz" lIns="91440" tIns="45720" rIns="91440" bIns="45720" rtlCol="0" anchor="ctr"/>
           <a:lstStyle>
             <a:lvl1pPr algn="r">
-              <a:defRPr sz="1200">
+              <a:defRPr sz="1050">
                 <a:solidFill>
-                  <a:schemeClr val="tx1">
-                    <a:tint val="75000"/>
-                  </a:schemeClr>
+                  <a:srgbClr val="FFFFFF"/>
                 </a:solidFill>
               </a:defRPr>
             </a:lvl1pPr>
@@ -3473,40 +3920,81 @@
           </a:p>
         </p:txBody>
       </p:sp>
+      <p:cxnSp>
+        <p:nvCxnSpPr>
+          <p:cNvPr id="10" name="Straight Connector 9"/>
+          <p:cNvCxnSpPr/>
+          <p:nvPr/>
+        </p:nvCxnSpPr>
+        <p:spPr>
+          <a:xfrm>
+            <a:off x="1193532" y="1737845"/>
+            <a:ext cx="9966960" cy="0"/>
+          </a:xfrm>
+          <a:prstGeom prst="line">
+            <a:avLst/>
+          </a:prstGeom>
+          <a:ln w="6350">
+            <a:solidFill>
+              <a:schemeClr val="tx1">
+                <a:lumMod val="50000"/>
+                <a:lumOff val="50000"/>
+              </a:schemeClr>
+            </a:solidFill>
+          </a:ln>
+        </p:spPr>
+        <p:style>
+          <a:lnRef idx="1">
+            <a:schemeClr val="accent1"/>
+          </a:lnRef>
+          <a:fillRef idx="0">
+            <a:schemeClr val="accent1"/>
+          </a:fillRef>
+          <a:effectRef idx="0">
+            <a:schemeClr val="accent1"/>
+          </a:effectRef>
+          <a:fontRef idx="minor">
+            <a:schemeClr val="tx1"/>
+          </a:fontRef>
+        </p:style>
+      </p:cxnSp>
     </p:spTree>
     <p:extLst>
       <p:ext uri="{BB962C8B-B14F-4D97-AF65-F5344CB8AC3E}">
-        <p14:creationId xmlns:p14="http://schemas.microsoft.com/office/powerpoint/2010/main" val="109551776"/>
+        <p14:creationId xmlns:p14="http://schemas.microsoft.com/office/powerpoint/2010/main" val="2422246091"/>
       </p:ext>
     </p:extLst>
   </p:cSld>
   <p:clrMap bg1="lt1" tx1="dk1" bg2="lt2" tx2="dk2" accent1="accent1" accent2="accent2" accent3="accent3" accent4="accent4" accent5="accent5" accent6="accent6" hlink="hlink" folHlink="folHlink"/>
   <p:sldLayoutIdLst>
-    <p:sldLayoutId id="2147483649" r:id="rId1"/>
-    <p:sldLayoutId id="2147483650" r:id="rId2"/>
-    <p:sldLayoutId id="2147483651" r:id="rId3"/>
-    <p:sldLayoutId id="2147483652" r:id="rId4"/>
-    <p:sldLayoutId id="2147483653" r:id="rId5"/>
-    <p:sldLayoutId id="2147483654" r:id="rId6"/>
-    <p:sldLayoutId id="2147483655" r:id="rId7"/>
-    <p:sldLayoutId id="2147483656" r:id="rId8"/>
-    <p:sldLayoutId id="2147483657" r:id="rId9"/>
-    <p:sldLayoutId id="2147483658" r:id="rId10"/>
-    <p:sldLayoutId id="2147483659" r:id="rId11"/>
+    <p:sldLayoutId id="2147483661" r:id="rId1"/>
+    <p:sldLayoutId id="2147483662" r:id="rId2"/>
+    <p:sldLayoutId id="2147483663" r:id="rId3"/>
+    <p:sldLayoutId id="2147483664" r:id="rId4"/>
+    <p:sldLayoutId id="2147483665" r:id="rId5"/>
+    <p:sldLayoutId id="2147483666" r:id="rId6"/>
+    <p:sldLayoutId id="2147483667" r:id="rId7"/>
+    <p:sldLayoutId id="2147483668" r:id="rId8"/>
+    <p:sldLayoutId id="2147483669" r:id="rId9"/>
+    <p:sldLayoutId id="2147483670" r:id="rId10"/>
+    <p:sldLayoutId id="2147483671" r:id="rId11"/>
   </p:sldLayoutIdLst>
   <p:txStyles>
     <p:titleStyle>
       <a:lvl1pPr algn="l" defTabSz="914400" rtl="0" eaLnBrk="1" latinLnBrk="0" hangingPunct="1">
         <a:lnSpc>
-          <a:spcPct val="90000"/>
+          <a:spcPct val="85000"/>
         </a:lnSpc>
         <a:spcBef>
           <a:spcPct val="0"/>
         </a:spcBef>
         <a:buNone/>
-        <a:defRPr sz="4400" kern="1200">
+        <a:defRPr sz="4800" kern="1200" spc="-50" baseline="0">
           <a:solidFill>
-            <a:schemeClr val="tx1"/>
+            <a:schemeClr val="tx1">
+              <a:lumMod val="75000"/>
+              <a:lumOff val="25000"/>
+            </a:schemeClr>
           </a:solidFill>
           <a:latin typeface="+mj-lt"/>
           <a:ea typeface="+mj-ea"/>
@@ -3515,162 +4003,244 @@
       </a:lvl1pPr>
     </p:titleStyle>
     <p:bodyStyle>
-      <a:lvl1pPr marL="228600" indent="-228600" algn="l" defTabSz="914400" rtl="0" eaLnBrk="1" latinLnBrk="0" hangingPunct="1">
+      <a:lvl1pPr marL="91440" indent="-91440" algn="l" defTabSz="914400" rtl="0" eaLnBrk="1" latinLnBrk="0" hangingPunct="1">
         <a:lnSpc>
           <a:spcPct val="90000"/>
         </a:lnSpc>
         <a:spcBef>
-          <a:spcPts val="1000"/>
+          <a:spcPts val="1200"/>
         </a:spcBef>
-        <a:buFont typeface="Arial" panose="020B0604020202020204" pitchFamily="34" charset="0"/>
-        <a:buChar char="•"/>
-        <a:defRPr sz="2800" kern="1200">
+        <a:spcAft>
+          <a:spcPts val="200"/>
+        </a:spcAft>
+        <a:buClr>
+          <a:schemeClr val="accent1"/>
+        </a:buClr>
+        <a:buSzPct val="100000"/>
+        <a:buFont typeface="Calibri" panose="020F0502020204030204" pitchFamily="34" charset="0"/>
+        <a:buChar char=" "/>
+        <a:defRPr sz="2000" kern="1200">
           <a:solidFill>
-            <a:schemeClr val="tx1"/>
+            <a:schemeClr val="tx1">
+              <a:lumMod val="75000"/>
+              <a:lumOff val="25000"/>
+            </a:schemeClr>
           </a:solidFill>
           <a:latin typeface="+mn-lt"/>
           <a:ea typeface="+mn-ea"/>
           <a:cs typeface="+mn-cs"/>
         </a:defRPr>
       </a:lvl1pPr>
-      <a:lvl2pPr marL="685800" indent="-228600" algn="l" defTabSz="914400" rtl="0" eaLnBrk="1" latinLnBrk="0" hangingPunct="1">
+      <a:lvl2pPr marL="384048" indent="-182880" algn="l" defTabSz="914400" rtl="0" eaLnBrk="1" latinLnBrk="0" hangingPunct="1">
         <a:lnSpc>
           <a:spcPct val="90000"/>
         </a:lnSpc>
         <a:spcBef>
-          <a:spcPts val="500"/>
+          <a:spcPts val="200"/>
         </a:spcBef>
-        <a:buFont typeface="Arial" panose="020B0604020202020204" pitchFamily="34" charset="0"/>
-        <a:buChar char="•"/>
-        <a:defRPr sz="2400" kern="1200">
+        <a:spcAft>
+          <a:spcPts val="400"/>
+        </a:spcAft>
+        <a:buClr>
+          <a:schemeClr val="accent1"/>
+        </a:buClr>
+        <a:buFont typeface="Calibri" pitchFamily="34" charset="0"/>
+        <a:buChar char="◦"/>
+        <a:defRPr sz="1800" kern="1200">
           <a:solidFill>
-            <a:schemeClr val="tx1"/>
+            <a:schemeClr val="tx1">
+              <a:lumMod val="75000"/>
+              <a:lumOff val="25000"/>
+            </a:schemeClr>
           </a:solidFill>
           <a:latin typeface="+mn-lt"/>
           <a:ea typeface="+mn-ea"/>
           <a:cs typeface="+mn-cs"/>
         </a:defRPr>
       </a:lvl2pPr>
-      <a:lvl3pPr marL="1143000" indent="-228600" algn="l" defTabSz="914400" rtl="0" eaLnBrk="1" latinLnBrk="0" hangingPunct="1">
+      <a:lvl3pPr marL="566928" indent="-182880" algn="l" defTabSz="914400" rtl="0" eaLnBrk="1" latinLnBrk="0" hangingPunct="1">
         <a:lnSpc>
           <a:spcPct val="90000"/>
         </a:lnSpc>
         <a:spcBef>
-          <a:spcPts val="500"/>
+          <a:spcPts val="200"/>
         </a:spcBef>
-        <a:buFont typeface="Arial" panose="020B0604020202020204" pitchFamily="34" charset="0"/>
-        <a:buChar char="•"/>
-        <a:defRPr sz="2000" kern="1200">
+        <a:spcAft>
+          <a:spcPts val="400"/>
+        </a:spcAft>
+        <a:buClr>
+          <a:schemeClr val="accent1"/>
+        </a:buClr>
+        <a:buFont typeface="Calibri" pitchFamily="34" charset="0"/>
+        <a:buChar char="◦"/>
+        <a:defRPr sz="1400" kern="1200">
           <a:solidFill>
-            <a:schemeClr val="tx1"/>
+            <a:schemeClr val="tx1">
+              <a:lumMod val="75000"/>
+              <a:lumOff val="25000"/>
+            </a:schemeClr>
           </a:solidFill>
           <a:latin typeface="+mn-lt"/>
           <a:ea typeface="+mn-ea"/>
           <a:cs typeface="+mn-cs"/>
         </a:defRPr>
       </a:lvl3pPr>
-      <a:lvl4pPr marL="1600200" indent="-228600" algn="l" defTabSz="914400" rtl="0" eaLnBrk="1" latinLnBrk="0" hangingPunct="1">
+      <a:lvl4pPr marL="749808" indent="-182880" algn="l" defTabSz="914400" rtl="0" eaLnBrk="1" latinLnBrk="0" hangingPunct="1">
         <a:lnSpc>
           <a:spcPct val="90000"/>
         </a:lnSpc>
         <a:spcBef>
-          <a:spcPts val="500"/>
+          <a:spcPts val="200"/>
         </a:spcBef>
-        <a:buFont typeface="Arial" panose="020B0604020202020204" pitchFamily="34" charset="0"/>
-        <a:buChar char="•"/>
-        <a:defRPr sz="1800" kern="1200">
+        <a:spcAft>
+          <a:spcPts val="400"/>
+        </a:spcAft>
+        <a:buClr>
+          <a:schemeClr val="accent1"/>
+        </a:buClr>
+        <a:buFont typeface="Calibri" pitchFamily="34" charset="0"/>
+        <a:buChar char="◦"/>
+        <a:defRPr sz="1400" kern="1200">
           <a:solidFill>
-            <a:schemeClr val="tx1"/>
+            <a:schemeClr val="tx1">
+              <a:lumMod val="75000"/>
+              <a:lumOff val="25000"/>
+            </a:schemeClr>
           </a:solidFill>
           <a:latin typeface="+mn-lt"/>
           <a:ea typeface="+mn-ea"/>
           <a:cs typeface="+mn-cs"/>
         </a:defRPr>
       </a:lvl4pPr>
-      <a:lvl5pPr marL="2057400" indent="-228600" algn="l" defTabSz="914400" rtl="0" eaLnBrk="1" latinLnBrk="0" hangingPunct="1">
+      <a:lvl5pPr marL="932688" indent="-182880" algn="l" defTabSz="914400" rtl="0" eaLnBrk="1" latinLnBrk="0" hangingPunct="1">
         <a:lnSpc>
           <a:spcPct val="90000"/>
         </a:lnSpc>
         <a:spcBef>
-          <a:spcPts val="500"/>
+          <a:spcPts val="200"/>
         </a:spcBef>
-        <a:buFont typeface="Arial" panose="020B0604020202020204" pitchFamily="34" charset="0"/>
-        <a:buChar char="•"/>
-        <a:defRPr sz="1800" kern="1200">
+        <a:spcAft>
+          <a:spcPts val="400"/>
+        </a:spcAft>
+        <a:buClr>
+          <a:schemeClr val="accent1"/>
+        </a:buClr>
+        <a:buFont typeface="Calibri" pitchFamily="34" charset="0"/>
+        <a:buChar char="◦"/>
+        <a:defRPr sz="1400" kern="1200">
           <a:solidFill>
-            <a:schemeClr val="tx1"/>
+            <a:schemeClr val="tx1">
+              <a:lumMod val="75000"/>
+              <a:lumOff val="25000"/>
+            </a:schemeClr>
           </a:solidFill>
           <a:latin typeface="+mn-lt"/>
           <a:ea typeface="+mn-ea"/>
           <a:cs typeface="+mn-cs"/>
         </a:defRPr>
       </a:lvl5pPr>
-      <a:lvl6pPr marL="2514600" indent="-228600" algn="l" defTabSz="914400" rtl="0" eaLnBrk="1" latinLnBrk="0" hangingPunct="1">
+      <a:lvl6pPr marL="1100000" indent="-228600" algn="l" defTabSz="914400" rtl="0" eaLnBrk="1" latinLnBrk="0" hangingPunct="1">
         <a:lnSpc>
           <a:spcPct val="90000"/>
         </a:lnSpc>
         <a:spcBef>
-          <a:spcPts val="500"/>
+          <a:spcPts val="200"/>
         </a:spcBef>
-        <a:buFont typeface="Arial" panose="020B0604020202020204" pitchFamily="34" charset="0"/>
-        <a:buChar char="•"/>
-        <a:defRPr sz="1800" kern="1200">
+        <a:spcAft>
+          <a:spcPts val="400"/>
+        </a:spcAft>
+        <a:buClr>
+          <a:schemeClr val="accent1"/>
+        </a:buClr>
+        <a:buFont typeface="Calibri" pitchFamily="34" charset="0"/>
+        <a:buChar char="◦"/>
+        <a:defRPr sz="1400" kern="1200">
           <a:solidFill>
-            <a:schemeClr val="tx1"/>
+            <a:schemeClr val="tx1">
+              <a:lumMod val="75000"/>
+              <a:lumOff val="25000"/>
+            </a:schemeClr>
           </a:solidFill>
           <a:latin typeface="+mn-lt"/>
           <a:ea typeface="+mn-ea"/>
           <a:cs typeface="+mn-cs"/>
         </a:defRPr>
       </a:lvl6pPr>
-      <a:lvl7pPr marL="2971800" indent="-228600" algn="l" defTabSz="914400" rtl="0" eaLnBrk="1" latinLnBrk="0" hangingPunct="1">
+      <a:lvl7pPr marL="1300000" indent="-228600" algn="l" defTabSz="914400" rtl="0" eaLnBrk="1" latinLnBrk="0" hangingPunct="1">
         <a:lnSpc>
           <a:spcPct val="90000"/>
         </a:lnSpc>
         <a:spcBef>
-          <a:spcPts val="500"/>
+          <a:spcPts val="200"/>
         </a:spcBef>
-        <a:buFont typeface="Arial" panose="020B0604020202020204" pitchFamily="34" charset="0"/>
-        <a:buChar char="•"/>
-        <a:defRPr sz="1800" kern="1200">
+        <a:spcAft>
+          <a:spcPts val="400"/>
+        </a:spcAft>
+        <a:buClr>
+          <a:schemeClr val="accent1"/>
+        </a:buClr>
+        <a:buFont typeface="Calibri" pitchFamily="34" charset="0"/>
+        <a:buChar char="◦"/>
+        <a:defRPr sz="1400" kern="1200">
           <a:solidFill>
-            <a:schemeClr val="tx1"/>
+            <a:schemeClr val="tx1">
+              <a:lumMod val="75000"/>
+              <a:lumOff val="25000"/>
+            </a:schemeClr>
           </a:solidFill>
           <a:latin typeface="+mn-lt"/>
           <a:ea typeface="+mn-ea"/>
           <a:cs typeface="+mn-cs"/>
         </a:defRPr>
       </a:lvl7pPr>
-      <a:lvl8pPr marL="3429000" indent="-228600" algn="l" defTabSz="914400" rtl="0" eaLnBrk="1" latinLnBrk="0" hangingPunct="1">
+      <a:lvl8pPr marL="1500000" indent="-228600" algn="l" defTabSz="914400" rtl="0" eaLnBrk="1" latinLnBrk="0" hangingPunct="1">
         <a:lnSpc>
           <a:spcPct val="90000"/>
         </a:lnSpc>
         <a:spcBef>
-          <a:spcPts val="500"/>
+          <a:spcPts val="200"/>
         </a:spcBef>
-        <a:buFont typeface="Arial" panose="020B0604020202020204" pitchFamily="34" charset="0"/>
-        <a:buChar char="•"/>
-        <a:defRPr sz="1800" kern="1200">
+        <a:spcAft>
+          <a:spcPts val="400"/>
+        </a:spcAft>
+        <a:buClr>
+          <a:schemeClr val="accent1"/>
+        </a:buClr>
+        <a:buFont typeface="Calibri" pitchFamily="34" charset="0"/>
+        <a:buChar char="◦"/>
+        <a:defRPr sz="1400" kern="1200">
           <a:solidFill>
-            <a:schemeClr val="tx1"/>
+            <a:schemeClr val="tx1">
+              <a:lumMod val="75000"/>
+              <a:lumOff val="25000"/>
+            </a:schemeClr>
           </a:solidFill>
           <a:latin typeface="+mn-lt"/>
           <a:ea typeface="+mn-ea"/>
           <a:cs typeface="+mn-cs"/>
         </a:defRPr>
       </a:lvl8pPr>
-      <a:lvl9pPr marL="3886200" indent="-228600" algn="l" defTabSz="914400" rtl="0" eaLnBrk="1" latinLnBrk="0" hangingPunct="1">
+      <a:lvl9pPr marL="1700000" indent="-228600" algn="l" defTabSz="914400" rtl="0" eaLnBrk="1" latinLnBrk="0" hangingPunct="1">
         <a:lnSpc>
           <a:spcPct val="90000"/>
         </a:lnSpc>
         <a:spcBef>
-          <a:spcPts val="500"/>
+          <a:spcPts val="200"/>
         </a:spcBef>
-        <a:buFont typeface="Arial" panose="020B0604020202020204" pitchFamily="34" charset="0"/>
-        <a:buChar char="•"/>
-        <a:defRPr sz="1800" kern="1200">
+        <a:spcAft>
+          <a:spcPts val="400"/>
+        </a:spcAft>
+        <a:buClr>
+          <a:schemeClr val="accent1"/>
+        </a:buClr>
+        <a:buFont typeface="Calibri" pitchFamily="34" charset="0"/>
+        <a:buChar char="◦"/>
+        <a:defRPr sz="1400" kern="1200">
           <a:solidFill>
-            <a:schemeClr val="tx1"/>
+            <a:schemeClr val="tx1">
+              <a:lumMod val="75000"/>
+              <a:lumOff val="25000"/>
+            </a:schemeClr>
           </a:solidFill>
           <a:latin typeface="+mn-lt"/>
           <a:ea typeface="+mn-ea"/>
@@ -4028,7 +4598,7 @@
           <p:cNvPr id="2" name="Title 1">
             <a:extLst>
               <a:ext uri="{FF2B5EF4-FFF2-40B4-BE49-F238E27FC236}">
-                <a16:creationId xmlns:a16="http://schemas.microsoft.com/office/drawing/2014/main" id="{6FB88C95-096B-4F56-9535-4BF46744F30C}"/>
+                <a16:creationId xmlns:a16="http://schemas.microsoft.com/office/drawing/2014/main" id="{2FBAD298-8535-41BA-93E2-C00797B607A4}"/>
               </a:ext>
             </a:extLst>
           </p:cNvPr>
@@ -4046,7 +4616,7 @@
           <a:p>
             <a:r>
               <a:rPr lang="en-US" dirty="0"/>
-              <a:t>Objectives</a:t>
+              <a:t>Overview</a:t>
             </a:r>
           </a:p>
         </p:txBody>
@@ -4056,7 +4626,7 @@
           <p:cNvPr id="3" name="Content Placeholder 2">
             <a:extLst>
               <a:ext uri="{FF2B5EF4-FFF2-40B4-BE49-F238E27FC236}">
-                <a16:creationId xmlns:a16="http://schemas.microsoft.com/office/drawing/2014/main" id="{E5AE10D7-43BC-48F5-B56D-36C479952E44}"/>
+                <a16:creationId xmlns:a16="http://schemas.microsoft.com/office/drawing/2014/main" id="{97BF11EC-95EA-4CEC-81CB-8961A028BB2E}"/>
               </a:ext>
             </a:extLst>
           </p:cNvPr>
@@ -4072,14 +4642,35 @@
           <a:bodyPr/>
           <a:lstStyle/>
           <a:p>
-            <a:endParaRPr lang="en-US"/>
+            <a:r>
+              <a:rPr lang="en-US" dirty="0"/>
+              <a:t>public class – What is a Class?</a:t>
+            </a:r>
+          </a:p>
+          <a:p>
+            <a:r>
+              <a:rPr lang="en-US" dirty="0"/>
+              <a:t>What is an object?</a:t>
+            </a:r>
+          </a:p>
+          <a:p>
+            <a:r>
+              <a:rPr lang="en-US" dirty="0"/>
+              <a:t>Turtle object practice </a:t>
+            </a:r>
+          </a:p>
+          <a:p>
+            <a:pPr marL="0" indent="0">
+              <a:buNone/>
+            </a:pPr>
+            <a:endParaRPr lang="en-US" dirty="0"/>
           </a:p>
         </p:txBody>
       </p:sp>
     </p:spTree>
     <p:extLst>
       <p:ext uri="{BB962C8B-B14F-4D97-AF65-F5344CB8AC3E}">
-        <p14:creationId xmlns:p14="http://schemas.microsoft.com/office/powerpoint/2010/main" val="3201365563"/>
+        <p14:creationId xmlns:p14="http://schemas.microsoft.com/office/powerpoint/2010/main" val="2893643321"/>
       </p:ext>
     </p:extLst>
   </p:cSld>
@@ -4246,16 +4837,12 @@
           <a:bodyPr/>
           <a:lstStyle/>
           <a:p>
+            <a:pPr marL="0" indent="0">
+              <a:buNone/>
+            </a:pPr>
             <a:r>
               <a:rPr lang="en-US" dirty="0"/>
               <a:t>public class</a:t>
-            </a:r>
-          </a:p>
-          <a:p>
-            <a:pPr lvl="1"/>
-            <a:r>
-              <a:rPr lang="en-US" dirty="0"/>
-              <a:t>What does public class mean?</a:t>
             </a:r>
           </a:p>
         </p:txBody>
@@ -4274,54 +4861,54 @@
 </file>
 
 <file path=ppt/theme/theme1.xml><?xml version="1.0" encoding="utf-8"?>
-<a:theme xmlns:a="http://schemas.openxmlformats.org/drawingml/2006/main" name="Office Theme">
+<a:theme xmlns:a="http://schemas.openxmlformats.org/drawingml/2006/main" name="Retrospect">
   <a:themeElements>
-    <a:clrScheme name="Office">
+    <a:clrScheme name="Retrospect">
       <a:dk1>
-        <a:sysClr val="windowText" lastClr="000000"/>
+        <a:srgbClr val="000000"/>
       </a:dk1>
       <a:lt1>
         <a:sysClr val="window" lastClr="FFFFFF"/>
       </a:lt1>
       <a:dk2>
-        <a:srgbClr val="44546A"/>
+        <a:srgbClr val="637052"/>
       </a:dk2>
       <a:lt2>
-        <a:srgbClr val="E7E6E6"/>
+        <a:srgbClr val="CCDDEA"/>
       </a:lt2>
       <a:accent1>
-        <a:srgbClr val="4472C4"/>
+        <a:srgbClr val="E48312"/>
       </a:accent1>
       <a:accent2>
-        <a:srgbClr val="ED7D31"/>
+        <a:srgbClr val="BD582C"/>
       </a:accent2>
       <a:accent3>
-        <a:srgbClr val="A5A5A5"/>
+        <a:srgbClr val="865640"/>
       </a:accent3>
       <a:accent4>
-        <a:srgbClr val="FFC000"/>
+        <a:srgbClr val="9B8357"/>
       </a:accent4>
       <a:accent5>
-        <a:srgbClr val="5B9BD5"/>
+        <a:srgbClr val="C2BC80"/>
       </a:accent5>
       <a:accent6>
-        <a:srgbClr val="70AD47"/>
+        <a:srgbClr val="94A088"/>
       </a:accent6>
       <a:hlink>
-        <a:srgbClr val="0563C1"/>
+        <a:srgbClr val="2998E3"/>
       </a:hlink>
       <a:folHlink>
-        <a:srgbClr val="954F72"/>
+        <a:srgbClr val="8C8C8C"/>
       </a:folHlink>
     </a:clrScheme>
-    <a:fontScheme name="Office">
+    <a:fontScheme name="Retrospect">
       <a:majorFont>
         <a:latin typeface="Calibri Light" panose="020F0302020204030204"/>
         <a:ea typeface=""/>
         <a:cs typeface=""/>
-        <a:font script="Jpan" typeface="游ゴシック Light"/>
+        <a:font script="Jpan" typeface="ＭＳ Ｐゴシック"/>
         <a:font script="Hang" typeface="맑은 고딕"/>
-        <a:font script="Hans" typeface="等线 Light"/>
+        <a:font script="Hans" typeface="宋体"/>
         <a:font script="Hant" typeface="新細明體"/>
         <a:font script="Arab" typeface="Times New Roman"/>
         <a:font script="Hebr" typeface="Times New Roman"/>
@@ -4349,31 +4936,14 @@
         <a:font script="Viet" typeface="Times New Roman"/>
         <a:font script="Uigh" typeface="Microsoft Uighur"/>
         <a:font script="Geor" typeface="Sylfaen"/>
-        <a:font script="Armn" typeface="Arial"/>
-        <a:font script="Bugi" typeface="Leelawadee UI"/>
-        <a:font script="Bopo" typeface="Microsoft JhengHei"/>
-        <a:font script="Java" typeface="Javanese Text"/>
-        <a:font script="Lisu" typeface="Segoe UI"/>
-        <a:font script="Mymr" typeface="Myanmar Text"/>
-        <a:font script="Nkoo" typeface="Ebrima"/>
-        <a:font script="Olck" typeface="Nirmala UI"/>
-        <a:font script="Osma" typeface="Ebrima"/>
-        <a:font script="Phag" typeface="Phagspa"/>
-        <a:font script="Syrn" typeface="Estrangelo Edessa"/>
-        <a:font script="Syrj" typeface="Estrangelo Edessa"/>
-        <a:font script="Syre" typeface="Estrangelo Edessa"/>
-        <a:font script="Sora" typeface="Nirmala UI"/>
-        <a:font script="Tale" typeface="Microsoft Tai Le"/>
-        <a:font script="Talu" typeface="Microsoft New Tai Lue"/>
-        <a:font script="Tfng" typeface="Ebrima"/>
       </a:majorFont>
       <a:minorFont>
         <a:latin typeface="Calibri" panose="020F0502020204030204"/>
         <a:ea typeface=""/>
         <a:cs typeface=""/>
-        <a:font script="Jpan" typeface="游ゴシック"/>
+        <a:font script="Jpan" typeface="ＭＳ Ｐゴシック"/>
         <a:font script="Hang" typeface="맑은 고딕"/>
-        <a:font script="Hans" typeface="等线"/>
+        <a:font script="Hans" typeface="宋体"/>
         <a:font script="Hant" typeface="新細明體"/>
         <a:font script="Arab" typeface="Arial"/>
         <a:font script="Hebr" typeface="Arial"/>
@@ -4401,26 +4971,9 @@
         <a:font script="Viet" typeface="Arial"/>
         <a:font script="Uigh" typeface="Microsoft Uighur"/>
         <a:font script="Geor" typeface="Sylfaen"/>
-        <a:font script="Armn" typeface="Arial"/>
-        <a:font script="Bugi" typeface="Leelawadee UI"/>
-        <a:font script="Bopo" typeface="Microsoft JhengHei"/>
-        <a:font script="Java" typeface="Javanese Text"/>
-        <a:font script="Lisu" typeface="Segoe UI"/>
-        <a:font script="Mymr" typeface="Myanmar Text"/>
-        <a:font script="Nkoo" typeface="Ebrima"/>
-        <a:font script="Olck" typeface="Nirmala UI"/>
-        <a:font script="Osma" typeface="Ebrima"/>
-        <a:font script="Phag" typeface="Phagspa"/>
-        <a:font script="Syrn" typeface="Estrangelo Edessa"/>
-        <a:font script="Syrj" typeface="Estrangelo Edessa"/>
-        <a:font script="Syre" typeface="Estrangelo Edessa"/>
-        <a:font script="Sora" typeface="Nirmala UI"/>
-        <a:font script="Tale" typeface="Microsoft Tai Le"/>
-        <a:font script="Talu" typeface="Microsoft New Tai Lue"/>
-        <a:font script="Tfng" typeface="Ebrima"/>
       </a:minorFont>
     </a:fontScheme>
-    <a:fmtScheme name="Office">
+    <a:fmtScheme name="Retrospect">
       <a:fillStyleLst>
         <a:solidFill>
           <a:schemeClr val="phClr"/>
@@ -4429,76 +4982,81 @@
           <a:gsLst>
             <a:gs pos="0">
               <a:schemeClr val="phClr">
-                <a:lumMod val="110000"/>
-                <a:satMod val="105000"/>
-                <a:tint val="67000"/>
+                <a:tint val="65000"/>
+                <a:shade val="92000"/>
+                <a:satMod val="130000"/>
               </a:schemeClr>
             </a:gs>
-            <a:gs pos="50000">
+            <a:gs pos="45000">
               <a:schemeClr val="phClr">
-                <a:lumMod val="105000"/>
-                <a:satMod val="103000"/>
-                <a:tint val="73000"/>
+                <a:tint val="60000"/>
+                <a:shade val="99000"/>
+                <a:satMod val="120000"/>
               </a:schemeClr>
             </a:gs>
             <a:gs pos="100000">
               <a:schemeClr val="phClr">
-                <a:lumMod val="105000"/>
-                <a:satMod val="109000"/>
-                <a:tint val="81000"/>
+                <a:tint val="55000"/>
+                <a:satMod val="140000"/>
               </a:schemeClr>
             </a:gs>
           </a:gsLst>
-          <a:lin ang="5400000" scaled="0"/>
+          <a:path path="circle">
+            <a:fillToRect l="100000" t="100000" r="100000" b="100000"/>
+          </a:path>
         </a:gradFill>
         <a:gradFill rotWithShape="1">
           <a:gsLst>
             <a:gs pos="0">
               <a:schemeClr val="phClr">
-                <a:satMod val="103000"/>
-                <a:lumMod val="102000"/>
-                <a:tint val="94000"/>
+                <a:shade val="85000"/>
+                <a:satMod val="130000"/>
               </a:schemeClr>
             </a:gs>
-            <a:gs pos="50000">
+            <a:gs pos="34000">
               <a:schemeClr val="phClr">
-                <a:satMod val="110000"/>
-                <a:lumMod val="100000"/>
-                <a:shade val="100000"/>
+                <a:shade val="87000"/>
+                <a:satMod val="125000"/>
+              </a:schemeClr>
+            </a:gs>
+            <a:gs pos="70000">
+              <a:schemeClr val="phClr">
+                <a:tint val="100000"/>
+                <a:shade val="90000"/>
+                <a:satMod val="130000"/>
               </a:schemeClr>
             </a:gs>
             <a:gs pos="100000">
               <a:schemeClr val="phClr">
-                <a:lumMod val="99000"/>
-                <a:satMod val="120000"/>
-                <a:shade val="78000"/>
+                <a:tint val="100000"/>
+                <a:shade val="100000"/>
+                <a:satMod val="110000"/>
               </a:schemeClr>
             </a:gs>
           </a:gsLst>
-          <a:lin ang="5400000" scaled="0"/>
+          <a:path path="circle">
+            <a:fillToRect l="100000" t="100000" r="100000" b="100000"/>
+          </a:path>
         </a:gradFill>
       </a:fillStyleLst>
       <a:lnStyleLst>
-        <a:ln w="6350" cap="flat" cmpd="sng" algn="ctr">
-          <a:solidFill>
-            <a:schemeClr val="phClr"/>
-          </a:solidFill>
-          <a:prstDash val="solid"/>
-          <a:miter lim="800000"/>
-        </a:ln>
         <a:ln w="12700" cap="flat" cmpd="sng" algn="ctr">
           <a:solidFill>
             <a:schemeClr val="phClr"/>
           </a:solidFill>
           <a:prstDash val="solid"/>
-          <a:miter lim="800000"/>
         </a:ln>
-        <a:ln w="19050" cap="flat" cmpd="sng" algn="ctr">
+        <a:ln w="15875" cap="flat" cmpd="sng" algn="ctr">
           <a:solidFill>
             <a:schemeClr val="phClr"/>
           </a:solidFill>
           <a:prstDash val="solid"/>
-          <a:miter lim="800000"/>
+        </a:ln>
+        <a:ln w="25400" cap="flat" cmpd="sng" algn="ctr">
+          <a:solidFill>
+            <a:schemeClr val="phClr"/>
+          </a:solidFill>
+          <a:prstDash val="solid"/>
         </a:ln>
       </a:lnStyleLst>
       <a:effectStyleLst>
@@ -4506,16 +5064,33 @@
           <a:effectLst/>
         </a:effectStyle>
         <a:effectStyle>
-          <a:effectLst/>
+          <a:effectLst>
+            <a:outerShdw blurRad="38100" dist="25400" dir="2700000" algn="br" rotWithShape="0">
+              <a:srgbClr val="000000">
+                <a:alpha val="60000"/>
+              </a:srgbClr>
+            </a:outerShdw>
+          </a:effectLst>
         </a:effectStyle>
         <a:effectStyle>
           <a:effectLst>
-            <a:outerShdw blurRad="57150" dist="19050" dir="5400000" algn="ctr" rotWithShape="0">
+            <a:outerShdw blurRad="44450" dist="25400" dir="2700000" algn="br" rotWithShape="0">
               <a:srgbClr val="000000">
-                <a:alpha val="63000"/>
+                <a:alpha val="60000"/>
               </a:srgbClr>
             </a:outerShdw>
           </a:effectLst>
+          <a:scene3d>
+            <a:camera prst="orthographicFront">
+              <a:rot lat="0" lon="0" rev="0"/>
+            </a:camera>
+            <a:lightRig rig="threePt" dir="t">
+              <a:rot lat="0" lon="0" rev="19800000"/>
+            </a:lightRig>
+          </a:scene3d>
+          <a:sp3d prstMaterial="flat">
+            <a:bevelT w="25400" h="31750"/>
+          </a:sp3d>
         </a:effectStyle>
       </a:effectStyleLst>
       <a:bgFillStyleLst>
@@ -4524,36 +5099,36 @@
         </a:solidFill>
         <a:solidFill>
           <a:schemeClr val="phClr">
-            <a:tint val="95000"/>
-            <a:satMod val="170000"/>
+            <a:tint val="90000"/>
+            <a:shade val="97000"/>
+            <a:satMod val="130000"/>
           </a:schemeClr>
         </a:solidFill>
         <a:gradFill rotWithShape="1">
           <a:gsLst>
             <a:gs pos="0">
               <a:schemeClr val="phClr">
-                <a:tint val="93000"/>
-                <a:satMod val="150000"/>
-                <a:shade val="98000"/>
-                <a:lumMod val="102000"/>
+                <a:tint val="96000"/>
+                <a:shade val="99000"/>
+                <a:satMod val="140000"/>
               </a:schemeClr>
             </a:gs>
-            <a:gs pos="50000">
+            <a:gs pos="65000">
               <a:schemeClr val="phClr">
-                <a:tint val="98000"/>
+                <a:tint val="100000"/>
+                <a:shade val="80000"/>
                 <a:satMod val="130000"/>
-                <a:shade val="90000"/>
-                <a:lumMod val="103000"/>
               </a:schemeClr>
             </a:gs>
             <a:gs pos="100000">
               <a:schemeClr val="phClr">
-                <a:shade val="63000"/>
+                <a:tint val="100000"/>
+                <a:shade val="48000"/>
                 <a:satMod val="120000"/>
               </a:schemeClr>
             </a:gs>
           </a:gsLst>
-          <a:lin ang="5400000" scaled="0"/>
+          <a:lin ang="16200000" scaled="0"/>
         </a:gradFill>
       </a:bgFillStyleLst>
     </a:fmtScheme>
@@ -4562,7 +5137,7 @@
   <a:extraClrSchemeLst/>
   <a:extLst>
     <a:ext uri="{05A4C25C-085E-4340-85A3-A5531E510DB2}">
-      <thm15:themeFamily xmlns:thm15="http://schemas.microsoft.com/office/thememl/2012/main" name="Office Theme" id="{62F939B6-93AF-4DB8-9C6B-D6C7DFDC589F}" vid="{4A3C46E8-61CC-4603-A589-7422A47A8E4A}"/>
+      <thm15:themeFamily xmlns:thm15="http://schemas.microsoft.com/office/thememl/2012/main" name="Retrospect" id="{5F128B03-DCCA-4EEB-AB3B-CF2899314A46}" vid="{3F1AAB62-24C6-49D2-8E01-B56FAC9A3DCD}"/>
     </a:ext>
   </a:extLst>
 </a:theme>

--- a/02-Using-Objects/PowerPoints/01-Instances-of-Classes.pptx
+++ b/02-Using-Objects/PowerPoints/01-Instances-of-Classes.pptx
@@ -5,15 +5,63 @@
     <p:sldMasterId id="2147483660" r:id="rId1"/>
   </p:sldMasterIdLst>
   <p:notesMasterIdLst>
-    <p:notesMasterId r:id="rId8"/>
+    <p:notesMasterId r:id="rId56"/>
   </p:notesMasterIdLst>
   <p:sldIdLst>
-    <p:sldId id="256" r:id="rId2"/>
-    <p:sldId id="257" r:id="rId3"/>
-    <p:sldId id="260" r:id="rId4"/>
-    <p:sldId id="265" r:id="rId5"/>
-    <p:sldId id="259" r:id="rId6"/>
-    <p:sldId id="262" r:id="rId7"/>
+    <p:sldId id="339" r:id="rId2"/>
+    <p:sldId id="256" r:id="rId3"/>
+    <p:sldId id="265" r:id="rId4"/>
+    <p:sldId id="257" r:id="rId5"/>
+    <p:sldId id="260" r:id="rId6"/>
+    <p:sldId id="259" r:id="rId7"/>
+    <p:sldId id="307" r:id="rId8"/>
+    <p:sldId id="262" r:id="rId9"/>
+    <p:sldId id="294" r:id="rId10"/>
+    <p:sldId id="295" r:id="rId11"/>
+    <p:sldId id="297" r:id="rId12"/>
+    <p:sldId id="298" r:id="rId13"/>
+    <p:sldId id="299" r:id="rId14"/>
+    <p:sldId id="300" r:id="rId15"/>
+    <p:sldId id="301" r:id="rId16"/>
+    <p:sldId id="302" r:id="rId17"/>
+    <p:sldId id="305" r:id="rId18"/>
+    <p:sldId id="306" r:id="rId19"/>
+    <p:sldId id="304" r:id="rId20"/>
+    <p:sldId id="308" r:id="rId21"/>
+    <p:sldId id="309" r:id="rId22"/>
+    <p:sldId id="303" r:id="rId23"/>
+    <p:sldId id="290" r:id="rId24"/>
+    <p:sldId id="292" r:id="rId25"/>
+    <p:sldId id="310" r:id="rId26"/>
+    <p:sldId id="317" r:id="rId27"/>
+    <p:sldId id="312" r:id="rId28"/>
+    <p:sldId id="319" r:id="rId29"/>
+    <p:sldId id="326" r:id="rId30"/>
+    <p:sldId id="328" r:id="rId31"/>
+    <p:sldId id="342" r:id="rId32"/>
+    <p:sldId id="345" r:id="rId33"/>
+    <p:sldId id="346" r:id="rId34"/>
+    <p:sldId id="343" r:id="rId35"/>
+    <p:sldId id="344" r:id="rId36"/>
+    <p:sldId id="320" r:id="rId37"/>
+    <p:sldId id="329" r:id="rId38"/>
+    <p:sldId id="330" r:id="rId39"/>
+    <p:sldId id="321" r:id="rId40"/>
+    <p:sldId id="331" r:id="rId41"/>
+    <p:sldId id="332" r:id="rId42"/>
+    <p:sldId id="322" r:id="rId43"/>
+    <p:sldId id="333" r:id="rId44"/>
+    <p:sldId id="334" r:id="rId45"/>
+    <p:sldId id="323" r:id="rId46"/>
+    <p:sldId id="335" r:id="rId47"/>
+    <p:sldId id="336" r:id="rId48"/>
+    <p:sldId id="324" r:id="rId49"/>
+    <p:sldId id="337" r:id="rId50"/>
+    <p:sldId id="338" r:id="rId51"/>
+    <p:sldId id="325" r:id="rId52"/>
+    <p:sldId id="340" r:id="rId53"/>
+    <p:sldId id="341" r:id="rId54"/>
+    <p:sldId id="289" r:id="rId55"/>
   </p:sldIdLst>
   <p:sldSz cx="12192000" cy="6858000"/>
   <p:notesSz cx="6858000" cy="9144000"/>
@@ -202,7 +250,7 @@
           <a:p>
             <a:fld id="{74736013-8CCC-4BE9-B788-AF95780C0786}" type="datetimeFigureOut">
               <a:rPr lang="en-US" smtClean="0"/>
-              <a:t>1/18/2021</a:t>
+              <a:t>1/19/2021</a:t>
             </a:fld>
             <a:endParaRPr lang="en-US"/>
           </a:p>
@@ -537,7 +585,7 @@
           <a:p>
             <a:fld id="{A22EFDB4-0BC3-4CB3-A7B2-14BE3B37D75F}" type="slidenum">
               <a:rPr lang="en-US" smtClean="0"/>
-              <a:t>4</a:t>
+              <a:t>3</a:t>
             </a:fld>
             <a:endParaRPr lang="en-US"/>
           </a:p>
@@ -547,6 +595,342 @@
     <p:extLst>
       <p:ext uri="{BB962C8B-B14F-4D97-AF65-F5344CB8AC3E}">
         <p14:creationId xmlns:p14="http://schemas.microsoft.com/office/powerpoint/2010/main" val="1323803178"/>
+      </p:ext>
+    </p:extLst>
+  </p:cSld>
+  <p:clrMapOvr>
+    <a:masterClrMapping/>
+  </p:clrMapOvr>
+</p:notes>
+</file>
+
+<file path=ppt/notesSlides/notesSlide10.xml><?xml version="1.0" encoding="utf-8"?>
+<p:notes xmlns:a="http://schemas.openxmlformats.org/drawingml/2006/main" xmlns:r="http://schemas.openxmlformats.org/officeDocument/2006/relationships" xmlns:p="http://schemas.openxmlformats.org/presentationml/2006/main">
+  <p:cSld>
+    <p:spTree>
+      <p:nvGrpSpPr>
+        <p:cNvPr id="1" name=""/>
+        <p:cNvGrpSpPr/>
+        <p:nvPr/>
+      </p:nvGrpSpPr>
+      <p:grpSpPr>
+        <a:xfrm>
+          <a:off x="0" y="0"/>
+          <a:ext cx="0" cy="0"/>
+          <a:chOff x="0" y="0"/>
+          <a:chExt cx="0" cy="0"/>
+        </a:xfrm>
+      </p:grpSpPr>
+      <p:sp>
+        <p:nvSpPr>
+          <p:cNvPr id="2" name="Slide Image Placeholder 1"/>
+          <p:cNvSpPr>
+            <a:spLocks noGrp="1" noRot="1" noChangeAspect="1"/>
+          </p:cNvSpPr>
+          <p:nvPr>
+            <p:ph type="sldImg"/>
+          </p:nvPr>
+        </p:nvSpPr>
+        <p:spPr/>
+      </p:sp>
+      <p:sp>
+        <p:nvSpPr>
+          <p:cNvPr id="3" name="Notes Placeholder 2"/>
+          <p:cNvSpPr>
+            <a:spLocks noGrp="1"/>
+          </p:cNvSpPr>
+          <p:nvPr>
+            <p:ph type="body" idx="1"/>
+          </p:nvPr>
+        </p:nvSpPr>
+        <p:spPr/>
+        <p:txBody>
+          <a:bodyPr/>
+          <a:lstStyle/>
+          <a:p>
+            <a:endParaRPr lang="en-US" dirty="0"/>
+          </a:p>
+        </p:txBody>
+      </p:sp>
+      <p:sp>
+        <p:nvSpPr>
+          <p:cNvPr id="4" name="Slide Number Placeholder 3"/>
+          <p:cNvSpPr>
+            <a:spLocks noGrp="1"/>
+          </p:cNvSpPr>
+          <p:nvPr>
+            <p:ph type="sldNum" sz="quarter" idx="5"/>
+          </p:nvPr>
+        </p:nvSpPr>
+        <p:spPr/>
+        <p:txBody>
+          <a:bodyPr/>
+          <a:lstStyle/>
+          <a:p>
+            <a:fld id="{A22EFDB4-0BC3-4CB3-A7B2-14BE3B37D75F}" type="slidenum">
+              <a:rPr lang="en-US" smtClean="0"/>
+              <a:t>46</a:t>
+            </a:fld>
+            <a:endParaRPr lang="en-US"/>
+          </a:p>
+        </p:txBody>
+      </p:sp>
+    </p:spTree>
+    <p:extLst>
+      <p:ext uri="{BB962C8B-B14F-4D97-AF65-F5344CB8AC3E}">
+        <p14:creationId xmlns:p14="http://schemas.microsoft.com/office/powerpoint/2010/main" val="3716112423"/>
+      </p:ext>
+    </p:extLst>
+  </p:cSld>
+  <p:clrMapOvr>
+    <a:masterClrMapping/>
+  </p:clrMapOvr>
+</p:notes>
+</file>
+
+<file path=ppt/notesSlides/notesSlide11.xml><?xml version="1.0" encoding="utf-8"?>
+<p:notes xmlns:a="http://schemas.openxmlformats.org/drawingml/2006/main" xmlns:r="http://schemas.openxmlformats.org/officeDocument/2006/relationships" xmlns:p="http://schemas.openxmlformats.org/presentationml/2006/main">
+  <p:cSld>
+    <p:spTree>
+      <p:nvGrpSpPr>
+        <p:cNvPr id="1" name=""/>
+        <p:cNvGrpSpPr/>
+        <p:nvPr/>
+      </p:nvGrpSpPr>
+      <p:grpSpPr>
+        <a:xfrm>
+          <a:off x="0" y="0"/>
+          <a:ext cx="0" cy="0"/>
+          <a:chOff x="0" y="0"/>
+          <a:chExt cx="0" cy="0"/>
+        </a:xfrm>
+      </p:grpSpPr>
+      <p:sp>
+        <p:nvSpPr>
+          <p:cNvPr id="2" name="Slide Image Placeholder 1"/>
+          <p:cNvSpPr>
+            <a:spLocks noGrp="1" noRot="1" noChangeAspect="1"/>
+          </p:cNvSpPr>
+          <p:nvPr>
+            <p:ph type="sldImg"/>
+          </p:nvPr>
+        </p:nvSpPr>
+        <p:spPr/>
+      </p:sp>
+      <p:sp>
+        <p:nvSpPr>
+          <p:cNvPr id="3" name="Notes Placeholder 2"/>
+          <p:cNvSpPr>
+            <a:spLocks noGrp="1"/>
+          </p:cNvSpPr>
+          <p:nvPr>
+            <p:ph type="body" idx="1"/>
+          </p:nvPr>
+        </p:nvSpPr>
+        <p:spPr/>
+        <p:txBody>
+          <a:bodyPr/>
+          <a:lstStyle/>
+          <a:p>
+            <a:endParaRPr lang="en-US" dirty="0"/>
+          </a:p>
+        </p:txBody>
+      </p:sp>
+      <p:sp>
+        <p:nvSpPr>
+          <p:cNvPr id="4" name="Slide Number Placeholder 3"/>
+          <p:cNvSpPr>
+            <a:spLocks noGrp="1"/>
+          </p:cNvSpPr>
+          <p:nvPr>
+            <p:ph type="sldNum" sz="quarter" idx="5"/>
+          </p:nvPr>
+        </p:nvSpPr>
+        <p:spPr/>
+        <p:txBody>
+          <a:bodyPr/>
+          <a:lstStyle/>
+          <a:p>
+            <a:fld id="{A22EFDB4-0BC3-4CB3-A7B2-14BE3B37D75F}" type="slidenum">
+              <a:rPr lang="en-US" smtClean="0"/>
+              <a:t>49</a:t>
+            </a:fld>
+            <a:endParaRPr lang="en-US"/>
+          </a:p>
+        </p:txBody>
+      </p:sp>
+    </p:spTree>
+    <p:extLst>
+      <p:ext uri="{BB962C8B-B14F-4D97-AF65-F5344CB8AC3E}">
+        <p14:creationId xmlns:p14="http://schemas.microsoft.com/office/powerpoint/2010/main" val="2744957586"/>
+      </p:ext>
+    </p:extLst>
+  </p:cSld>
+  <p:clrMapOvr>
+    <a:masterClrMapping/>
+  </p:clrMapOvr>
+</p:notes>
+</file>
+
+<file path=ppt/notesSlides/notesSlide12.xml><?xml version="1.0" encoding="utf-8"?>
+<p:notes xmlns:a="http://schemas.openxmlformats.org/drawingml/2006/main" xmlns:r="http://schemas.openxmlformats.org/officeDocument/2006/relationships" xmlns:p="http://schemas.openxmlformats.org/presentationml/2006/main">
+  <p:cSld>
+    <p:spTree>
+      <p:nvGrpSpPr>
+        <p:cNvPr id="1" name=""/>
+        <p:cNvGrpSpPr/>
+        <p:nvPr/>
+      </p:nvGrpSpPr>
+      <p:grpSpPr>
+        <a:xfrm>
+          <a:off x="0" y="0"/>
+          <a:ext cx="0" cy="0"/>
+          <a:chOff x="0" y="0"/>
+          <a:chExt cx="0" cy="0"/>
+        </a:xfrm>
+      </p:grpSpPr>
+      <p:sp>
+        <p:nvSpPr>
+          <p:cNvPr id="2" name="Slide Image Placeholder 1"/>
+          <p:cNvSpPr>
+            <a:spLocks noGrp="1" noRot="1" noChangeAspect="1"/>
+          </p:cNvSpPr>
+          <p:nvPr>
+            <p:ph type="sldImg"/>
+          </p:nvPr>
+        </p:nvSpPr>
+        <p:spPr/>
+      </p:sp>
+      <p:sp>
+        <p:nvSpPr>
+          <p:cNvPr id="3" name="Notes Placeholder 2"/>
+          <p:cNvSpPr>
+            <a:spLocks noGrp="1"/>
+          </p:cNvSpPr>
+          <p:nvPr>
+            <p:ph type="body" idx="1"/>
+          </p:nvPr>
+        </p:nvSpPr>
+        <p:spPr/>
+        <p:txBody>
+          <a:bodyPr/>
+          <a:lstStyle/>
+          <a:p>
+            <a:endParaRPr lang="en-US" dirty="0"/>
+          </a:p>
+        </p:txBody>
+      </p:sp>
+      <p:sp>
+        <p:nvSpPr>
+          <p:cNvPr id="4" name="Slide Number Placeholder 3"/>
+          <p:cNvSpPr>
+            <a:spLocks noGrp="1"/>
+          </p:cNvSpPr>
+          <p:nvPr>
+            <p:ph type="sldNum" sz="quarter" idx="5"/>
+          </p:nvPr>
+        </p:nvSpPr>
+        <p:spPr/>
+        <p:txBody>
+          <a:bodyPr/>
+          <a:lstStyle/>
+          <a:p>
+            <a:fld id="{A22EFDB4-0BC3-4CB3-A7B2-14BE3B37D75F}" type="slidenum">
+              <a:rPr lang="en-US" smtClean="0"/>
+              <a:t>52</a:t>
+            </a:fld>
+            <a:endParaRPr lang="en-US"/>
+          </a:p>
+        </p:txBody>
+      </p:sp>
+    </p:spTree>
+    <p:extLst>
+      <p:ext uri="{BB962C8B-B14F-4D97-AF65-F5344CB8AC3E}">
+        <p14:creationId xmlns:p14="http://schemas.microsoft.com/office/powerpoint/2010/main" val="4059365748"/>
+      </p:ext>
+    </p:extLst>
+  </p:cSld>
+  <p:clrMapOvr>
+    <a:masterClrMapping/>
+  </p:clrMapOvr>
+</p:notes>
+</file>
+
+<file path=ppt/notesSlides/notesSlide13.xml><?xml version="1.0" encoding="utf-8"?>
+<p:notes xmlns:a="http://schemas.openxmlformats.org/drawingml/2006/main" xmlns:r="http://schemas.openxmlformats.org/officeDocument/2006/relationships" xmlns:p="http://schemas.openxmlformats.org/presentationml/2006/main">
+  <p:cSld>
+    <p:spTree>
+      <p:nvGrpSpPr>
+        <p:cNvPr id="1" name=""/>
+        <p:cNvGrpSpPr/>
+        <p:nvPr/>
+      </p:nvGrpSpPr>
+      <p:grpSpPr>
+        <a:xfrm>
+          <a:off x="0" y="0"/>
+          <a:ext cx="0" cy="0"/>
+          <a:chOff x="0" y="0"/>
+          <a:chExt cx="0" cy="0"/>
+        </a:xfrm>
+      </p:grpSpPr>
+      <p:sp>
+        <p:nvSpPr>
+          <p:cNvPr id="2" name="Slide Image Placeholder 1"/>
+          <p:cNvSpPr>
+            <a:spLocks noGrp="1" noRot="1" noChangeAspect="1"/>
+          </p:cNvSpPr>
+          <p:nvPr>
+            <p:ph type="sldImg"/>
+          </p:nvPr>
+        </p:nvSpPr>
+        <p:spPr/>
+      </p:sp>
+      <p:sp>
+        <p:nvSpPr>
+          <p:cNvPr id="3" name="Notes Placeholder 2"/>
+          <p:cNvSpPr>
+            <a:spLocks noGrp="1"/>
+          </p:cNvSpPr>
+          <p:nvPr>
+            <p:ph type="body" idx="1"/>
+          </p:nvPr>
+        </p:nvSpPr>
+        <p:spPr/>
+        <p:txBody>
+          <a:bodyPr/>
+          <a:lstStyle/>
+          <a:p>
+            <a:endParaRPr lang="en-US" dirty="0"/>
+          </a:p>
+        </p:txBody>
+      </p:sp>
+      <p:sp>
+        <p:nvSpPr>
+          <p:cNvPr id="4" name="Slide Number Placeholder 3"/>
+          <p:cNvSpPr>
+            <a:spLocks noGrp="1"/>
+          </p:cNvSpPr>
+          <p:nvPr>
+            <p:ph type="sldNum" sz="quarter" idx="5"/>
+          </p:nvPr>
+        </p:nvSpPr>
+        <p:spPr/>
+        <p:txBody>
+          <a:bodyPr/>
+          <a:lstStyle/>
+          <a:p>
+            <a:fld id="{A22EFDB4-0BC3-4CB3-A7B2-14BE3B37D75F}" type="slidenum">
+              <a:rPr lang="en-US" smtClean="0"/>
+              <a:t>54</a:t>
+            </a:fld>
+            <a:endParaRPr lang="en-US"/>
+          </a:p>
+        </p:txBody>
+      </p:sp>
+    </p:spTree>
+    <p:extLst>
+      <p:ext uri="{BB962C8B-B14F-4D97-AF65-F5344CB8AC3E}">
+        <p14:creationId xmlns:p14="http://schemas.microsoft.com/office/powerpoint/2010/main" val="1229320116"/>
       </p:ext>
     </p:extLst>
   </p:cSld>
@@ -615,6 +999,12 @@
             </a:r>
           </a:p>
           <a:p>
+            <a:r>
+              <a:rPr lang="en-US" dirty="0"/>
+              <a:t>We’ll talk more about what public means later. For now, just think of it as the difference between your private parts and your public self. Other people (classes) can see your public self. We’ll come back to this later.</a:t>
+            </a:r>
+          </a:p>
+          <a:p>
             <a:endParaRPr lang="en-US" dirty="0"/>
           </a:p>
           <a:p>
@@ -648,7 +1038,7 @@
           <a:p>
             <a:fld id="{0E802F63-2F06-4A8F-80D4-D01EC32B9584}" type="slidenum">
               <a:rPr lang="en-US" smtClean="0"/>
-              <a:t>6</a:t>
+              <a:t>8</a:t>
             </a:fld>
             <a:endParaRPr lang="en-US"/>
           </a:p>
@@ -658,6 +1048,663 @@
     <p:extLst>
       <p:ext uri="{BB962C8B-B14F-4D97-AF65-F5344CB8AC3E}">
         <p14:creationId xmlns:p14="http://schemas.microsoft.com/office/powerpoint/2010/main" val="1529617223"/>
+      </p:ext>
+    </p:extLst>
+  </p:cSld>
+  <p:clrMapOvr>
+    <a:masterClrMapping/>
+  </p:clrMapOvr>
+</p:notes>
+</file>
+
+<file path=ppt/notesSlides/notesSlide3.xml><?xml version="1.0" encoding="utf-8"?>
+<p:notes xmlns:a="http://schemas.openxmlformats.org/drawingml/2006/main" xmlns:r="http://schemas.openxmlformats.org/officeDocument/2006/relationships" xmlns:p="http://schemas.openxmlformats.org/presentationml/2006/main">
+  <p:cSld>
+    <p:spTree>
+      <p:nvGrpSpPr>
+        <p:cNvPr id="1" name=""/>
+        <p:cNvGrpSpPr/>
+        <p:nvPr/>
+      </p:nvGrpSpPr>
+      <p:grpSpPr>
+        <a:xfrm>
+          <a:off x="0" y="0"/>
+          <a:ext cx="0" cy="0"/>
+          <a:chOff x="0" y="0"/>
+          <a:chExt cx="0" cy="0"/>
+        </a:xfrm>
+      </p:grpSpPr>
+      <p:sp>
+        <p:nvSpPr>
+          <p:cNvPr id="2" name="Slide Image Placeholder 1"/>
+          <p:cNvSpPr>
+            <a:spLocks noGrp="1" noRot="1" noChangeAspect="1"/>
+          </p:cNvSpPr>
+          <p:nvPr>
+            <p:ph type="sldImg"/>
+          </p:nvPr>
+        </p:nvSpPr>
+        <p:spPr/>
+      </p:sp>
+      <p:sp>
+        <p:nvSpPr>
+          <p:cNvPr id="3" name="Notes Placeholder 2"/>
+          <p:cNvSpPr>
+            <a:spLocks noGrp="1"/>
+          </p:cNvSpPr>
+          <p:nvPr>
+            <p:ph type="body" idx="1"/>
+          </p:nvPr>
+        </p:nvSpPr>
+        <p:spPr/>
+        <p:txBody>
+          <a:bodyPr/>
+          <a:lstStyle/>
+          <a:p>
+            <a:endParaRPr lang="en-US" dirty="0"/>
+          </a:p>
+        </p:txBody>
+      </p:sp>
+      <p:sp>
+        <p:nvSpPr>
+          <p:cNvPr id="4" name="Slide Number Placeholder 3"/>
+          <p:cNvSpPr>
+            <a:spLocks noGrp="1"/>
+          </p:cNvSpPr>
+          <p:nvPr>
+            <p:ph type="sldNum" sz="quarter" idx="5"/>
+          </p:nvPr>
+        </p:nvSpPr>
+        <p:spPr/>
+        <p:txBody>
+          <a:bodyPr/>
+          <a:lstStyle/>
+          <a:p>
+            <a:fld id="{0E802F63-2F06-4A8F-80D4-D01EC32B9584}" type="slidenum">
+              <a:rPr lang="en-US" smtClean="0"/>
+              <a:t>23</a:t>
+            </a:fld>
+            <a:endParaRPr lang="en-US"/>
+          </a:p>
+        </p:txBody>
+      </p:sp>
+    </p:spTree>
+    <p:extLst>
+      <p:ext uri="{BB962C8B-B14F-4D97-AF65-F5344CB8AC3E}">
+        <p14:creationId xmlns:p14="http://schemas.microsoft.com/office/powerpoint/2010/main" val="2990648058"/>
+      </p:ext>
+    </p:extLst>
+  </p:cSld>
+  <p:clrMapOvr>
+    <a:masterClrMapping/>
+  </p:clrMapOvr>
+</p:notes>
+</file>
+
+<file path=ppt/notesSlides/notesSlide4.xml><?xml version="1.0" encoding="utf-8"?>
+<p:notes xmlns:a="http://schemas.openxmlformats.org/drawingml/2006/main" xmlns:r="http://schemas.openxmlformats.org/officeDocument/2006/relationships" xmlns:p="http://schemas.openxmlformats.org/presentationml/2006/main">
+  <p:cSld>
+    <p:spTree>
+      <p:nvGrpSpPr>
+        <p:cNvPr id="1" name=""/>
+        <p:cNvGrpSpPr/>
+        <p:nvPr/>
+      </p:nvGrpSpPr>
+      <p:grpSpPr>
+        <a:xfrm>
+          <a:off x="0" y="0"/>
+          <a:ext cx="0" cy="0"/>
+          <a:chOff x="0" y="0"/>
+          <a:chExt cx="0" cy="0"/>
+        </a:xfrm>
+      </p:grpSpPr>
+      <p:sp>
+        <p:nvSpPr>
+          <p:cNvPr id="2" name="Slide Image Placeholder 1"/>
+          <p:cNvSpPr>
+            <a:spLocks noGrp="1" noRot="1" noChangeAspect="1"/>
+          </p:cNvSpPr>
+          <p:nvPr>
+            <p:ph type="sldImg"/>
+          </p:nvPr>
+        </p:nvSpPr>
+        <p:spPr/>
+      </p:sp>
+      <p:sp>
+        <p:nvSpPr>
+          <p:cNvPr id="3" name="Notes Placeholder 2"/>
+          <p:cNvSpPr>
+            <a:spLocks noGrp="1"/>
+          </p:cNvSpPr>
+          <p:nvPr>
+            <p:ph type="body" idx="1"/>
+          </p:nvPr>
+        </p:nvSpPr>
+        <p:spPr/>
+        <p:txBody>
+          <a:bodyPr/>
+          <a:lstStyle/>
+          <a:p>
+            <a:r>
+              <a:rPr lang="en-US" dirty="0"/>
+              <a:t>Alright, onto our objectives for today. As always, we start off the unit by discussing why learning about the unit matters. Next, we will write our first program, Hello World, with a little bit of help from a template. Then, we will discuss a good programming practice of standardizing what we refer to as “whitespace”. At the very end will be some exercises and suggested activities to help you!</a:t>
+            </a:r>
+          </a:p>
+        </p:txBody>
+      </p:sp>
+      <p:sp>
+        <p:nvSpPr>
+          <p:cNvPr id="4" name="Slide Number Placeholder 3"/>
+          <p:cNvSpPr>
+            <a:spLocks noGrp="1"/>
+          </p:cNvSpPr>
+          <p:nvPr>
+            <p:ph type="sldNum" sz="quarter" idx="5"/>
+          </p:nvPr>
+        </p:nvSpPr>
+        <p:spPr/>
+        <p:txBody>
+          <a:bodyPr/>
+          <a:lstStyle/>
+          <a:p>
+            <a:fld id="{A22EFDB4-0BC3-4CB3-A7B2-14BE3B37D75F}" type="slidenum">
+              <a:rPr lang="en-US" smtClean="0"/>
+              <a:t>29</a:t>
+            </a:fld>
+            <a:endParaRPr lang="en-US"/>
+          </a:p>
+        </p:txBody>
+      </p:sp>
+    </p:spTree>
+    <p:extLst>
+      <p:ext uri="{BB962C8B-B14F-4D97-AF65-F5344CB8AC3E}">
+        <p14:creationId xmlns:p14="http://schemas.microsoft.com/office/powerpoint/2010/main" val="1878998330"/>
+      </p:ext>
+    </p:extLst>
+  </p:cSld>
+  <p:clrMapOvr>
+    <a:masterClrMapping/>
+  </p:clrMapOvr>
+</p:notes>
+</file>
+
+<file path=ppt/notesSlides/notesSlide5.xml><?xml version="1.0" encoding="utf-8"?>
+<p:notes xmlns:a="http://schemas.openxmlformats.org/drawingml/2006/main" xmlns:r="http://schemas.openxmlformats.org/officeDocument/2006/relationships" xmlns:p="http://schemas.openxmlformats.org/presentationml/2006/main">
+  <p:cSld>
+    <p:spTree>
+      <p:nvGrpSpPr>
+        <p:cNvPr id="1" name=""/>
+        <p:cNvGrpSpPr/>
+        <p:nvPr/>
+      </p:nvGrpSpPr>
+      <p:grpSpPr>
+        <a:xfrm>
+          <a:off x="0" y="0"/>
+          <a:ext cx="0" cy="0"/>
+          <a:chOff x="0" y="0"/>
+          <a:chExt cx="0" cy="0"/>
+        </a:xfrm>
+      </p:grpSpPr>
+      <p:sp>
+        <p:nvSpPr>
+          <p:cNvPr id="2" name="Slide Image Placeholder 1"/>
+          <p:cNvSpPr>
+            <a:spLocks noGrp="1" noRot="1" noChangeAspect="1"/>
+          </p:cNvSpPr>
+          <p:nvPr>
+            <p:ph type="sldImg"/>
+          </p:nvPr>
+        </p:nvSpPr>
+        <p:spPr/>
+      </p:sp>
+      <p:sp>
+        <p:nvSpPr>
+          <p:cNvPr id="3" name="Notes Placeholder 2"/>
+          <p:cNvSpPr>
+            <a:spLocks noGrp="1"/>
+          </p:cNvSpPr>
+          <p:nvPr>
+            <p:ph type="body" idx="1"/>
+          </p:nvPr>
+        </p:nvSpPr>
+        <p:spPr/>
+        <p:txBody>
+          <a:bodyPr/>
+          <a:lstStyle/>
+          <a:p>
+            <a:r>
+              <a:rPr lang="en-US" dirty="0"/>
+              <a:t>In Unit 1, we discussed a little bit about the necessity for including public class at the very beginning of our code to make it work. We said that we would learn later what this is for and why it is necessary. We will begin discussing it today and fully discuss classes (and creating our own) in Unit 5.</a:t>
+            </a:r>
+          </a:p>
+          <a:p>
+            <a:endParaRPr lang="en-US" dirty="0"/>
+          </a:p>
+          <a:p>
+            <a:r>
+              <a:rPr lang="en-US" dirty="0"/>
+              <a:t>So why does our code have public class at the very beginning? What does it mean?</a:t>
+            </a:r>
+          </a:p>
+          <a:p>
+            <a:r>
+              <a:rPr lang="en-US" dirty="0"/>
+              <a:t>We’ll talk more about what public means later. For now, just think of it as the difference between your private parts and your public self. Other people (classes) can see your public self. We’ll come back to this later.</a:t>
+            </a:r>
+          </a:p>
+          <a:p>
+            <a:endParaRPr lang="en-US" dirty="0"/>
+          </a:p>
+          <a:p>
+            <a:r>
+              <a:rPr lang="en-US" dirty="0"/>
+              <a:t>Let’s talk about the word class. </a:t>
+            </a:r>
+          </a:p>
+          <a:p>
+            <a:r>
+              <a:rPr lang="en-US" dirty="0"/>
+              <a:t>Remember, Java is an object-oriented programming language that we can use to model objects in the real world. </a:t>
+            </a:r>
+          </a:p>
+        </p:txBody>
+      </p:sp>
+      <p:sp>
+        <p:nvSpPr>
+          <p:cNvPr id="4" name="Slide Number Placeholder 3"/>
+          <p:cNvSpPr>
+            <a:spLocks noGrp="1"/>
+          </p:cNvSpPr>
+          <p:nvPr>
+            <p:ph type="sldNum" sz="quarter" idx="5"/>
+          </p:nvPr>
+        </p:nvSpPr>
+        <p:spPr/>
+        <p:txBody>
+          <a:bodyPr/>
+          <a:lstStyle/>
+          <a:p>
+            <a:fld id="{0E802F63-2F06-4A8F-80D4-D01EC32B9584}" type="slidenum">
+              <a:rPr lang="en-US" smtClean="0"/>
+              <a:t>32</a:t>
+            </a:fld>
+            <a:endParaRPr lang="en-US"/>
+          </a:p>
+        </p:txBody>
+      </p:sp>
+    </p:spTree>
+    <p:extLst>
+      <p:ext uri="{BB962C8B-B14F-4D97-AF65-F5344CB8AC3E}">
+        <p14:creationId xmlns:p14="http://schemas.microsoft.com/office/powerpoint/2010/main" val="1982637174"/>
+      </p:ext>
+    </p:extLst>
+  </p:cSld>
+  <p:clrMapOvr>
+    <a:masterClrMapping/>
+  </p:clrMapOvr>
+</p:notes>
+</file>
+
+<file path=ppt/notesSlides/notesSlide6.xml><?xml version="1.0" encoding="utf-8"?>
+<p:notes xmlns:a="http://schemas.openxmlformats.org/drawingml/2006/main" xmlns:r="http://schemas.openxmlformats.org/officeDocument/2006/relationships" xmlns:p="http://schemas.openxmlformats.org/presentationml/2006/main">
+  <p:cSld>
+    <p:spTree>
+      <p:nvGrpSpPr>
+        <p:cNvPr id="1" name=""/>
+        <p:cNvGrpSpPr/>
+        <p:nvPr/>
+      </p:nvGrpSpPr>
+      <p:grpSpPr>
+        <a:xfrm>
+          <a:off x="0" y="0"/>
+          <a:ext cx="0" cy="0"/>
+          <a:chOff x="0" y="0"/>
+          <a:chExt cx="0" cy="0"/>
+        </a:xfrm>
+      </p:grpSpPr>
+      <p:sp>
+        <p:nvSpPr>
+          <p:cNvPr id="2" name="Slide Image Placeholder 1"/>
+          <p:cNvSpPr>
+            <a:spLocks noGrp="1" noRot="1" noChangeAspect="1"/>
+          </p:cNvSpPr>
+          <p:nvPr>
+            <p:ph type="sldImg"/>
+          </p:nvPr>
+        </p:nvSpPr>
+        <p:spPr/>
+      </p:sp>
+      <p:sp>
+        <p:nvSpPr>
+          <p:cNvPr id="3" name="Notes Placeholder 2"/>
+          <p:cNvSpPr>
+            <a:spLocks noGrp="1"/>
+          </p:cNvSpPr>
+          <p:nvPr>
+            <p:ph type="body" idx="1"/>
+          </p:nvPr>
+        </p:nvSpPr>
+        <p:spPr/>
+        <p:txBody>
+          <a:bodyPr/>
+          <a:lstStyle/>
+          <a:p>
+            <a:r>
+              <a:rPr lang="en-US" dirty="0"/>
+              <a:t>In Unit 1, we discussed a little bit about the necessity for including public class at the very beginning of our code to make it work. We said that we would learn later what this is for and why it is necessary. We will begin discussing it today and fully discuss classes (and creating our own) in Unit 5.</a:t>
+            </a:r>
+          </a:p>
+          <a:p>
+            <a:endParaRPr lang="en-US" dirty="0"/>
+          </a:p>
+          <a:p>
+            <a:r>
+              <a:rPr lang="en-US" dirty="0"/>
+              <a:t>So why does our code have public class at the very beginning? What does it mean?</a:t>
+            </a:r>
+          </a:p>
+          <a:p>
+            <a:r>
+              <a:rPr lang="en-US" dirty="0"/>
+              <a:t>We’ll talk more about what public means later. For now, just think of it as the difference between your private parts and your public self. Other people (classes) can see your public self. We’ll come back to this later.</a:t>
+            </a:r>
+          </a:p>
+          <a:p>
+            <a:endParaRPr lang="en-US" dirty="0"/>
+          </a:p>
+          <a:p>
+            <a:r>
+              <a:rPr lang="en-US" dirty="0"/>
+              <a:t>Let’s talk about the word class. </a:t>
+            </a:r>
+          </a:p>
+          <a:p>
+            <a:r>
+              <a:rPr lang="en-US" dirty="0"/>
+              <a:t>Remember, Java is an object-oriented programming language that we can use to model objects in the real world. </a:t>
+            </a:r>
+          </a:p>
+        </p:txBody>
+      </p:sp>
+      <p:sp>
+        <p:nvSpPr>
+          <p:cNvPr id="4" name="Slide Number Placeholder 3"/>
+          <p:cNvSpPr>
+            <a:spLocks noGrp="1"/>
+          </p:cNvSpPr>
+          <p:nvPr>
+            <p:ph type="sldNum" sz="quarter" idx="5"/>
+          </p:nvPr>
+        </p:nvSpPr>
+        <p:spPr/>
+        <p:txBody>
+          <a:bodyPr/>
+          <a:lstStyle/>
+          <a:p>
+            <a:fld id="{0E802F63-2F06-4A8F-80D4-D01EC32B9584}" type="slidenum">
+              <a:rPr lang="en-US" smtClean="0"/>
+              <a:t>33</a:t>
+            </a:fld>
+            <a:endParaRPr lang="en-US"/>
+          </a:p>
+        </p:txBody>
+      </p:sp>
+    </p:spTree>
+    <p:extLst>
+      <p:ext uri="{BB962C8B-B14F-4D97-AF65-F5344CB8AC3E}">
+        <p14:creationId xmlns:p14="http://schemas.microsoft.com/office/powerpoint/2010/main" val="2442986656"/>
+      </p:ext>
+    </p:extLst>
+  </p:cSld>
+  <p:clrMapOvr>
+    <a:masterClrMapping/>
+  </p:clrMapOvr>
+</p:notes>
+</file>
+
+<file path=ppt/notesSlides/notesSlide7.xml><?xml version="1.0" encoding="utf-8"?>
+<p:notes xmlns:a="http://schemas.openxmlformats.org/drawingml/2006/main" xmlns:r="http://schemas.openxmlformats.org/officeDocument/2006/relationships" xmlns:p="http://schemas.openxmlformats.org/presentationml/2006/main">
+  <p:cSld>
+    <p:spTree>
+      <p:nvGrpSpPr>
+        <p:cNvPr id="1" name=""/>
+        <p:cNvGrpSpPr/>
+        <p:nvPr/>
+      </p:nvGrpSpPr>
+      <p:grpSpPr>
+        <a:xfrm>
+          <a:off x="0" y="0"/>
+          <a:ext cx="0" cy="0"/>
+          <a:chOff x="0" y="0"/>
+          <a:chExt cx="0" cy="0"/>
+        </a:xfrm>
+      </p:grpSpPr>
+      <p:sp>
+        <p:nvSpPr>
+          <p:cNvPr id="2" name="Slide Image Placeholder 1"/>
+          <p:cNvSpPr>
+            <a:spLocks noGrp="1" noRot="1" noChangeAspect="1"/>
+          </p:cNvSpPr>
+          <p:nvPr>
+            <p:ph type="sldImg"/>
+          </p:nvPr>
+        </p:nvSpPr>
+        <p:spPr/>
+      </p:sp>
+      <p:sp>
+        <p:nvSpPr>
+          <p:cNvPr id="3" name="Notes Placeholder 2"/>
+          <p:cNvSpPr>
+            <a:spLocks noGrp="1"/>
+          </p:cNvSpPr>
+          <p:nvPr>
+            <p:ph type="body" idx="1"/>
+          </p:nvPr>
+        </p:nvSpPr>
+        <p:spPr/>
+        <p:txBody>
+          <a:bodyPr/>
+          <a:lstStyle/>
+          <a:p>
+            <a:endParaRPr lang="en-US" dirty="0"/>
+          </a:p>
+        </p:txBody>
+      </p:sp>
+      <p:sp>
+        <p:nvSpPr>
+          <p:cNvPr id="4" name="Slide Number Placeholder 3"/>
+          <p:cNvSpPr>
+            <a:spLocks noGrp="1"/>
+          </p:cNvSpPr>
+          <p:nvPr>
+            <p:ph type="sldNum" sz="quarter" idx="5"/>
+          </p:nvPr>
+        </p:nvSpPr>
+        <p:spPr/>
+        <p:txBody>
+          <a:bodyPr/>
+          <a:lstStyle/>
+          <a:p>
+            <a:fld id="{A22EFDB4-0BC3-4CB3-A7B2-14BE3B37D75F}" type="slidenum">
+              <a:rPr lang="en-US" smtClean="0"/>
+              <a:t>37</a:t>
+            </a:fld>
+            <a:endParaRPr lang="en-US"/>
+          </a:p>
+        </p:txBody>
+      </p:sp>
+    </p:spTree>
+    <p:extLst>
+      <p:ext uri="{BB962C8B-B14F-4D97-AF65-F5344CB8AC3E}">
+        <p14:creationId xmlns:p14="http://schemas.microsoft.com/office/powerpoint/2010/main" val="2879620781"/>
+      </p:ext>
+    </p:extLst>
+  </p:cSld>
+  <p:clrMapOvr>
+    <a:masterClrMapping/>
+  </p:clrMapOvr>
+</p:notes>
+</file>
+
+<file path=ppt/notesSlides/notesSlide8.xml><?xml version="1.0" encoding="utf-8"?>
+<p:notes xmlns:a="http://schemas.openxmlformats.org/drawingml/2006/main" xmlns:r="http://schemas.openxmlformats.org/officeDocument/2006/relationships" xmlns:p="http://schemas.openxmlformats.org/presentationml/2006/main">
+  <p:cSld>
+    <p:spTree>
+      <p:nvGrpSpPr>
+        <p:cNvPr id="1" name=""/>
+        <p:cNvGrpSpPr/>
+        <p:nvPr/>
+      </p:nvGrpSpPr>
+      <p:grpSpPr>
+        <a:xfrm>
+          <a:off x="0" y="0"/>
+          <a:ext cx="0" cy="0"/>
+          <a:chOff x="0" y="0"/>
+          <a:chExt cx="0" cy="0"/>
+        </a:xfrm>
+      </p:grpSpPr>
+      <p:sp>
+        <p:nvSpPr>
+          <p:cNvPr id="2" name="Slide Image Placeholder 1"/>
+          <p:cNvSpPr>
+            <a:spLocks noGrp="1" noRot="1" noChangeAspect="1"/>
+          </p:cNvSpPr>
+          <p:nvPr>
+            <p:ph type="sldImg"/>
+          </p:nvPr>
+        </p:nvSpPr>
+        <p:spPr/>
+      </p:sp>
+      <p:sp>
+        <p:nvSpPr>
+          <p:cNvPr id="3" name="Notes Placeholder 2"/>
+          <p:cNvSpPr>
+            <a:spLocks noGrp="1"/>
+          </p:cNvSpPr>
+          <p:nvPr>
+            <p:ph type="body" idx="1"/>
+          </p:nvPr>
+        </p:nvSpPr>
+        <p:spPr/>
+        <p:txBody>
+          <a:bodyPr/>
+          <a:lstStyle/>
+          <a:p>
+            <a:endParaRPr lang="en-US" dirty="0"/>
+          </a:p>
+        </p:txBody>
+      </p:sp>
+      <p:sp>
+        <p:nvSpPr>
+          <p:cNvPr id="4" name="Slide Number Placeholder 3"/>
+          <p:cNvSpPr>
+            <a:spLocks noGrp="1"/>
+          </p:cNvSpPr>
+          <p:nvPr>
+            <p:ph type="sldNum" sz="quarter" idx="5"/>
+          </p:nvPr>
+        </p:nvSpPr>
+        <p:spPr/>
+        <p:txBody>
+          <a:bodyPr/>
+          <a:lstStyle/>
+          <a:p>
+            <a:fld id="{A22EFDB4-0BC3-4CB3-A7B2-14BE3B37D75F}" type="slidenum">
+              <a:rPr lang="en-US" smtClean="0"/>
+              <a:t>40</a:t>
+            </a:fld>
+            <a:endParaRPr lang="en-US"/>
+          </a:p>
+        </p:txBody>
+      </p:sp>
+    </p:spTree>
+    <p:extLst>
+      <p:ext uri="{BB962C8B-B14F-4D97-AF65-F5344CB8AC3E}">
+        <p14:creationId xmlns:p14="http://schemas.microsoft.com/office/powerpoint/2010/main" val="2974706298"/>
+      </p:ext>
+    </p:extLst>
+  </p:cSld>
+  <p:clrMapOvr>
+    <a:masterClrMapping/>
+  </p:clrMapOvr>
+</p:notes>
+</file>
+
+<file path=ppt/notesSlides/notesSlide9.xml><?xml version="1.0" encoding="utf-8"?>
+<p:notes xmlns:a="http://schemas.openxmlformats.org/drawingml/2006/main" xmlns:r="http://schemas.openxmlformats.org/officeDocument/2006/relationships" xmlns:p="http://schemas.openxmlformats.org/presentationml/2006/main">
+  <p:cSld>
+    <p:spTree>
+      <p:nvGrpSpPr>
+        <p:cNvPr id="1" name=""/>
+        <p:cNvGrpSpPr/>
+        <p:nvPr/>
+      </p:nvGrpSpPr>
+      <p:grpSpPr>
+        <a:xfrm>
+          <a:off x="0" y="0"/>
+          <a:ext cx="0" cy="0"/>
+          <a:chOff x="0" y="0"/>
+          <a:chExt cx="0" cy="0"/>
+        </a:xfrm>
+      </p:grpSpPr>
+      <p:sp>
+        <p:nvSpPr>
+          <p:cNvPr id="2" name="Slide Image Placeholder 1"/>
+          <p:cNvSpPr>
+            <a:spLocks noGrp="1" noRot="1" noChangeAspect="1"/>
+          </p:cNvSpPr>
+          <p:nvPr>
+            <p:ph type="sldImg"/>
+          </p:nvPr>
+        </p:nvSpPr>
+        <p:spPr/>
+      </p:sp>
+      <p:sp>
+        <p:nvSpPr>
+          <p:cNvPr id="3" name="Notes Placeholder 2"/>
+          <p:cNvSpPr>
+            <a:spLocks noGrp="1"/>
+          </p:cNvSpPr>
+          <p:nvPr>
+            <p:ph type="body" idx="1"/>
+          </p:nvPr>
+        </p:nvSpPr>
+        <p:spPr/>
+        <p:txBody>
+          <a:bodyPr/>
+          <a:lstStyle/>
+          <a:p>
+            <a:endParaRPr lang="en-US" dirty="0"/>
+          </a:p>
+        </p:txBody>
+      </p:sp>
+      <p:sp>
+        <p:nvSpPr>
+          <p:cNvPr id="4" name="Slide Number Placeholder 3"/>
+          <p:cNvSpPr>
+            <a:spLocks noGrp="1"/>
+          </p:cNvSpPr>
+          <p:nvPr>
+            <p:ph type="sldNum" sz="quarter" idx="5"/>
+          </p:nvPr>
+        </p:nvSpPr>
+        <p:spPr/>
+        <p:txBody>
+          <a:bodyPr/>
+          <a:lstStyle/>
+          <a:p>
+            <a:fld id="{A22EFDB4-0BC3-4CB3-A7B2-14BE3B37D75F}" type="slidenum">
+              <a:rPr lang="en-US" smtClean="0"/>
+              <a:t>43</a:t>
+            </a:fld>
+            <a:endParaRPr lang="en-US"/>
+          </a:p>
+        </p:txBody>
+      </p:sp>
+    </p:spTree>
+    <p:extLst>
+      <p:ext uri="{BB962C8B-B14F-4D97-AF65-F5344CB8AC3E}">
+        <p14:creationId xmlns:p14="http://schemas.microsoft.com/office/powerpoint/2010/main" val="833047686"/>
       </p:ext>
     </p:extLst>
   </p:cSld>
@@ -893,7 +1940,7 @@
           <a:p>
             <a:fld id="{EB5B1443-7FEB-4797-A546-AD7699624C9A}" type="datetimeFigureOut">
               <a:rPr lang="en-US" smtClean="0"/>
-              <a:t>1/18/2021</a:t>
+              <a:t>1/19/2021</a:t>
             </a:fld>
             <a:endParaRPr lang="en-US"/>
           </a:p>
@@ -1101,7 +2148,7 @@
           <a:p>
             <a:fld id="{EB5B1443-7FEB-4797-A546-AD7699624C9A}" type="datetimeFigureOut">
               <a:rPr lang="en-US" smtClean="0"/>
-              <a:t>1/18/2021</a:t>
+              <a:t>1/19/2021</a:t>
             </a:fld>
             <a:endParaRPr lang="en-US"/>
           </a:p>
@@ -1357,7 +2404,7 @@
           <a:p>
             <a:fld id="{EB5B1443-7FEB-4797-A546-AD7699624C9A}" type="datetimeFigureOut">
               <a:rPr lang="en-US" smtClean="0"/>
-              <a:t>1/18/2021</a:t>
+              <a:t>1/19/2021</a:t>
             </a:fld>
             <a:endParaRPr lang="en-US"/>
           </a:p>
@@ -1531,7 +2578,7 @@
           <a:p>
             <a:fld id="{EB5B1443-7FEB-4797-A546-AD7699624C9A}" type="datetimeFigureOut">
               <a:rPr lang="en-US" smtClean="0"/>
-              <a:t>1/18/2021</a:t>
+              <a:t>1/19/2021</a:t>
             </a:fld>
             <a:endParaRPr lang="en-US"/>
           </a:p>
@@ -1874,7 +2921,7 @@
           <a:p>
             <a:fld id="{EB5B1443-7FEB-4797-A546-AD7699624C9A}" type="datetimeFigureOut">
               <a:rPr lang="en-US" smtClean="0"/>
-              <a:t>1/18/2021</a:t>
+              <a:t>1/19/2021</a:t>
             </a:fld>
             <a:endParaRPr lang="en-US"/>
           </a:p>
@@ -2149,7 +3196,7 @@
           <a:p>
             <a:fld id="{EB5B1443-7FEB-4797-A546-AD7699624C9A}" type="datetimeFigureOut">
               <a:rPr lang="en-US" smtClean="0"/>
-              <a:t>1/18/2021</a:t>
+              <a:t>1/19/2021</a:t>
             </a:fld>
             <a:endParaRPr lang="en-US"/>
           </a:p>
@@ -2528,7 +3575,7 @@
           <a:p>
             <a:fld id="{EB5B1443-7FEB-4797-A546-AD7699624C9A}" type="datetimeFigureOut">
               <a:rPr lang="en-US" smtClean="0"/>
-              <a:t>1/18/2021</a:t>
+              <a:t>1/19/2021</a:t>
             </a:fld>
             <a:endParaRPr lang="en-US"/>
           </a:p>
@@ -2646,7 +3693,7 @@
           <a:p>
             <a:fld id="{EB5B1443-7FEB-4797-A546-AD7699624C9A}" type="datetimeFigureOut">
               <a:rPr lang="en-US" smtClean="0"/>
-              <a:t>1/18/2021</a:t>
+              <a:t>1/19/2021</a:t>
             </a:fld>
             <a:endParaRPr lang="en-US"/>
           </a:p>
@@ -2817,7 +3864,7 @@
           <a:p>
             <a:fld id="{EB5B1443-7FEB-4797-A546-AD7699624C9A}" type="datetimeFigureOut">
               <a:rPr lang="en-US" smtClean="0"/>
-              <a:t>1/18/2021</a:t>
+              <a:t>1/19/2021</a:t>
             </a:fld>
             <a:endParaRPr lang="en-US"/>
           </a:p>
@@ -3171,7 +4218,7 @@
           <a:p>
             <a:fld id="{EB5B1443-7FEB-4797-A546-AD7699624C9A}" type="datetimeFigureOut">
               <a:rPr lang="en-US" smtClean="0"/>
-              <a:t>1/18/2021</a:t>
+              <a:t>1/19/2021</a:t>
             </a:fld>
             <a:endParaRPr lang="en-US"/>
           </a:p>
@@ -3553,7 +4600,7 @@
           <a:p>
             <a:fld id="{EB5B1443-7FEB-4797-A546-AD7699624C9A}" type="datetimeFigureOut">
               <a:rPr lang="en-US" smtClean="0"/>
-              <a:t>1/18/2021</a:t>
+              <a:t>1/19/2021</a:t>
             </a:fld>
             <a:endParaRPr lang="en-US"/>
           </a:p>
@@ -3840,7 +4887,7 @@
           <a:p>
             <a:fld id="{EB5B1443-7FEB-4797-A546-AD7699624C9A}" type="datetimeFigureOut">
               <a:rPr lang="en-US" smtClean="0"/>
-              <a:t>1/18/2021</a:t>
+              <a:t>1/19/2021</a:t>
             </a:fld>
             <a:endParaRPr lang="en-US"/>
           </a:p>
@@ -4366,64 +5413,131 @@
       </p:grpSpPr>
       <p:sp>
         <p:nvSpPr>
-          <p:cNvPr id="2" name="Title 1">
-            <a:extLst>
-              <a:ext uri="{FF2B5EF4-FFF2-40B4-BE49-F238E27FC236}">
-                <a16:creationId xmlns:a16="http://schemas.microsoft.com/office/drawing/2014/main" id="{E638FB4B-4A8A-4406-A1EC-B9CEEF54C857}"/>
-              </a:ext>
-            </a:extLst>
-          </p:cNvPr>
-          <p:cNvSpPr>
-            <a:spLocks noGrp="1"/>
-          </p:cNvSpPr>
-          <p:nvPr>
-            <p:ph type="ctrTitle"/>
-          </p:nvPr>
-        </p:nvSpPr>
-        <p:spPr/>
-        <p:txBody>
-          <a:bodyPr/>
-          <a:lstStyle/>
-          <a:p>
-            <a:r>
-              <a:rPr lang="en-US" dirty="0"/>
-              <a:t>Unit 02</a:t>
-            </a:r>
-          </a:p>
-        </p:txBody>
-      </p:sp>
-      <p:sp>
-        <p:nvSpPr>
-          <p:cNvPr id="3" name="Subtitle 2">
-            <a:extLst>
-              <a:ext uri="{FF2B5EF4-FFF2-40B4-BE49-F238E27FC236}">
-                <a16:creationId xmlns:a16="http://schemas.microsoft.com/office/drawing/2014/main" id="{90F73F67-BACE-4636-9102-01050EDBC285}"/>
-              </a:ext>
-            </a:extLst>
-          </p:cNvPr>
-          <p:cNvSpPr>
-            <a:spLocks noGrp="1"/>
-          </p:cNvSpPr>
-          <p:nvPr>
-            <p:ph type="subTitle" idx="1"/>
-          </p:nvPr>
-        </p:nvSpPr>
-        <p:spPr/>
-        <p:txBody>
-          <a:bodyPr/>
-          <a:lstStyle/>
-          <a:p>
-            <a:r>
-              <a:rPr lang="en-US" dirty="0"/>
-              <a:t>Instances of Classes</a:t>
-            </a:r>
+          <p:cNvPr id="9" name="Title 8">
+            <a:extLst>
+              <a:ext uri="{FF2B5EF4-FFF2-40B4-BE49-F238E27FC236}">
+                <a16:creationId xmlns:a16="http://schemas.microsoft.com/office/drawing/2014/main" id="{A18BB255-D592-4E72-AC7A-084049BE2F46}"/>
+              </a:ext>
+            </a:extLst>
+          </p:cNvPr>
+          <p:cNvSpPr>
+            <a:spLocks noGrp="1"/>
+          </p:cNvSpPr>
+          <p:nvPr>
+            <p:ph type="title"/>
+          </p:nvPr>
+        </p:nvSpPr>
+        <p:spPr/>
+        <p:txBody>
+          <a:bodyPr/>
+          <a:lstStyle/>
+          <a:p>
+            <a:r>
+              <a:rPr lang="en-US" dirty="0"/>
+              <a:t>Unit 2: Using Objects</a:t>
+            </a:r>
+          </a:p>
+        </p:txBody>
+      </p:sp>
+      <p:sp>
+        <p:nvSpPr>
+          <p:cNvPr id="10" name="Content Placeholder 9">
+            <a:extLst>
+              <a:ext uri="{FF2B5EF4-FFF2-40B4-BE49-F238E27FC236}">
+                <a16:creationId xmlns:a16="http://schemas.microsoft.com/office/drawing/2014/main" id="{DCE81D8F-7832-47D1-A90B-57F24C876B9A}"/>
+              </a:ext>
+            </a:extLst>
+          </p:cNvPr>
+          <p:cNvSpPr>
+            <a:spLocks noGrp="1"/>
+          </p:cNvSpPr>
+          <p:nvPr>
+            <p:ph sz="half" idx="1"/>
+          </p:nvPr>
+        </p:nvSpPr>
+        <p:spPr/>
+        <p:txBody>
+          <a:bodyPr/>
+          <a:lstStyle/>
+          <a:p>
+            <a:r>
+              <a:rPr lang="en-US" dirty="0"/>
+              <a:t>Lesson 1:</a:t>
+            </a:r>
+          </a:p>
+          <a:p>
+            <a:r>
+              <a:rPr lang="en-US" dirty="0"/>
+              <a:t>Lesson 2:</a:t>
+            </a:r>
+          </a:p>
+          <a:p>
+            <a:r>
+              <a:rPr lang="en-US" dirty="0"/>
+              <a:t>Lesson 3:</a:t>
+            </a:r>
+          </a:p>
+          <a:p>
+            <a:r>
+              <a:rPr lang="en-US" dirty="0"/>
+              <a:t>Lesson 4:</a:t>
+            </a:r>
+          </a:p>
+          <a:p>
+            <a:r>
+              <a:rPr lang="en-US" dirty="0"/>
+              <a:t>Lesson 5:</a:t>
+            </a:r>
+          </a:p>
+          <a:p>
+            <a:r>
+              <a:rPr lang="en-US" dirty="0"/>
+              <a:t>Lesson 6:</a:t>
+            </a:r>
+          </a:p>
+          <a:p>
+            <a:r>
+              <a:rPr lang="en-US" dirty="0"/>
+              <a:t>Lesson 7:</a:t>
+            </a:r>
+          </a:p>
+          <a:p>
+            <a:r>
+              <a:rPr lang="en-US" dirty="0"/>
+              <a:t>Lesson 8:</a:t>
+            </a:r>
+          </a:p>
+        </p:txBody>
+      </p:sp>
+      <p:sp>
+        <p:nvSpPr>
+          <p:cNvPr id="11" name="Content Placeholder 10">
+            <a:extLst>
+              <a:ext uri="{FF2B5EF4-FFF2-40B4-BE49-F238E27FC236}">
+                <a16:creationId xmlns:a16="http://schemas.microsoft.com/office/drawing/2014/main" id="{0D84F9C0-21AD-45D3-B3E0-6B72A5E178B1}"/>
+              </a:ext>
+            </a:extLst>
+          </p:cNvPr>
+          <p:cNvSpPr>
+            <a:spLocks noGrp="1"/>
+          </p:cNvSpPr>
+          <p:nvPr>
+            <p:ph sz="half" idx="2"/>
+          </p:nvPr>
+        </p:nvSpPr>
+        <p:spPr/>
+        <p:txBody>
+          <a:bodyPr/>
+          <a:lstStyle/>
+          <a:p>
+            <a:endParaRPr lang="en-US" dirty="0"/>
           </a:p>
         </p:txBody>
       </p:sp>
     </p:spTree>
     <p:extLst>
       <p:ext uri="{BB962C8B-B14F-4D97-AF65-F5344CB8AC3E}">
-        <p14:creationId xmlns:p14="http://schemas.microsoft.com/office/powerpoint/2010/main" val="1436931241"/>
+        <p14:creationId xmlns:p14="http://schemas.microsoft.com/office/powerpoint/2010/main" val="7807171"/>
       </p:ext>
     </p:extLst>
   </p:cSld>
@@ -4433,7 +5547,7 @@
 </p:sld>
 </file>
 
-<file path=ppt/slides/slide2.xml><?xml version="1.0" encoding="utf-8"?>
+<file path=ppt/slides/slide10.xml><?xml version="1.0" encoding="utf-8"?>
 <p:sld xmlns:a="http://schemas.openxmlformats.org/drawingml/2006/main" xmlns:r="http://schemas.openxmlformats.org/officeDocument/2006/relationships" xmlns:p="http://schemas.openxmlformats.org/presentationml/2006/main">
   <p:cSld>
     <p:spTree>
@@ -4455,6 +5569,4593 @@
           <p:cNvPr id="2" name="Title 1">
             <a:extLst>
               <a:ext uri="{FF2B5EF4-FFF2-40B4-BE49-F238E27FC236}">
+                <a16:creationId xmlns:a16="http://schemas.microsoft.com/office/drawing/2014/main" id="{AC04CA47-E0BB-4B5F-96CE-0D0EA18C2112}"/>
+              </a:ext>
+            </a:extLst>
+          </p:cNvPr>
+          <p:cNvSpPr>
+            <a:spLocks noGrp="1"/>
+          </p:cNvSpPr>
+          <p:nvPr>
+            <p:ph type="title"/>
+          </p:nvPr>
+        </p:nvSpPr>
+        <p:spPr/>
+        <p:txBody>
+          <a:bodyPr/>
+          <a:lstStyle/>
+          <a:p>
+            <a:r>
+              <a:rPr lang="en-US" dirty="0"/>
+              <a:t>Checking Account</a:t>
+            </a:r>
+          </a:p>
+        </p:txBody>
+      </p:sp>
+      <p:sp>
+        <p:nvSpPr>
+          <p:cNvPr id="3" name="Content Placeholder 2">
+            <a:extLst>
+              <a:ext uri="{FF2B5EF4-FFF2-40B4-BE49-F238E27FC236}">
+                <a16:creationId xmlns:a16="http://schemas.microsoft.com/office/drawing/2014/main" id="{5B489833-E69C-4D53-B323-B324B337D39F}"/>
+              </a:ext>
+            </a:extLst>
+          </p:cNvPr>
+          <p:cNvSpPr>
+            <a:spLocks noGrp="1"/>
+          </p:cNvSpPr>
+          <p:nvPr>
+            <p:ph idx="1"/>
+          </p:nvPr>
+        </p:nvSpPr>
+        <p:spPr/>
+        <p:txBody>
+          <a:bodyPr/>
+          <a:lstStyle/>
+          <a:p>
+            <a:r>
+              <a:rPr lang="en-US" dirty="0"/>
+              <a:t>Let’s make a bank account for a single person using only primitive variables!</a:t>
+            </a:r>
+          </a:p>
+          <a:p>
+            <a:pPr marL="201168" lvl="1" indent="0">
+              <a:buNone/>
+            </a:pPr>
+            <a:r>
+              <a:rPr lang="en-US" dirty="0"/>
+              <a:t>String name = “Charles Wang”;</a:t>
+            </a:r>
+          </a:p>
+          <a:p>
+            <a:pPr marL="201168" lvl="1" indent="0">
+              <a:buNone/>
+            </a:pPr>
+            <a:r>
+              <a:rPr lang="en-US" dirty="0"/>
+              <a:t>int age = 9001;</a:t>
+            </a:r>
+          </a:p>
+          <a:p>
+            <a:pPr marL="201168" lvl="1" indent="0">
+              <a:buNone/>
+            </a:pPr>
+            <a:r>
+              <a:rPr lang="en-US" dirty="0"/>
+              <a:t>double </a:t>
+            </a:r>
+            <a:r>
+              <a:rPr lang="en-US" dirty="0" err="1"/>
+              <a:t>checkingAmount</a:t>
+            </a:r>
+            <a:r>
+              <a:rPr lang="en-US" dirty="0"/>
+              <a:t> = -10.01;</a:t>
+            </a:r>
+          </a:p>
+          <a:p>
+            <a:pPr marL="201168" lvl="1" indent="0">
+              <a:buNone/>
+            </a:pPr>
+            <a:r>
+              <a:rPr lang="en-US" dirty="0"/>
+              <a:t>String username = “</a:t>
+            </a:r>
+            <a:r>
+              <a:rPr lang="en-US" dirty="0" err="1"/>
+              <a:t>thewangclass</a:t>
+            </a:r>
+            <a:r>
+              <a:rPr lang="en-US" dirty="0"/>
+              <a:t>”;</a:t>
+            </a:r>
+          </a:p>
+          <a:p>
+            <a:pPr marL="201168" lvl="1" indent="0">
+              <a:buNone/>
+            </a:pPr>
+            <a:r>
+              <a:rPr lang="en-US" dirty="0"/>
+              <a:t>String password = “</a:t>
+            </a:r>
+            <a:r>
+              <a:rPr lang="en-US" dirty="0" err="1"/>
+              <a:t>theverybestpasswordthereeverwas</a:t>
+            </a:r>
+            <a:r>
+              <a:rPr lang="en-US" dirty="0"/>
+              <a:t>”;</a:t>
+            </a:r>
+          </a:p>
+          <a:p>
+            <a:pPr marL="201168" lvl="1" indent="0">
+              <a:buNone/>
+            </a:pPr>
+            <a:endParaRPr lang="en-US" dirty="0"/>
+          </a:p>
+        </p:txBody>
+      </p:sp>
+    </p:spTree>
+    <p:extLst>
+      <p:ext uri="{BB962C8B-B14F-4D97-AF65-F5344CB8AC3E}">
+        <p14:creationId xmlns:p14="http://schemas.microsoft.com/office/powerpoint/2010/main" val="2461255053"/>
+      </p:ext>
+    </p:extLst>
+  </p:cSld>
+  <p:clrMapOvr>
+    <a:masterClrMapping/>
+  </p:clrMapOvr>
+</p:sld>
+</file>
+
+<file path=ppt/slides/slide11.xml><?xml version="1.0" encoding="utf-8"?>
+<p:sld xmlns:a="http://schemas.openxmlformats.org/drawingml/2006/main" xmlns:r="http://schemas.openxmlformats.org/officeDocument/2006/relationships" xmlns:p="http://schemas.openxmlformats.org/presentationml/2006/main">
+  <p:cSld>
+    <p:spTree>
+      <p:nvGrpSpPr>
+        <p:cNvPr id="1" name=""/>
+        <p:cNvGrpSpPr/>
+        <p:nvPr/>
+      </p:nvGrpSpPr>
+      <p:grpSpPr>
+        <a:xfrm>
+          <a:off x="0" y="0"/>
+          <a:ext cx="0" cy="0"/>
+          <a:chOff x="0" y="0"/>
+          <a:chExt cx="0" cy="0"/>
+        </a:xfrm>
+      </p:grpSpPr>
+      <p:sp>
+        <p:nvSpPr>
+          <p:cNvPr id="2" name="Title 1">
+            <a:extLst>
+              <a:ext uri="{FF2B5EF4-FFF2-40B4-BE49-F238E27FC236}">
+                <a16:creationId xmlns:a16="http://schemas.microsoft.com/office/drawing/2014/main" id="{AC04CA47-E0BB-4B5F-96CE-0D0EA18C2112}"/>
+              </a:ext>
+            </a:extLst>
+          </p:cNvPr>
+          <p:cNvSpPr>
+            <a:spLocks noGrp="1"/>
+          </p:cNvSpPr>
+          <p:nvPr>
+            <p:ph type="title"/>
+          </p:nvPr>
+        </p:nvSpPr>
+        <p:spPr/>
+        <p:txBody>
+          <a:bodyPr/>
+          <a:lstStyle/>
+          <a:p>
+            <a:r>
+              <a:rPr lang="en-US" dirty="0"/>
+              <a:t>Checking Account</a:t>
+            </a:r>
+          </a:p>
+        </p:txBody>
+      </p:sp>
+      <p:pic>
+        <p:nvPicPr>
+          <p:cNvPr id="7" name="Picture 6">
+            <a:extLst>
+              <a:ext uri="{FF2B5EF4-FFF2-40B4-BE49-F238E27FC236}">
+                <a16:creationId xmlns:a16="http://schemas.microsoft.com/office/drawing/2014/main" id="{6A09BEEE-37E0-4B2B-8840-D9C9ED2FF095}"/>
+              </a:ext>
+            </a:extLst>
+          </p:cNvPr>
+          <p:cNvPicPr>
+            <a:picLocks noChangeAspect="1"/>
+          </p:cNvPicPr>
+          <p:nvPr/>
+        </p:nvPicPr>
+        <p:blipFill>
+          <a:blip r:embed="rId2"/>
+          <a:stretch>
+            <a:fillRect/>
+          </a:stretch>
+        </p:blipFill>
+        <p:spPr>
+          <a:xfrm>
+            <a:off x="2185442" y="1947656"/>
+            <a:ext cx="7821116" cy="2962688"/>
+          </a:xfrm>
+          <a:prstGeom prst="rect">
+            <a:avLst/>
+          </a:prstGeom>
+        </p:spPr>
+      </p:pic>
+    </p:spTree>
+    <p:extLst>
+      <p:ext uri="{BB962C8B-B14F-4D97-AF65-F5344CB8AC3E}">
+        <p14:creationId xmlns:p14="http://schemas.microsoft.com/office/powerpoint/2010/main" val="1242209654"/>
+      </p:ext>
+    </p:extLst>
+  </p:cSld>
+  <p:clrMapOvr>
+    <a:masterClrMapping/>
+  </p:clrMapOvr>
+</p:sld>
+</file>
+
+<file path=ppt/slides/slide12.xml><?xml version="1.0" encoding="utf-8"?>
+<p:sld xmlns:a="http://schemas.openxmlformats.org/drawingml/2006/main" xmlns:r="http://schemas.openxmlformats.org/officeDocument/2006/relationships" xmlns:p="http://schemas.openxmlformats.org/presentationml/2006/main">
+  <p:cSld>
+    <p:bg>
+      <p:bgPr>
+        <a:solidFill>
+          <a:schemeClr val="bg1"/>
+        </a:solidFill>
+        <a:effectLst/>
+      </p:bgPr>
+    </p:bg>
+    <p:spTree>
+      <p:nvGrpSpPr>
+        <p:cNvPr id="1" name=""/>
+        <p:cNvGrpSpPr/>
+        <p:nvPr/>
+      </p:nvGrpSpPr>
+      <p:grpSpPr>
+        <a:xfrm>
+          <a:off x="0" y="0"/>
+          <a:ext cx="0" cy="0"/>
+          <a:chOff x="0" y="0"/>
+          <a:chExt cx="0" cy="0"/>
+        </a:xfrm>
+      </p:grpSpPr>
+      <p:sp useBgFill="1">
+        <p:nvSpPr>
+          <p:cNvPr id="10" name="Rectangle 9">
+            <a:extLst>
+              <a:ext uri="{FF2B5EF4-FFF2-40B4-BE49-F238E27FC236}">
+                <a16:creationId xmlns:a16="http://schemas.microsoft.com/office/drawing/2014/main" id="{10162E77-11AD-44A7-84EC-40C59EEFBD2E}"/>
+              </a:ext>
+              <a:ext uri="{C183D7F6-B498-43B3-948B-1728B52AA6E4}">
+                <adec:decorative xmlns:adec="http://schemas.microsoft.com/office/drawing/2017/decorative" val="1"/>
+              </a:ext>
+            </a:extLst>
+          </p:cNvPr>
+          <p:cNvSpPr>
+            <a:spLocks noGrp="1" noRot="1" noChangeAspect="1" noMove="1" noResize="1" noEditPoints="1" noAdjustHandles="1" noChangeArrowheads="1" noChangeShapeType="1" noTextEdit="1"/>
+          </p:cNvSpPr>
+          <p:nvPr>
+            <p:extLst>
+              <p:ext uri="{386F3935-93C4-4BCD-93E2-E3B085C9AB24}">
+                <p16:designElem xmlns:p16="http://schemas.microsoft.com/office/powerpoint/2015/main" val="1"/>
+              </p:ext>
+            </p:extLst>
+          </p:nvPr>
+        </p:nvSpPr>
+        <p:spPr>
+          <a:xfrm>
+            <a:off x="0" y="0"/>
+            <a:ext cx="12192001" cy="6334316"/>
+          </a:xfrm>
+          <a:prstGeom prst="rect">
+            <a:avLst/>
+          </a:prstGeom>
+          <a:ln>
+            <a:noFill/>
+          </a:ln>
+        </p:spPr>
+        <p:style>
+          <a:lnRef idx="2">
+            <a:schemeClr val="accent1">
+              <a:shade val="50000"/>
+            </a:schemeClr>
+          </a:lnRef>
+          <a:fillRef idx="1">
+            <a:schemeClr val="accent1"/>
+          </a:fillRef>
+          <a:effectRef idx="0">
+            <a:schemeClr val="accent1"/>
+          </a:effectRef>
+          <a:fontRef idx="minor">
+            <a:schemeClr val="lt1"/>
+          </a:fontRef>
+        </p:style>
+        <p:txBody>
+          <a:bodyPr rtlCol="0" anchor="ctr"/>
+          <a:lstStyle/>
+          <a:p>
+            <a:pPr algn="ctr"/>
+            <a:endParaRPr lang="en-US"/>
+          </a:p>
+        </p:txBody>
+      </p:sp>
+      <p:sp>
+        <p:nvSpPr>
+          <p:cNvPr id="2" name="Title 1">
+            <a:extLst>
+              <a:ext uri="{FF2B5EF4-FFF2-40B4-BE49-F238E27FC236}">
+                <a16:creationId xmlns:a16="http://schemas.microsoft.com/office/drawing/2014/main" id="{AC04CA47-E0BB-4B5F-96CE-0D0EA18C2112}"/>
+              </a:ext>
+            </a:extLst>
+          </p:cNvPr>
+          <p:cNvSpPr>
+            <a:spLocks noGrp="1"/>
+          </p:cNvSpPr>
+          <p:nvPr>
+            <p:ph type="title"/>
+          </p:nvPr>
+        </p:nvSpPr>
+        <p:spPr>
+          <a:xfrm>
+            <a:off x="7859485" y="634946"/>
+            <a:ext cx="3690257" cy="1450757"/>
+          </a:xfrm>
+        </p:spPr>
+        <p:txBody>
+          <a:bodyPr>
+            <a:normAutofit/>
+          </a:bodyPr>
+          <a:lstStyle/>
+          <a:p>
+            <a:r>
+              <a:rPr lang="en-US" dirty="0"/>
+              <a:t>Checking Account</a:t>
+            </a:r>
+          </a:p>
+        </p:txBody>
+      </p:sp>
+      <p:pic>
+        <p:nvPicPr>
+          <p:cNvPr id="5" name="Picture 4">
+            <a:extLst>
+              <a:ext uri="{FF2B5EF4-FFF2-40B4-BE49-F238E27FC236}">
+                <a16:creationId xmlns:a16="http://schemas.microsoft.com/office/drawing/2014/main" id="{109CDF21-6046-4187-9C9A-4BF5648AE075}"/>
+              </a:ext>
+            </a:extLst>
+          </p:cNvPr>
+          <p:cNvPicPr>
+            <a:picLocks noChangeAspect="1"/>
+          </p:cNvPicPr>
+          <p:nvPr/>
+        </p:nvPicPr>
+        <p:blipFill rotWithShape="1">
+          <a:blip r:embed="rId2"/>
+          <a:srcRect r="3" b="2027"/>
+          <a:stretch/>
+        </p:blipFill>
+        <p:spPr>
+          <a:xfrm>
+            <a:off x="633999" y="640081"/>
+            <a:ext cx="6909801" cy="5314406"/>
+          </a:xfrm>
+          <a:prstGeom prst="rect">
+            <a:avLst/>
+          </a:prstGeom>
+        </p:spPr>
+      </p:pic>
+      <p:cxnSp>
+        <p:nvCxnSpPr>
+          <p:cNvPr id="12" name="Straight Connector 11">
+            <a:extLst>
+              <a:ext uri="{FF2B5EF4-FFF2-40B4-BE49-F238E27FC236}">
+                <a16:creationId xmlns:a16="http://schemas.microsoft.com/office/drawing/2014/main" id="{5AB158E9-1B40-4CD6-95F0-95CA11DF7B7A}"/>
+              </a:ext>
+              <a:ext uri="{C183D7F6-B498-43B3-948B-1728B52AA6E4}">
+                <adec:decorative xmlns:adec="http://schemas.microsoft.com/office/drawing/2017/decorative" val="1"/>
+              </a:ext>
+            </a:extLst>
+          </p:cNvPr>
+          <p:cNvCxnSpPr>
+            <a:cxnSpLocks noGrp="1" noRot="1" noChangeAspect="1" noMove="1" noResize="1" noEditPoints="1" noAdjustHandles="1" noChangeArrowheads="1" noChangeShapeType="1"/>
+          </p:cNvCxnSpPr>
+          <p:nvPr>
+            <p:extLst>
+              <p:ext uri="{386F3935-93C4-4BCD-93E2-E3B085C9AB24}">
+                <p16:designElem xmlns:p16="http://schemas.microsoft.com/office/powerpoint/2015/main" val="1"/>
+              </p:ext>
+            </p:extLst>
+          </p:nvPr>
+        </p:nvCxnSpPr>
+        <p:spPr>
+          <a:xfrm>
+            <a:off x="7892143" y="2085703"/>
+            <a:ext cx="3566160" cy="0"/>
+          </a:xfrm>
+          <a:prstGeom prst="line">
+            <a:avLst/>
+          </a:prstGeom>
+          <a:ln w="6350">
+            <a:solidFill>
+              <a:schemeClr val="tx1">
+                <a:lumMod val="50000"/>
+                <a:lumOff val="50000"/>
+                <a:alpha val="90000"/>
+              </a:schemeClr>
+            </a:solidFill>
+          </a:ln>
+        </p:spPr>
+        <p:style>
+          <a:lnRef idx="1">
+            <a:schemeClr val="accent1"/>
+          </a:lnRef>
+          <a:fillRef idx="0">
+            <a:schemeClr val="accent1"/>
+          </a:fillRef>
+          <a:effectRef idx="0">
+            <a:schemeClr val="accent1"/>
+          </a:effectRef>
+          <a:fontRef idx="minor">
+            <a:schemeClr val="tx1"/>
+          </a:fontRef>
+        </p:style>
+      </p:cxnSp>
+      <p:sp>
+        <p:nvSpPr>
+          <p:cNvPr id="3" name="Content Placeholder 2">
+            <a:extLst>
+              <a:ext uri="{FF2B5EF4-FFF2-40B4-BE49-F238E27FC236}">
+                <a16:creationId xmlns:a16="http://schemas.microsoft.com/office/drawing/2014/main" id="{5B489833-E69C-4D53-B323-B324B337D39F}"/>
+              </a:ext>
+            </a:extLst>
+          </p:cNvPr>
+          <p:cNvSpPr>
+            <a:spLocks noGrp="1"/>
+          </p:cNvSpPr>
+          <p:nvPr>
+            <p:ph idx="1"/>
+          </p:nvPr>
+        </p:nvSpPr>
+        <p:spPr>
+          <a:xfrm>
+            <a:off x="7859485" y="2198913"/>
+            <a:ext cx="3690257" cy="3755565"/>
+          </a:xfrm>
+        </p:spPr>
+        <p:txBody>
+          <a:bodyPr>
+            <a:normAutofit/>
+          </a:bodyPr>
+          <a:lstStyle/>
+          <a:p>
+            <a:r>
+              <a:rPr lang="en-US" dirty="0"/>
+              <a:t>Let’s make another bank account for another person!</a:t>
+            </a:r>
+          </a:p>
+          <a:p>
+            <a:endParaRPr lang="en-US" dirty="0"/>
+          </a:p>
+          <a:p>
+            <a:pPr marL="201168" lvl="1" indent="0">
+              <a:buNone/>
+            </a:pPr>
+            <a:endParaRPr lang="en-US" dirty="0"/>
+          </a:p>
+        </p:txBody>
+      </p:sp>
+      <p:sp>
+        <p:nvSpPr>
+          <p:cNvPr id="14" name="Rectangle 13">
+            <a:extLst>
+              <a:ext uri="{FF2B5EF4-FFF2-40B4-BE49-F238E27FC236}">
+                <a16:creationId xmlns:a16="http://schemas.microsoft.com/office/drawing/2014/main" id="{6329CBCE-21AE-419D-AC1F-8ACF510A6670}"/>
+              </a:ext>
+              <a:ext uri="{C183D7F6-B498-43B3-948B-1728B52AA6E4}">
+                <adec:decorative xmlns:adec="http://schemas.microsoft.com/office/drawing/2017/decorative" val="1"/>
+              </a:ext>
+            </a:extLst>
+          </p:cNvPr>
+          <p:cNvSpPr>
+            <a:spLocks noGrp="1" noRot="1" noChangeAspect="1" noMove="1" noResize="1" noEditPoints="1" noAdjustHandles="1" noChangeArrowheads="1" noChangeShapeType="1" noTextEdit="1"/>
+          </p:cNvSpPr>
+          <p:nvPr>
+            <p:extLst>
+              <p:ext uri="{386F3935-93C4-4BCD-93E2-E3B085C9AB24}">
+                <p16:designElem xmlns:p16="http://schemas.microsoft.com/office/powerpoint/2015/main" val="1"/>
+              </p:ext>
+            </p:extLst>
+          </p:nvPr>
+        </p:nvSpPr>
+        <p:spPr>
+          <a:xfrm>
+            <a:off x="15" y="6334316"/>
+            <a:ext cx="12191985" cy="66484"/>
+          </a:xfrm>
+          <a:prstGeom prst="rect">
+            <a:avLst/>
+          </a:prstGeom>
+          <a:solidFill>
+            <a:schemeClr val="accent1"/>
+          </a:solidFill>
+          <a:ln>
+            <a:noFill/>
+          </a:ln>
+        </p:spPr>
+        <p:style>
+          <a:lnRef idx="2">
+            <a:schemeClr val="accent1">
+              <a:shade val="50000"/>
+            </a:schemeClr>
+          </a:lnRef>
+          <a:fillRef idx="1">
+            <a:schemeClr val="accent1"/>
+          </a:fillRef>
+          <a:effectRef idx="0">
+            <a:schemeClr val="accent1"/>
+          </a:effectRef>
+          <a:fontRef idx="minor">
+            <a:schemeClr val="lt1"/>
+          </a:fontRef>
+        </p:style>
+      </p:sp>
+      <p:sp>
+        <p:nvSpPr>
+          <p:cNvPr id="16" name="Rectangle 15">
+            <a:extLst>
+              <a:ext uri="{FF2B5EF4-FFF2-40B4-BE49-F238E27FC236}">
+                <a16:creationId xmlns:a16="http://schemas.microsoft.com/office/drawing/2014/main" id="{FF2DA012-1414-493D-888F-5D99D0BDA322}"/>
+              </a:ext>
+              <a:ext uri="{C183D7F6-B498-43B3-948B-1728B52AA6E4}">
+                <adec:decorative xmlns:adec="http://schemas.microsoft.com/office/drawing/2017/decorative" val="1"/>
+              </a:ext>
+            </a:extLst>
+          </p:cNvPr>
+          <p:cNvSpPr>
+            <a:spLocks noGrp="1" noRot="1" noChangeAspect="1" noMove="1" noResize="1" noEditPoints="1" noAdjustHandles="1" noChangeArrowheads="1" noChangeShapeType="1" noTextEdit="1"/>
+          </p:cNvSpPr>
+          <p:nvPr>
+            <p:extLst>
+              <p:ext uri="{386F3935-93C4-4BCD-93E2-E3B085C9AB24}">
+                <p16:designElem xmlns:p16="http://schemas.microsoft.com/office/powerpoint/2015/main" val="1"/>
+              </p:ext>
+            </p:extLst>
+          </p:nvPr>
+        </p:nvSpPr>
+        <p:spPr>
+          <a:xfrm>
+            <a:off x="1" y="6400800"/>
+            <a:ext cx="12192000" cy="457200"/>
+          </a:xfrm>
+          <a:prstGeom prst="rect">
+            <a:avLst/>
+          </a:prstGeom>
+          <a:solidFill>
+            <a:schemeClr val="accent2"/>
+          </a:solidFill>
+          <a:ln>
+            <a:noFill/>
+          </a:ln>
+        </p:spPr>
+        <p:style>
+          <a:lnRef idx="2">
+            <a:schemeClr val="accent1">
+              <a:shade val="50000"/>
+            </a:schemeClr>
+          </a:lnRef>
+          <a:fillRef idx="1">
+            <a:schemeClr val="accent1"/>
+          </a:fillRef>
+          <a:effectRef idx="0">
+            <a:schemeClr val="accent1"/>
+          </a:effectRef>
+          <a:fontRef idx="minor">
+            <a:schemeClr val="lt1"/>
+          </a:fontRef>
+        </p:style>
+      </p:sp>
+    </p:spTree>
+    <p:extLst>
+      <p:ext uri="{BB962C8B-B14F-4D97-AF65-F5344CB8AC3E}">
+        <p14:creationId xmlns:p14="http://schemas.microsoft.com/office/powerpoint/2010/main" val="4229370608"/>
+      </p:ext>
+    </p:extLst>
+  </p:cSld>
+  <p:clrMapOvr>
+    <a:masterClrMapping/>
+  </p:clrMapOvr>
+</p:sld>
+</file>
+
+<file path=ppt/slides/slide13.xml><?xml version="1.0" encoding="utf-8"?>
+<p:sld xmlns:a="http://schemas.openxmlformats.org/drawingml/2006/main" xmlns:r="http://schemas.openxmlformats.org/officeDocument/2006/relationships" xmlns:p="http://schemas.openxmlformats.org/presentationml/2006/main">
+  <p:cSld>
+    <p:spTree>
+      <p:nvGrpSpPr>
+        <p:cNvPr id="1" name=""/>
+        <p:cNvGrpSpPr/>
+        <p:nvPr/>
+      </p:nvGrpSpPr>
+      <p:grpSpPr>
+        <a:xfrm>
+          <a:off x="0" y="0"/>
+          <a:ext cx="0" cy="0"/>
+          <a:chOff x="0" y="0"/>
+          <a:chExt cx="0" cy="0"/>
+        </a:xfrm>
+      </p:grpSpPr>
+      <p:sp>
+        <p:nvSpPr>
+          <p:cNvPr id="2" name="Title 1">
+            <a:extLst>
+              <a:ext uri="{FF2B5EF4-FFF2-40B4-BE49-F238E27FC236}">
+                <a16:creationId xmlns:a16="http://schemas.microsoft.com/office/drawing/2014/main" id="{FA0F0BF1-B8B9-44D4-93E6-83715A47406E}"/>
+              </a:ext>
+            </a:extLst>
+          </p:cNvPr>
+          <p:cNvSpPr>
+            <a:spLocks noGrp="1"/>
+          </p:cNvSpPr>
+          <p:nvPr>
+            <p:ph type="title"/>
+          </p:nvPr>
+        </p:nvSpPr>
+        <p:spPr/>
+        <p:txBody>
+          <a:bodyPr/>
+          <a:lstStyle/>
+          <a:p>
+            <a:r>
+              <a:rPr lang="en-US" dirty="0"/>
+              <a:t>Checking Account</a:t>
+            </a:r>
+          </a:p>
+        </p:txBody>
+      </p:sp>
+      <p:sp>
+        <p:nvSpPr>
+          <p:cNvPr id="3" name="Content Placeholder 2">
+            <a:extLst>
+              <a:ext uri="{FF2B5EF4-FFF2-40B4-BE49-F238E27FC236}">
+                <a16:creationId xmlns:a16="http://schemas.microsoft.com/office/drawing/2014/main" id="{7E846AFD-6CE4-4D21-A568-D4896313ECA1}"/>
+              </a:ext>
+            </a:extLst>
+          </p:cNvPr>
+          <p:cNvSpPr>
+            <a:spLocks noGrp="1"/>
+          </p:cNvSpPr>
+          <p:nvPr>
+            <p:ph idx="1"/>
+          </p:nvPr>
+        </p:nvSpPr>
+        <p:spPr/>
+        <p:txBody>
+          <a:bodyPr/>
+          <a:lstStyle/>
+          <a:p>
+            <a:r>
+              <a:rPr lang="en-US" dirty="0"/>
+              <a:t>Problems/Issues</a:t>
+            </a:r>
+          </a:p>
+          <a:p>
+            <a:pPr lvl="1"/>
+            <a:r>
+              <a:rPr lang="en-US" dirty="0"/>
+              <a:t>It makes sense to group everything for one person together</a:t>
+            </a:r>
+          </a:p>
+          <a:p>
+            <a:pPr lvl="1"/>
+            <a:r>
+              <a:rPr lang="en-US" dirty="0"/>
+              <a:t>Error-prone</a:t>
+            </a:r>
+          </a:p>
+          <a:p>
+            <a:pPr lvl="1"/>
+            <a:r>
+              <a:rPr lang="en-US" dirty="0"/>
+              <a:t>A lot to type</a:t>
+            </a:r>
+          </a:p>
+          <a:p>
+            <a:r>
+              <a:rPr lang="en-US" dirty="0"/>
+              <a:t>*Imagine creating 100 Checking Accounts!</a:t>
+            </a:r>
+          </a:p>
+        </p:txBody>
+      </p:sp>
+    </p:spTree>
+    <p:extLst>
+      <p:ext uri="{BB962C8B-B14F-4D97-AF65-F5344CB8AC3E}">
+        <p14:creationId xmlns:p14="http://schemas.microsoft.com/office/powerpoint/2010/main" val="1845686131"/>
+      </p:ext>
+    </p:extLst>
+  </p:cSld>
+  <p:clrMapOvr>
+    <a:masterClrMapping/>
+  </p:clrMapOvr>
+</p:sld>
+</file>
+
+<file path=ppt/slides/slide14.xml><?xml version="1.0" encoding="utf-8"?>
+<p:sld xmlns:a="http://schemas.openxmlformats.org/drawingml/2006/main" xmlns:r="http://schemas.openxmlformats.org/officeDocument/2006/relationships" xmlns:p="http://schemas.openxmlformats.org/presentationml/2006/main">
+  <p:cSld>
+    <p:bg>
+      <p:bgPr>
+        <a:solidFill>
+          <a:schemeClr val="bg1"/>
+        </a:solidFill>
+        <a:effectLst/>
+      </p:bgPr>
+    </p:bg>
+    <p:spTree>
+      <p:nvGrpSpPr>
+        <p:cNvPr id="1" name=""/>
+        <p:cNvGrpSpPr/>
+        <p:nvPr/>
+      </p:nvGrpSpPr>
+      <p:grpSpPr>
+        <a:xfrm>
+          <a:off x="0" y="0"/>
+          <a:ext cx="0" cy="0"/>
+          <a:chOff x="0" y="0"/>
+          <a:chExt cx="0" cy="0"/>
+        </a:xfrm>
+      </p:grpSpPr>
+      <p:sp>
+        <p:nvSpPr>
+          <p:cNvPr id="10" name="Rectangle 9">
+            <a:extLst>
+              <a:ext uri="{FF2B5EF4-FFF2-40B4-BE49-F238E27FC236}">
+                <a16:creationId xmlns:a16="http://schemas.microsoft.com/office/drawing/2014/main" id="{4E4490D0-3672-446A-AC12-B4830333BDDD}"/>
+              </a:ext>
+              <a:ext uri="{C183D7F6-B498-43B3-948B-1728B52AA6E4}">
+                <adec:decorative xmlns:adec="http://schemas.microsoft.com/office/drawing/2017/decorative" val="1"/>
+              </a:ext>
+            </a:extLst>
+          </p:cNvPr>
+          <p:cNvSpPr>
+            <a:spLocks noGrp="1" noRot="1" noChangeAspect="1" noMove="1" noResize="1" noEditPoints="1" noAdjustHandles="1" noChangeArrowheads="1" noChangeShapeType="1" noTextEdit="1"/>
+          </p:cNvSpPr>
+          <p:nvPr>
+            <p:extLst>
+              <p:ext uri="{386F3935-93C4-4BCD-93E2-E3B085C9AB24}">
+                <p16:designElem xmlns:p16="http://schemas.microsoft.com/office/powerpoint/2015/main" val="1"/>
+              </p:ext>
+            </p:extLst>
+          </p:nvPr>
+        </p:nvSpPr>
+        <p:spPr>
+          <a:xfrm>
+            <a:off x="3175" y="6400800"/>
+            <a:ext cx="12188825" cy="457200"/>
+          </a:xfrm>
+          <a:prstGeom prst="rect">
+            <a:avLst/>
+          </a:prstGeom>
+          <a:solidFill>
+            <a:schemeClr val="accent2"/>
+          </a:solidFill>
+          <a:ln>
+            <a:noFill/>
+          </a:ln>
+        </p:spPr>
+        <p:style>
+          <a:lnRef idx="2">
+            <a:schemeClr val="accent1">
+              <a:shade val="50000"/>
+            </a:schemeClr>
+          </a:lnRef>
+          <a:fillRef idx="1">
+            <a:schemeClr val="accent1"/>
+          </a:fillRef>
+          <a:effectRef idx="0">
+            <a:schemeClr val="accent1"/>
+          </a:effectRef>
+          <a:fontRef idx="minor">
+            <a:schemeClr val="lt1"/>
+          </a:fontRef>
+        </p:style>
+      </p:sp>
+      <p:sp>
+        <p:nvSpPr>
+          <p:cNvPr id="12" name="Rectangle 11">
+            <a:extLst>
+              <a:ext uri="{FF2B5EF4-FFF2-40B4-BE49-F238E27FC236}">
+                <a16:creationId xmlns:a16="http://schemas.microsoft.com/office/drawing/2014/main" id="{39CB82C2-DF65-4EC1-8280-F201D50F570B}"/>
+              </a:ext>
+              <a:ext uri="{C183D7F6-B498-43B3-948B-1728B52AA6E4}">
+                <adec:decorative xmlns:adec="http://schemas.microsoft.com/office/drawing/2017/decorative" val="1"/>
+              </a:ext>
+            </a:extLst>
+          </p:cNvPr>
+          <p:cNvSpPr>
+            <a:spLocks noGrp="1" noRot="1" noChangeAspect="1" noMove="1" noResize="1" noEditPoints="1" noAdjustHandles="1" noChangeArrowheads="1" noChangeShapeType="1" noTextEdit="1"/>
+          </p:cNvSpPr>
+          <p:nvPr>
+            <p:extLst>
+              <p:ext uri="{386F3935-93C4-4BCD-93E2-E3B085C9AB24}">
+                <p16:designElem xmlns:p16="http://schemas.microsoft.com/office/powerpoint/2015/main" val="1"/>
+              </p:ext>
+            </p:extLst>
+          </p:nvPr>
+        </p:nvSpPr>
+        <p:spPr>
+          <a:xfrm>
+            <a:off x="15" y="6334316"/>
+            <a:ext cx="12188825" cy="64008"/>
+          </a:xfrm>
+          <a:prstGeom prst="rect">
+            <a:avLst/>
+          </a:prstGeom>
+          <a:solidFill>
+            <a:schemeClr val="accent1"/>
+          </a:solidFill>
+          <a:ln>
+            <a:noFill/>
+          </a:ln>
+        </p:spPr>
+        <p:style>
+          <a:lnRef idx="2">
+            <a:schemeClr val="accent1">
+              <a:shade val="50000"/>
+            </a:schemeClr>
+          </a:lnRef>
+          <a:fillRef idx="1">
+            <a:schemeClr val="accent1"/>
+          </a:fillRef>
+          <a:effectRef idx="0">
+            <a:schemeClr val="accent1"/>
+          </a:effectRef>
+          <a:fontRef idx="minor">
+            <a:schemeClr val="lt1"/>
+          </a:fontRef>
+        </p:style>
+      </p:sp>
+      <p:cxnSp>
+        <p:nvCxnSpPr>
+          <p:cNvPr id="14" name="Straight Connector 13">
+            <a:extLst>
+              <a:ext uri="{FF2B5EF4-FFF2-40B4-BE49-F238E27FC236}">
+                <a16:creationId xmlns:a16="http://schemas.microsoft.com/office/drawing/2014/main" id="{7E1D4427-852B-4B37-8E76-0E9F1810BA2A}"/>
+              </a:ext>
+              <a:ext uri="{C183D7F6-B498-43B3-948B-1728B52AA6E4}">
+                <adec:decorative xmlns:adec="http://schemas.microsoft.com/office/drawing/2017/decorative" val="1"/>
+              </a:ext>
+            </a:extLst>
+          </p:cNvPr>
+          <p:cNvCxnSpPr>
+            <a:cxnSpLocks noGrp="1" noRot="1" noChangeAspect="1" noMove="1" noResize="1" noEditPoints="1" noAdjustHandles="1" noChangeArrowheads="1" noChangeShapeType="1"/>
+          </p:cNvCxnSpPr>
+          <p:nvPr>
+            <p:extLst>
+              <p:ext uri="{386F3935-93C4-4BCD-93E2-E3B085C9AB24}">
+                <p16:designElem xmlns:p16="http://schemas.microsoft.com/office/powerpoint/2015/main" val="1"/>
+              </p:ext>
+            </p:extLst>
+          </p:nvPr>
+        </p:nvCxnSpPr>
+        <p:spPr>
+          <a:xfrm>
+            <a:off x="1207658" y="4343400"/>
+            <a:ext cx="9875520" cy="0"/>
+          </a:xfrm>
+          <a:prstGeom prst="line">
+            <a:avLst/>
+          </a:prstGeom>
+          <a:ln w="6350">
+            <a:solidFill>
+              <a:schemeClr val="tx1">
+                <a:lumMod val="50000"/>
+                <a:lumOff val="50000"/>
+              </a:schemeClr>
+            </a:solidFill>
+          </a:ln>
+        </p:spPr>
+        <p:style>
+          <a:lnRef idx="1">
+            <a:schemeClr val="accent1"/>
+          </a:lnRef>
+          <a:fillRef idx="0">
+            <a:schemeClr val="accent1"/>
+          </a:fillRef>
+          <a:effectRef idx="0">
+            <a:schemeClr val="accent1"/>
+          </a:effectRef>
+          <a:fontRef idx="minor">
+            <a:schemeClr val="tx1"/>
+          </a:fontRef>
+        </p:style>
+      </p:cxnSp>
+      <p:sp useBgFill="1">
+        <p:nvSpPr>
+          <p:cNvPr id="16" name="Rectangle 15">
+            <a:extLst>
+              <a:ext uri="{FF2B5EF4-FFF2-40B4-BE49-F238E27FC236}">
+                <a16:creationId xmlns:a16="http://schemas.microsoft.com/office/drawing/2014/main" id="{FA4CD5CB-D209-4D70-8CA4-629731C59219}"/>
+              </a:ext>
+              <a:ext uri="{C183D7F6-B498-43B3-948B-1728B52AA6E4}">
+                <adec:decorative xmlns:adec="http://schemas.microsoft.com/office/drawing/2017/decorative" val="1"/>
+              </a:ext>
+            </a:extLst>
+          </p:cNvPr>
+          <p:cNvSpPr>
+            <a:spLocks noGrp="1" noRot="1" noChangeAspect="1" noMove="1" noResize="1" noEditPoints="1" noAdjustHandles="1" noChangeArrowheads="1" noChangeShapeType="1" noTextEdit="1"/>
+          </p:cNvSpPr>
+          <p:nvPr>
+            <p:extLst>
+              <p:ext uri="{386F3935-93C4-4BCD-93E2-E3B085C9AB24}">
+                <p16:designElem xmlns:p16="http://schemas.microsoft.com/office/powerpoint/2015/main" val="1"/>
+              </p:ext>
+            </p:extLst>
+          </p:nvPr>
+        </p:nvSpPr>
+        <p:spPr>
+          <a:xfrm>
+            <a:off x="0" y="0"/>
+            <a:ext cx="12192001" cy="6334316"/>
+          </a:xfrm>
+          <a:prstGeom prst="rect">
+            <a:avLst/>
+          </a:prstGeom>
+          <a:ln>
+            <a:noFill/>
+          </a:ln>
+        </p:spPr>
+        <p:style>
+          <a:lnRef idx="2">
+            <a:schemeClr val="accent1">
+              <a:shade val="50000"/>
+            </a:schemeClr>
+          </a:lnRef>
+          <a:fillRef idx="1">
+            <a:schemeClr val="accent1"/>
+          </a:fillRef>
+          <a:effectRef idx="0">
+            <a:schemeClr val="accent1"/>
+          </a:effectRef>
+          <a:fontRef idx="minor">
+            <a:schemeClr val="lt1"/>
+          </a:fontRef>
+        </p:style>
+        <p:txBody>
+          <a:bodyPr rtlCol="0" anchor="ctr"/>
+          <a:lstStyle/>
+          <a:p>
+            <a:pPr algn="ctr"/>
+            <a:endParaRPr lang="en-US"/>
+          </a:p>
+        </p:txBody>
+      </p:sp>
+      <p:sp>
+        <p:nvSpPr>
+          <p:cNvPr id="2" name="Title 1">
+            <a:extLst>
+              <a:ext uri="{FF2B5EF4-FFF2-40B4-BE49-F238E27FC236}">
+                <a16:creationId xmlns:a16="http://schemas.microsoft.com/office/drawing/2014/main" id="{7287745C-226F-4DA7-B22F-638102B85750}"/>
+              </a:ext>
+            </a:extLst>
+          </p:cNvPr>
+          <p:cNvSpPr>
+            <a:spLocks noGrp="1"/>
+          </p:cNvSpPr>
+          <p:nvPr>
+            <p:ph type="title"/>
+          </p:nvPr>
+        </p:nvSpPr>
+        <p:spPr>
+          <a:xfrm>
+            <a:off x="8141110" y="639097"/>
+            <a:ext cx="3401961" cy="3686015"/>
+          </a:xfrm>
+        </p:spPr>
+        <p:txBody>
+          <a:bodyPr vert="horz" lIns="91440" tIns="45720" rIns="91440" bIns="45720" rtlCol="0" anchor="b">
+            <a:normAutofit/>
+          </a:bodyPr>
+          <a:lstStyle/>
+          <a:p>
+            <a:r>
+              <a:rPr lang="en-US" sz="6600">
+                <a:solidFill>
+                  <a:schemeClr val="tx1">
+                    <a:lumMod val="85000"/>
+                    <a:lumOff val="15000"/>
+                  </a:schemeClr>
+                </a:solidFill>
+              </a:rPr>
+              <a:t>Checking Account Class</a:t>
+            </a:r>
+          </a:p>
+        </p:txBody>
+      </p:sp>
+      <p:pic>
+        <p:nvPicPr>
+          <p:cNvPr id="5" name="Picture 4">
+            <a:extLst>
+              <a:ext uri="{FF2B5EF4-FFF2-40B4-BE49-F238E27FC236}">
+                <a16:creationId xmlns:a16="http://schemas.microsoft.com/office/drawing/2014/main" id="{E759C9A3-7BA1-44A0-A624-726378B8BB73}"/>
+              </a:ext>
+            </a:extLst>
+          </p:cNvPr>
+          <p:cNvPicPr>
+            <a:picLocks noChangeAspect="1"/>
+          </p:cNvPicPr>
+          <p:nvPr/>
+        </p:nvPicPr>
+        <p:blipFill>
+          <a:blip r:embed="rId2"/>
+          <a:stretch>
+            <a:fillRect/>
+          </a:stretch>
+        </p:blipFill>
+        <p:spPr>
+          <a:xfrm>
+            <a:off x="633999" y="1128055"/>
+            <a:ext cx="6912217" cy="4078208"/>
+          </a:xfrm>
+          <a:prstGeom prst="rect">
+            <a:avLst/>
+          </a:prstGeom>
+        </p:spPr>
+      </p:pic>
+      <p:cxnSp>
+        <p:nvCxnSpPr>
+          <p:cNvPr id="18" name="Straight Connector 17">
+            <a:extLst>
+              <a:ext uri="{FF2B5EF4-FFF2-40B4-BE49-F238E27FC236}">
+                <a16:creationId xmlns:a16="http://schemas.microsoft.com/office/drawing/2014/main" id="{5C6A2BAE-B461-4B55-8E1F-0722ABDD1393}"/>
+              </a:ext>
+              <a:ext uri="{C183D7F6-B498-43B3-948B-1728B52AA6E4}">
+                <adec:decorative xmlns:adec="http://schemas.microsoft.com/office/drawing/2017/decorative" val="1"/>
+              </a:ext>
+            </a:extLst>
+          </p:cNvPr>
+          <p:cNvCxnSpPr>
+            <a:cxnSpLocks noGrp="1" noRot="1" noChangeAspect="1" noMove="1" noResize="1" noEditPoints="1" noAdjustHandles="1" noChangeArrowheads="1" noChangeShapeType="1"/>
+          </p:cNvCxnSpPr>
+          <p:nvPr>
+            <p:extLst>
+              <p:ext uri="{386F3935-93C4-4BCD-93E2-E3B085C9AB24}">
+                <p16:designElem xmlns:p16="http://schemas.microsoft.com/office/powerpoint/2015/main" val="1"/>
+              </p:ext>
+            </p:extLst>
+          </p:nvPr>
+        </p:nvCxnSpPr>
+        <p:spPr>
+          <a:xfrm>
+            <a:off x="8209305" y="4343400"/>
+            <a:ext cx="3200400" cy="0"/>
+          </a:xfrm>
+          <a:prstGeom prst="line">
+            <a:avLst/>
+          </a:prstGeom>
+          <a:ln w="6350">
+            <a:solidFill>
+              <a:schemeClr val="tx2">
+                <a:alpha val="90000"/>
+              </a:schemeClr>
+            </a:solidFill>
+          </a:ln>
+        </p:spPr>
+        <p:style>
+          <a:lnRef idx="1">
+            <a:schemeClr val="accent1"/>
+          </a:lnRef>
+          <a:fillRef idx="0">
+            <a:schemeClr val="accent1"/>
+          </a:fillRef>
+          <a:effectRef idx="0">
+            <a:schemeClr val="accent1"/>
+          </a:effectRef>
+          <a:fontRef idx="minor">
+            <a:schemeClr val="tx1"/>
+          </a:fontRef>
+        </p:style>
+      </p:cxnSp>
+      <p:sp>
+        <p:nvSpPr>
+          <p:cNvPr id="20" name="Rectangle 19">
+            <a:extLst>
+              <a:ext uri="{FF2B5EF4-FFF2-40B4-BE49-F238E27FC236}">
+                <a16:creationId xmlns:a16="http://schemas.microsoft.com/office/drawing/2014/main" id="{B4C27B90-DF2B-4D00-BA07-18ED774CD2F1}"/>
+              </a:ext>
+              <a:ext uri="{C183D7F6-B498-43B3-948B-1728B52AA6E4}">
+                <adec:decorative xmlns:adec="http://schemas.microsoft.com/office/drawing/2017/decorative" val="1"/>
+              </a:ext>
+            </a:extLst>
+          </p:cNvPr>
+          <p:cNvSpPr>
+            <a:spLocks noGrp="1" noRot="1" noChangeAspect="1" noMove="1" noResize="1" noEditPoints="1" noAdjustHandles="1" noChangeArrowheads="1" noChangeShapeType="1" noTextEdit="1"/>
+          </p:cNvSpPr>
+          <p:nvPr>
+            <p:extLst>
+              <p:ext uri="{386F3935-93C4-4BCD-93E2-E3B085C9AB24}">
+                <p16:designElem xmlns:p16="http://schemas.microsoft.com/office/powerpoint/2015/main" val="1"/>
+              </p:ext>
+            </p:extLst>
+          </p:nvPr>
+        </p:nvSpPr>
+        <p:spPr>
+          <a:xfrm>
+            <a:off x="15" y="6334316"/>
+            <a:ext cx="12191985" cy="66484"/>
+          </a:xfrm>
+          <a:prstGeom prst="rect">
+            <a:avLst/>
+          </a:prstGeom>
+          <a:solidFill>
+            <a:schemeClr val="accent1"/>
+          </a:solidFill>
+          <a:ln>
+            <a:noFill/>
+          </a:ln>
+        </p:spPr>
+        <p:style>
+          <a:lnRef idx="2">
+            <a:schemeClr val="accent1">
+              <a:shade val="50000"/>
+            </a:schemeClr>
+          </a:lnRef>
+          <a:fillRef idx="1">
+            <a:schemeClr val="accent1"/>
+          </a:fillRef>
+          <a:effectRef idx="0">
+            <a:schemeClr val="accent1"/>
+          </a:effectRef>
+          <a:fontRef idx="minor">
+            <a:schemeClr val="lt1"/>
+          </a:fontRef>
+        </p:style>
+      </p:sp>
+      <p:sp>
+        <p:nvSpPr>
+          <p:cNvPr id="22" name="Rectangle 21">
+            <a:extLst>
+              <a:ext uri="{FF2B5EF4-FFF2-40B4-BE49-F238E27FC236}">
+                <a16:creationId xmlns:a16="http://schemas.microsoft.com/office/drawing/2014/main" id="{593ACC25-C262-417A-8AA9-0641C772BDB6}"/>
+              </a:ext>
+              <a:ext uri="{C183D7F6-B498-43B3-948B-1728B52AA6E4}">
+                <adec:decorative xmlns:adec="http://schemas.microsoft.com/office/drawing/2017/decorative" val="1"/>
+              </a:ext>
+            </a:extLst>
+          </p:cNvPr>
+          <p:cNvSpPr>
+            <a:spLocks noGrp="1" noRot="1" noChangeAspect="1" noMove="1" noResize="1" noEditPoints="1" noAdjustHandles="1" noChangeArrowheads="1" noChangeShapeType="1" noTextEdit="1"/>
+          </p:cNvSpPr>
+          <p:nvPr>
+            <p:extLst>
+              <p:ext uri="{386F3935-93C4-4BCD-93E2-E3B085C9AB24}">
+                <p16:designElem xmlns:p16="http://schemas.microsoft.com/office/powerpoint/2015/main" val="1"/>
+              </p:ext>
+            </p:extLst>
+          </p:nvPr>
+        </p:nvSpPr>
+        <p:spPr>
+          <a:xfrm>
+            <a:off x="1" y="6400800"/>
+            <a:ext cx="12192000" cy="457200"/>
+          </a:xfrm>
+          <a:prstGeom prst="rect">
+            <a:avLst/>
+          </a:prstGeom>
+          <a:solidFill>
+            <a:schemeClr val="accent2"/>
+          </a:solidFill>
+          <a:ln>
+            <a:noFill/>
+          </a:ln>
+        </p:spPr>
+        <p:style>
+          <a:lnRef idx="2">
+            <a:schemeClr val="accent1">
+              <a:shade val="50000"/>
+            </a:schemeClr>
+          </a:lnRef>
+          <a:fillRef idx="1">
+            <a:schemeClr val="accent1"/>
+          </a:fillRef>
+          <a:effectRef idx="0">
+            <a:schemeClr val="accent1"/>
+          </a:effectRef>
+          <a:fontRef idx="minor">
+            <a:schemeClr val="lt1"/>
+          </a:fontRef>
+        </p:style>
+      </p:sp>
+    </p:spTree>
+    <p:extLst>
+      <p:ext uri="{BB962C8B-B14F-4D97-AF65-F5344CB8AC3E}">
+        <p14:creationId xmlns:p14="http://schemas.microsoft.com/office/powerpoint/2010/main" val="3699260979"/>
+      </p:ext>
+    </p:extLst>
+  </p:cSld>
+  <p:clrMapOvr>
+    <a:masterClrMapping/>
+  </p:clrMapOvr>
+</p:sld>
+</file>
+
+<file path=ppt/slides/slide15.xml><?xml version="1.0" encoding="utf-8"?>
+<p:sld xmlns:a="http://schemas.openxmlformats.org/drawingml/2006/main" xmlns:r="http://schemas.openxmlformats.org/officeDocument/2006/relationships" xmlns:p="http://schemas.openxmlformats.org/presentationml/2006/main">
+  <p:cSld>
+    <p:bg>
+      <p:bgPr>
+        <a:solidFill>
+          <a:schemeClr val="bg1"/>
+        </a:solidFill>
+        <a:effectLst/>
+      </p:bgPr>
+    </p:bg>
+    <p:spTree>
+      <p:nvGrpSpPr>
+        <p:cNvPr id="1" name=""/>
+        <p:cNvGrpSpPr/>
+        <p:nvPr/>
+      </p:nvGrpSpPr>
+      <p:grpSpPr>
+        <a:xfrm>
+          <a:off x="0" y="0"/>
+          <a:ext cx="0" cy="0"/>
+          <a:chOff x="0" y="0"/>
+          <a:chExt cx="0" cy="0"/>
+        </a:xfrm>
+      </p:grpSpPr>
+      <p:sp>
+        <p:nvSpPr>
+          <p:cNvPr id="9" name="Rectangle 8">
+            <a:extLst>
+              <a:ext uri="{FF2B5EF4-FFF2-40B4-BE49-F238E27FC236}">
+                <a16:creationId xmlns:a16="http://schemas.microsoft.com/office/drawing/2014/main" id="{4E4490D0-3672-446A-AC12-B4830333BDDD}"/>
+              </a:ext>
+              <a:ext uri="{C183D7F6-B498-43B3-948B-1728B52AA6E4}">
+                <adec:decorative xmlns:adec="http://schemas.microsoft.com/office/drawing/2017/decorative" val="1"/>
+              </a:ext>
+            </a:extLst>
+          </p:cNvPr>
+          <p:cNvSpPr>
+            <a:spLocks noGrp="1" noRot="1" noChangeAspect="1" noMove="1" noResize="1" noEditPoints="1" noAdjustHandles="1" noChangeArrowheads="1" noChangeShapeType="1" noTextEdit="1"/>
+          </p:cNvSpPr>
+          <p:nvPr>
+            <p:extLst>
+              <p:ext uri="{386F3935-93C4-4BCD-93E2-E3B085C9AB24}">
+                <p16:designElem xmlns:p16="http://schemas.microsoft.com/office/powerpoint/2015/main" val="1"/>
+              </p:ext>
+            </p:extLst>
+          </p:nvPr>
+        </p:nvSpPr>
+        <p:spPr>
+          <a:xfrm>
+            <a:off x="3175" y="6400800"/>
+            <a:ext cx="12188825" cy="457200"/>
+          </a:xfrm>
+          <a:prstGeom prst="rect">
+            <a:avLst/>
+          </a:prstGeom>
+          <a:solidFill>
+            <a:schemeClr val="accent2"/>
+          </a:solidFill>
+          <a:ln>
+            <a:noFill/>
+          </a:ln>
+        </p:spPr>
+        <p:style>
+          <a:lnRef idx="2">
+            <a:schemeClr val="accent1">
+              <a:shade val="50000"/>
+            </a:schemeClr>
+          </a:lnRef>
+          <a:fillRef idx="1">
+            <a:schemeClr val="accent1"/>
+          </a:fillRef>
+          <a:effectRef idx="0">
+            <a:schemeClr val="accent1"/>
+          </a:effectRef>
+          <a:fontRef idx="minor">
+            <a:schemeClr val="lt1"/>
+          </a:fontRef>
+        </p:style>
+      </p:sp>
+      <p:sp>
+        <p:nvSpPr>
+          <p:cNvPr id="11" name="Rectangle 10">
+            <a:extLst>
+              <a:ext uri="{FF2B5EF4-FFF2-40B4-BE49-F238E27FC236}">
+                <a16:creationId xmlns:a16="http://schemas.microsoft.com/office/drawing/2014/main" id="{39CB82C2-DF65-4EC1-8280-F201D50F570B}"/>
+              </a:ext>
+              <a:ext uri="{C183D7F6-B498-43B3-948B-1728B52AA6E4}">
+                <adec:decorative xmlns:adec="http://schemas.microsoft.com/office/drawing/2017/decorative" val="1"/>
+              </a:ext>
+            </a:extLst>
+          </p:cNvPr>
+          <p:cNvSpPr>
+            <a:spLocks noGrp="1" noRot="1" noChangeAspect="1" noMove="1" noResize="1" noEditPoints="1" noAdjustHandles="1" noChangeArrowheads="1" noChangeShapeType="1" noTextEdit="1"/>
+          </p:cNvSpPr>
+          <p:nvPr>
+            <p:extLst>
+              <p:ext uri="{386F3935-93C4-4BCD-93E2-E3B085C9AB24}">
+                <p16:designElem xmlns:p16="http://schemas.microsoft.com/office/powerpoint/2015/main" val="1"/>
+              </p:ext>
+            </p:extLst>
+          </p:nvPr>
+        </p:nvSpPr>
+        <p:spPr>
+          <a:xfrm>
+            <a:off x="15" y="6334316"/>
+            <a:ext cx="12188825" cy="64008"/>
+          </a:xfrm>
+          <a:prstGeom prst="rect">
+            <a:avLst/>
+          </a:prstGeom>
+          <a:solidFill>
+            <a:schemeClr val="accent1"/>
+          </a:solidFill>
+          <a:ln>
+            <a:noFill/>
+          </a:ln>
+        </p:spPr>
+        <p:style>
+          <a:lnRef idx="2">
+            <a:schemeClr val="accent1">
+              <a:shade val="50000"/>
+            </a:schemeClr>
+          </a:lnRef>
+          <a:fillRef idx="1">
+            <a:schemeClr val="accent1"/>
+          </a:fillRef>
+          <a:effectRef idx="0">
+            <a:schemeClr val="accent1"/>
+          </a:effectRef>
+          <a:fontRef idx="minor">
+            <a:schemeClr val="lt1"/>
+          </a:fontRef>
+        </p:style>
+      </p:sp>
+      <p:cxnSp>
+        <p:nvCxnSpPr>
+          <p:cNvPr id="13" name="Straight Connector 12">
+            <a:extLst>
+              <a:ext uri="{FF2B5EF4-FFF2-40B4-BE49-F238E27FC236}">
+                <a16:creationId xmlns:a16="http://schemas.microsoft.com/office/drawing/2014/main" id="{7E1D4427-852B-4B37-8E76-0E9F1810BA2A}"/>
+              </a:ext>
+              <a:ext uri="{C183D7F6-B498-43B3-948B-1728B52AA6E4}">
+                <adec:decorative xmlns:adec="http://schemas.microsoft.com/office/drawing/2017/decorative" val="1"/>
+              </a:ext>
+            </a:extLst>
+          </p:cNvPr>
+          <p:cNvCxnSpPr>
+            <a:cxnSpLocks noGrp="1" noRot="1" noChangeAspect="1" noMove="1" noResize="1" noEditPoints="1" noAdjustHandles="1" noChangeArrowheads="1" noChangeShapeType="1"/>
+          </p:cNvCxnSpPr>
+          <p:nvPr>
+            <p:extLst>
+              <p:ext uri="{386F3935-93C4-4BCD-93E2-E3B085C9AB24}">
+                <p16:designElem xmlns:p16="http://schemas.microsoft.com/office/powerpoint/2015/main" val="1"/>
+              </p:ext>
+            </p:extLst>
+          </p:nvPr>
+        </p:nvCxnSpPr>
+        <p:spPr>
+          <a:xfrm>
+            <a:off x="1207658" y="4343400"/>
+            <a:ext cx="9875520" cy="0"/>
+          </a:xfrm>
+          <a:prstGeom prst="line">
+            <a:avLst/>
+          </a:prstGeom>
+          <a:ln w="6350">
+            <a:solidFill>
+              <a:schemeClr val="tx1">
+                <a:lumMod val="50000"/>
+                <a:lumOff val="50000"/>
+              </a:schemeClr>
+            </a:solidFill>
+          </a:ln>
+        </p:spPr>
+        <p:style>
+          <a:lnRef idx="1">
+            <a:schemeClr val="accent1"/>
+          </a:lnRef>
+          <a:fillRef idx="0">
+            <a:schemeClr val="accent1"/>
+          </a:fillRef>
+          <a:effectRef idx="0">
+            <a:schemeClr val="accent1"/>
+          </a:effectRef>
+          <a:fontRef idx="minor">
+            <a:schemeClr val="tx1"/>
+          </a:fontRef>
+        </p:style>
+      </p:cxnSp>
+      <p:sp useBgFill="1">
+        <p:nvSpPr>
+          <p:cNvPr id="15" name="Rectangle 14">
+            <a:extLst>
+              <a:ext uri="{FF2B5EF4-FFF2-40B4-BE49-F238E27FC236}">
+                <a16:creationId xmlns:a16="http://schemas.microsoft.com/office/drawing/2014/main" id="{C4AAA502-5435-489E-9538-3A40E6C71461}"/>
+              </a:ext>
+              <a:ext uri="{C183D7F6-B498-43B3-948B-1728B52AA6E4}">
+                <adec:decorative xmlns:adec="http://schemas.microsoft.com/office/drawing/2017/decorative" val="1"/>
+              </a:ext>
+            </a:extLst>
+          </p:cNvPr>
+          <p:cNvSpPr>
+            <a:spLocks noGrp="1" noRot="1" noChangeAspect="1" noMove="1" noResize="1" noEditPoints="1" noAdjustHandles="1" noChangeArrowheads="1" noChangeShapeType="1" noTextEdit="1"/>
+          </p:cNvSpPr>
+          <p:nvPr>
+            <p:extLst>
+              <p:ext uri="{386F3935-93C4-4BCD-93E2-E3B085C9AB24}">
+                <p16:designElem xmlns:p16="http://schemas.microsoft.com/office/powerpoint/2015/main" val="1"/>
+              </p:ext>
+            </p:extLst>
+          </p:nvPr>
+        </p:nvSpPr>
+        <p:spPr>
+          <a:xfrm>
+            <a:off x="0" y="0"/>
+            <a:ext cx="12192001" cy="6334316"/>
+          </a:xfrm>
+          <a:prstGeom prst="rect">
+            <a:avLst/>
+          </a:prstGeom>
+          <a:ln>
+            <a:noFill/>
+          </a:ln>
+        </p:spPr>
+        <p:style>
+          <a:lnRef idx="2">
+            <a:schemeClr val="accent1">
+              <a:shade val="50000"/>
+            </a:schemeClr>
+          </a:lnRef>
+          <a:fillRef idx="1">
+            <a:schemeClr val="accent1"/>
+          </a:fillRef>
+          <a:effectRef idx="0">
+            <a:schemeClr val="accent1"/>
+          </a:effectRef>
+          <a:fontRef idx="minor">
+            <a:schemeClr val="lt1"/>
+          </a:fontRef>
+        </p:style>
+        <p:txBody>
+          <a:bodyPr rtlCol="0" anchor="ctr"/>
+          <a:lstStyle/>
+          <a:p>
+            <a:pPr algn="ctr"/>
+            <a:endParaRPr lang="en-US"/>
+          </a:p>
+        </p:txBody>
+      </p:sp>
+      <p:sp>
+        <p:nvSpPr>
+          <p:cNvPr id="2" name="Title 1">
+            <a:extLst>
+              <a:ext uri="{FF2B5EF4-FFF2-40B4-BE49-F238E27FC236}">
+                <a16:creationId xmlns:a16="http://schemas.microsoft.com/office/drawing/2014/main" id="{7287745C-226F-4DA7-B22F-638102B85750}"/>
+              </a:ext>
+            </a:extLst>
+          </p:cNvPr>
+          <p:cNvSpPr>
+            <a:spLocks noGrp="1"/>
+          </p:cNvSpPr>
+          <p:nvPr>
+            <p:ph type="title"/>
+          </p:nvPr>
+        </p:nvSpPr>
+        <p:spPr>
+          <a:xfrm>
+            <a:off x="633999" y="4550229"/>
+            <a:ext cx="10909073" cy="1057655"/>
+          </a:xfrm>
+        </p:spPr>
+        <p:txBody>
+          <a:bodyPr vert="horz" lIns="91440" tIns="45720" rIns="91440" bIns="45720" rtlCol="0" anchor="b">
+            <a:normAutofit/>
+          </a:bodyPr>
+          <a:lstStyle/>
+          <a:p>
+            <a:r>
+              <a:rPr lang="en-US" sz="6000">
+                <a:solidFill>
+                  <a:schemeClr val="tx1">
+                    <a:lumMod val="85000"/>
+                    <a:lumOff val="15000"/>
+                  </a:schemeClr>
+                </a:solidFill>
+              </a:rPr>
+              <a:t>Checking Account Class</a:t>
+            </a:r>
+          </a:p>
+        </p:txBody>
+      </p:sp>
+      <p:pic>
+        <p:nvPicPr>
+          <p:cNvPr id="4" name="Picture 3">
+            <a:extLst>
+              <a:ext uri="{FF2B5EF4-FFF2-40B4-BE49-F238E27FC236}">
+                <a16:creationId xmlns:a16="http://schemas.microsoft.com/office/drawing/2014/main" id="{0FDC89F4-F176-49EE-A2E9-A5C46E7E67D9}"/>
+              </a:ext>
+            </a:extLst>
+          </p:cNvPr>
+          <p:cNvPicPr>
+            <a:picLocks noChangeAspect="1"/>
+          </p:cNvPicPr>
+          <p:nvPr/>
+        </p:nvPicPr>
+        <p:blipFill>
+          <a:blip r:embed="rId2"/>
+          <a:stretch>
+            <a:fillRect/>
+          </a:stretch>
+        </p:blipFill>
+        <p:spPr>
+          <a:xfrm>
+            <a:off x="318579" y="1604656"/>
+            <a:ext cx="11554841" cy="1819887"/>
+          </a:xfrm>
+          <a:prstGeom prst="rect">
+            <a:avLst/>
+          </a:prstGeom>
+        </p:spPr>
+      </p:pic>
+      <p:cxnSp>
+        <p:nvCxnSpPr>
+          <p:cNvPr id="17" name="Straight Connector 16">
+            <a:extLst>
+              <a:ext uri="{FF2B5EF4-FFF2-40B4-BE49-F238E27FC236}">
+                <a16:creationId xmlns:a16="http://schemas.microsoft.com/office/drawing/2014/main" id="{C9AC0290-4702-4519-B0F4-C2A46880997B}"/>
+              </a:ext>
+              <a:ext uri="{C183D7F6-B498-43B3-948B-1728B52AA6E4}">
+                <adec:decorative xmlns:adec="http://schemas.microsoft.com/office/drawing/2017/decorative" val="1"/>
+              </a:ext>
+            </a:extLst>
+          </p:cNvPr>
+          <p:cNvCxnSpPr>
+            <a:cxnSpLocks noGrp="1" noRot="1" noChangeAspect="1" noMove="1" noResize="1" noEditPoints="1" noAdjustHandles="1" noChangeArrowheads="1" noChangeShapeType="1"/>
+          </p:cNvCxnSpPr>
+          <p:nvPr>
+            <p:extLst>
+              <p:ext uri="{386F3935-93C4-4BCD-93E2-E3B085C9AB24}">
+                <p16:designElem xmlns:p16="http://schemas.microsoft.com/office/powerpoint/2015/main" val="1"/>
+              </p:ext>
+            </p:extLst>
+          </p:nvPr>
+        </p:nvCxnSpPr>
+        <p:spPr>
+          <a:xfrm>
+            <a:off x="721086" y="5618770"/>
+            <a:ext cx="10515600" cy="0"/>
+          </a:xfrm>
+          <a:prstGeom prst="line">
+            <a:avLst/>
+          </a:prstGeom>
+          <a:ln w="6350">
+            <a:solidFill>
+              <a:schemeClr val="tx2">
+                <a:alpha val="90000"/>
+              </a:schemeClr>
+            </a:solidFill>
+          </a:ln>
+        </p:spPr>
+        <p:style>
+          <a:lnRef idx="1">
+            <a:schemeClr val="accent1"/>
+          </a:lnRef>
+          <a:fillRef idx="0">
+            <a:schemeClr val="accent1"/>
+          </a:fillRef>
+          <a:effectRef idx="0">
+            <a:schemeClr val="accent1"/>
+          </a:effectRef>
+          <a:fontRef idx="minor">
+            <a:schemeClr val="tx1"/>
+          </a:fontRef>
+        </p:style>
+      </p:cxnSp>
+      <p:sp>
+        <p:nvSpPr>
+          <p:cNvPr id="19" name="Rectangle 18">
+            <a:extLst>
+              <a:ext uri="{FF2B5EF4-FFF2-40B4-BE49-F238E27FC236}">
+                <a16:creationId xmlns:a16="http://schemas.microsoft.com/office/drawing/2014/main" id="{DE42378B-2E28-4810-8421-7A473A40E376}"/>
+              </a:ext>
+              <a:ext uri="{C183D7F6-B498-43B3-948B-1728B52AA6E4}">
+                <adec:decorative xmlns:adec="http://schemas.microsoft.com/office/drawing/2017/decorative" val="1"/>
+              </a:ext>
+            </a:extLst>
+          </p:cNvPr>
+          <p:cNvSpPr>
+            <a:spLocks noGrp="1" noRot="1" noChangeAspect="1" noMove="1" noResize="1" noEditPoints="1" noAdjustHandles="1" noChangeArrowheads="1" noChangeShapeType="1" noTextEdit="1"/>
+          </p:cNvSpPr>
+          <p:nvPr>
+            <p:extLst>
+              <p:ext uri="{386F3935-93C4-4BCD-93E2-E3B085C9AB24}">
+                <p16:designElem xmlns:p16="http://schemas.microsoft.com/office/powerpoint/2015/main" val="1"/>
+              </p:ext>
+            </p:extLst>
+          </p:nvPr>
+        </p:nvSpPr>
+        <p:spPr>
+          <a:xfrm>
+            <a:off x="15" y="6334316"/>
+            <a:ext cx="12191985" cy="66484"/>
+          </a:xfrm>
+          <a:prstGeom prst="rect">
+            <a:avLst/>
+          </a:prstGeom>
+          <a:solidFill>
+            <a:schemeClr val="accent1"/>
+          </a:solidFill>
+          <a:ln>
+            <a:noFill/>
+          </a:ln>
+        </p:spPr>
+        <p:style>
+          <a:lnRef idx="2">
+            <a:schemeClr val="accent1">
+              <a:shade val="50000"/>
+            </a:schemeClr>
+          </a:lnRef>
+          <a:fillRef idx="1">
+            <a:schemeClr val="accent1"/>
+          </a:fillRef>
+          <a:effectRef idx="0">
+            <a:schemeClr val="accent1"/>
+          </a:effectRef>
+          <a:fontRef idx="minor">
+            <a:schemeClr val="lt1"/>
+          </a:fontRef>
+        </p:style>
+      </p:sp>
+      <p:sp>
+        <p:nvSpPr>
+          <p:cNvPr id="21" name="Rectangle 20">
+            <a:extLst>
+              <a:ext uri="{FF2B5EF4-FFF2-40B4-BE49-F238E27FC236}">
+                <a16:creationId xmlns:a16="http://schemas.microsoft.com/office/drawing/2014/main" id="{0D91DD17-237F-4811-BC0E-128EB1BD7CFE}"/>
+              </a:ext>
+              <a:ext uri="{C183D7F6-B498-43B3-948B-1728B52AA6E4}">
+                <adec:decorative xmlns:adec="http://schemas.microsoft.com/office/drawing/2017/decorative" val="1"/>
+              </a:ext>
+            </a:extLst>
+          </p:cNvPr>
+          <p:cNvSpPr>
+            <a:spLocks noGrp="1" noRot="1" noChangeAspect="1" noMove="1" noResize="1" noEditPoints="1" noAdjustHandles="1" noChangeArrowheads="1" noChangeShapeType="1" noTextEdit="1"/>
+          </p:cNvSpPr>
+          <p:nvPr>
+            <p:extLst>
+              <p:ext uri="{386F3935-93C4-4BCD-93E2-E3B085C9AB24}">
+                <p16:designElem xmlns:p16="http://schemas.microsoft.com/office/powerpoint/2015/main" val="1"/>
+              </p:ext>
+            </p:extLst>
+          </p:nvPr>
+        </p:nvSpPr>
+        <p:spPr>
+          <a:xfrm>
+            <a:off x="1" y="6400800"/>
+            <a:ext cx="12192000" cy="457200"/>
+          </a:xfrm>
+          <a:prstGeom prst="rect">
+            <a:avLst/>
+          </a:prstGeom>
+          <a:solidFill>
+            <a:schemeClr val="accent2"/>
+          </a:solidFill>
+          <a:ln>
+            <a:noFill/>
+          </a:ln>
+        </p:spPr>
+        <p:style>
+          <a:lnRef idx="2">
+            <a:schemeClr val="accent1">
+              <a:shade val="50000"/>
+            </a:schemeClr>
+          </a:lnRef>
+          <a:fillRef idx="1">
+            <a:schemeClr val="accent1"/>
+          </a:fillRef>
+          <a:effectRef idx="0">
+            <a:schemeClr val="accent1"/>
+          </a:effectRef>
+          <a:fontRef idx="minor">
+            <a:schemeClr val="lt1"/>
+          </a:fontRef>
+        </p:style>
+      </p:sp>
+    </p:spTree>
+    <p:extLst>
+      <p:ext uri="{BB962C8B-B14F-4D97-AF65-F5344CB8AC3E}">
+        <p14:creationId xmlns:p14="http://schemas.microsoft.com/office/powerpoint/2010/main" val="2098359255"/>
+      </p:ext>
+    </p:extLst>
+  </p:cSld>
+  <p:clrMapOvr>
+    <a:masterClrMapping/>
+  </p:clrMapOvr>
+</p:sld>
+</file>
+
+<file path=ppt/slides/slide16.xml><?xml version="1.0" encoding="utf-8"?>
+<p:sld xmlns:a="http://schemas.openxmlformats.org/drawingml/2006/main" xmlns:r="http://schemas.openxmlformats.org/officeDocument/2006/relationships" xmlns:p="http://schemas.openxmlformats.org/presentationml/2006/main">
+  <p:cSld>
+    <p:spTree>
+      <p:nvGrpSpPr>
+        <p:cNvPr id="1" name=""/>
+        <p:cNvGrpSpPr/>
+        <p:nvPr/>
+      </p:nvGrpSpPr>
+      <p:grpSpPr>
+        <a:xfrm>
+          <a:off x="0" y="0"/>
+          <a:ext cx="0" cy="0"/>
+          <a:chOff x="0" y="0"/>
+          <a:chExt cx="0" cy="0"/>
+        </a:xfrm>
+      </p:grpSpPr>
+      <p:sp>
+        <p:nvSpPr>
+          <p:cNvPr id="2" name="Title 1">
+            <a:extLst>
+              <a:ext uri="{FF2B5EF4-FFF2-40B4-BE49-F238E27FC236}">
+                <a16:creationId xmlns:a16="http://schemas.microsoft.com/office/drawing/2014/main" id="{FA0F0BF1-B8B9-44D4-93E6-83715A47406E}"/>
+              </a:ext>
+            </a:extLst>
+          </p:cNvPr>
+          <p:cNvSpPr>
+            <a:spLocks noGrp="1"/>
+          </p:cNvSpPr>
+          <p:nvPr>
+            <p:ph type="title"/>
+          </p:nvPr>
+        </p:nvSpPr>
+        <p:spPr/>
+        <p:txBody>
+          <a:bodyPr/>
+          <a:lstStyle/>
+          <a:p>
+            <a:r>
+              <a:rPr lang="en-US" dirty="0"/>
+              <a:t>Checking Account Class</a:t>
+            </a:r>
+          </a:p>
+        </p:txBody>
+      </p:sp>
+      <p:sp>
+        <p:nvSpPr>
+          <p:cNvPr id="4" name="Text Placeholder 3">
+            <a:extLst>
+              <a:ext uri="{FF2B5EF4-FFF2-40B4-BE49-F238E27FC236}">
+                <a16:creationId xmlns:a16="http://schemas.microsoft.com/office/drawing/2014/main" id="{68862056-2C4F-44DB-B78B-85776C0300C8}"/>
+              </a:ext>
+            </a:extLst>
+          </p:cNvPr>
+          <p:cNvSpPr>
+            <a:spLocks noGrp="1"/>
+          </p:cNvSpPr>
+          <p:nvPr>
+            <p:ph type="body" idx="1"/>
+          </p:nvPr>
+        </p:nvSpPr>
+        <p:spPr/>
+        <p:txBody>
+          <a:bodyPr/>
+          <a:lstStyle/>
+          <a:p>
+            <a:r>
+              <a:rPr lang="en-US" dirty="0"/>
+              <a:t>Before</a:t>
+            </a:r>
+          </a:p>
+        </p:txBody>
+      </p:sp>
+      <p:sp>
+        <p:nvSpPr>
+          <p:cNvPr id="3" name="Content Placeholder 2">
+            <a:extLst>
+              <a:ext uri="{FF2B5EF4-FFF2-40B4-BE49-F238E27FC236}">
+                <a16:creationId xmlns:a16="http://schemas.microsoft.com/office/drawing/2014/main" id="{7E846AFD-6CE4-4D21-A568-D4896313ECA1}"/>
+              </a:ext>
+            </a:extLst>
+          </p:cNvPr>
+          <p:cNvSpPr>
+            <a:spLocks noGrp="1"/>
+          </p:cNvSpPr>
+          <p:nvPr>
+            <p:ph sz="half" idx="2"/>
+          </p:nvPr>
+        </p:nvSpPr>
+        <p:spPr/>
+        <p:txBody>
+          <a:bodyPr/>
+          <a:lstStyle/>
+          <a:p>
+            <a:r>
+              <a:rPr lang="en-US" dirty="0"/>
+              <a:t>Problems/Issues</a:t>
+            </a:r>
+          </a:p>
+          <a:p>
+            <a:pPr marL="544068" lvl="1" indent="-342900">
+              <a:buFont typeface="+mj-lt"/>
+              <a:buAutoNum type="arabicPeriod"/>
+            </a:pPr>
+            <a:r>
+              <a:rPr lang="en-US" dirty="0"/>
+              <a:t>It makes sense to group everything for one person together</a:t>
+            </a:r>
+          </a:p>
+          <a:p>
+            <a:pPr marL="544068" lvl="1" indent="-342900">
+              <a:buFont typeface="+mj-lt"/>
+              <a:buAutoNum type="arabicPeriod"/>
+            </a:pPr>
+            <a:r>
+              <a:rPr lang="en-US" dirty="0"/>
+              <a:t>Error-prone</a:t>
+            </a:r>
+          </a:p>
+          <a:p>
+            <a:pPr marL="544068" lvl="1" indent="-342900">
+              <a:buFont typeface="+mj-lt"/>
+              <a:buAutoNum type="arabicPeriod"/>
+            </a:pPr>
+            <a:r>
+              <a:rPr lang="en-US" dirty="0"/>
+              <a:t>A lot to type</a:t>
+            </a:r>
+          </a:p>
+        </p:txBody>
+      </p:sp>
+      <p:sp>
+        <p:nvSpPr>
+          <p:cNvPr id="5" name="Text Placeholder 4">
+            <a:extLst>
+              <a:ext uri="{FF2B5EF4-FFF2-40B4-BE49-F238E27FC236}">
+                <a16:creationId xmlns:a16="http://schemas.microsoft.com/office/drawing/2014/main" id="{B8DBC982-DA02-4C66-B770-13B1812FCDFC}"/>
+              </a:ext>
+            </a:extLst>
+          </p:cNvPr>
+          <p:cNvSpPr>
+            <a:spLocks noGrp="1"/>
+          </p:cNvSpPr>
+          <p:nvPr>
+            <p:ph type="body" sz="quarter" idx="3"/>
+          </p:nvPr>
+        </p:nvSpPr>
+        <p:spPr/>
+        <p:txBody>
+          <a:bodyPr/>
+          <a:lstStyle/>
+          <a:p>
+            <a:r>
+              <a:rPr lang="en-US" dirty="0"/>
+              <a:t>Class Version</a:t>
+            </a:r>
+          </a:p>
+        </p:txBody>
+      </p:sp>
+      <p:sp>
+        <p:nvSpPr>
+          <p:cNvPr id="6" name="Content Placeholder 5">
+            <a:extLst>
+              <a:ext uri="{FF2B5EF4-FFF2-40B4-BE49-F238E27FC236}">
+                <a16:creationId xmlns:a16="http://schemas.microsoft.com/office/drawing/2014/main" id="{4C674F59-8AFF-45A4-8581-CB590F1FE220}"/>
+              </a:ext>
+            </a:extLst>
+          </p:cNvPr>
+          <p:cNvSpPr>
+            <a:spLocks noGrp="1"/>
+          </p:cNvSpPr>
+          <p:nvPr>
+            <p:ph sz="quarter" idx="4"/>
+          </p:nvPr>
+        </p:nvSpPr>
+        <p:spPr/>
+        <p:txBody>
+          <a:bodyPr/>
+          <a:lstStyle/>
+          <a:p>
+            <a:r>
+              <a:rPr lang="en-US" dirty="0"/>
+              <a:t>Solutions</a:t>
+            </a:r>
+          </a:p>
+          <a:p>
+            <a:pPr marL="544068" lvl="1" indent="-342900">
+              <a:buFont typeface="+mj-lt"/>
+              <a:buAutoNum type="arabicPeriod"/>
+            </a:pPr>
+            <a:r>
+              <a:rPr lang="en-US" dirty="0"/>
+              <a:t>Everything is grouped together for each user</a:t>
+            </a:r>
+          </a:p>
+          <a:p>
+            <a:pPr marL="544068" lvl="1" indent="-342900">
+              <a:buFont typeface="+mj-lt"/>
+              <a:buAutoNum type="arabicPeriod"/>
+            </a:pPr>
+            <a:r>
+              <a:rPr lang="en-US" dirty="0"/>
+              <a:t>Because everything is grouped together, less room for errors</a:t>
+            </a:r>
+          </a:p>
+          <a:p>
+            <a:pPr marL="544068" lvl="1" indent="-342900">
+              <a:buFont typeface="+mj-lt"/>
+              <a:buAutoNum type="arabicPeriod"/>
+            </a:pPr>
+            <a:r>
+              <a:rPr lang="en-US" dirty="0"/>
+              <a:t>Less to type when creating multiple accounts</a:t>
+            </a:r>
+          </a:p>
+          <a:p>
+            <a:pPr lvl="1"/>
+            <a:endParaRPr lang="en-US" dirty="0"/>
+          </a:p>
+        </p:txBody>
+      </p:sp>
+    </p:spTree>
+    <p:extLst>
+      <p:ext uri="{BB962C8B-B14F-4D97-AF65-F5344CB8AC3E}">
+        <p14:creationId xmlns:p14="http://schemas.microsoft.com/office/powerpoint/2010/main" val="760845236"/>
+      </p:ext>
+    </p:extLst>
+  </p:cSld>
+  <p:clrMapOvr>
+    <a:masterClrMapping/>
+  </p:clrMapOvr>
+</p:sld>
+</file>
+
+<file path=ppt/slides/slide17.xml><?xml version="1.0" encoding="utf-8"?>
+<p:sld xmlns:a="http://schemas.openxmlformats.org/drawingml/2006/main" xmlns:r="http://schemas.openxmlformats.org/officeDocument/2006/relationships" xmlns:p="http://schemas.openxmlformats.org/presentationml/2006/main">
+  <p:cSld>
+    <p:spTree>
+      <p:nvGrpSpPr>
+        <p:cNvPr id="1" name=""/>
+        <p:cNvGrpSpPr/>
+        <p:nvPr/>
+      </p:nvGrpSpPr>
+      <p:grpSpPr>
+        <a:xfrm>
+          <a:off x="0" y="0"/>
+          <a:ext cx="0" cy="0"/>
+          <a:chOff x="0" y="0"/>
+          <a:chExt cx="0" cy="0"/>
+        </a:xfrm>
+      </p:grpSpPr>
+      <p:sp>
+        <p:nvSpPr>
+          <p:cNvPr id="2" name="Title 1">
+            <a:extLst>
+              <a:ext uri="{FF2B5EF4-FFF2-40B4-BE49-F238E27FC236}">
+                <a16:creationId xmlns:a16="http://schemas.microsoft.com/office/drawing/2014/main" id="{F68AF7AF-89C8-409C-8182-1998C5BB4EA0}"/>
+              </a:ext>
+            </a:extLst>
+          </p:cNvPr>
+          <p:cNvSpPr>
+            <a:spLocks noGrp="1"/>
+          </p:cNvSpPr>
+          <p:nvPr>
+            <p:ph type="title"/>
+          </p:nvPr>
+        </p:nvSpPr>
+        <p:spPr>
+          <a:xfrm>
+            <a:off x="6411684" y="330146"/>
+            <a:ext cx="5127171" cy="1450757"/>
+          </a:xfrm>
+        </p:spPr>
+        <p:txBody>
+          <a:bodyPr>
+            <a:normAutofit/>
+          </a:bodyPr>
+          <a:lstStyle/>
+          <a:p>
+            <a:r>
+              <a:rPr lang="en-US" dirty="0"/>
+              <a:t>Classes to Objects</a:t>
+            </a:r>
+          </a:p>
+        </p:txBody>
+      </p:sp>
+      <p:pic>
+        <p:nvPicPr>
+          <p:cNvPr id="4" name="Picture 3">
+            <a:extLst>
+              <a:ext uri="{FF2B5EF4-FFF2-40B4-BE49-F238E27FC236}">
+                <a16:creationId xmlns:a16="http://schemas.microsoft.com/office/drawing/2014/main" id="{20A4780A-5CBA-4BCC-840F-58B7F367339B}"/>
+              </a:ext>
+            </a:extLst>
+          </p:cNvPr>
+          <p:cNvPicPr>
+            <a:picLocks noChangeAspect="1"/>
+          </p:cNvPicPr>
+          <p:nvPr/>
+        </p:nvPicPr>
+        <p:blipFill>
+          <a:blip r:embed="rId2"/>
+          <a:stretch>
+            <a:fillRect/>
+          </a:stretch>
+        </p:blipFill>
+        <p:spPr>
+          <a:xfrm>
+            <a:off x="643192" y="1660749"/>
+            <a:ext cx="5451627" cy="3216460"/>
+          </a:xfrm>
+          <a:prstGeom prst="rect">
+            <a:avLst/>
+          </a:prstGeom>
+        </p:spPr>
+      </p:pic>
+      <p:sp>
+        <p:nvSpPr>
+          <p:cNvPr id="3" name="Content Placeholder 2">
+            <a:extLst>
+              <a:ext uri="{FF2B5EF4-FFF2-40B4-BE49-F238E27FC236}">
+                <a16:creationId xmlns:a16="http://schemas.microsoft.com/office/drawing/2014/main" id="{D689CDB6-5BF9-4E6B-81FD-3B933FA43B59}"/>
+              </a:ext>
+            </a:extLst>
+          </p:cNvPr>
+          <p:cNvSpPr>
+            <a:spLocks noGrp="1"/>
+          </p:cNvSpPr>
+          <p:nvPr>
+            <p:ph idx="1"/>
+          </p:nvPr>
+        </p:nvSpPr>
+        <p:spPr>
+          <a:xfrm>
+            <a:off x="6411684" y="2198914"/>
+            <a:ext cx="5127172" cy="3670180"/>
+          </a:xfrm>
+        </p:spPr>
+        <p:txBody>
+          <a:bodyPr>
+            <a:normAutofit/>
+          </a:bodyPr>
+          <a:lstStyle/>
+          <a:p>
+            <a:r>
+              <a:rPr lang="en-US" dirty="0"/>
+              <a:t>Think of a class as a blueprint. </a:t>
+            </a:r>
+          </a:p>
+          <a:p>
+            <a:r>
+              <a:rPr lang="en-US" dirty="0"/>
+              <a:t>In the example before, we created a blueprint of a Checking Account.</a:t>
+            </a:r>
+          </a:p>
+          <a:p>
+            <a:r>
+              <a:rPr lang="en-US" dirty="0"/>
+              <a:t>We can use this blueprint to create multiple versions of the class – we call these ‘instances’ of the class, or an object.</a:t>
+            </a:r>
+          </a:p>
+          <a:p>
+            <a:r>
+              <a:rPr lang="en-US" dirty="0"/>
+              <a:t>Every ‘instance’ of </a:t>
+            </a:r>
+            <a:r>
+              <a:rPr lang="en-US" dirty="0" err="1"/>
+              <a:t>CheckingAccount</a:t>
+            </a:r>
+            <a:r>
+              <a:rPr lang="en-US" dirty="0"/>
+              <a:t> must have a name, an age, a </a:t>
+            </a:r>
+            <a:r>
+              <a:rPr lang="en-US" dirty="0" err="1"/>
+              <a:t>checkingAmount</a:t>
+            </a:r>
+            <a:r>
+              <a:rPr lang="en-US" dirty="0"/>
+              <a:t>, </a:t>
+            </a:r>
+            <a:r>
+              <a:rPr lang="en-US" dirty="0" err="1"/>
+              <a:t>etc</a:t>
+            </a:r>
+            <a:r>
+              <a:rPr lang="en-US" dirty="0"/>
+              <a:t>…</a:t>
+            </a:r>
+          </a:p>
+          <a:p>
+            <a:endParaRPr lang="en-US" dirty="0"/>
+          </a:p>
+        </p:txBody>
+      </p:sp>
+    </p:spTree>
+    <p:extLst>
+      <p:ext uri="{BB962C8B-B14F-4D97-AF65-F5344CB8AC3E}">
+        <p14:creationId xmlns:p14="http://schemas.microsoft.com/office/powerpoint/2010/main" val="598702790"/>
+      </p:ext>
+    </p:extLst>
+  </p:cSld>
+  <p:clrMapOvr>
+    <a:masterClrMapping/>
+  </p:clrMapOvr>
+</p:sld>
+</file>
+
+<file path=ppt/slides/slide18.xml><?xml version="1.0" encoding="utf-8"?>
+<p:sld xmlns:a="http://schemas.openxmlformats.org/drawingml/2006/main" xmlns:r="http://schemas.openxmlformats.org/officeDocument/2006/relationships" xmlns:p="http://schemas.openxmlformats.org/presentationml/2006/main">
+  <p:cSld>
+    <p:spTree>
+      <p:nvGrpSpPr>
+        <p:cNvPr id="1" name=""/>
+        <p:cNvGrpSpPr/>
+        <p:nvPr/>
+      </p:nvGrpSpPr>
+      <p:grpSpPr>
+        <a:xfrm>
+          <a:off x="0" y="0"/>
+          <a:ext cx="0" cy="0"/>
+          <a:chOff x="0" y="0"/>
+          <a:chExt cx="0" cy="0"/>
+        </a:xfrm>
+      </p:grpSpPr>
+      <p:sp>
+        <p:nvSpPr>
+          <p:cNvPr id="2" name="Title 1">
+            <a:extLst>
+              <a:ext uri="{FF2B5EF4-FFF2-40B4-BE49-F238E27FC236}">
+                <a16:creationId xmlns:a16="http://schemas.microsoft.com/office/drawing/2014/main" id="{F68AF7AF-89C8-409C-8182-1998C5BB4EA0}"/>
+              </a:ext>
+            </a:extLst>
+          </p:cNvPr>
+          <p:cNvSpPr>
+            <a:spLocks noGrp="1"/>
+          </p:cNvSpPr>
+          <p:nvPr>
+            <p:ph type="title"/>
+          </p:nvPr>
+        </p:nvSpPr>
+        <p:spPr/>
+        <p:txBody>
+          <a:bodyPr>
+            <a:normAutofit/>
+          </a:bodyPr>
+          <a:lstStyle/>
+          <a:p>
+            <a:r>
+              <a:rPr lang="en-US" dirty="0"/>
+              <a:t>Aside: What is a blueprint?</a:t>
+            </a:r>
+          </a:p>
+        </p:txBody>
+      </p:sp>
+      <p:sp>
+        <p:nvSpPr>
+          <p:cNvPr id="3" name="Content Placeholder 2">
+            <a:extLst>
+              <a:ext uri="{FF2B5EF4-FFF2-40B4-BE49-F238E27FC236}">
+                <a16:creationId xmlns:a16="http://schemas.microsoft.com/office/drawing/2014/main" id="{D689CDB6-5BF9-4E6B-81FD-3B933FA43B59}"/>
+              </a:ext>
+            </a:extLst>
+          </p:cNvPr>
+          <p:cNvSpPr>
+            <a:spLocks noGrp="1"/>
+          </p:cNvSpPr>
+          <p:nvPr>
+            <p:ph sz="half" idx="1"/>
+          </p:nvPr>
+        </p:nvSpPr>
+        <p:spPr/>
+        <p:txBody>
+          <a:bodyPr>
+            <a:normAutofit/>
+          </a:bodyPr>
+          <a:lstStyle/>
+          <a:p>
+            <a:r>
+              <a:rPr lang="en-US" dirty="0"/>
+              <a:t>Noun: “a design plan or other technical drawing”</a:t>
+            </a:r>
+          </a:p>
+          <a:p>
+            <a:r>
+              <a:rPr lang="en-US" dirty="0"/>
+              <a:t>Where have you heard of the word blueprint before?</a:t>
+            </a:r>
+          </a:p>
+          <a:p>
+            <a:pPr lvl="1"/>
+            <a:r>
+              <a:rPr lang="en-US" dirty="0"/>
+              <a:t>House blueprint?</a:t>
+            </a:r>
+          </a:p>
+          <a:p>
+            <a:r>
+              <a:rPr lang="en-US" dirty="0"/>
+              <a:t>The blueprint is the “plan” of how to create the object.</a:t>
+            </a:r>
+          </a:p>
+          <a:p>
+            <a:pPr lvl="1"/>
+            <a:endParaRPr lang="en-US" dirty="0"/>
+          </a:p>
+        </p:txBody>
+      </p:sp>
+      <p:pic>
+        <p:nvPicPr>
+          <p:cNvPr id="6" name="Picture 5" descr="Diagram&#10;&#10;Description automatically generated">
+            <a:extLst>
+              <a:ext uri="{FF2B5EF4-FFF2-40B4-BE49-F238E27FC236}">
+                <a16:creationId xmlns:a16="http://schemas.microsoft.com/office/drawing/2014/main" id="{003CA6C7-842A-4730-B747-8062A0B56502}"/>
+              </a:ext>
+            </a:extLst>
+          </p:cNvPr>
+          <p:cNvPicPr>
+            <a:picLocks noChangeAspect="1"/>
+          </p:cNvPicPr>
+          <p:nvPr/>
+        </p:nvPicPr>
+        <p:blipFill>
+          <a:blip r:embed="rId2">
+            <a:extLst>
+              <a:ext uri="{28A0092B-C50C-407E-A947-70E740481C1C}">
+                <a14:useLocalDpi xmlns:a14="http://schemas.microsoft.com/office/drawing/2010/main" val="0"/>
+              </a:ext>
+            </a:extLst>
+          </a:blip>
+          <a:stretch>
+            <a:fillRect/>
+          </a:stretch>
+        </p:blipFill>
+        <p:spPr>
+          <a:xfrm>
+            <a:off x="6524825" y="1845734"/>
+            <a:ext cx="4290320" cy="4290320"/>
+          </a:xfrm>
+          <a:prstGeom prst="rect">
+            <a:avLst/>
+          </a:prstGeom>
+        </p:spPr>
+      </p:pic>
+    </p:spTree>
+    <p:extLst>
+      <p:ext uri="{BB962C8B-B14F-4D97-AF65-F5344CB8AC3E}">
+        <p14:creationId xmlns:p14="http://schemas.microsoft.com/office/powerpoint/2010/main" val="114161233"/>
+      </p:ext>
+    </p:extLst>
+  </p:cSld>
+  <p:clrMapOvr>
+    <a:masterClrMapping/>
+  </p:clrMapOvr>
+</p:sld>
+</file>
+
+<file path=ppt/slides/slide19.xml><?xml version="1.0" encoding="utf-8"?>
+<p:sld xmlns:a="http://schemas.openxmlformats.org/drawingml/2006/main" xmlns:r="http://schemas.openxmlformats.org/officeDocument/2006/relationships" xmlns:p="http://schemas.openxmlformats.org/presentationml/2006/main">
+  <p:cSld>
+    <p:bg>
+      <p:bgPr>
+        <a:solidFill>
+          <a:schemeClr val="bg1"/>
+        </a:solidFill>
+        <a:effectLst/>
+      </p:bgPr>
+    </p:bg>
+    <p:spTree>
+      <p:nvGrpSpPr>
+        <p:cNvPr id="1" name=""/>
+        <p:cNvGrpSpPr/>
+        <p:nvPr/>
+      </p:nvGrpSpPr>
+      <p:grpSpPr>
+        <a:xfrm>
+          <a:off x="0" y="0"/>
+          <a:ext cx="0" cy="0"/>
+          <a:chOff x="0" y="0"/>
+          <a:chExt cx="0" cy="0"/>
+        </a:xfrm>
+      </p:grpSpPr>
+      <p:sp useBgFill="1">
+        <p:nvSpPr>
+          <p:cNvPr id="9" name="Rectangle 8">
+            <a:extLst>
+              <a:ext uri="{FF2B5EF4-FFF2-40B4-BE49-F238E27FC236}">
+                <a16:creationId xmlns:a16="http://schemas.microsoft.com/office/drawing/2014/main" id="{52ABB703-2B0E-4C3B-B4A2-F3973548E561}"/>
+              </a:ext>
+              <a:ext uri="{C183D7F6-B498-43B3-948B-1728B52AA6E4}">
+                <adec:decorative xmlns:adec="http://schemas.microsoft.com/office/drawing/2017/decorative" val="1"/>
+              </a:ext>
+            </a:extLst>
+          </p:cNvPr>
+          <p:cNvSpPr>
+            <a:spLocks noGrp="1" noRot="1" noChangeAspect="1" noMove="1" noResize="1" noEditPoints="1" noAdjustHandles="1" noChangeArrowheads="1" noChangeShapeType="1" noTextEdit="1"/>
+          </p:cNvSpPr>
+          <p:nvPr>
+            <p:extLst>
+              <p:ext uri="{386F3935-93C4-4BCD-93E2-E3B085C9AB24}">
+                <p16:designElem xmlns:p16="http://schemas.microsoft.com/office/powerpoint/2015/main" val="1"/>
+              </p:ext>
+            </p:extLst>
+          </p:nvPr>
+        </p:nvSpPr>
+        <p:spPr>
+          <a:xfrm>
+            <a:off x="0" y="0"/>
+            <a:ext cx="12192001" cy="6334316"/>
+          </a:xfrm>
+          <a:prstGeom prst="rect">
+            <a:avLst/>
+          </a:prstGeom>
+          <a:ln>
+            <a:noFill/>
+          </a:ln>
+        </p:spPr>
+        <p:style>
+          <a:lnRef idx="2">
+            <a:schemeClr val="accent1">
+              <a:shade val="50000"/>
+            </a:schemeClr>
+          </a:lnRef>
+          <a:fillRef idx="1">
+            <a:schemeClr val="accent1"/>
+          </a:fillRef>
+          <a:effectRef idx="0">
+            <a:schemeClr val="accent1"/>
+          </a:effectRef>
+          <a:fontRef idx="minor">
+            <a:schemeClr val="lt1"/>
+          </a:fontRef>
+        </p:style>
+        <p:txBody>
+          <a:bodyPr rtlCol="0" anchor="ctr"/>
+          <a:lstStyle/>
+          <a:p>
+            <a:pPr algn="ctr"/>
+            <a:endParaRPr lang="en-US"/>
+          </a:p>
+        </p:txBody>
+      </p:sp>
+      <p:sp>
+        <p:nvSpPr>
+          <p:cNvPr id="2" name="Title 1">
+            <a:extLst>
+              <a:ext uri="{FF2B5EF4-FFF2-40B4-BE49-F238E27FC236}">
+                <a16:creationId xmlns:a16="http://schemas.microsoft.com/office/drawing/2014/main" id="{F68AF7AF-89C8-409C-8182-1998C5BB4EA0}"/>
+              </a:ext>
+            </a:extLst>
+          </p:cNvPr>
+          <p:cNvSpPr>
+            <a:spLocks noGrp="1"/>
+          </p:cNvSpPr>
+          <p:nvPr>
+            <p:ph type="title"/>
+          </p:nvPr>
+        </p:nvSpPr>
+        <p:spPr>
+          <a:xfrm>
+            <a:off x="6411685" y="634946"/>
+            <a:ext cx="5127171" cy="1450757"/>
+          </a:xfrm>
+        </p:spPr>
+        <p:txBody>
+          <a:bodyPr>
+            <a:normAutofit/>
+          </a:bodyPr>
+          <a:lstStyle/>
+          <a:p>
+            <a:r>
+              <a:rPr lang="en-US" dirty="0"/>
+              <a:t>Classes to Objects</a:t>
+            </a:r>
+          </a:p>
+        </p:txBody>
+      </p:sp>
+      <p:pic>
+        <p:nvPicPr>
+          <p:cNvPr id="4" name="Picture 3">
+            <a:extLst>
+              <a:ext uri="{FF2B5EF4-FFF2-40B4-BE49-F238E27FC236}">
+                <a16:creationId xmlns:a16="http://schemas.microsoft.com/office/drawing/2014/main" id="{20A4780A-5CBA-4BCC-840F-58B7F367339B}"/>
+              </a:ext>
+            </a:extLst>
+          </p:cNvPr>
+          <p:cNvPicPr>
+            <a:picLocks noChangeAspect="1"/>
+          </p:cNvPicPr>
+          <p:nvPr/>
+        </p:nvPicPr>
+        <p:blipFill>
+          <a:blip r:embed="rId2"/>
+          <a:stretch>
+            <a:fillRect/>
+          </a:stretch>
+        </p:blipFill>
+        <p:spPr>
+          <a:xfrm>
+            <a:off x="643192" y="1660749"/>
+            <a:ext cx="5451627" cy="3216460"/>
+          </a:xfrm>
+          <a:prstGeom prst="rect">
+            <a:avLst/>
+          </a:prstGeom>
+        </p:spPr>
+      </p:pic>
+      <p:cxnSp>
+        <p:nvCxnSpPr>
+          <p:cNvPr id="11" name="Straight Connector 10">
+            <a:extLst>
+              <a:ext uri="{FF2B5EF4-FFF2-40B4-BE49-F238E27FC236}">
+                <a16:creationId xmlns:a16="http://schemas.microsoft.com/office/drawing/2014/main" id="{9C21570E-E159-49A6-9891-FA397B7A92D3}"/>
+              </a:ext>
+              <a:ext uri="{C183D7F6-B498-43B3-948B-1728B52AA6E4}">
+                <adec:decorative xmlns:adec="http://schemas.microsoft.com/office/drawing/2017/decorative" val="1"/>
+              </a:ext>
+            </a:extLst>
+          </p:cNvPr>
+          <p:cNvCxnSpPr>
+            <a:cxnSpLocks noGrp="1" noRot="1" noChangeAspect="1" noMove="1" noResize="1" noEditPoints="1" noAdjustHandles="1" noChangeArrowheads="1" noChangeShapeType="1"/>
+          </p:cNvCxnSpPr>
+          <p:nvPr>
+            <p:extLst>
+              <p:ext uri="{386F3935-93C4-4BCD-93E2-E3B085C9AB24}">
+                <p16:designElem xmlns:p16="http://schemas.microsoft.com/office/powerpoint/2015/main" val="1"/>
+              </p:ext>
+            </p:extLst>
+          </p:nvPr>
+        </p:nvCxnSpPr>
+        <p:spPr>
+          <a:xfrm>
+            <a:off x="6411684" y="2086188"/>
+            <a:ext cx="4748808" cy="0"/>
+          </a:xfrm>
+          <a:prstGeom prst="line">
+            <a:avLst/>
+          </a:prstGeom>
+          <a:ln w="6350">
+            <a:solidFill>
+              <a:schemeClr val="tx1">
+                <a:lumMod val="50000"/>
+                <a:lumOff val="50000"/>
+                <a:alpha val="90000"/>
+              </a:schemeClr>
+            </a:solidFill>
+          </a:ln>
+        </p:spPr>
+        <p:style>
+          <a:lnRef idx="1">
+            <a:schemeClr val="accent1"/>
+          </a:lnRef>
+          <a:fillRef idx="0">
+            <a:schemeClr val="accent1"/>
+          </a:fillRef>
+          <a:effectRef idx="0">
+            <a:schemeClr val="accent1"/>
+          </a:effectRef>
+          <a:fontRef idx="minor">
+            <a:schemeClr val="tx1"/>
+          </a:fontRef>
+        </p:style>
+      </p:cxnSp>
+      <p:sp>
+        <p:nvSpPr>
+          <p:cNvPr id="3" name="Content Placeholder 2">
+            <a:extLst>
+              <a:ext uri="{FF2B5EF4-FFF2-40B4-BE49-F238E27FC236}">
+                <a16:creationId xmlns:a16="http://schemas.microsoft.com/office/drawing/2014/main" id="{D689CDB6-5BF9-4E6B-81FD-3B933FA43B59}"/>
+              </a:ext>
+            </a:extLst>
+          </p:cNvPr>
+          <p:cNvSpPr>
+            <a:spLocks noGrp="1"/>
+          </p:cNvSpPr>
+          <p:nvPr>
+            <p:ph idx="1"/>
+          </p:nvPr>
+        </p:nvSpPr>
+        <p:spPr>
+          <a:xfrm>
+            <a:off x="6411684" y="2198914"/>
+            <a:ext cx="5127172" cy="3670180"/>
+          </a:xfrm>
+        </p:spPr>
+        <p:txBody>
+          <a:bodyPr>
+            <a:normAutofit/>
+          </a:bodyPr>
+          <a:lstStyle/>
+          <a:p>
+            <a:r>
+              <a:rPr lang="en-US" dirty="0"/>
+              <a:t>There are two parts to a class blueprint:</a:t>
+            </a:r>
+          </a:p>
+          <a:p>
+            <a:pPr lvl="1"/>
+            <a:r>
+              <a:rPr lang="en-US" dirty="0"/>
+              <a:t>Attributes (instance variables)</a:t>
+            </a:r>
+          </a:p>
+          <a:p>
+            <a:pPr lvl="1"/>
+            <a:r>
+              <a:rPr lang="en-US" dirty="0"/>
+              <a:t>Behaviors (methods)</a:t>
+            </a:r>
+          </a:p>
+          <a:p>
+            <a:endParaRPr lang="en-US" dirty="0"/>
+          </a:p>
+        </p:txBody>
+      </p:sp>
+      <p:sp>
+        <p:nvSpPr>
+          <p:cNvPr id="13" name="Rectangle 12">
+            <a:extLst>
+              <a:ext uri="{FF2B5EF4-FFF2-40B4-BE49-F238E27FC236}">
+                <a16:creationId xmlns:a16="http://schemas.microsoft.com/office/drawing/2014/main" id="{E95DA498-D9A2-4DA9-B9DA-B3776E08CF7E}"/>
+              </a:ext>
+              <a:ext uri="{C183D7F6-B498-43B3-948B-1728B52AA6E4}">
+                <adec:decorative xmlns:adec="http://schemas.microsoft.com/office/drawing/2017/decorative" val="1"/>
+              </a:ext>
+            </a:extLst>
+          </p:cNvPr>
+          <p:cNvSpPr>
+            <a:spLocks noGrp="1" noRot="1" noChangeAspect="1" noMove="1" noResize="1" noEditPoints="1" noAdjustHandles="1" noChangeArrowheads="1" noChangeShapeType="1" noTextEdit="1"/>
+          </p:cNvSpPr>
+          <p:nvPr>
+            <p:extLst>
+              <p:ext uri="{386F3935-93C4-4BCD-93E2-E3B085C9AB24}">
+                <p16:designElem xmlns:p16="http://schemas.microsoft.com/office/powerpoint/2015/main" val="1"/>
+              </p:ext>
+            </p:extLst>
+          </p:nvPr>
+        </p:nvSpPr>
+        <p:spPr>
+          <a:xfrm>
+            <a:off x="15" y="6334316"/>
+            <a:ext cx="12191985" cy="66484"/>
+          </a:xfrm>
+          <a:prstGeom prst="rect">
+            <a:avLst/>
+          </a:prstGeom>
+          <a:solidFill>
+            <a:schemeClr val="accent1"/>
+          </a:solidFill>
+          <a:ln>
+            <a:noFill/>
+          </a:ln>
+        </p:spPr>
+        <p:style>
+          <a:lnRef idx="2">
+            <a:schemeClr val="accent1">
+              <a:shade val="50000"/>
+            </a:schemeClr>
+          </a:lnRef>
+          <a:fillRef idx="1">
+            <a:schemeClr val="accent1"/>
+          </a:fillRef>
+          <a:effectRef idx="0">
+            <a:schemeClr val="accent1"/>
+          </a:effectRef>
+          <a:fontRef idx="minor">
+            <a:schemeClr val="lt1"/>
+          </a:fontRef>
+        </p:style>
+      </p:sp>
+      <p:sp>
+        <p:nvSpPr>
+          <p:cNvPr id="15" name="Rectangle 14">
+            <a:extLst>
+              <a:ext uri="{FF2B5EF4-FFF2-40B4-BE49-F238E27FC236}">
+                <a16:creationId xmlns:a16="http://schemas.microsoft.com/office/drawing/2014/main" id="{82A73093-4B9D-420D-B17E-52293703A1D4}"/>
+              </a:ext>
+              <a:ext uri="{C183D7F6-B498-43B3-948B-1728B52AA6E4}">
+                <adec:decorative xmlns:adec="http://schemas.microsoft.com/office/drawing/2017/decorative" val="1"/>
+              </a:ext>
+            </a:extLst>
+          </p:cNvPr>
+          <p:cNvSpPr>
+            <a:spLocks noGrp="1" noRot="1" noChangeAspect="1" noMove="1" noResize="1" noEditPoints="1" noAdjustHandles="1" noChangeArrowheads="1" noChangeShapeType="1" noTextEdit="1"/>
+          </p:cNvSpPr>
+          <p:nvPr>
+            <p:extLst>
+              <p:ext uri="{386F3935-93C4-4BCD-93E2-E3B085C9AB24}">
+                <p16:designElem xmlns:p16="http://schemas.microsoft.com/office/powerpoint/2015/main" val="1"/>
+              </p:ext>
+            </p:extLst>
+          </p:nvPr>
+        </p:nvSpPr>
+        <p:spPr>
+          <a:xfrm>
+            <a:off x="1" y="6400800"/>
+            <a:ext cx="12192000" cy="457200"/>
+          </a:xfrm>
+          <a:prstGeom prst="rect">
+            <a:avLst/>
+          </a:prstGeom>
+          <a:solidFill>
+            <a:schemeClr val="accent2"/>
+          </a:solidFill>
+          <a:ln>
+            <a:noFill/>
+          </a:ln>
+        </p:spPr>
+        <p:style>
+          <a:lnRef idx="2">
+            <a:schemeClr val="accent1">
+              <a:shade val="50000"/>
+            </a:schemeClr>
+          </a:lnRef>
+          <a:fillRef idx="1">
+            <a:schemeClr val="accent1"/>
+          </a:fillRef>
+          <a:effectRef idx="0">
+            <a:schemeClr val="accent1"/>
+          </a:effectRef>
+          <a:fontRef idx="minor">
+            <a:schemeClr val="lt1"/>
+          </a:fontRef>
+        </p:style>
+      </p:sp>
+    </p:spTree>
+    <p:extLst>
+      <p:ext uri="{BB962C8B-B14F-4D97-AF65-F5344CB8AC3E}">
+        <p14:creationId xmlns:p14="http://schemas.microsoft.com/office/powerpoint/2010/main" val="2586842196"/>
+      </p:ext>
+    </p:extLst>
+  </p:cSld>
+  <p:clrMapOvr>
+    <a:masterClrMapping/>
+  </p:clrMapOvr>
+</p:sld>
+</file>
+
+<file path=ppt/slides/slide2.xml><?xml version="1.0" encoding="utf-8"?>
+<p:sld xmlns:a="http://schemas.openxmlformats.org/drawingml/2006/main" xmlns:r="http://schemas.openxmlformats.org/officeDocument/2006/relationships" xmlns:p="http://schemas.openxmlformats.org/presentationml/2006/main">
+  <p:cSld>
+    <p:bg>
+      <p:bgPr>
+        <a:solidFill>
+          <a:schemeClr val="bg2"/>
+        </a:solidFill>
+        <a:effectLst/>
+      </p:bgPr>
+    </p:bg>
+    <p:spTree>
+      <p:nvGrpSpPr>
+        <p:cNvPr id="1" name=""/>
+        <p:cNvGrpSpPr/>
+        <p:nvPr/>
+      </p:nvGrpSpPr>
+      <p:grpSpPr>
+        <a:xfrm>
+          <a:off x="0" y="0"/>
+          <a:ext cx="0" cy="0"/>
+          <a:chOff x="0" y="0"/>
+          <a:chExt cx="0" cy="0"/>
+        </a:xfrm>
+      </p:grpSpPr>
+      <p:sp>
+        <p:nvSpPr>
+          <p:cNvPr id="2" name="Title 1">
+            <a:extLst>
+              <a:ext uri="{FF2B5EF4-FFF2-40B4-BE49-F238E27FC236}">
+                <a16:creationId xmlns:a16="http://schemas.microsoft.com/office/drawing/2014/main" id="{E638FB4B-4A8A-4406-A1EC-B9CEEF54C857}"/>
+              </a:ext>
+            </a:extLst>
+          </p:cNvPr>
+          <p:cNvSpPr>
+            <a:spLocks noGrp="1"/>
+          </p:cNvSpPr>
+          <p:nvPr>
+            <p:ph type="ctrTitle"/>
+          </p:nvPr>
+        </p:nvSpPr>
+        <p:spPr/>
+        <p:txBody>
+          <a:bodyPr/>
+          <a:lstStyle/>
+          <a:p>
+            <a:r>
+              <a:rPr lang="en-US" dirty="0"/>
+              <a:t>Unit 02</a:t>
+            </a:r>
+          </a:p>
+        </p:txBody>
+      </p:sp>
+      <p:sp>
+        <p:nvSpPr>
+          <p:cNvPr id="3" name="Subtitle 2">
+            <a:extLst>
+              <a:ext uri="{FF2B5EF4-FFF2-40B4-BE49-F238E27FC236}">
+                <a16:creationId xmlns:a16="http://schemas.microsoft.com/office/drawing/2014/main" id="{90F73F67-BACE-4636-9102-01050EDBC285}"/>
+              </a:ext>
+            </a:extLst>
+          </p:cNvPr>
+          <p:cNvSpPr>
+            <a:spLocks noGrp="1"/>
+          </p:cNvSpPr>
+          <p:nvPr>
+            <p:ph type="subTitle" idx="1"/>
+          </p:nvPr>
+        </p:nvSpPr>
+        <p:spPr/>
+        <p:txBody>
+          <a:bodyPr/>
+          <a:lstStyle/>
+          <a:p>
+            <a:r>
+              <a:rPr lang="en-US" dirty="0"/>
+              <a:t>Instances of Classes</a:t>
+            </a:r>
+          </a:p>
+        </p:txBody>
+      </p:sp>
+    </p:spTree>
+    <p:extLst>
+      <p:ext uri="{BB962C8B-B14F-4D97-AF65-F5344CB8AC3E}">
+        <p14:creationId xmlns:p14="http://schemas.microsoft.com/office/powerpoint/2010/main" val="1436931241"/>
+      </p:ext>
+    </p:extLst>
+  </p:cSld>
+  <p:clrMapOvr>
+    <a:masterClrMapping/>
+  </p:clrMapOvr>
+</p:sld>
+</file>
+
+<file path=ppt/slides/slide20.xml><?xml version="1.0" encoding="utf-8"?>
+<p:sld xmlns:a="http://schemas.openxmlformats.org/drawingml/2006/main" xmlns:r="http://schemas.openxmlformats.org/officeDocument/2006/relationships" xmlns:p="http://schemas.openxmlformats.org/presentationml/2006/main">
+  <p:cSld>
+    <p:spTree>
+      <p:nvGrpSpPr>
+        <p:cNvPr id="1" name=""/>
+        <p:cNvGrpSpPr/>
+        <p:nvPr/>
+      </p:nvGrpSpPr>
+      <p:grpSpPr>
+        <a:xfrm>
+          <a:off x="0" y="0"/>
+          <a:ext cx="0" cy="0"/>
+          <a:chOff x="0" y="0"/>
+          <a:chExt cx="0" cy="0"/>
+        </a:xfrm>
+      </p:grpSpPr>
+      <p:sp>
+        <p:nvSpPr>
+          <p:cNvPr id="2" name="Title 1">
+            <a:extLst>
+              <a:ext uri="{FF2B5EF4-FFF2-40B4-BE49-F238E27FC236}">
+                <a16:creationId xmlns:a16="http://schemas.microsoft.com/office/drawing/2014/main" id="{446C3711-B7F7-4D12-9185-5F94553F986C}"/>
+              </a:ext>
+            </a:extLst>
+          </p:cNvPr>
+          <p:cNvSpPr>
+            <a:spLocks noGrp="1"/>
+          </p:cNvSpPr>
+          <p:nvPr>
+            <p:ph type="title"/>
+          </p:nvPr>
+        </p:nvSpPr>
+        <p:spPr/>
+        <p:txBody>
+          <a:bodyPr/>
+          <a:lstStyle/>
+          <a:p>
+            <a:r>
+              <a:rPr lang="en-US" dirty="0"/>
+              <a:t>Attributes (instance variables)</a:t>
+            </a:r>
+          </a:p>
+        </p:txBody>
+      </p:sp>
+      <p:sp>
+        <p:nvSpPr>
+          <p:cNvPr id="3" name="Content Placeholder 2">
+            <a:extLst>
+              <a:ext uri="{FF2B5EF4-FFF2-40B4-BE49-F238E27FC236}">
+                <a16:creationId xmlns:a16="http://schemas.microsoft.com/office/drawing/2014/main" id="{915269B4-D8A5-4E6F-9A2B-B9108CC28FBC}"/>
+              </a:ext>
+            </a:extLst>
+          </p:cNvPr>
+          <p:cNvSpPr>
+            <a:spLocks noGrp="1"/>
+          </p:cNvSpPr>
+          <p:nvPr>
+            <p:ph idx="1"/>
+          </p:nvPr>
+        </p:nvSpPr>
+        <p:spPr/>
+        <p:txBody>
+          <a:bodyPr/>
+          <a:lstStyle/>
+          <a:p>
+            <a:r>
+              <a:rPr lang="en-US" dirty="0"/>
+              <a:t>Properties of the object</a:t>
+            </a:r>
+          </a:p>
+        </p:txBody>
+      </p:sp>
+      <p:pic>
+        <p:nvPicPr>
+          <p:cNvPr id="4" name="Picture 3">
+            <a:extLst>
+              <a:ext uri="{FF2B5EF4-FFF2-40B4-BE49-F238E27FC236}">
+                <a16:creationId xmlns:a16="http://schemas.microsoft.com/office/drawing/2014/main" id="{5E33FEA9-1829-482C-AFE3-289D18050368}"/>
+              </a:ext>
+            </a:extLst>
+          </p:cNvPr>
+          <p:cNvPicPr>
+            <a:picLocks noChangeAspect="1"/>
+          </p:cNvPicPr>
+          <p:nvPr/>
+        </p:nvPicPr>
+        <p:blipFill rotWithShape="1">
+          <a:blip r:embed="rId2"/>
+          <a:srcRect b="59807"/>
+          <a:stretch/>
+        </p:blipFill>
+        <p:spPr>
+          <a:xfrm>
+            <a:off x="3341552" y="2477799"/>
+            <a:ext cx="8022254" cy="1902402"/>
+          </a:xfrm>
+          <a:prstGeom prst="rect">
+            <a:avLst/>
+          </a:prstGeom>
+        </p:spPr>
+      </p:pic>
+    </p:spTree>
+    <p:extLst>
+      <p:ext uri="{BB962C8B-B14F-4D97-AF65-F5344CB8AC3E}">
+        <p14:creationId xmlns:p14="http://schemas.microsoft.com/office/powerpoint/2010/main" val="2680183477"/>
+      </p:ext>
+    </p:extLst>
+  </p:cSld>
+  <p:clrMapOvr>
+    <a:masterClrMapping/>
+  </p:clrMapOvr>
+</p:sld>
+</file>
+
+<file path=ppt/slides/slide21.xml><?xml version="1.0" encoding="utf-8"?>
+<p:sld xmlns:a="http://schemas.openxmlformats.org/drawingml/2006/main" xmlns:r="http://schemas.openxmlformats.org/officeDocument/2006/relationships" xmlns:p="http://schemas.openxmlformats.org/presentationml/2006/main">
+  <p:cSld>
+    <p:spTree>
+      <p:nvGrpSpPr>
+        <p:cNvPr id="1" name=""/>
+        <p:cNvGrpSpPr/>
+        <p:nvPr/>
+      </p:nvGrpSpPr>
+      <p:grpSpPr>
+        <a:xfrm>
+          <a:off x="0" y="0"/>
+          <a:ext cx="0" cy="0"/>
+          <a:chOff x="0" y="0"/>
+          <a:chExt cx="0" cy="0"/>
+        </a:xfrm>
+      </p:grpSpPr>
+      <p:sp>
+        <p:nvSpPr>
+          <p:cNvPr id="2" name="Title 1">
+            <a:extLst>
+              <a:ext uri="{FF2B5EF4-FFF2-40B4-BE49-F238E27FC236}">
+                <a16:creationId xmlns:a16="http://schemas.microsoft.com/office/drawing/2014/main" id="{446C3711-B7F7-4D12-9185-5F94553F986C}"/>
+              </a:ext>
+            </a:extLst>
+          </p:cNvPr>
+          <p:cNvSpPr>
+            <a:spLocks noGrp="1"/>
+          </p:cNvSpPr>
+          <p:nvPr>
+            <p:ph type="title"/>
+          </p:nvPr>
+        </p:nvSpPr>
+        <p:spPr/>
+        <p:txBody>
+          <a:bodyPr/>
+          <a:lstStyle/>
+          <a:p>
+            <a:r>
+              <a:rPr lang="en-US" dirty="0"/>
+              <a:t>Behaviors (methods())</a:t>
+            </a:r>
+          </a:p>
+        </p:txBody>
+      </p:sp>
+      <p:sp>
+        <p:nvSpPr>
+          <p:cNvPr id="3" name="Content Placeholder 2">
+            <a:extLst>
+              <a:ext uri="{FF2B5EF4-FFF2-40B4-BE49-F238E27FC236}">
+                <a16:creationId xmlns:a16="http://schemas.microsoft.com/office/drawing/2014/main" id="{915269B4-D8A5-4E6F-9A2B-B9108CC28FBC}"/>
+              </a:ext>
+            </a:extLst>
+          </p:cNvPr>
+          <p:cNvSpPr>
+            <a:spLocks noGrp="1"/>
+          </p:cNvSpPr>
+          <p:nvPr>
+            <p:ph idx="1"/>
+          </p:nvPr>
+        </p:nvSpPr>
+        <p:spPr/>
+        <p:txBody>
+          <a:bodyPr/>
+          <a:lstStyle/>
+          <a:p>
+            <a:r>
+              <a:rPr lang="en-US" dirty="0"/>
+              <a:t>What an object can do</a:t>
+            </a:r>
+          </a:p>
+        </p:txBody>
+      </p:sp>
+      <p:pic>
+        <p:nvPicPr>
+          <p:cNvPr id="6" name="Picture 5">
+            <a:extLst>
+              <a:ext uri="{FF2B5EF4-FFF2-40B4-BE49-F238E27FC236}">
+                <a16:creationId xmlns:a16="http://schemas.microsoft.com/office/drawing/2014/main" id="{D797D11D-EDAC-479B-85E2-8B8E4E38A896}"/>
+              </a:ext>
+            </a:extLst>
+          </p:cNvPr>
+          <p:cNvPicPr>
+            <a:picLocks noChangeAspect="1"/>
+          </p:cNvPicPr>
+          <p:nvPr/>
+        </p:nvPicPr>
+        <p:blipFill>
+          <a:blip r:embed="rId2"/>
+          <a:stretch>
+            <a:fillRect/>
+          </a:stretch>
+        </p:blipFill>
+        <p:spPr>
+          <a:xfrm>
+            <a:off x="5778402" y="2627587"/>
+            <a:ext cx="5299868" cy="2320592"/>
+          </a:xfrm>
+          <a:prstGeom prst="rect">
+            <a:avLst/>
+          </a:prstGeom>
+        </p:spPr>
+      </p:pic>
+    </p:spTree>
+    <p:extLst>
+      <p:ext uri="{BB962C8B-B14F-4D97-AF65-F5344CB8AC3E}">
+        <p14:creationId xmlns:p14="http://schemas.microsoft.com/office/powerpoint/2010/main" val="525688609"/>
+      </p:ext>
+    </p:extLst>
+  </p:cSld>
+  <p:clrMapOvr>
+    <a:masterClrMapping/>
+  </p:clrMapOvr>
+</p:sld>
+</file>
+
+<file path=ppt/slides/slide22.xml><?xml version="1.0" encoding="utf-8"?>
+<p:sld xmlns:a="http://schemas.openxmlformats.org/drawingml/2006/main" xmlns:r="http://schemas.openxmlformats.org/officeDocument/2006/relationships" xmlns:p="http://schemas.openxmlformats.org/presentationml/2006/main">
+  <p:cSld>
+    <p:spTree>
+      <p:nvGrpSpPr>
+        <p:cNvPr id="1" name=""/>
+        <p:cNvGrpSpPr/>
+        <p:nvPr/>
+      </p:nvGrpSpPr>
+      <p:grpSpPr>
+        <a:xfrm>
+          <a:off x="0" y="0"/>
+          <a:ext cx="0" cy="0"/>
+          <a:chOff x="0" y="0"/>
+          <a:chExt cx="0" cy="0"/>
+        </a:xfrm>
+      </p:grpSpPr>
+      <p:sp>
+        <p:nvSpPr>
+          <p:cNvPr id="2" name="Title 1">
+            <a:extLst>
+              <a:ext uri="{FF2B5EF4-FFF2-40B4-BE49-F238E27FC236}">
+                <a16:creationId xmlns:a16="http://schemas.microsoft.com/office/drawing/2014/main" id="{575B730F-D639-4874-998E-309B0BD4FE8C}"/>
+              </a:ext>
+            </a:extLst>
+          </p:cNvPr>
+          <p:cNvSpPr>
+            <a:spLocks noGrp="1"/>
+          </p:cNvSpPr>
+          <p:nvPr>
+            <p:ph type="title"/>
+          </p:nvPr>
+        </p:nvSpPr>
+        <p:spPr/>
+        <p:txBody>
+          <a:bodyPr/>
+          <a:lstStyle/>
+          <a:p>
+            <a:r>
+              <a:rPr lang="en-US" dirty="0"/>
+              <a:t>Why We Use Classes</a:t>
+            </a:r>
+          </a:p>
+        </p:txBody>
+      </p:sp>
+      <p:sp>
+        <p:nvSpPr>
+          <p:cNvPr id="3" name="Content Placeholder 2">
+            <a:extLst>
+              <a:ext uri="{FF2B5EF4-FFF2-40B4-BE49-F238E27FC236}">
+                <a16:creationId xmlns:a16="http://schemas.microsoft.com/office/drawing/2014/main" id="{5DD122A4-DAA3-4EC3-BFC3-180E2CFCCCCA}"/>
+              </a:ext>
+            </a:extLst>
+          </p:cNvPr>
+          <p:cNvSpPr>
+            <a:spLocks noGrp="1"/>
+          </p:cNvSpPr>
+          <p:nvPr>
+            <p:ph idx="1"/>
+          </p:nvPr>
+        </p:nvSpPr>
+        <p:spPr>
+          <a:xfrm>
+            <a:off x="1097280" y="2205056"/>
+            <a:ext cx="10058400" cy="1772974"/>
+          </a:xfrm>
+        </p:spPr>
+        <p:txBody>
+          <a:bodyPr>
+            <a:noAutofit/>
+          </a:bodyPr>
+          <a:lstStyle/>
+          <a:p>
+            <a:pPr algn="ctr"/>
+            <a:r>
+              <a:rPr lang="en-US" sz="3000" dirty="0"/>
+              <a:t>We deal with objects in the real world. A computer, a person, a game, a school. We can consider all of these as objects. Therefore, it makes sense to create a ‘model’ (blueprint) of these objects instead of dealing with only primitive values.</a:t>
+            </a:r>
+          </a:p>
+        </p:txBody>
+      </p:sp>
+      <p:sp>
+        <p:nvSpPr>
+          <p:cNvPr id="4" name="Content Placeholder 2">
+            <a:extLst>
+              <a:ext uri="{FF2B5EF4-FFF2-40B4-BE49-F238E27FC236}">
+                <a16:creationId xmlns:a16="http://schemas.microsoft.com/office/drawing/2014/main" id="{D0DD3F37-FA71-4D0F-B1E0-5E1D8360F4EA}"/>
+              </a:ext>
+            </a:extLst>
+          </p:cNvPr>
+          <p:cNvSpPr txBox="1">
+            <a:spLocks/>
+          </p:cNvSpPr>
+          <p:nvPr/>
+        </p:nvSpPr>
+        <p:spPr>
+          <a:xfrm>
+            <a:off x="1097280" y="4990010"/>
+            <a:ext cx="10058400" cy="1228689"/>
+          </a:xfrm>
+          <a:prstGeom prst="rect">
+            <a:avLst/>
+          </a:prstGeom>
+        </p:spPr>
+        <p:txBody>
+          <a:bodyPr vert="horz" lIns="0" tIns="45720" rIns="0" bIns="45720" rtlCol="0">
+            <a:noAutofit/>
+          </a:bodyPr>
+          <a:lstStyle>
+            <a:lvl1pPr marL="91440" indent="-91440" algn="l" defTabSz="914400" rtl="0" eaLnBrk="1" latinLnBrk="0" hangingPunct="1">
+              <a:lnSpc>
+                <a:spcPct val="90000"/>
+              </a:lnSpc>
+              <a:spcBef>
+                <a:spcPts val="1200"/>
+              </a:spcBef>
+              <a:spcAft>
+                <a:spcPts val="200"/>
+              </a:spcAft>
+              <a:buClr>
+                <a:schemeClr val="accent1"/>
+              </a:buClr>
+              <a:buSzPct val="100000"/>
+              <a:buFont typeface="Calibri" panose="020F0502020204030204" pitchFamily="34" charset="0"/>
+              <a:buChar char=" "/>
+              <a:defRPr sz="2000" kern="1200">
+                <a:solidFill>
+                  <a:schemeClr val="tx1">
+                    <a:lumMod val="75000"/>
+                    <a:lumOff val="25000"/>
+                  </a:schemeClr>
+                </a:solidFill>
+                <a:latin typeface="+mn-lt"/>
+                <a:ea typeface="+mn-ea"/>
+                <a:cs typeface="+mn-cs"/>
+              </a:defRPr>
+            </a:lvl1pPr>
+            <a:lvl2pPr marL="384048" indent="-182880" algn="l" defTabSz="914400" rtl="0" eaLnBrk="1" latinLnBrk="0" hangingPunct="1">
+              <a:lnSpc>
+                <a:spcPct val="90000"/>
+              </a:lnSpc>
+              <a:spcBef>
+                <a:spcPts val="200"/>
+              </a:spcBef>
+              <a:spcAft>
+                <a:spcPts val="400"/>
+              </a:spcAft>
+              <a:buClr>
+                <a:schemeClr val="accent1"/>
+              </a:buClr>
+              <a:buFont typeface="Calibri" pitchFamily="34" charset="0"/>
+              <a:buChar char="◦"/>
+              <a:defRPr sz="1800" kern="1200">
+                <a:solidFill>
+                  <a:schemeClr val="tx1">
+                    <a:lumMod val="75000"/>
+                    <a:lumOff val="25000"/>
+                  </a:schemeClr>
+                </a:solidFill>
+                <a:latin typeface="+mn-lt"/>
+                <a:ea typeface="+mn-ea"/>
+                <a:cs typeface="+mn-cs"/>
+              </a:defRPr>
+            </a:lvl2pPr>
+            <a:lvl3pPr marL="566928" indent="-182880" algn="l" defTabSz="914400" rtl="0" eaLnBrk="1" latinLnBrk="0" hangingPunct="1">
+              <a:lnSpc>
+                <a:spcPct val="90000"/>
+              </a:lnSpc>
+              <a:spcBef>
+                <a:spcPts val="200"/>
+              </a:spcBef>
+              <a:spcAft>
+                <a:spcPts val="400"/>
+              </a:spcAft>
+              <a:buClr>
+                <a:schemeClr val="accent1"/>
+              </a:buClr>
+              <a:buFont typeface="Calibri" pitchFamily="34" charset="0"/>
+              <a:buChar char="◦"/>
+              <a:defRPr sz="1400" kern="1200">
+                <a:solidFill>
+                  <a:schemeClr val="tx1">
+                    <a:lumMod val="75000"/>
+                    <a:lumOff val="25000"/>
+                  </a:schemeClr>
+                </a:solidFill>
+                <a:latin typeface="+mn-lt"/>
+                <a:ea typeface="+mn-ea"/>
+                <a:cs typeface="+mn-cs"/>
+              </a:defRPr>
+            </a:lvl3pPr>
+            <a:lvl4pPr marL="749808" indent="-182880" algn="l" defTabSz="914400" rtl="0" eaLnBrk="1" latinLnBrk="0" hangingPunct="1">
+              <a:lnSpc>
+                <a:spcPct val="90000"/>
+              </a:lnSpc>
+              <a:spcBef>
+                <a:spcPts val="200"/>
+              </a:spcBef>
+              <a:spcAft>
+                <a:spcPts val="400"/>
+              </a:spcAft>
+              <a:buClr>
+                <a:schemeClr val="accent1"/>
+              </a:buClr>
+              <a:buFont typeface="Calibri" pitchFamily="34" charset="0"/>
+              <a:buChar char="◦"/>
+              <a:defRPr sz="1400" kern="1200">
+                <a:solidFill>
+                  <a:schemeClr val="tx1">
+                    <a:lumMod val="75000"/>
+                    <a:lumOff val="25000"/>
+                  </a:schemeClr>
+                </a:solidFill>
+                <a:latin typeface="+mn-lt"/>
+                <a:ea typeface="+mn-ea"/>
+                <a:cs typeface="+mn-cs"/>
+              </a:defRPr>
+            </a:lvl4pPr>
+            <a:lvl5pPr marL="932688" indent="-182880" algn="l" defTabSz="914400" rtl="0" eaLnBrk="1" latinLnBrk="0" hangingPunct="1">
+              <a:lnSpc>
+                <a:spcPct val="90000"/>
+              </a:lnSpc>
+              <a:spcBef>
+                <a:spcPts val="200"/>
+              </a:spcBef>
+              <a:spcAft>
+                <a:spcPts val="400"/>
+              </a:spcAft>
+              <a:buClr>
+                <a:schemeClr val="accent1"/>
+              </a:buClr>
+              <a:buFont typeface="Calibri" pitchFamily="34" charset="0"/>
+              <a:buChar char="◦"/>
+              <a:defRPr sz="1400" kern="1200">
+                <a:solidFill>
+                  <a:schemeClr val="tx1">
+                    <a:lumMod val="75000"/>
+                    <a:lumOff val="25000"/>
+                  </a:schemeClr>
+                </a:solidFill>
+                <a:latin typeface="+mn-lt"/>
+                <a:ea typeface="+mn-ea"/>
+                <a:cs typeface="+mn-cs"/>
+              </a:defRPr>
+            </a:lvl5pPr>
+            <a:lvl6pPr marL="1100000" indent="-228600" algn="l" defTabSz="914400" rtl="0" eaLnBrk="1" latinLnBrk="0" hangingPunct="1">
+              <a:lnSpc>
+                <a:spcPct val="90000"/>
+              </a:lnSpc>
+              <a:spcBef>
+                <a:spcPts val="200"/>
+              </a:spcBef>
+              <a:spcAft>
+                <a:spcPts val="400"/>
+              </a:spcAft>
+              <a:buClr>
+                <a:schemeClr val="accent1"/>
+              </a:buClr>
+              <a:buFont typeface="Calibri" pitchFamily="34" charset="0"/>
+              <a:buChar char="◦"/>
+              <a:defRPr sz="1400" kern="1200">
+                <a:solidFill>
+                  <a:schemeClr val="tx1">
+                    <a:lumMod val="75000"/>
+                    <a:lumOff val="25000"/>
+                  </a:schemeClr>
+                </a:solidFill>
+                <a:latin typeface="+mn-lt"/>
+                <a:ea typeface="+mn-ea"/>
+                <a:cs typeface="+mn-cs"/>
+              </a:defRPr>
+            </a:lvl6pPr>
+            <a:lvl7pPr marL="1300000" indent="-228600" algn="l" defTabSz="914400" rtl="0" eaLnBrk="1" latinLnBrk="0" hangingPunct="1">
+              <a:lnSpc>
+                <a:spcPct val="90000"/>
+              </a:lnSpc>
+              <a:spcBef>
+                <a:spcPts val="200"/>
+              </a:spcBef>
+              <a:spcAft>
+                <a:spcPts val="400"/>
+              </a:spcAft>
+              <a:buClr>
+                <a:schemeClr val="accent1"/>
+              </a:buClr>
+              <a:buFont typeface="Calibri" pitchFamily="34" charset="0"/>
+              <a:buChar char="◦"/>
+              <a:defRPr sz="1400" kern="1200">
+                <a:solidFill>
+                  <a:schemeClr val="tx1">
+                    <a:lumMod val="75000"/>
+                    <a:lumOff val="25000"/>
+                  </a:schemeClr>
+                </a:solidFill>
+                <a:latin typeface="+mn-lt"/>
+                <a:ea typeface="+mn-ea"/>
+                <a:cs typeface="+mn-cs"/>
+              </a:defRPr>
+            </a:lvl7pPr>
+            <a:lvl8pPr marL="1500000" indent="-228600" algn="l" defTabSz="914400" rtl="0" eaLnBrk="1" latinLnBrk="0" hangingPunct="1">
+              <a:lnSpc>
+                <a:spcPct val="90000"/>
+              </a:lnSpc>
+              <a:spcBef>
+                <a:spcPts val="200"/>
+              </a:spcBef>
+              <a:spcAft>
+                <a:spcPts val="400"/>
+              </a:spcAft>
+              <a:buClr>
+                <a:schemeClr val="accent1"/>
+              </a:buClr>
+              <a:buFont typeface="Calibri" pitchFamily="34" charset="0"/>
+              <a:buChar char="◦"/>
+              <a:defRPr sz="1400" kern="1200">
+                <a:solidFill>
+                  <a:schemeClr val="tx1">
+                    <a:lumMod val="75000"/>
+                    <a:lumOff val="25000"/>
+                  </a:schemeClr>
+                </a:solidFill>
+                <a:latin typeface="+mn-lt"/>
+                <a:ea typeface="+mn-ea"/>
+                <a:cs typeface="+mn-cs"/>
+              </a:defRPr>
+            </a:lvl8pPr>
+            <a:lvl9pPr marL="1700000" indent="-228600" algn="l" defTabSz="914400" rtl="0" eaLnBrk="1" latinLnBrk="0" hangingPunct="1">
+              <a:lnSpc>
+                <a:spcPct val="90000"/>
+              </a:lnSpc>
+              <a:spcBef>
+                <a:spcPts val="200"/>
+              </a:spcBef>
+              <a:spcAft>
+                <a:spcPts val="400"/>
+              </a:spcAft>
+              <a:buClr>
+                <a:schemeClr val="accent1"/>
+              </a:buClr>
+              <a:buFont typeface="Calibri" pitchFamily="34" charset="0"/>
+              <a:buChar char="◦"/>
+              <a:defRPr sz="1400" kern="1200">
+                <a:solidFill>
+                  <a:schemeClr val="tx1">
+                    <a:lumMod val="75000"/>
+                    <a:lumOff val="25000"/>
+                  </a:schemeClr>
+                </a:solidFill>
+                <a:latin typeface="+mn-lt"/>
+                <a:ea typeface="+mn-ea"/>
+                <a:cs typeface="+mn-cs"/>
+              </a:defRPr>
+            </a:lvl9pPr>
+          </a:lstStyle>
+          <a:p>
+            <a:pPr algn="ctr"/>
+            <a:r>
+              <a:rPr lang="en-US" sz="3000" dirty="0" err="1"/>
+              <a:t>tl;dr</a:t>
+            </a:r>
+            <a:r>
+              <a:rPr lang="en-US" sz="3000" dirty="0"/>
+              <a:t>: We deal with objects in the real world.</a:t>
+            </a:r>
+          </a:p>
+        </p:txBody>
+      </p:sp>
+    </p:spTree>
+    <p:extLst>
+      <p:ext uri="{BB962C8B-B14F-4D97-AF65-F5344CB8AC3E}">
+        <p14:creationId xmlns:p14="http://schemas.microsoft.com/office/powerpoint/2010/main" val="1287405001"/>
+      </p:ext>
+    </p:extLst>
+  </p:cSld>
+  <p:clrMapOvr>
+    <a:masterClrMapping/>
+  </p:clrMapOvr>
+</p:sld>
+</file>
+
+<file path=ppt/slides/slide23.xml><?xml version="1.0" encoding="utf-8"?>
+<p:sld xmlns:a="http://schemas.openxmlformats.org/drawingml/2006/main" xmlns:r="http://schemas.openxmlformats.org/officeDocument/2006/relationships" xmlns:p="http://schemas.openxmlformats.org/presentationml/2006/main">
+  <p:cSld>
+    <p:spTree>
+      <p:nvGrpSpPr>
+        <p:cNvPr id="1" name=""/>
+        <p:cNvGrpSpPr/>
+        <p:nvPr/>
+      </p:nvGrpSpPr>
+      <p:grpSpPr>
+        <a:xfrm>
+          <a:off x="0" y="0"/>
+          <a:ext cx="0" cy="0"/>
+          <a:chOff x="0" y="0"/>
+          <a:chExt cx="0" cy="0"/>
+        </a:xfrm>
+      </p:grpSpPr>
+      <p:sp>
+        <p:nvSpPr>
+          <p:cNvPr id="2" name="Title 1">
+            <a:extLst>
+              <a:ext uri="{FF2B5EF4-FFF2-40B4-BE49-F238E27FC236}">
+                <a16:creationId xmlns:a16="http://schemas.microsoft.com/office/drawing/2014/main" id="{6189FA3E-5226-47DF-9363-525876DD04DB}"/>
+              </a:ext>
+            </a:extLst>
+          </p:cNvPr>
+          <p:cNvSpPr>
+            <a:spLocks noGrp="1"/>
+          </p:cNvSpPr>
+          <p:nvPr>
+            <p:ph type="title"/>
+          </p:nvPr>
+        </p:nvSpPr>
+        <p:spPr/>
+        <p:txBody>
+          <a:bodyPr/>
+          <a:lstStyle/>
+          <a:p>
+            <a:r>
+              <a:rPr lang="en-US" dirty="0"/>
+              <a:t>Compare Objects w/ Primitives</a:t>
+            </a:r>
+          </a:p>
+        </p:txBody>
+      </p:sp>
+      <p:sp>
+        <p:nvSpPr>
+          <p:cNvPr id="4" name="Text Placeholder 3">
+            <a:extLst>
+              <a:ext uri="{FF2B5EF4-FFF2-40B4-BE49-F238E27FC236}">
+                <a16:creationId xmlns:a16="http://schemas.microsoft.com/office/drawing/2014/main" id="{6FB26DED-753F-4C1C-AD19-A2609A54BC93}"/>
+              </a:ext>
+            </a:extLst>
+          </p:cNvPr>
+          <p:cNvSpPr>
+            <a:spLocks noGrp="1"/>
+          </p:cNvSpPr>
+          <p:nvPr>
+            <p:ph type="body" idx="1"/>
+          </p:nvPr>
+        </p:nvSpPr>
+        <p:spPr/>
+        <p:txBody>
+          <a:bodyPr/>
+          <a:lstStyle/>
+          <a:p>
+            <a:r>
+              <a:rPr lang="en-US" dirty="0"/>
+              <a:t>primitives</a:t>
+            </a:r>
+          </a:p>
+        </p:txBody>
+      </p:sp>
+      <p:sp>
+        <p:nvSpPr>
+          <p:cNvPr id="3" name="Content Placeholder 2">
+            <a:extLst>
+              <a:ext uri="{FF2B5EF4-FFF2-40B4-BE49-F238E27FC236}">
+                <a16:creationId xmlns:a16="http://schemas.microsoft.com/office/drawing/2014/main" id="{D8495767-47D9-4216-94DA-C2F1229465C5}"/>
+              </a:ext>
+            </a:extLst>
+          </p:cNvPr>
+          <p:cNvSpPr>
+            <a:spLocks noGrp="1"/>
+          </p:cNvSpPr>
+          <p:nvPr>
+            <p:ph sz="half" idx="2"/>
+          </p:nvPr>
+        </p:nvSpPr>
+        <p:spPr/>
+        <p:txBody>
+          <a:bodyPr>
+            <a:normAutofit/>
+          </a:bodyPr>
+          <a:lstStyle/>
+          <a:p>
+            <a:r>
+              <a:rPr lang="en-US" dirty="0"/>
+              <a:t>Start w/ a lower-case letter</a:t>
+            </a:r>
+          </a:p>
+          <a:p>
+            <a:pPr lvl="1"/>
+            <a:r>
+              <a:rPr lang="en-US" dirty="0"/>
+              <a:t>int</a:t>
+            </a:r>
+          </a:p>
+          <a:p>
+            <a:pPr lvl="1"/>
+            <a:r>
+              <a:rPr lang="en-US" dirty="0"/>
+              <a:t>double</a:t>
+            </a:r>
+          </a:p>
+          <a:p>
+            <a:pPr lvl="1"/>
+            <a:r>
+              <a:rPr lang="en-US" dirty="0" err="1"/>
+              <a:t>boolean</a:t>
+            </a:r>
+            <a:endParaRPr lang="en-US" dirty="0"/>
+          </a:p>
+          <a:p>
+            <a:pPr lvl="1"/>
+            <a:r>
+              <a:rPr lang="en-US" dirty="0"/>
+              <a:t>etc.</a:t>
+            </a:r>
+          </a:p>
+          <a:p>
+            <a:pPr lvl="1"/>
+            <a:endParaRPr lang="en-US" dirty="0"/>
+          </a:p>
+          <a:p>
+            <a:r>
+              <a:rPr lang="en-US" dirty="0"/>
+              <a:t>Stores the actual value</a:t>
+            </a:r>
+          </a:p>
+          <a:p>
+            <a:pPr lvl="1"/>
+            <a:r>
+              <a:rPr lang="en-US" dirty="0"/>
+              <a:t>5</a:t>
+            </a:r>
+          </a:p>
+          <a:p>
+            <a:pPr lvl="1"/>
+            <a:r>
+              <a:rPr lang="en-US" dirty="0"/>
+              <a:t>2.0</a:t>
+            </a:r>
+          </a:p>
+          <a:p>
+            <a:pPr lvl="2"/>
+            <a:endParaRPr lang="en-US" dirty="0"/>
+          </a:p>
+        </p:txBody>
+      </p:sp>
+      <p:sp>
+        <p:nvSpPr>
+          <p:cNvPr id="5" name="Text Placeholder 4">
+            <a:extLst>
+              <a:ext uri="{FF2B5EF4-FFF2-40B4-BE49-F238E27FC236}">
+                <a16:creationId xmlns:a16="http://schemas.microsoft.com/office/drawing/2014/main" id="{C86CC935-9D1B-4862-B6A9-2DB5C527F4E1}"/>
+              </a:ext>
+            </a:extLst>
+          </p:cNvPr>
+          <p:cNvSpPr>
+            <a:spLocks noGrp="1"/>
+          </p:cNvSpPr>
+          <p:nvPr>
+            <p:ph type="body" sz="quarter" idx="3"/>
+          </p:nvPr>
+        </p:nvSpPr>
+        <p:spPr/>
+        <p:txBody>
+          <a:bodyPr/>
+          <a:lstStyle/>
+          <a:p>
+            <a:r>
+              <a:rPr lang="en-US" dirty="0"/>
+              <a:t>objects</a:t>
+            </a:r>
+          </a:p>
+        </p:txBody>
+      </p:sp>
+      <p:sp>
+        <p:nvSpPr>
+          <p:cNvPr id="6" name="Content Placeholder 5">
+            <a:extLst>
+              <a:ext uri="{FF2B5EF4-FFF2-40B4-BE49-F238E27FC236}">
+                <a16:creationId xmlns:a16="http://schemas.microsoft.com/office/drawing/2014/main" id="{97D553E4-A83F-4E3E-A467-E664B3A6414A}"/>
+              </a:ext>
+            </a:extLst>
+          </p:cNvPr>
+          <p:cNvSpPr>
+            <a:spLocks noGrp="1"/>
+          </p:cNvSpPr>
+          <p:nvPr>
+            <p:ph sz="quarter" idx="4"/>
+          </p:nvPr>
+        </p:nvSpPr>
+        <p:spPr/>
+        <p:txBody>
+          <a:bodyPr>
+            <a:normAutofit/>
+          </a:bodyPr>
+          <a:lstStyle/>
+          <a:p>
+            <a:r>
+              <a:rPr lang="en-US" dirty="0"/>
+              <a:t>Starts w/ a capital letter</a:t>
+            </a:r>
+          </a:p>
+          <a:p>
+            <a:pPr lvl="1"/>
+            <a:r>
+              <a:rPr lang="en-US" dirty="0"/>
+              <a:t>Scanner</a:t>
+            </a:r>
+          </a:p>
+          <a:p>
+            <a:pPr lvl="1"/>
+            <a:r>
+              <a:rPr lang="en-US" dirty="0"/>
+              <a:t>Object</a:t>
+            </a:r>
+          </a:p>
+          <a:p>
+            <a:pPr lvl="1"/>
+            <a:r>
+              <a:rPr lang="en-US" dirty="0"/>
+              <a:t>Turtle</a:t>
+            </a:r>
+          </a:p>
+          <a:p>
+            <a:pPr lvl="1"/>
+            <a:r>
+              <a:rPr lang="en-US" dirty="0"/>
+              <a:t>Student</a:t>
+            </a:r>
+          </a:p>
+          <a:p>
+            <a:pPr lvl="1"/>
+            <a:endParaRPr lang="en-US" dirty="0"/>
+          </a:p>
+          <a:p>
+            <a:r>
+              <a:rPr lang="en-US" dirty="0"/>
+              <a:t>Stores the memory address of where to find the object</a:t>
+            </a:r>
+          </a:p>
+          <a:p>
+            <a:pPr lvl="1"/>
+            <a:r>
+              <a:rPr lang="en-US" dirty="0"/>
+              <a:t>0xAFEDBC</a:t>
+            </a:r>
+          </a:p>
+        </p:txBody>
+      </p:sp>
+    </p:spTree>
+    <p:extLst>
+      <p:ext uri="{BB962C8B-B14F-4D97-AF65-F5344CB8AC3E}">
+        <p14:creationId xmlns:p14="http://schemas.microsoft.com/office/powerpoint/2010/main" val="3483011352"/>
+      </p:ext>
+    </p:extLst>
+  </p:cSld>
+  <p:clrMapOvr>
+    <a:masterClrMapping/>
+  </p:clrMapOvr>
+</p:sld>
+</file>
+
+<file path=ppt/slides/slide24.xml><?xml version="1.0" encoding="utf-8"?>
+<p:sld xmlns:a="http://schemas.openxmlformats.org/drawingml/2006/main" xmlns:r="http://schemas.openxmlformats.org/officeDocument/2006/relationships" xmlns:p="http://schemas.openxmlformats.org/presentationml/2006/main">
+  <p:cSld>
+    <p:bg>
+      <p:bgPr>
+        <a:solidFill>
+          <a:schemeClr val="accent2">
+            <a:lumMod val="40000"/>
+            <a:lumOff val="60000"/>
+          </a:schemeClr>
+        </a:solidFill>
+        <a:effectLst/>
+      </p:bgPr>
+    </p:bg>
+    <p:spTree>
+      <p:nvGrpSpPr>
+        <p:cNvPr id="1" name=""/>
+        <p:cNvGrpSpPr/>
+        <p:nvPr/>
+      </p:nvGrpSpPr>
+      <p:grpSpPr>
+        <a:xfrm>
+          <a:off x="0" y="0"/>
+          <a:ext cx="0" cy="0"/>
+          <a:chOff x="0" y="0"/>
+          <a:chExt cx="0" cy="0"/>
+        </a:xfrm>
+      </p:grpSpPr>
+      <p:sp>
+        <p:nvSpPr>
+          <p:cNvPr id="2" name="Title 1">
+            <a:extLst>
+              <a:ext uri="{FF2B5EF4-FFF2-40B4-BE49-F238E27FC236}">
+                <a16:creationId xmlns:a16="http://schemas.microsoft.com/office/drawing/2014/main" id="{C9298A52-C899-44AD-8AB2-B01A576A09DB}"/>
+              </a:ext>
+            </a:extLst>
+          </p:cNvPr>
+          <p:cNvSpPr>
+            <a:spLocks noGrp="1"/>
+          </p:cNvSpPr>
+          <p:nvPr>
+            <p:ph type="title"/>
+          </p:nvPr>
+        </p:nvSpPr>
+        <p:spPr/>
+        <p:txBody>
+          <a:bodyPr/>
+          <a:lstStyle/>
+          <a:p>
+            <a:r>
+              <a:rPr lang="en-US" dirty="0"/>
+              <a:t>Object Exploration: Turtle object practice</a:t>
+            </a:r>
+          </a:p>
+        </p:txBody>
+      </p:sp>
+      <p:sp>
+        <p:nvSpPr>
+          <p:cNvPr id="3" name="Text Placeholder 2">
+            <a:extLst>
+              <a:ext uri="{FF2B5EF4-FFF2-40B4-BE49-F238E27FC236}">
+                <a16:creationId xmlns:a16="http://schemas.microsoft.com/office/drawing/2014/main" id="{8CCD712B-8424-43FD-8579-A6F28C99D113}"/>
+              </a:ext>
+            </a:extLst>
+          </p:cNvPr>
+          <p:cNvSpPr>
+            <a:spLocks noGrp="1"/>
+          </p:cNvSpPr>
+          <p:nvPr>
+            <p:ph type="body" idx="1"/>
+          </p:nvPr>
+        </p:nvSpPr>
+        <p:spPr/>
+        <p:txBody>
+          <a:bodyPr/>
+          <a:lstStyle/>
+          <a:p>
+            <a:endParaRPr lang="en-US"/>
+          </a:p>
+        </p:txBody>
+      </p:sp>
+    </p:spTree>
+    <p:extLst>
+      <p:ext uri="{BB962C8B-B14F-4D97-AF65-F5344CB8AC3E}">
+        <p14:creationId xmlns:p14="http://schemas.microsoft.com/office/powerpoint/2010/main" val="4080390313"/>
+      </p:ext>
+    </p:extLst>
+  </p:cSld>
+  <p:clrMapOvr>
+    <a:masterClrMapping/>
+  </p:clrMapOvr>
+</p:sld>
+</file>
+
+<file path=ppt/slides/slide25.xml><?xml version="1.0" encoding="utf-8"?>
+<p:sld xmlns:a="http://schemas.openxmlformats.org/drawingml/2006/main" xmlns:r="http://schemas.openxmlformats.org/officeDocument/2006/relationships" xmlns:p="http://schemas.openxmlformats.org/presentationml/2006/main">
+  <p:cSld>
+    <p:spTree>
+      <p:nvGrpSpPr>
+        <p:cNvPr id="1" name=""/>
+        <p:cNvGrpSpPr/>
+        <p:nvPr/>
+      </p:nvGrpSpPr>
+      <p:grpSpPr>
+        <a:xfrm>
+          <a:off x="0" y="0"/>
+          <a:ext cx="0" cy="0"/>
+          <a:chOff x="0" y="0"/>
+          <a:chExt cx="0" cy="0"/>
+        </a:xfrm>
+      </p:grpSpPr>
+      <p:sp>
+        <p:nvSpPr>
+          <p:cNvPr id="2" name="Title 1">
+            <a:extLst>
+              <a:ext uri="{FF2B5EF4-FFF2-40B4-BE49-F238E27FC236}">
+                <a16:creationId xmlns:a16="http://schemas.microsoft.com/office/drawing/2014/main" id="{C39B90D4-4CE1-471D-86C8-1456FAB00B04}"/>
+              </a:ext>
+            </a:extLst>
+          </p:cNvPr>
+          <p:cNvSpPr>
+            <a:spLocks noGrp="1"/>
+          </p:cNvSpPr>
+          <p:nvPr>
+            <p:ph type="title"/>
+          </p:nvPr>
+        </p:nvSpPr>
+        <p:spPr/>
+        <p:txBody>
+          <a:bodyPr/>
+          <a:lstStyle/>
+          <a:p>
+            <a:r>
+              <a:rPr lang="en-US" dirty="0"/>
+              <a:t>Objectives</a:t>
+            </a:r>
+          </a:p>
+        </p:txBody>
+      </p:sp>
+      <p:sp>
+        <p:nvSpPr>
+          <p:cNvPr id="3" name="Content Placeholder 2">
+            <a:extLst>
+              <a:ext uri="{FF2B5EF4-FFF2-40B4-BE49-F238E27FC236}">
+                <a16:creationId xmlns:a16="http://schemas.microsoft.com/office/drawing/2014/main" id="{4315D6A2-92AF-4484-888E-760C5E35A683}"/>
+              </a:ext>
+            </a:extLst>
+          </p:cNvPr>
+          <p:cNvSpPr>
+            <a:spLocks noGrp="1"/>
+          </p:cNvSpPr>
+          <p:nvPr>
+            <p:ph idx="1"/>
+          </p:nvPr>
+        </p:nvSpPr>
+        <p:spPr/>
+        <p:txBody>
+          <a:bodyPr/>
+          <a:lstStyle/>
+          <a:p>
+            <a:r>
+              <a:rPr lang="en-US" dirty="0"/>
+              <a:t>I can create Turtle objects.</a:t>
+            </a:r>
+          </a:p>
+          <a:p>
+            <a:r>
+              <a:rPr lang="en-US" dirty="0"/>
+              <a:t>I can give commands to Turtle objects using dot-notation. </a:t>
+            </a:r>
+          </a:p>
+        </p:txBody>
+      </p:sp>
+    </p:spTree>
+    <p:extLst>
+      <p:ext uri="{BB962C8B-B14F-4D97-AF65-F5344CB8AC3E}">
+        <p14:creationId xmlns:p14="http://schemas.microsoft.com/office/powerpoint/2010/main" val="3850100125"/>
+      </p:ext>
+    </p:extLst>
+  </p:cSld>
+  <p:clrMapOvr>
+    <a:masterClrMapping/>
+  </p:clrMapOvr>
+</p:sld>
+</file>
+
+<file path=ppt/slides/slide26.xml><?xml version="1.0" encoding="utf-8"?>
+<p:sld xmlns:a="http://schemas.openxmlformats.org/drawingml/2006/main" xmlns:r="http://schemas.openxmlformats.org/officeDocument/2006/relationships" xmlns:p="http://schemas.openxmlformats.org/presentationml/2006/main">
+  <p:cSld>
+    <p:bg>
+      <p:bgPr>
+        <a:solidFill>
+          <a:schemeClr val="bg1"/>
+        </a:solidFill>
+        <a:effectLst/>
+      </p:bgPr>
+    </p:bg>
+    <p:spTree>
+      <p:nvGrpSpPr>
+        <p:cNvPr id="1" name=""/>
+        <p:cNvGrpSpPr/>
+        <p:nvPr/>
+      </p:nvGrpSpPr>
+      <p:grpSpPr>
+        <a:xfrm>
+          <a:off x="0" y="0"/>
+          <a:ext cx="0" cy="0"/>
+          <a:chOff x="0" y="0"/>
+          <a:chExt cx="0" cy="0"/>
+        </a:xfrm>
+      </p:grpSpPr>
+      <p:sp useBgFill="1">
+        <p:nvSpPr>
+          <p:cNvPr id="10" name="Rectangle 9">
+            <a:extLst>
+              <a:ext uri="{FF2B5EF4-FFF2-40B4-BE49-F238E27FC236}">
+                <a16:creationId xmlns:a16="http://schemas.microsoft.com/office/drawing/2014/main" id="{52ABB703-2B0E-4C3B-B4A2-F3973548E561}"/>
+              </a:ext>
+              <a:ext uri="{C183D7F6-B498-43B3-948B-1728B52AA6E4}">
+                <adec:decorative xmlns:adec="http://schemas.microsoft.com/office/drawing/2017/decorative" val="1"/>
+              </a:ext>
+            </a:extLst>
+          </p:cNvPr>
+          <p:cNvSpPr>
+            <a:spLocks noGrp="1" noRot="1" noChangeAspect="1" noMove="1" noResize="1" noEditPoints="1" noAdjustHandles="1" noChangeArrowheads="1" noChangeShapeType="1" noTextEdit="1"/>
+          </p:cNvSpPr>
+          <p:nvPr>
+            <p:extLst>
+              <p:ext uri="{386F3935-93C4-4BCD-93E2-E3B085C9AB24}">
+                <p16:designElem xmlns:p16="http://schemas.microsoft.com/office/powerpoint/2015/main" val="1"/>
+              </p:ext>
+            </p:extLst>
+          </p:nvPr>
+        </p:nvSpPr>
+        <p:spPr>
+          <a:xfrm>
+            <a:off x="0" y="0"/>
+            <a:ext cx="12192001" cy="6334316"/>
+          </a:xfrm>
+          <a:prstGeom prst="rect">
+            <a:avLst/>
+          </a:prstGeom>
+          <a:ln>
+            <a:noFill/>
+          </a:ln>
+        </p:spPr>
+        <p:style>
+          <a:lnRef idx="2">
+            <a:schemeClr val="accent1">
+              <a:shade val="50000"/>
+            </a:schemeClr>
+          </a:lnRef>
+          <a:fillRef idx="1">
+            <a:schemeClr val="accent1"/>
+          </a:fillRef>
+          <a:effectRef idx="0">
+            <a:schemeClr val="accent1"/>
+          </a:effectRef>
+          <a:fontRef idx="minor">
+            <a:schemeClr val="lt1"/>
+          </a:fontRef>
+        </p:style>
+        <p:txBody>
+          <a:bodyPr rtlCol="0" anchor="ctr"/>
+          <a:lstStyle/>
+          <a:p>
+            <a:pPr algn="ctr"/>
+            <a:endParaRPr lang="en-US"/>
+          </a:p>
+        </p:txBody>
+      </p:sp>
+      <p:sp>
+        <p:nvSpPr>
+          <p:cNvPr id="2" name="Title 1">
+            <a:extLst>
+              <a:ext uri="{FF2B5EF4-FFF2-40B4-BE49-F238E27FC236}">
+                <a16:creationId xmlns:a16="http://schemas.microsoft.com/office/drawing/2014/main" id="{2F6BCF5D-F4D6-46C9-8FD9-7F0B52D2298A}"/>
+              </a:ext>
+            </a:extLst>
+          </p:cNvPr>
+          <p:cNvSpPr>
+            <a:spLocks noGrp="1"/>
+          </p:cNvSpPr>
+          <p:nvPr>
+            <p:ph type="title"/>
+          </p:nvPr>
+        </p:nvSpPr>
+        <p:spPr>
+          <a:xfrm>
+            <a:off x="6411685" y="634946"/>
+            <a:ext cx="5127171" cy="1450757"/>
+          </a:xfrm>
+        </p:spPr>
+        <p:txBody>
+          <a:bodyPr>
+            <a:normAutofit/>
+          </a:bodyPr>
+          <a:lstStyle/>
+          <a:p>
+            <a:r>
+              <a:rPr lang="en-US" dirty="0"/>
+              <a:t>CS Awesome Unit 2.1.2</a:t>
+            </a:r>
+          </a:p>
+        </p:txBody>
+      </p:sp>
+      <p:pic>
+        <p:nvPicPr>
+          <p:cNvPr id="5" name="Picture 4">
+            <a:extLst>
+              <a:ext uri="{FF2B5EF4-FFF2-40B4-BE49-F238E27FC236}">
+                <a16:creationId xmlns:a16="http://schemas.microsoft.com/office/drawing/2014/main" id="{E5A72490-73C8-43B9-8871-CA2FDDCA250D}"/>
+              </a:ext>
+            </a:extLst>
+          </p:cNvPr>
+          <p:cNvPicPr>
+            <a:picLocks noChangeAspect="1"/>
+          </p:cNvPicPr>
+          <p:nvPr/>
+        </p:nvPicPr>
+        <p:blipFill>
+          <a:blip r:embed="rId2"/>
+          <a:stretch>
+            <a:fillRect/>
+          </a:stretch>
+        </p:blipFill>
+        <p:spPr>
+          <a:xfrm>
+            <a:off x="1263721" y="457200"/>
+            <a:ext cx="3890387" cy="5784962"/>
+          </a:xfrm>
+          <a:prstGeom prst="rect">
+            <a:avLst/>
+          </a:prstGeom>
+        </p:spPr>
+      </p:pic>
+      <p:cxnSp>
+        <p:nvCxnSpPr>
+          <p:cNvPr id="12" name="Straight Connector 11">
+            <a:extLst>
+              <a:ext uri="{FF2B5EF4-FFF2-40B4-BE49-F238E27FC236}">
+                <a16:creationId xmlns:a16="http://schemas.microsoft.com/office/drawing/2014/main" id="{9C21570E-E159-49A6-9891-FA397B7A92D3}"/>
+              </a:ext>
+              <a:ext uri="{C183D7F6-B498-43B3-948B-1728B52AA6E4}">
+                <adec:decorative xmlns:adec="http://schemas.microsoft.com/office/drawing/2017/decorative" val="1"/>
+              </a:ext>
+            </a:extLst>
+          </p:cNvPr>
+          <p:cNvCxnSpPr>
+            <a:cxnSpLocks noGrp="1" noRot="1" noChangeAspect="1" noMove="1" noResize="1" noEditPoints="1" noAdjustHandles="1" noChangeArrowheads="1" noChangeShapeType="1"/>
+          </p:cNvCxnSpPr>
+          <p:nvPr>
+            <p:extLst>
+              <p:ext uri="{386F3935-93C4-4BCD-93E2-E3B085C9AB24}">
+                <p16:designElem xmlns:p16="http://schemas.microsoft.com/office/powerpoint/2015/main" val="1"/>
+              </p:ext>
+            </p:extLst>
+          </p:nvPr>
+        </p:nvCxnSpPr>
+        <p:spPr>
+          <a:xfrm>
+            <a:off x="6411684" y="2086188"/>
+            <a:ext cx="4748808" cy="0"/>
+          </a:xfrm>
+          <a:prstGeom prst="line">
+            <a:avLst/>
+          </a:prstGeom>
+          <a:ln w="6350">
+            <a:solidFill>
+              <a:schemeClr val="tx1">
+                <a:lumMod val="50000"/>
+                <a:lumOff val="50000"/>
+                <a:alpha val="90000"/>
+              </a:schemeClr>
+            </a:solidFill>
+          </a:ln>
+        </p:spPr>
+        <p:style>
+          <a:lnRef idx="1">
+            <a:schemeClr val="accent1"/>
+          </a:lnRef>
+          <a:fillRef idx="0">
+            <a:schemeClr val="accent1"/>
+          </a:fillRef>
+          <a:effectRef idx="0">
+            <a:schemeClr val="accent1"/>
+          </a:effectRef>
+          <a:fontRef idx="minor">
+            <a:schemeClr val="tx1"/>
+          </a:fontRef>
+        </p:style>
+      </p:cxnSp>
+      <p:sp>
+        <p:nvSpPr>
+          <p:cNvPr id="3" name="Content Placeholder 2">
+            <a:extLst>
+              <a:ext uri="{FF2B5EF4-FFF2-40B4-BE49-F238E27FC236}">
+                <a16:creationId xmlns:a16="http://schemas.microsoft.com/office/drawing/2014/main" id="{AE431482-E8C1-41DB-A297-E56D7CD3D257}"/>
+              </a:ext>
+            </a:extLst>
+          </p:cNvPr>
+          <p:cNvSpPr>
+            <a:spLocks noGrp="1"/>
+          </p:cNvSpPr>
+          <p:nvPr>
+            <p:ph idx="1"/>
+          </p:nvPr>
+        </p:nvSpPr>
+        <p:spPr>
+          <a:xfrm>
+            <a:off x="6411684" y="2198914"/>
+            <a:ext cx="5127172" cy="3670180"/>
+          </a:xfrm>
+        </p:spPr>
+        <p:txBody>
+          <a:bodyPr>
+            <a:normAutofit/>
+          </a:bodyPr>
+          <a:lstStyle/>
+          <a:p>
+            <a:r>
+              <a:rPr lang="en-US" dirty="0"/>
+              <a:t>Worksheet</a:t>
+            </a:r>
+          </a:p>
+        </p:txBody>
+      </p:sp>
+      <p:sp>
+        <p:nvSpPr>
+          <p:cNvPr id="14" name="Rectangle 13">
+            <a:extLst>
+              <a:ext uri="{FF2B5EF4-FFF2-40B4-BE49-F238E27FC236}">
+                <a16:creationId xmlns:a16="http://schemas.microsoft.com/office/drawing/2014/main" id="{E95DA498-D9A2-4DA9-B9DA-B3776E08CF7E}"/>
+              </a:ext>
+              <a:ext uri="{C183D7F6-B498-43B3-948B-1728B52AA6E4}">
+                <adec:decorative xmlns:adec="http://schemas.microsoft.com/office/drawing/2017/decorative" val="1"/>
+              </a:ext>
+            </a:extLst>
+          </p:cNvPr>
+          <p:cNvSpPr>
+            <a:spLocks noGrp="1" noRot="1" noChangeAspect="1" noMove="1" noResize="1" noEditPoints="1" noAdjustHandles="1" noChangeArrowheads="1" noChangeShapeType="1" noTextEdit="1"/>
+          </p:cNvSpPr>
+          <p:nvPr>
+            <p:extLst>
+              <p:ext uri="{386F3935-93C4-4BCD-93E2-E3B085C9AB24}">
+                <p16:designElem xmlns:p16="http://schemas.microsoft.com/office/powerpoint/2015/main" val="1"/>
+              </p:ext>
+            </p:extLst>
+          </p:nvPr>
+        </p:nvSpPr>
+        <p:spPr>
+          <a:xfrm>
+            <a:off x="15" y="6334316"/>
+            <a:ext cx="12191985" cy="66484"/>
+          </a:xfrm>
+          <a:prstGeom prst="rect">
+            <a:avLst/>
+          </a:prstGeom>
+          <a:solidFill>
+            <a:schemeClr val="accent1"/>
+          </a:solidFill>
+          <a:ln>
+            <a:noFill/>
+          </a:ln>
+        </p:spPr>
+        <p:style>
+          <a:lnRef idx="2">
+            <a:schemeClr val="accent1">
+              <a:shade val="50000"/>
+            </a:schemeClr>
+          </a:lnRef>
+          <a:fillRef idx="1">
+            <a:schemeClr val="accent1"/>
+          </a:fillRef>
+          <a:effectRef idx="0">
+            <a:schemeClr val="accent1"/>
+          </a:effectRef>
+          <a:fontRef idx="minor">
+            <a:schemeClr val="lt1"/>
+          </a:fontRef>
+        </p:style>
+      </p:sp>
+      <p:sp>
+        <p:nvSpPr>
+          <p:cNvPr id="16" name="Rectangle 15">
+            <a:extLst>
+              <a:ext uri="{FF2B5EF4-FFF2-40B4-BE49-F238E27FC236}">
+                <a16:creationId xmlns:a16="http://schemas.microsoft.com/office/drawing/2014/main" id="{82A73093-4B9D-420D-B17E-52293703A1D4}"/>
+              </a:ext>
+              <a:ext uri="{C183D7F6-B498-43B3-948B-1728B52AA6E4}">
+                <adec:decorative xmlns:adec="http://schemas.microsoft.com/office/drawing/2017/decorative" val="1"/>
+              </a:ext>
+            </a:extLst>
+          </p:cNvPr>
+          <p:cNvSpPr>
+            <a:spLocks noGrp="1" noRot="1" noChangeAspect="1" noMove="1" noResize="1" noEditPoints="1" noAdjustHandles="1" noChangeArrowheads="1" noChangeShapeType="1" noTextEdit="1"/>
+          </p:cNvSpPr>
+          <p:nvPr>
+            <p:extLst>
+              <p:ext uri="{386F3935-93C4-4BCD-93E2-E3B085C9AB24}">
+                <p16:designElem xmlns:p16="http://schemas.microsoft.com/office/powerpoint/2015/main" val="1"/>
+              </p:ext>
+            </p:extLst>
+          </p:nvPr>
+        </p:nvSpPr>
+        <p:spPr>
+          <a:xfrm>
+            <a:off x="1" y="6400800"/>
+            <a:ext cx="12192000" cy="457200"/>
+          </a:xfrm>
+          <a:prstGeom prst="rect">
+            <a:avLst/>
+          </a:prstGeom>
+          <a:solidFill>
+            <a:schemeClr val="accent2"/>
+          </a:solidFill>
+          <a:ln>
+            <a:noFill/>
+          </a:ln>
+        </p:spPr>
+        <p:style>
+          <a:lnRef idx="2">
+            <a:schemeClr val="accent1">
+              <a:shade val="50000"/>
+            </a:schemeClr>
+          </a:lnRef>
+          <a:fillRef idx="1">
+            <a:schemeClr val="accent1"/>
+          </a:fillRef>
+          <a:effectRef idx="0">
+            <a:schemeClr val="accent1"/>
+          </a:effectRef>
+          <a:fontRef idx="minor">
+            <a:schemeClr val="lt1"/>
+          </a:fontRef>
+        </p:style>
+      </p:sp>
+    </p:spTree>
+    <p:extLst>
+      <p:ext uri="{BB962C8B-B14F-4D97-AF65-F5344CB8AC3E}">
+        <p14:creationId xmlns:p14="http://schemas.microsoft.com/office/powerpoint/2010/main" val="674383337"/>
+      </p:ext>
+    </p:extLst>
+  </p:cSld>
+  <p:clrMapOvr>
+    <a:masterClrMapping/>
+  </p:clrMapOvr>
+</p:sld>
+</file>
+
+<file path=ppt/slides/slide27.xml><?xml version="1.0" encoding="utf-8"?>
+<p:sld xmlns:a="http://schemas.openxmlformats.org/drawingml/2006/main" xmlns:r="http://schemas.openxmlformats.org/officeDocument/2006/relationships" xmlns:p="http://schemas.openxmlformats.org/presentationml/2006/main">
+  <p:cSld>
+    <p:spTree>
+      <p:nvGrpSpPr>
+        <p:cNvPr id="1" name=""/>
+        <p:cNvGrpSpPr/>
+        <p:nvPr/>
+      </p:nvGrpSpPr>
+      <p:grpSpPr>
+        <a:xfrm>
+          <a:off x="0" y="0"/>
+          <a:ext cx="0" cy="0"/>
+          <a:chOff x="0" y="0"/>
+          <a:chExt cx="0" cy="0"/>
+        </a:xfrm>
+      </p:grpSpPr>
+      <p:sp>
+        <p:nvSpPr>
+          <p:cNvPr id="2" name="Title 1">
+            <a:extLst>
+              <a:ext uri="{FF2B5EF4-FFF2-40B4-BE49-F238E27FC236}">
+                <a16:creationId xmlns:a16="http://schemas.microsoft.com/office/drawing/2014/main" id="{61705783-8206-4122-9634-F798ED8F36FD}"/>
+              </a:ext>
+            </a:extLst>
+          </p:cNvPr>
+          <p:cNvSpPr>
+            <a:spLocks noGrp="1"/>
+          </p:cNvSpPr>
+          <p:nvPr>
+            <p:ph type="title"/>
+          </p:nvPr>
+        </p:nvSpPr>
+        <p:spPr/>
+        <p:txBody>
+          <a:bodyPr/>
+          <a:lstStyle/>
+          <a:p>
+            <a:r>
+              <a:rPr lang="en-US" dirty="0"/>
+              <a:t>CS Awesome Unit 2.1.2</a:t>
+            </a:r>
+          </a:p>
+        </p:txBody>
+      </p:sp>
+      <p:sp>
+        <p:nvSpPr>
+          <p:cNvPr id="3" name="Content Placeholder 2">
+            <a:extLst>
+              <a:ext uri="{FF2B5EF4-FFF2-40B4-BE49-F238E27FC236}">
+                <a16:creationId xmlns:a16="http://schemas.microsoft.com/office/drawing/2014/main" id="{E84AF539-35B5-4A69-9A6E-CC2D7598E065}"/>
+              </a:ext>
+            </a:extLst>
+          </p:cNvPr>
+          <p:cNvSpPr>
+            <a:spLocks noGrp="1"/>
+          </p:cNvSpPr>
+          <p:nvPr>
+            <p:ph idx="1"/>
+          </p:nvPr>
+        </p:nvSpPr>
+        <p:spPr/>
+        <p:txBody>
+          <a:bodyPr/>
+          <a:lstStyle/>
+          <a:p>
+            <a:r>
+              <a:rPr lang="en-US" dirty="0">
+                <a:hlinkClick r:id="rId2"/>
+              </a:rPr>
+              <a:t>Link</a:t>
+            </a:r>
+            <a:endParaRPr lang="en-US" dirty="0"/>
+          </a:p>
+        </p:txBody>
+      </p:sp>
+    </p:spTree>
+    <p:extLst>
+      <p:ext uri="{BB962C8B-B14F-4D97-AF65-F5344CB8AC3E}">
+        <p14:creationId xmlns:p14="http://schemas.microsoft.com/office/powerpoint/2010/main" val="838983384"/>
+      </p:ext>
+    </p:extLst>
+  </p:cSld>
+  <p:clrMapOvr>
+    <a:masterClrMapping/>
+  </p:clrMapOvr>
+</p:sld>
+</file>
+
+<file path=ppt/slides/slide28.xml><?xml version="1.0" encoding="utf-8"?>
+<p:sld xmlns:a="http://schemas.openxmlformats.org/drawingml/2006/main" xmlns:r="http://schemas.openxmlformats.org/officeDocument/2006/relationships" xmlns:p="http://schemas.openxmlformats.org/presentationml/2006/main">
+  <p:cSld>
+    <p:bg>
+      <p:bgPr>
+        <a:solidFill>
+          <a:schemeClr val="bg2"/>
+        </a:solidFill>
+        <a:effectLst/>
+      </p:bgPr>
+    </p:bg>
+    <p:spTree>
+      <p:nvGrpSpPr>
+        <p:cNvPr id="1" name=""/>
+        <p:cNvGrpSpPr/>
+        <p:nvPr/>
+      </p:nvGrpSpPr>
+      <p:grpSpPr>
+        <a:xfrm>
+          <a:off x="0" y="0"/>
+          <a:ext cx="0" cy="0"/>
+          <a:chOff x="0" y="0"/>
+          <a:chExt cx="0" cy="0"/>
+        </a:xfrm>
+      </p:grpSpPr>
+      <p:sp>
+        <p:nvSpPr>
+          <p:cNvPr id="2" name="Title 1">
+            <a:extLst>
+              <a:ext uri="{FF2B5EF4-FFF2-40B4-BE49-F238E27FC236}">
+                <a16:creationId xmlns:a16="http://schemas.microsoft.com/office/drawing/2014/main" id="{39FBEBC1-C3A0-41A3-86DF-2D8B059FF71B}"/>
+              </a:ext>
+            </a:extLst>
+          </p:cNvPr>
+          <p:cNvSpPr>
+            <a:spLocks noGrp="1"/>
+          </p:cNvSpPr>
+          <p:nvPr>
+            <p:ph type="ctrTitle"/>
+          </p:nvPr>
+        </p:nvSpPr>
+        <p:spPr/>
+        <p:txBody>
+          <a:bodyPr/>
+          <a:lstStyle/>
+          <a:p>
+            <a:r>
+              <a:rPr lang="en-US" dirty="0"/>
+              <a:t>Unit 02</a:t>
+            </a:r>
+          </a:p>
+        </p:txBody>
+      </p:sp>
+      <p:sp>
+        <p:nvSpPr>
+          <p:cNvPr id="3" name="Subtitle 2">
+            <a:extLst>
+              <a:ext uri="{FF2B5EF4-FFF2-40B4-BE49-F238E27FC236}">
+                <a16:creationId xmlns:a16="http://schemas.microsoft.com/office/drawing/2014/main" id="{4D11C128-7CC7-49C3-9733-C1223023100F}"/>
+              </a:ext>
+            </a:extLst>
+          </p:cNvPr>
+          <p:cNvSpPr>
+            <a:spLocks noGrp="1"/>
+          </p:cNvSpPr>
+          <p:nvPr>
+            <p:ph type="subTitle" idx="1"/>
+          </p:nvPr>
+        </p:nvSpPr>
+        <p:spPr/>
+        <p:txBody>
+          <a:bodyPr/>
+          <a:lstStyle/>
+          <a:p>
+            <a:r>
+              <a:rPr lang="en-US" dirty="0"/>
+              <a:t>Creating and Initializing Objects: Constructors</a:t>
+            </a:r>
+          </a:p>
+        </p:txBody>
+      </p:sp>
+    </p:spTree>
+    <p:extLst>
+      <p:ext uri="{BB962C8B-B14F-4D97-AF65-F5344CB8AC3E}">
+        <p14:creationId xmlns:p14="http://schemas.microsoft.com/office/powerpoint/2010/main" val="4233172910"/>
+      </p:ext>
+    </p:extLst>
+  </p:cSld>
+  <p:clrMapOvr>
+    <a:masterClrMapping/>
+  </p:clrMapOvr>
+</p:sld>
+</file>
+
+<file path=ppt/slides/slide29.xml><?xml version="1.0" encoding="utf-8"?>
+<p:sld xmlns:a="http://schemas.openxmlformats.org/drawingml/2006/main" xmlns:r="http://schemas.openxmlformats.org/officeDocument/2006/relationships" xmlns:p="http://schemas.openxmlformats.org/presentationml/2006/main">
+  <p:cSld>
+    <p:spTree>
+      <p:nvGrpSpPr>
+        <p:cNvPr id="1" name=""/>
+        <p:cNvGrpSpPr/>
+        <p:nvPr/>
+      </p:nvGrpSpPr>
+      <p:grpSpPr>
+        <a:xfrm>
+          <a:off x="0" y="0"/>
+          <a:ext cx="0" cy="0"/>
+          <a:chOff x="0" y="0"/>
+          <a:chExt cx="0" cy="0"/>
+        </a:xfrm>
+      </p:grpSpPr>
+      <p:sp>
+        <p:nvSpPr>
+          <p:cNvPr id="2" name="Title 1">
+            <a:extLst>
+              <a:ext uri="{FF2B5EF4-FFF2-40B4-BE49-F238E27FC236}">
+                <a16:creationId xmlns:a16="http://schemas.microsoft.com/office/drawing/2014/main" id="{2FBAD298-8535-41BA-93E2-C00797B607A4}"/>
+              </a:ext>
+            </a:extLst>
+          </p:cNvPr>
+          <p:cNvSpPr>
+            <a:spLocks noGrp="1"/>
+          </p:cNvSpPr>
+          <p:nvPr>
+            <p:ph type="title"/>
+          </p:nvPr>
+        </p:nvSpPr>
+        <p:spPr/>
+        <p:txBody>
+          <a:bodyPr/>
+          <a:lstStyle/>
+          <a:p>
+            <a:r>
+              <a:rPr lang="en-US" dirty="0"/>
+              <a:t>Overview</a:t>
+            </a:r>
+          </a:p>
+        </p:txBody>
+      </p:sp>
+      <p:sp>
+        <p:nvSpPr>
+          <p:cNvPr id="3" name="Content Placeholder 2">
+            <a:extLst>
+              <a:ext uri="{FF2B5EF4-FFF2-40B4-BE49-F238E27FC236}">
+                <a16:creationId xmlns:a16="http://schemas.microsoft.com/office/drawing/2014/main" id="{97BF11EC-95EA-4CEC-81CB-8961A028BB2E}"/>
+              </a:ext>
+            </a:extLst>
+          </p:cNvPr>
+          <p:cNvSpPr>
+            <a:spLocks noGrp="1"/>
+          </p:cNvSpPr>
+          <p:nvPr>
+            <p:ph idx="1"/>
+          </p:nvPr>
+        </p:nvSpPr>
+        <p:spPr/>
+        <p:txBody>
+          <a:bodyPr/>
+          <a:lstStyle/>
+          <a:p>
+            <a:r>
+              <a:rPr lang="en-US" dirty="0"/>
+              <a:t>Instance Variables: Private</a:t>
+            </a:r>
+          </a:p>
+          <a:p>
+            <a:r>
+              <a:rPr lang="en-US" dirty="0"/>
+              <a:t>Constructors</a:t>
+            </a:r>
+          </a:p>
+          <a:p>
+            <a:r>
+              <a:rPr lang="en-US" dirty="0"/>
+              <a:t>Creating and Initializing Objects</a:t>
+            </a:r>
+          </a:p>
+          <a:p>
+            <a:pPr marL="0" indent="0">
+              <a:buNone/>
+            </a:pPr>
+            <a:endParaRPr lang="en-US" dirty="0"/>
+          </a:p>
+        </p:txBody>
+      </p:sp>
+    </p:spTree>
+    <p:extLst>
+      <p:ext uri="{BB962C8B-B14F-4D97-AF65-F5344CB8AC3E}">
+        <p14:creationId xmlns:p14="http://schemas.microsoft.com/office/powerpoint/2010/main" val="1954647650"/>
+      </p:ext>
+    </p:extLst>
+  </p:cSld>
+  <p:clrMapOvr>
+    <a:masterClrMapping/>
+  </p:clrMapOvr>
+</p:sld>
+</file>
+
+<file path=ppt/slides/slide3.xml><?xml version="1.0" encoding="utf-8"?>
+<p:sld xmlns:a="http://schemas.openxmlformats.org/drawingml/2006/main" xmlns:r="http://schemas.openxmlformats.org/officeDocument/2006/relationships" xmlns:p="http://schemas.openxmlformats.org/presentationml/2006/main">
+  <p:cSld>
+    <p:spTree>
+      <p:nvGrpSpPr>
+        <p:cNvPr id="1" name=""/>
+        <p:cNvGrpSpPr/>
+        <p:nvPr/>
+      </p:nvGrpSpPr>
+      <p:grpSpPr>
+        <a:xfrm>
+          <a:off x="0" y="0"/>
+          <a:ext cx="0" cy="0"/>
+          <a:chOff x="0" y="0"/>
+          <a:chExt cx="0" cy="0"/>
+        </a:xfrm>
+      </p:grpSpPr>
+      <p:sp>
+        <p:nvSpPr>
+          <p:cNvPr id="2" name="Title 1">
+            <a:extLst>
+              <a:ext uri="{FF2B5EF4-FFF2-40B4-BE49-F238E27FC236}">
+                <a16:creationId xmlns:a16="http://schemas.microsoft.com/office/drawing/2014/main" id="{2FBAD298-8535-41BA-93E2-C00797B607A4}"/>
+              </a:ext>
+            </a:extLst>
+          </p:cNvPr>
+          <p:cNvSpPr>
+            <a:spLocks noGrp="1"/>
+          </p:cNvSpPr>
+          <p:nvPr>
+            <p:ph type="title"/>
+          </p:nvPr>
+        </p:nvSpPr>
+        <p:spPr/>
+        <p:txBody>
+          <a:bodyPr/>
+          <a:lstStyle/>
+          <a:p>
+            <a:r>
+              <a:rPr lang="en-US" dirty="0"/>
+              <a:t>Overview</a:t>
+            </a:r>
+          </a:p>
+        </p:txBody>
+      </p:sp>
+      <p:sp>
+        <p:nvSpPr>
+          <p:cNvPr id="3" name="Content Placeholder 2">
+            <a:extLst>
+              <a:ext uri="{FF2B5EF4-FFF2-40B4-BE49-F238E27FC236}">
+                <a16:creationId xmlns:a16="http://schemas.microsoft.com/office/drawing/2014/main" id="{97BF11EC-95EA-4CEC-81CB-8961A028BB2E}"/>
+              </a:ext>
+            </a:extLst>
+          </p:cNvPr>
+          <p:cNvSpPr>
+            <a:spLocks noGrp="1"/>
+          </p:cNvSpPr>
+          <p:nvPr>
+            <p:ph idx="1"/>
+          </p:nvPr>
+        </p:nvSpPr>
+        <p:spPr/>
+        <p:txBody>
+          <a:bodyPr/>
+          <a:lstStyle/>
+          <a:p>
+            <a:r>
+              <a:rPr lang="en-US" dirty="0"/>
+              <a:t>What is a class and Object?</a:t>
+            </a:r>
+          </a:p>
+          <a:p>
+            <a:r>
+              <a:rPr lang="en-US" dirty="0"/>
+              <a:t>Object Exploration: Turtle object practice</a:t>
+            </a:r>
+          </a:p>
+          <a:p>
+            <a:pPr marL="0" indent="0">
+              <a:buNone/>
+            </a:pPr>
+            <a:endParaRPr lang="en-US" dirty="0"/>
+          </a:p>
+        </p:txBody>
+      </p:sp>
+    </p:spTree>
+    <p:extLst>
+      <p:ext uri="{BB962C8B-B14F-4D97-AF65-F5344CB8AC3E}">
+        <p14:creationId xmlns:p14="http://schemas.microsoft.com/office/powerpoint/2010/main" val="2893643321"/>
+      </p:ext>
+    </p:extLst>
+  </p:cSld>
+  <p:clrMapOvr>
+    <a:masterClrMapping/>
+  </p:clrMapOvr>
+</p:sld>
+</file>
+
+<file path=ppt/slides/slide30.xml><?xml version="1.0" encoding="utf-8"?>
+<p:sld xmlns:a="http://schemas.openxmlformats.org/drawingml/2006/main" xmlns:r="http://schemas.openxmlformats.org/officeDocument/2006/relationships" xmlns:p="http://schemas.openxmlformats.org/presentationml/2006/main">
+  <p:cSld>
+    <p:spTree>
+      <p:nvGrpSpPr>
+        <p:cNvPr id="1" name=""/>
+        <p:cNvGrpSpPr/>
+        <p:nvPr/>
+      </p:nvGrpSpPr>
+      <p:grpSpPr>
+        <a:xfrm>
+          <a:off x="0" y="0"/>
+          <a:ext cx="0" cy="0"/>
+          <a:chOff x="0" y="0"/>
+          <a:chExt cx="0" cy="0"/>
+        </a:xfrm>
+      </p:grpSpPr>
+      <p:sp>
+        <p:nvSpPr>
+          <p:cNvPr id="2" name="Title 1">
+            <a:extLst>
+              <a:ext uri="{FF2B5EF4-FFF2-40B4-BE49-F238E27FC236}">
                 <a16:creationId xmlns:a16="http://schemas.microsoft.com/office/drawing/2014/main" id="{39717D41-9B93-433A-A8BD-F7EA8BA3BE39}"/>
               </a:ext>
             </a:extLst>
@@ -4473,6 +10174,856 @@
           <a:p>
             <a:r>
               <a:rPr lang="en-US" dirty="0"/>
+              <a:t>Objectives</a:t>
+            </a:r>
+          </a:p>
+        </p:txBody>
+      </p:sp>
+      <p:sp>
+        <p:nvSpPr>
+          <p:cNvPr id="6" name="Content Placeholder 5">
+            <a:extLst>
+              <a:ext uri="{FF2B5EF4-FFF2-40B4-BE49-F238E27FC236}">
+                <a16:creationId xmlns:a16="http://schemas.microsoft.com/office/drawing/2014/main" id="{A021779E-2FA2-4A5E-A312-61C6157037DE}"/>
+              </a:ext>
+            </a:extLst>
+          </p:cNvPr>
+          <p:cNvSpPr>
+            <a:spLocks noGrp="1"/>
+          </p:cNvSpPr>
+          <p:nvPr>
+            <p:ph idx="1"/>
+          </p:nvPr>
+        </p:nvSpPr>
+        <p:spPr/>
+        <p:txBody>
+          <a:bodyPr/>
+          <a:lstStyle/>
+          <a:p>
+            <a:r>
+              <a:rPr lang="en-US" dirty="0"/>
+              <a:t>- I can explain why we set our instance variables to private and what that means</a:t>
+            </a:r>
+          </a:p>
+          <a:p>
+            <a:r>
+              <a:rPr lang="en-US" dirty="0"/>
+              <a:t>- I can identify the correct constructor that is being called by using its signature</a:t>
+            </a:r>
+          </a:p>
+          <a:p>
+            <a:r>
+              <a:rPr lang="en-US" dirty="0"/>
+              <a:t>- I can create objects by calling constructors…</a:t>
+            </a:r>
+          </a:p>
+          <a:p>
+            <a:pPr lvl="1"/>
+            <a:r>
+              <a:rPr lang="en-US" dirty="0"/>
+              <a:t>With parameters</a:t>
+            </a:r>
+          </a:p>
+          <a:p>
+            <a:pPr lvl="1"/>
+            <a:r>
+              <a:rPr lang="en-US" dirty="0"/>
+              <a:t>Without parameters (default)</a:t>
+            </a:r>
+          </a:p>
+          <a:p>
+            <a:r>
+              <a:rPr lang="en-US" dirty="0"/>
+              <a:t>- I know Java provides a default constructor behind-the-scenes IF AND ONLY IF no constructor is already provided</a:t>
+            </a:r>
+          </a:p>
+        </p:txBody>
+      </p:sp>
+    </p:spTree>
+    <p:extLst>
+      <p:ext uri="{BB962C8B-B14F-4D97-AF65-F5344CB8AC3E}">
+        <p14:creationId xmlns:p14="http://schemas.microsoft.com/office/powerpoint/2010/main" val="3509409290"/>
+      </p:ext>
+    </p:extLst>
+  </p:cSld>
+  <p:clrMapOvr>
+    <a:masterClrMapping/>
+  </p:clrMapOvr>
+</p:sld>
+</file>
+
+<file path=ppt/slides/slide31.xml><?xml version="1.0" encoding="utf-8"?>
+<p:sld xmlns:a="http://schemas.openxmlformats.org/drawingml/2006/main" xmlns:r="http://schemas.openxmlformats.org/officeDocument/2006/relationships" xmlns:p="http://schemas.openxmlformats.org/presentationml/2006/main">
+  <p:cSld>
+    <p:bg>
+      <p:bgPr>
+        <a:solidFill>
+          <a:schemeClr val="accent2">
+            <a:lumMod val="40000"/>
+            <a:lumOff val="60000"/>
+          </a:schemeClr>
+        </a:solidFill>
+        <a:effectLst/>
+      </p:bgPr>
+    </p:bg>
+    <p:spTree>
+      <p:nvGrpSpPr>
+        <p:cNvPr id="1" name=""/>
+        <p:cNvGrpSpPr/>
+        <p:nvPr/>
+      </p:nvGrpSpPr>
+      <p:grpSpPr>
+        <a:xfrm>
+          <a:off x="0" y="0"/>
+          <a:ext cx="0" cy="0"/>
+          <a:chOff x="0" y="0"/>
+          <a:chExt cx="0" cy="0"/>
+        </a:xfrm>
+      </p:grpSpPr>
+      <p:sp>
+        <p:nvSpPr>
+          <p:cNvPr id="2" name="Title 1">
+            <a:extLst>
+              <a:ext uri="{FF2B5EF4-FFF2-40B4-BE49-F238E27FC236}">
+                <a16:creationId xmlns:a16="http://schemas.microsoft.com/office/drawing/2014/main" id="{C9298A52-C899-44AD-8AB2-B01A576A09DB}"/>
+              </a:ext>
+            </a:extLst>
+          </p:cNvPr>
+          <p:cNvSpPr>
+            <a:spLocks noGrp="1"/>
+          </p:cNvSpPr>
+          <p:nvPr>
+            <p:ph type="title"/>
+          </p:nvPr>
+        </p:nvSpPr>
+        <p:spPr/>
+        <p:txBody>
+          <a:bodyPr/>
+          <a:lstStyle/>
+          <a:p>
+            <a:r>
+              <a:rPr lang="en-US" dirty="0"/>
+              <a:t>Instance Variables: Private</a:t>
+            </a:r>
+          </a:p>
+        </p:txBody>
+      </p:sp>
+      <p:sp>
+        <p:nvSpPr>
+          <p:cNvPr id="3" name="Text Placeholder 2">
+            <a:extLst>
+              <a:ext uri="{FF2B5EF4-FFF2-40B4-BE49-F238E27FC236}">
+                <a16:creationId xmlns:a16="http://schemas.microsoft.com/office/drawing/2014/main" id="{8CCD712B-8424-43FD-8579-A6F28C99D113}"/>
+              </a:ext>
+            </a:extLst>
+          </p:cNvPr>
+          <p:cNvSpPr>
+            <a:spLocks noGrp="1"/>
+          </p:cNvSpPr>
+          <p:nvPr>
+            <p:ph type="body" idx="1"/>
+          </p:nvPr>
+        </p:nvSpPr>
+        <p:spPr/>
+        <p:txBody>
+          <a:bodyPr/>
+          <a:lstStyle/>
+          <a:p>
+            <a:endParaRPr lang="en-US"/>
+          </a:p>
+        </p:txBody>
+      </p:sp>
+    </p:spTree>
+    <p:extLst>
+      <p:ext uri="{BB962C8B-B14F-4D97-AF65-F5344CB8AC3E}">
+        <p14:creationId xmlns:p14="http://schemas.microsoft.com/office/powerpoint/2010/main" val="1550818200"/>
+      </p:ext>
+    </p:extLst>
+  </p:cSld>
+  <p:clrMapOvr>
+    <a:masterClrMapping/>
+  </p:clrMapOvr>
+</p:sld>
+</file>
+
+<file path=ppt/slides/slide32.xml><?xml version="1.0" encoding="utf-8"?>
+<p:sld xmlns:a="http://schemas.openxmlformats.org/drawingml/2006/main" xmlns:r="http://schemas.openxmlformats.org/officeDocument/2006/relationships" xmlns:p="http://schemas.openxmlformats.org/presentationml/2006/main">
+  <p:cSld>
+    <p:spTree>
+      <p:nvGrpSpPr>
+        <p:cNvPr id="1" name=""/>
+        <p:cNvGrpSpPr/>
+        <p:nvPr/>
+      </p:nvGrpSpPr>
+      <p:grpSpPr>
+        <a:xfrm>
+          <a:off x="0" y="0"/>
+          <a:ext cx="0" cy="0"/>
+          <a:chOff x="0" y="0"/>
+          <a:chExt cx="0" cy="0"/>
+        </a:xfrm>
+      </p:grpSpPr>
+      <p:sp>
+        <p:nvSpPr>
+          <p:cNvPr id="2" name="Title 1">
+            <a:extLst>
+              <a:ext uri="{FF2B5EF4-FFF2-40B4-BE49-F238E27FC236}">
+                <a16:creationId xmlns:a16="http://schemas.microsoft.com/office/drawing/2014/main" id="{6189FA3E-5226-47DF-9363-525876DD04DB}"/>
+              </a:ext>
+            </a:extLst>
+          </p:cNvPr>
+          <p:cNvSpPr>
+            <a:spLocks noGrp="1"/>
+          </p:cNvSpPr>
+          <p:nvPr>
+            <p:ph type="title"/>
+          </p:nvPr>
+        </p:nvSpPr>
+        <p:spPr/>
+        <p:txBody>
+          <a:bodyPr/>
+          <a:lstStyle/>
+          <a:p>
+            <a:r>
+              <a:rPr lang="en-US" dirty="0"/>
+              <a:t>Class Introduction</a:t>
+            </a:r>
+          </a:p>
+        </p:txBody>
+      </p:sp>
+      <p:sp>
+        <p:nvSpPr>
+          <p:cNvPr id="3" name="Content Placeholder 2">
+            <a:extLst>
+              <a:ext uri="{FF2B5EF4-FFF2-40B4-BE49-F238E27FC236}">
+                <a16:creationId xmlns:a16="http://schemas.microsoft.com/office/drawing/2014/main" id="{D8495767-47D9-4216-94DA-C2F1229465C5}"/>
+              </a:ext>
+            </a:extLst>
+          </p:cNvPr>
+          <p:cNvSpPr>
+            <a:spLocks noGrp="1"/>
+          </p:cNvSpPr>
+          <p:nvPr>
+            <p:ph idx="1"/>
+          </p:nvPr>
+        </p:nvSpPr>
+        <p:spPr/>
+        <p:txBody>
+          <a:bodyPr/>
+          <a:lstStyle/>
+          <a:p>
+            <a:r>
+              <a:rPr lang="en-US" dirty="0"/>
+              <a:t>public class</a:t>
+            </a:r>
+          </a:p>
+          <a:p>
+            <a:pPr lvl="1"/>
+            <a:r>
+              <a:rPr lang="en-US" dirty="0"/>
+              <a:t>public: Other people (classes) can see your public self</a:t>
+            </a:r>
+          </a:p>
+          <a:p>
+            <a:pPr lvl="1"/>
+            <a:r>
+              <a:rPr lang="en-US" dirty="0"/>
+              <a:t>private: Other people (classes) cannot see your private parts</a:t>
+            </a:r>
+          </a:p>
+          <a:p>
+            <a:r>
+              <a:rPr lang="en-US" dirty="0"/>
+              <a:t>class</a:t>
+            </a:r>
+          </a:p>
+          <a:p>
+            <a:pPr lvl="1"/>
+            <a:r>
+              <a:rPr lang="en-US" dirty="0"/>
+              <a:t>class: Used to define a new blueprint for creating objects</a:t>
+            </a:r>
+          </a:p>
+          <a:p>
+            <a:pPr lvl="2"/>
+            <a:endParaRPr lang="en-US" dirty="0"/>
+          </a:p>
+        </p:txBody>
+      </p:sp>
+    </p:spTree>
+    <p:extLst>
+      <p:ext uri="{BB962C8B-B14F-4D97-AF65-F5344CB8AC3E}">
+        <p14:creationId xmlns:p14="http://schemas.microsoft.com/office/powerpoint/2010/main" val="2015878329"/>
+      </p:ext>
+    </p:extLst>
+  </p:cSld>
+  <p:clrMapOvr>
+    <a:masterClrMapping/>
+  </p:clrMapOvr>
+</p:sld>
+</file>
+
+<file path=ppt/slides/slide33.xml><?xml version="1.0" encoding="utf-8"?>
+<p:sld xmlns:a="http://schemas.openxmlformats.org/drawingml/2006/main" xmlns:r="http://schemas.openxmlformats.org/officeDocument/2006/relationships" xmlns:p="http://schemas.openxmlformats.org/presentationml/2006/main">
+  <p:cSld>
+    <p:spTree>
+      <p:nvGrpSpPr>
+        <p:cNvPr id="1" name=""/>
+        <p:cNvGrpSpPr/>
+        <p:nvPr/>
+      </p:nvGrpSpPr>
+      <p:grpSpPr>
+        <a:xfrm>
+          <a:off x="0" y="0"/>
+          <a:ext cx="0" cy="0"/>
+          <a:chOff x="0" y="0"/>
+          <a:chExt cx="0" cy="0"/>
+        </a:xfrm>
+      </p:grpSpPr>
+      <p:sp>
+        <p:nvSpPr>
+          <p:cNvPr id="2" name="Title 1">
+            <a:extLst>
+              <a:ext uri="{FF2B5EF4-FFF2-40B4-BE49-F238E27FC236}">
+                <a16:creationId xmlns:a16="http://schemas.microsoft.com/office/drawing/2014/main" id="{6189FA3E-5226-47DF-9363-525876DD04DB}"/>
+              </a:ext>
+            </a:extLst>
+          </p:cNvPr>
+          <p:cNvSpPr>
+            <a:spLocks noGrp="1"/>
+          </p:cNvSpPr>
+          <p:nvPr>
+            <p:ph type="title"/>
+          </p:nvPr>
+        </p:nvSpPr>
+        <p:spPr/>
+        <p:txBody>
+          <a:bodyPr/>
+          <a:lstStyle/>
+          <a:p>
+            <a:r>
+              <a:rPr lang="en-US" dirty="0"/>
+              <a:t>Class Introduction</a:t>
+            </a:r>
+          </a:p>
+        </p:txBody>
+      </p:sp>
+      <p:sp>
+        <p:nvSpPr>
+          <p:cNvPr id="4" name="Text Placeholder 3">
+            <a:extLst>
+              <a:ext uri="{FF2B5EF4-FFF2-40B4-BE49-F238E27FC236}">
+                <a16:creationId xmlns:a16="http://schemas.microsoft.com/office/drawing/2014/main" id="{6044DD4C-16DE-4F7F-B14A-A6D8452EF3E1}"/>
+              </a:ext>
+            </a:extLst>
+          </p:cNvPr>
+          <p:cNvSpPr>
+            <a:spLocks noGrp="1"/>
+          </p:cNvSpPr>
+          <p:nvPr>
+            <p:ph type="body" idx="1"/>
+          </p:nvPr>
+        </p:nvSpPr>
+        <p:spPr/>
+        <p:txBody>
+          <a:bodyPr/>
+          <a:lstStyle/>
+          <a:p>
+            <a:r>
+              <a:rPr lang="en-US" dirty="0"/>
+              <a:t>public</a:t>
+            </a:r>
+          </a:p>
+        </p:txBody>
+      </p:sp>
+      <p:sp>
+        <p:nvSpPr>
+          <p:cNvPr id="3" name="Content Placeholder 2">
+            <a:extLst>
+              <a:ext uri="{FF2B5EF4-FFF2-40B4-BE49-F238E27FC236}">
+                <a16:creationId xmlns:a16="http://schemas.microsoft.com/office/drawing/2014/main" id="{D8495767-47D9-4216-94DA-C2F1229465C5}"/>
+              </a:ext>
+            </a:extLst>
+          </p:cNvPr>
+          <p:cNvSpPr>
+            <a:spLocks noGrp="1"/>
+          </p:cNvSpPr>
+          <p:nvPr>
+            <p:ph sz="half" idx="2"/>
+          </p:nvPr>
+        </p:nvSpPr>
+        <p:spPr>
+          <a:xfrm>
+            <a:off x="1097280" y="2582334"/>
+            <a:ext cx="4937760" cy="2472551"/>
+          </a:xfrm>
+        </p:spPr>
+        <p:txBody>
+          <a:bodyPr/>
+          <a:lstStyle/>
+          <a:p>
+            <a:r>
+              <a:rPr lang="en-US" dirty="0"/>
+              <a:t>All other classes can see and access.</a:t>
+            </a:r>
+          </a:p>
+          <a:p>
+            <a:r>
+              <a:rPr lang="en-US" dirty="0"/>
+              <a:t>Think of your smile – everyone can </a:t>
+            </a:r>
+            <a:r>
+              <a:rPr lang="en-US"/>
+              <a:t>and should see it!</a:t>
+            </a:r>
+            <a:endParaRPr lang="en-US" dirty="0"/>
+          </a:p>
+          <a:p>
+            <a:endParaRPr lang="en-US" dirty="0"/>
+          </a:p>
+          <a:p>
+            <a:endParaRPr lang="en-US" dirty="0"/>
+          </a:p>
+        </p:txBody>
+      </p:sp>
+      <p:sp>
+        <p:nvSpPr>
+          <p:cNvPr id="5" name="Text Placeholder 4">
+            <a:extLst>
+              <a:ext uri="{FF2B5EF4-FFF2-40B4-BE49-F238E27FC236}">
+                <a16:creationId xmlns:a16="http://schemas.microsoft.com/office/drawing/2014/main" id="{69F494B5-D24C-4289-843F-8AF80A2E7087}"/>
+              </a:ext>
+            </a:extLst>
+          </p:cNvPr>
+          <p:cNvSpPr>
+            <a:spLocks noGrp="1"/>
+          </p:cNvSpPr>
+          <p:nvPr>
+            <p:ph type="body" sz="quarter" idx="3"/>
+          </p:nvPr>
+        </p:nvSpPr>
+        <p:spPr/>
+        <p:txBody>
+          <a:bodyPr/>
+          <a:lstStyle/>
+          <a:p>
+            <a:r>
+              <a:rPr lang="en-US" dirty="0"/>
+              <a:t>private</a:t>
+            </a:r>
+          </a:p>
+        </p:txBody>
+      </p:sp>
+      <p:sp>
+        <p:nvSpPr>
+          <p:cNvPr id="6" name="Content Placeholder 5">
+            <a:extLst>
+              <a:ext uri="{FF2B5EF4-FFF2-40B4-BE49-F238E27FC236}">
+                <a16:creationId xmlns:a16="http://schemas.microsoft.com/office/drawing/2014/main" id="{912563CB-BAFA-4BD8-8F15-DAE7763697E9}"/>
+              </a:ext>
+            </a:extLst>
+          </p:cNvPr>
+          <p:cNvSpPr>
+            <a:spLocks noGrp="1"/>
+          </p:cNvSpPr>
+          <p:nvPr>
+            <p:ph sz="quarter" idx="4"/>
+          </p:nvPr>
+        </p:nvSpPr>
+        <p:spPr>
+          <a:xfrm>
+            <a:off x="6217920" y="2582334"/>
+            <a:ext cx="4937760" cy="1989666"/>
+          </a:xfrm>
+        </p:spPr>
+        <p:txBody>
+          <a:bodyPr/>
+          <a:lstStyle/>
+          <a:p>
+            <a:r>
+              <a:rPr lang="en-US" dirty="0"/>
+              <a:t>Other classes cannot see; only visible to the class it belongs in.</a:t>
+            </a:r>
+          </a:p>
+          <a:p>
+            <a:r>
+              <a:rPr lang="en-US" dirty="0"/>
+              <a:t>Think of your “private” parts – other people can’t (and shouldn’t) be able to see them!</a:t>
+            </a:r>
+          </a:p>
+        </p:txBody>
+      </p:sp>
+      <p:sp>
+        <p:nvSpPr>
+          <p:cNvPr id="7" name="TextBox 6">
+            <a:extLst>
+              <a:ext uri="{FF2B5EF4-FFF2-40B4-BE49-F238E27FC236}">
+                <a16:creationId xmlns:a16="http://schemas.microsoft.com/office/drawing/2014/main" id="{9DD7A5B3-96F8-48A3-818B-6DB311019500}"/>
+              </a:ext>
+            </a:extLst>
+          </p:cNvPr>
+          <p:cNvSpPr txBox="1"/>
+          <p:nvPr/>
+        </p:nvSpPr>
+        <p:spPr>
+          <a:xfrm>
+            <a:off x="2401926" y="5445302"/>
+            <a:ext cx="7388147" cy="430887"/>
+          </a:xfrm>
+          <a:prstGeom prst="rect">
+            <a:avLst/>
+          </a:prstGeom>
+          <a:noFill/>
+        </p:spPr>
+        <p:txBody>
+          <a:bodyPr wrap="square" rtlCol="0">
+            <a:spAutoFit/>
+          </a:bodyPr>
+          <a:lstStyle/>
+          <a:p>
+            <a:pPr algn="ctr"/>
+            <a:r>
+              <a:rPr lang="en-US" sz="2200" dirty="0"/>
+              <a:t>For AP CS A – all instance variables should be made private.</a:t>
+            </a:r>
+          </a:p>
+        </p:txBody>
+      </p:sp>
+    </p:spTree>
+    <p:extLst>
+      <p:ext uri="{BB962C8B-B14F-4D97-AF65-F5344CB8AC3E}">
+        <p14:creationId xmlns:p14="http://schemas.microsoft.com/office/powerpoint/2010/main" val="1088710011"/>
+      </p:ext>
+    </p:extLst>
+  </p:cSld>
+  <p:clrMapOvr>
+    <a:masterClrMapping/>
+  </p:clrMapOvr>
+</p:sld>
+</file>
+
+<file path=ppt/slides/slide34.xml><?xml version="1.0" encoding="utf-8"?>
+<p:sld xmlns:a="http://schemas.openxmlformats.org/drawingml/2006/main" xmlns:r="http://schemas.openxmlformats.org/officeDocument/2006/relationships" xmlns:p="http://schemas.openxmlformats.org/presentationml/2006/main">
+  <p:cSld>
+    <p:bg>
+      <p:bgPr>
+        <a:solidFill>
+          <a:schemeClr val="accent2">
+            <a:lumMod val="40000"/>
+            <a:lumOff val="60000"/>
+          </a:schemeClr>
+        </a:solidFill>
+        <a:effectLst/>
+      </p:bgPr>
+    </p:bg>
+    <p:spTree>
+      <p:nvGrpSpPr>
+        <p:cNvPr id="1" name=""/>
+        <p:cNvGrpSpPr/>
+        <p:nvPr/>
+      </p:nvGrpSpPr>
+      <p:grpSpPr>
+        <a:xfrm>
+          <a:off x="0" y="0"/>
+          <a:ext cx="0" cy="0"/>
+          <a:chOff x="0" y="0"/>
+          <a:chExt cx="0" cy="0"/>
+        </a:xfrm>
+      </p:grpSpPr>
+      <p:sp>
+        <p:nvSpPr>
+          <p:cNvPr id="2" name="Title 1">
+            <a:extLst>
+              <a:ext uri="{FF2B5EF4-FFF2-40B4-BE49-F238E27FC236}">
+                <a16:creationId xmlns:a16="http://schemas.microsoft.com/office/drawing/2014/main" id="{C9298A52-C899-44AD-8AB2-B01A576A09DB}"/>
+              </a:ext>
+            </a:extLst>
+          </p:cNvPr>
+          <p:cNvSpPr>
+            <a:spLocks noGrp="1"/>
+          </p:cNvSpPr>
+          <p:nvPr>
+            <p:ph type="title"/>
+          </p:nvPr>
+        </p:nvSpPr>
+        <p:spPr/>
+        <p:txBody>
+          <a:bodyPr/>
+          <a:lstStyle/>
+          <a:p>
+            <a:r>
+              <a:rPr lang="en-US" dirty="0"/>
+              <a:t>Constructors</a:t>
+            </a:r>
+          </a:p>
+        </p:txBody>
+      </p:sp>
+      <p:sp>
+        <p:nvSpPr>
+          <p:cNvPr id="3" name="Text Placeholder 2">
+            <a:extLst>
+              <a:ext uri="{FF2B5EF4-FFF2-40B4-BE49-F238E27FC236}">
+                <a16:creationId xmlns:a16="http://schemas.microsoft.com/office/drawing/2014/main" id="{8CCD712B-8424-43FD-8579-A6F28C99D113}"/>
+              </a:ext>
+            </a:extLst>
+          </p:cNvPr>
+          <p:cNvSpPr>
+            <a:spLocks noGrp="1"/>
+          </p:cNvSpPr>
+          <p:nvPr>
+            <p:ph type="body" idx="1"/>
+          </p:nvPr>
+        </p:nvSpPr>
+        <p:spPr/>
+        <p:txBody>
+          <a:bodyPr/>
+          <a:lstStyle/>
+          <a:p>
+            <a:endParaRPr lang="en-US"/>
+          </a:p>
+        </p:txBody>
+      </p:sp>
+    </p:spTree>
+    <p:extLst>
+      <p:ext uri="{BB962C8B-B14F-4D97-AF65-F5344CB8AC3E}">
+        <p14:creationId xmlns:p14="http://schemas.microsoft.com/office/powerpoint/2010/main" val="1887861707"/>
+      </p:ext>
+    </p:extLst>
+  </p:cSld>
+  <p:clrMapOvr>
+    <a:masterClrMapping/>
+  </p:clrMapOvr>
+</p:sld>
+</file>
+
+<file path=ppt/slides/slide35.xml><?xml version="1.0" encoding="utf-8"?>
+<p:sld xmlns:a="http://schemas.openxmlformats.org/drawingml/2006/main" xmlns:r="http://schemas.openxmlformats.org/officeDocument/2006/relationships" xmlns:p="http://schemas.openxmlformats.org/presentationml/2006/main">
+  <p:cSld>
+    <p:bg>
+      <p:bgPr>
+        <a:solidFill>
+          <a:schemeClr val="accent2">
+            <a:lumMod val="40000"/>
+            <a:lumOff val="60000"/>
+          </a:schemeClr>
+        </a:solidFill>
+        <a:effectLst/>
+      </p:bgPr>
+    </p:bg>
+    <p:spTree>
+      <p:nvGrpSpPr>
+        <p:cNvPr id="1" name=""/>
+        <p:cNvGrpSpPr/>
+        <p:nvPr/>
+      </p:nvGrpSpPr>
+      <p:grpSpPr>
+        <a:xfrm>
+          <a:off x="0" y="0"/>
+          <a:ext cx="0" cy="0"/>
+          <a:chOff x="0" y="0"/>
+          <a:chExt cx="0" cy="0"/>
+        </a:xfrm>
+      </p:grpSpPr>
+      <p:sp>
+        <p:nvSpPr>
+          <p:cNvPr id="2" name="Title 1">
+            <a:extLst>
+              <a:ext uri="{FF2B5EF4-FFF2-40B4-BE49-F238E27FC236}">
+                <a16:creationId xmlns:a16="http://schemas.microsoft.com/office/drawing/2014/main" id="{C9298A52-C899-44AD-8AB2-B01A576A09DB}"/>
+              </a:ext>
+            </a:extLst>
+          </p:cNvPr>
+          <p:cNvSpPr>
+            <a:spLocks noGrp="1"/>
+          </p:cNvSpPr>
+          <p:nvPr>
+            <p:ph type="title"/>
+          </p:nvPr>
+        </p:nvSpPr>
+        <p:spPr/>
+        <p:txBody>
+          <a:bodyPr/>
+          <a:lstStyle/>
+          <a:p>
+            <a:r>
+              <a:rPr lang="en-US" dirty="0"/>
+              <a:t>Creating and Initializing Objects</a:t>
+            </a:r>
+          </a:p>
+        </p:txBody>
+      </p:sp>
+      <p:sp>
+        <p:nvSpPr>
+          <p:cNvPr id="3" name="Text Placeholder 2">
+            <a:extLst>
+              <a:ext uri="{FF2B5EF4-FFF2-40B4-BE49-F238E27FC236}">
+                <a16:creationId xmlns:a16="http://schemas.microsoft.com/office/drawing/2014/main" id="{8CCD712B-8424-43FD-8579-A6F28C99D113}"/>
+              </a:ext>
+            </a:extLst>
+          </p:cNvPr>
+          <p:cNvSpPr>
+            <a:spLocks noGrp="1"/>
+          </p:cNvSpPr>
+          <p:nvPr>
+            <p:ph type="body" idx="1"/>
+          </p:nvPr>
+        </p:nvSpPr>
+        <p:spPr/>
+        <p:txBody>
+          <a:bodyPr/>
+          <a:lstStyle/>
+          <a:p>
+            <a:endParaRPr lang="en-US"/>
+          </a:p>
+        </p:txBody>
+      </p:sp>
+    </p:spTree>
+    <p:extLst>
+      <p:ext uri="{BB962C8B-B14F-4D97-AF65-F5344CB8AC3E}">
+        <p14:creationId xmlns:p14="http://schemas.microsoft.com/office/powerpoint/2010/main" val="2196430203"/>
+      </p:ext>
+    </p:extLst>
+  </p:cSld>
+  <p:clrMapOvr>
+    <a:masterClrMapping/>
+  </p:clrMapOvr>
+</p:sld>
+</file>
+
+<file path=ppt/slides/slide36.xml><?xml version="1.0" encoding="utf-8"?>
+<p:sld xmlns:a="http://schemas.openxmlformats.org/drawingml/2006/main" xmlns:r="http://schemas.openxmlformats.org/officeDocument/2006/relationships" xmlns:p="http://schemas.openxmlformats.org/presentationml/2006/main">
+  <p:cSld>
+    <p:bg>
+      <p:bgPr>
+        <a:solidFill>
+          <a:schemeClr val="bg2"/>
+        </a:solidFill>
+        <a:effectLst/>
+      </p:bgPr>
+    </p:bg>
+    <p:spTree>
+      <p:nvGrpSpPr>
+        <p:cNvPr id="1" name=""/>
+        <p:cNvGrpSpPr/>
+        <p:nvPr/>
+      </p:nvGrpSpPr>
+      <p:grpSpPr>
+        <a:xfrm>
+          <a:off x="0" y="0"/>
+          <a:ext cx="0" cy="0"/>
+          <a:chOff x="0" y="0"/>
+          <a:chExt cx="0" cy="0"/>
+        </a:xfrm>
+      </p:grpSpPr>
+      <p:sp>
+        <p:nvSpPr>
+          <p:cNvPr id="2" name="Title 1">
+            <a:extLst>
+              <a:ext uri="{FF2B5EF4-FFF2-40B4-BE49-F238E27FC236}">
+                <a16:creationId xmlns:a16="http://schemas.microsoft.com/office/drawing/2014/main" id="{39FBEBC1-C3A0-41A3-86DF-2D8B059FF71B}"/>
+              </a:ext>
+            </a:extLst>
+          </p:cNvPr>
+          <p:cNvSpPr>
+            <a:spLocks noGrp="1"/>
+          </p:cNvSpPr>
+          <p:nvPr>
+            <p:ph type="ctrTitle"/>
+          </p:nvPr>
+        </p:nvSpPr>
+        <p:spPr/>
+        <p:txBody>
+          <a:bodyPr/>
+          <a:lstStyle/>
+          <a:p>
+            <a:r>
+              <a:rPr lang="en-US" dirty="0"/>
+              <a:t>Unit 02</a:t>
+            </a:r>
+          </a:p>
+        </p:txBody>
+      </p:sp>
+      <p:sp>
+        <p:nvSpPr>
+          <p:cNvPr id="3" name="Subtitle 2">
+            <a:extLst>
+              <a:ext uri="{FF2B5EF4-FFF2-40B4-BE49-F238E27FC236}">
+                <a16:creationId xmlns:a16="http://schemas.microsoft.com/office/drawing/2014/main" id="{4D11C128-7CC7-49C3-9733-C1223023100F}"/>
+              </a:ext>
+            </a:extLst>
+          </p:cNvPr>
+          <p:cNvSpPr>
+            <a:spLocks noGrp="1"/>
+          </p:cNvSpPr>
+          <p:nvPr>
+            <p:ph type="subTitle" idx="1"/>
+          </p:nvPr>
+        </p:nvSpPr>
+        <p:spPr/>
+        <p:txBody>
+          <a:bodyPr/>
+          <a:lstStyle/>
+          <a:p>
+            <a:r>
+              <a:rPr lang="en-US" dirty="0"/>
+              <a:t>Calling Methods Without Parameters (and returns nothing)</a:t>
+            </a:r>
+          </a:p>
+        </p:txBody>
+      </p:sp>
+    </p:spTree>
+    <p:extLst>
+      <p:ext uri="{BB962C8B-B14F-4D97-AF65-F5344CB8AC3E}">
+        <p14:creationId xmlns:p14="http://schemas.microsoft.com/office/powerpoint/2010/main" val="449608820"/>
+      </p:ext>
+    </p:extLst>
+  </p:cSld>
+  <p:clrMapOvr>
+    <a:masterClrMapping/>
+  </p:clrMapOvr>
+</p:sld>
+</file>
+
+<file path=ppt/slides/slide37.xml><?xml version="1.0" encoding="utf-8"?>
+<p:sld xmlns:a="http://schemas.openxmlformats.org/drawingml/2006/main" xmlns:r="http://schemas.openxmlformats.org/officeDocument/2006/relationships" xmlns:p="http://schemas.openxmlformats.org/presentationml/2006/main">
+  <p:cSld>
+    <p:spTree>
+      <p:nvGrpSpPr>
+        <p:cNvPr id="1" name=""/>
+        <p:cNvGrpSpPr/>
+        <p:nvPr/>
+      </p:nvGrpSpPr>
+      <p:grpSpPr>
+        <a:xfrm>
+          <a:off x="0" y="0"/>
+          <a:ext cx="0" cy="0"/>
+          <a:chOff x="0" y="0"/>
+          <a:chExt cx="0" cy="0"/>
+        </a:xfrm>
+      </p:grpSpPr>
+      <p:sp>
+        <p:nvSpPr>
+          <p:cNvPr id="2" name="Title 1">
+            <a:extLst>
+              <a:ext uri="{FF2B5EF4-FFF2-40B4-BE49-F238E27FC236}">
+                <a16:creationId xmlns:a16="http://schemas.microsoft.com/office/drawing/2014/main" id="{2FBAD298-8535-41BA-93E2-C00797B607A4}"/>
+              </a:ext>
+            </a:extLst>
+          </p:cNvPr>
+          <p:cNvSpPr>
+            <a:spLocks noGrp="1"/>
+          </p:cNvSpPr>
+          <p:nvPr>
+            <p:ph type="title"/>
+          </p:nvPr>
+        </p:nvSpPr>
+        <p:spPr/>
+        <p:txBody>
+          <a:bodyPr/>
+          <a:lstStyle/>
+          <a:p>
+            <a:r>
+              <a:rPr lang="en-US" dirty="0"/>
               <a:t>Overview</a:t>
             </a:r>
           </a:p>
@@ -4480,6 +11031,113 @@
       </p:sp>
       <p:sp>
         <p:nvSpPr>
+          <p:cNvPr id="3" name="Content Placeholder 2">
+            <a:extLst>
+              <a:ext uri="{FF2B5EF4-FFF2-40B4-BE49-F238E27FC236}">
+                <a16:creationId xmlns:a16="http://schemas.microsoft.com/office/drawing/2014/main" id="{97BF11EC-95EA-4CEC-81CB-8961A028BB2E}"/>
+              </a:ext>
+            </a:extLst>
+          </p:cNvPr>
+          <p:cNvSpPr>
+            <a:spLocks noGrp="1"/>
+          </p:cNvSpPr>
+          <p:nvPr>
+            <p:ph idx="1"/>
+          </p:nvPr>
+        </p:nvSpPr>
+        <p:spPr/>
+        <p:txBody>
+          <a:bodyPr/>
+          <a:lstStyle/>
+          <a:p>
+            <a:pPr marL="0" indent="0">
+              <a:buNone/>
+            </a:pPr>
+            <a:r>
+              <a:rPr lang="en-US" dirty="0"/>
+              <a:t>What is a method?</a:t>
+            </a:r>
+          </a:p>
+          <a:p>
+            <a:pPr marL="0" indent="0">
+              <a:buNone/>
+            </a:pPr>
+            <a:r>
+              <a:rPr lang="en-US" dirty="0"/>
+              <a:t>Method Header</a:t>
+            </a:r>
+          </a:p>
+          <a:p>
+            <a:pPr marL="0" indent="0">
+              <a:buNone/>
+            </a:pPr>
+            <a:r>
+              <a:rPr lang="en-US" dirty="0"/>
+              <a:t>Calling Methods Without Parameters</a:t>
+            </a:r>
+          </a:p>
+        </p:txBody>
+      </p:sp>
+    </p:spTree>
+    <p:extLst>
+      <p:ext uri="{BB962C8B-B14F-4D97-AF65-F5344CB8AC3E}">
+        <p14:creationId xmlns:p14="http://schemas.microsoft.com/office/powerpoint/2010/main" val="3898825280"/>
+      </p:ext>
+    </p:extLst>
+  </p:cSld>
+  <p:clrMapOvr>
+    <a:masterClrMapping/>
+  </p:clrMapOvr>
+</p:sld>
+</file>
+
+<file path=ppt/slides/slide38.xml><?xml version="1.0" encoding="utf-8"?>
+<p:sld xmlns:a="http://schemas.openxmlformats.org/drawingml/2006/main" xmlns:r="http://schemas.openxmlformats.org/officeDocument/2006/relationships" xmlns:p="http://schemas.openxmlformats.org/presentationml/2006/main">
+  <p:cSld>
+    <p:spTree>
+      <p:nvGrpSpPr>
+        <p:cNvPr id="1" name=""/>
+        <p:cNvGrpSpPr/>
+        <p:nvPr/>
+      </p:nvGrpSpPr>
+      <p:grpSpPr>
+        <a:xfrm>
+          <a:off x="0" y="0"/>
+          <a:ext cx="0" cy="0"/>
+          <a:chOff x="0" y="0"/>
+          <a:chExt cx="0" cy="0"/>
+        </a:xfrm>
+      </p:grpSpPr>
+      <p:sp>
+        <p:nvSpPr>
+          <p:cNvPr id="2" name="Title 1">
+            <a:extLst>
+              <a:ext uri="{FF2B5EF4-FFF2-40B4-BE49-F238E27FC236}">
+                <a16:creationId xmlns:a16="http://schemas.microsoft.com/office/drawing/2014/main" id="{39717D41-9B93-433A-A8BD-F7EA8BA3BE39}"/>
+              </a:ext>
+            </a:extLst>
+          </p:cNvPr>
+          <p:cNvSpPr>
+            <a:spLocks noGrp="1"/>
+          </p:cNvSpPr>
+          <p:nvPr>
+            <p:ph type="title"/>
+          </p:nvPr>
+        </p:nvSpPr>
+        <p:spPr/>
+        <p:txBody>
+          <a:bodyPr/>
+          <a:lstStyle/>
+          <a:p>
+            <a:r>
+              <a:rPr lang="en-US" dirty="0"/>
+              <a:t>Objectives</a:t>
+            </a:r>
+          </a:p>
+        </p:txBody>
+      </p:sp>
+      <p:sp>
+        <p:nvSpPr>
           <p:cNvPr id="6" name="Content Placeholder 5">
             <a:extLst>
               <a:ext uri="{FF2B5EF4-FFF2-40B4-BE49-F238E27FC236}">
@@ -4499,7 +11157,214 @@
           <a:bodyPr/>
           <a:lstStyle/>
           <a:p>
-            <a:endParaRPr lang="en-US" dirty="0"/>
+            <a:r>
+              <a:rPr lang="en-US" dirty="0"/>
+              <a:t>I can identify, label, and explain every section of a method header</a:t>
+            </a:r>
+          </a:p>
+          <a:p>
+            <a:r>
+              <a:rPr lang="en-US" dirty="0"/>
+              <a:t>I can call non-static void methods without parameters</a:t>
+            </a:r>
+          </a:p>
+        </p:txBody>
+      </p:sp>
+    </p:spTree>
+    <p:extLst>
+      <p:ext uri="{BB962C8B-B14F-4D97-AF65-F5344CB8AC3E}">
+        <p14:creationId xmlns:p14="http://schemas.microsoft.com/office/powerpoint/2010/main" val="3026631467"/>
+      </p:ext>
+    </p:extLst>
+  </p:cSld>
+  <p:clrMapOvr>
+    <a:masterClrMapping/>
+  </p:clrMapOvr>
+</p:sld>
+</file>
+
+<file path=ppt/slides/slide39.xml><?xml version="1.0" encoding="utf-8"?>
+<p:sld xmlns:a="http://schemas.openxmlformats.org/drawingml/2006/main" xmlns:r="http://schemas.openxmlformats.org/officeDocument/2006/relationships" xmlns:p="http://schemas.openxmlformats.org/presentationml/2006/main">
+  <p:cSld>
+    <p:bg>
+      <p:bgPr>
+        <a:solidFill>
+          <a:schemeClr val="bg2"/>
+        </a:solidFill>
+        <a:effectLst/>
+      </p:bgPr>
+    </p:bg>
+    <p:spTree>
+      <p:nvGrpSpPr>
+        <p:cNvPr id="1" name=""/>
+        <p:cNvGrpSpPr/>
+        <p:nvPr/>
+      </p:nvGrpSpPr>
+      <p:grpSpPr>
+        <a:xfrm>
+          <a:off x="0" y="0"/>
+          <a:ext cx="0" cy="0"/>
+          <a:chOff x="0" y="0"/>
+          <a:chExt cx="0" cy="0"/>
+        </a:xfrm>
+      </p:grpSpPr>
+      <p:sp>
+        <p:nvSpPr>
+          <p:cNvPr id="2" name="Title 1">
+            <a:extLst>
+              <a:ext uri="{FF2B5EF4-FFF2-40B4-BE49-F238E27FC236}">
+                <a16:creationId xmlns:a16="http://schemas.microsoft.com/office/drawing/2014/main" id="{39FBEBC1-C3A0-41A3-86DF-2D8B059FF71B}"/>
+              </a:ext>
+            </a:extLst>
+          </p:cNvPr>
+          <p:cNvSpPr>
+            <a:spLocks noGrp="1"/>
+          </p:cNvSpPr>
+          <p:nvPr>
+            <p:ph type="ctrTitle"/>
+          </p:nvPr>
+        </p:nvSpPr>
+        <p:spPr/>
+        <p:txBody>
+          <a:bodyPr/>
+          <a:lstStyle/>
+          <a:p>
+            <a:r>
+              <a:rPr lang="en-US" dirty="0"/>
+              <a:t>Unit 02</a:t>
+            </a:r>
+          </a:p>
+        </p:txBody>
+      </p:sp>
+      <p:sp>
+        <p:nvSpPr>
+          <p:cNvPr id="3" name="Subtitle 2">
+            <a:extLst>
+              <a:ext uri="{FF2B5EF4-FFF2-40B4-BE49-F238E27FC236}">
+                <a16:creationId xmlns:a16="http://schemas.microsoft.com/office/drawing/2014/main" id="{4D11C128-7CC7-49C3-9733-C1223023100F}"/>
+              </a:ext>
+            </a:extLst>
+          </p:cNvPr>
+          <p:cNvSpPr>
+            <a:spLocks noGrp="1"/>
+          </p:cNvSpPr>
+          <p:nvPr>
+            <p:ph type="subTitle" idx="1"/>
+          </p:nvPr>
+        </p:nvSpPr>
+        <p:spPr/>
+        <p:txBody>
+          <a:bodyPr/>
+          <a:lstStyle/>
+          <a:p>
+            <a:r>
+              <a:rPr lang="en-US" dirty="0"/>
+              <a:t>Calling Methods With Parameters</a:t>
+            </a:r>
+          </a:p>
+        </p:txBody>
+      </p:sp>
+    </p:spTree>
+    <p:extLst>
+      <p:ext uri="{BB962C8B-B14F-4D97-AF65-F5344CB8AC3E}">
+        <p14:creationId xmlns:p14="http://schemas.microsoft.com/office/powerpoint/2010/main" val="2517112067"/>
+      </p:ext>
+    </p:extLst>
+  </p:cSld>
+  <p:clrMapOvr>
+    <a:masterClrMapping/>
+  </p:clrMapOvr>
+</p:sld>
+</file>
+
+<file path=ppt/slides/slide4.xml><?xml version="1.0" encoding="utf-8"?>
+<p:sld xmlns:a="http://schemas.openxmlformats.org/drawingml/2006/main" xmlns:r="http://schemas.openxmlformats.org/officeDocument/2006/relationships" xmlns:p="http://schemas.openxmlformats.org/presentationml/2006/main">
+  <p:cSld>
+    <p:spTree>
+      <p:nvGrpSpPr>
+        <p:cNvPr id="1" name=""/>
+        <p:cNvGrpSpPr/>
+        <p:nvPr/>
+      </p:nvGrpSpPr>
+      <p:grpSpPr>
+        <a:xfrm>
+          <a:off x="0" y="0"/>
+          <a:ext cx="0" cy="0"/>
+          <a:chOff x="0" y="0"/>
+          <a:chExt cx="0" cy="0"/>
+        </a:xfrm>
+      </p:grpSpPr>
+      <p:sp>
+        <p:nvSpPr>
+          <p:cNvPr id="2" name="Title 1">
+            <a:extLst>
+              <a:ext uri="{FF2B5EF4-FFF2-40B4-BE49-F238E27FC236}">
+                <a16:creationId xmlns:a16="http://schemas.microsoft.com/office/drawing/2014/main" id="{39717D41-9B93-433A-A8BD-F7EA8BA3BE39}"/>
+              </a:ext>
+            </a:extLst>
+          </p:cNvPr>
+          <p:cNvSpPr>
+            <a:spLocks noGrp="1"/>
+          </p:cNvSpPr>
+          <p:nvPr>
+            <p:ph type="title"/>
+          </p:nvPr>
+        </p:nvSpPr>
+        <p:spPr/>
+        <p:txBody>
+          <a:bodyPr/>
+          <a:lstStyle/>
+          <a:p>
+            <a:r>
+              <a:rPr lang="en-US" dirty="0"/>
+              <a:t>Objectives</a:t>
+            </a:r>
+          </a:p>
+        </p:txBody>
+      </p:sp>
+      <p:sp>
+        <p:nvSpPr>
+          <p:cNvPr id="6" name="Content Placeholder 5">
+            <a:extLst>
+              <a:ext uri="{FF2B5EF4-FFF2-40B4-BE49-F238E27FC236}">
+                <a16:creationId xmlns:a16="http://schemas.microsoft.com/office/drawing/2014/main" id="{A021779E-2FA2-4A5E-A312-61C6157037DE}"/>
+              </a:ext>
+            </a:extLst>
+          </p:cNvPr>
+          <p:cNvSpPr>
+            <a:spLocks noGrp="1"/>
+          </p:cNvSpPr>
+          <p:nvPr>
+            <p:ph idx="1"/>
+          </p:nvPr>
+        </p:nvSpPr>
+        <p:spPr/>
+        <p:txBody>
+          <a:bodyPr/>
+          <a:lstStyle/>
+          <a:p>
+            <a:r>
+              <a:rPr lang="en-US" dirty="0"/>
+              <a:t>- I can explain the relationship between a class and an object  </a:t>
+            </a:r>
+          </a:p>
+          <a:p>
+            <a:r>
+              <a:rPr lang="en-US" dirty="0"/>
+              <a:t>- I know a class is the formal implementation, or blueprint, of the attributes and behaviors of an object.</a:t>
+            </a:r>
+          </a:p>
+          <a:p>
+            <a:r>
+              <a:rPr lang="en-US" dirty="0"/>
+              <a:t>- I know an object is a specific instance of a class with defined attributes  </a:t>
+            </a:r>
+          </a:p>
+          <a:p>
+            <a:r>
+              <a:rPr lang="en-US" dirty="0"/>
+              <a:t>- I know an object stores the memory address </a:t>
+            </a:r>
           </a:p>
         </p:txBody>
       </p:sp>
@@ -4516,7 +11381,1031 @@
 </p:sld>
 </file>
 
-<file path=ppt/slides/slide3.xml><?xml version="1.0" encoding="utf-8"?>
+<file path=ppt/slides/slide40.xml><?xml version="1.0" encoding="utf-8"?>
+<p:sld xmlns:a="http://schemas.openxmlformats.org/drawingml/2006/main" xmlns:r="http://schemas.openxmlformats.org/officeDocument/2006/relationships" xmlns:p="http://schemas.openxmlformats.org/presentationml/2006/main">
+  <p:cSld>
+    <p:spTree>
+      <p:nvGrpSpPr>
+        <p:cNvPr id="1" name=""/>
+        <p:cNvGrpSpPr/>
+        <p:nvPr/>
+      </p:nvGrpSpPr>
+      <p:grpSpPr>
+        <a:xfrm>
+          <a:off x="0" y="0"/>
+          <a:ext cx="0" cy="0"/>
+          <a:chOff x="0" y="0"/>
+          <a:chExt cx="0" cy="0"/>
+        </a:xfrm>
+      </p:grpSpPr>
+      <p:sp>
+        <p:nvSpPr>
+          <p:cNvPr id="2" name="Title 1">
+            <a:extLst>
+              <a:ext uri="{FF2B5EF4-FFF2-40B4-BE49-F238E27FC236}">
+                <a16:creationId xmlns:a16="http://schemas.microsoft.com/office/drawing/2014/main" id="{2FBAD298-8535-41BA-93E2-C00797B607A4}"/>
+              </a:ext>
+            </a:extLst>
+          </p:cNvPr>
+          <p:cNvSpPr>
+            <a:spLocks noGrp="1"/>
+          </p:cNvSpPr>
+          <p:nvPr>
+            <p:ph type="title"/>
+          </p:nvPr>
+        </p:nvSpPr>
+        <p:spPr/>
+        <p:txBody>
+          <a:bodyPr/>
+          <a:lstStyle/>
+          <a:p>
+            <a:r>
+              <a:rPr lang="en-US" dirty="0"/>
+              <a:t>Overview</a:t>
+            </a:r>
+          </a:p>
+        </p:txBody>
+      </p:sp>
+      <p:sp>
+        <p:nvSpPr>
+          <p:cNvPr id="3" name="Content Placeholder 2">
+            <a:extLst>
+              <a:ext uri="{FF2B5EF4-FFF2-40B4-BE49-F238E27FC236}">
+                <a16:creationId xmlns:a16="http://schemas.microsoft.com/office/drawing/2014/main" id="{97BF11EC-95EA-4CEC-81CB-8961A028BB2E}"/>
+              </a:ext>
+            </a:extLst>
+          </p:cNvPr>
+          <p:cNvSpPr>
+            <a:spLocks noGrp="1"/>
+          </p:cNvSpPr>
+          <p:nvPr>
+            <p:ph idx="1"/>
+          </p:nvPr>
+        </p:nvSpPr>
+        <p:spPr/>
+        <p:txBody>
+          <a:bodyPr/>
+          <a:lstStyle/>
+          <a:p>
+            <a:r>
+              <a:rPr lang="en-US" dirty="0"/>
+              <a:t>Method Header w/ Parameters</a:t>
+            </a:r>
+          </a:p>
+          <a:p>
+            <a:r>
+              <a:rPr lang="en-US" dirty="0"/>
+              <a:t>Calling Methods With Parameters</a:t>
+            </a:r>
+          </a:p>
+          <a:p>
+            <a:r>
+              <a:rPr lang="en-US" dirty="0"/>
+              <a:t>“Mutator” Methods</a:t>
+            </a:r>
+          </a:p>
+          <a:p>
+            <a:endParaRPr lang="en-US" dirty="0"/>
+          </a:p>
+          <a:p>
+            <a:endParaRPr lang="en-US" dirty="0"/>
+          </a:p>
+        </p:txBody>
+      </p:sp>
+    </p:spTree>
+    <p:extLst>
+      <p:ext uri="{BB962C8B-B14F-4D97-AF65-F5344CB8AC3E}">
+        <p14:creationId xmlns:p14="http://schemas.microsoft.com/office/powerpoint/2010/main" val="1074392279"/>
+      </p:ext>
+    </p:extLst>
+  </p:cSld>
+  <p:clrMapOvr>
+    <a:masterClrMapping/>
+  </p:clrMapOvr>
+</p:sld>
+</file>
+
+<file path=ppt/slides/slide41.xml><?xml version="1.0" encoding="utf-8"?>
+<p:sld xmlns:a="http://schemas.openxmlformats.org/drawingml/2006/main" xmlns:r="http://schemas.openxmlformats.org/officeDocument/2006/relationships" xmlns:p="http://schemas.openxmlformats.org/presentationml/2006/main">
+  <p:cSld>
+    <p:spTree>
+      <p:nvGrpSpPr>
+        <p:cNvPr id="1" name=""/>
+        <p:cNvGrpSpPr/>
+        <p:nvPr/>
+      </p:nvGrpSpPr>
+      <p:grpSpPr>
+        <a:xfrm>
+          <a:off x="0" y="0"/>
+          <a:ext cx="0" cy="0"/>
+          <a:chOff x="0" y="0"/>
+          <a:chExt cx="0" cy="0"/>
+        </a:xfrm>
+      </p:grpSpPr>
+      <p:sp>
+        <p:nvSpPr>
+          <p:cNvPr id="2" name="Title 1">
+            <a:extLst>
+              <a:ext uri="{FF2B5EF4-FFF2-40B4-BE49-F238E27FC236}">
+                <a16:creationId xmlns:a16="http://schemas.microsoft.com/office/drawing/2014/main" id="{39717D41-9B93-433A-A8BD-F7EA8BA3BE39}"/>
+              </a:ext>
+            </a:extLst>
+          </p:cNvPr>
+          <p:cNvSpPr>
+            <a:spLocks noGrp="1"/>
+          </p:cNvSpPr>
+          <p:nvPr>
+            <p:ph type="title"/>
+          </p:nvPr>
+        </p:nvSpPr>
+        <p:spPr/>
+        <p:txBody>
+          <a:bodyPr/>
+          <a:lstStyle/>
+          <a:p>
+            <a:r>
+              <a:rPr lang="en-US" dirty="0"/>
+              <a:t>Objectives</a:t>
+            </a:r>
+          </a:p>
+        </p:txBody>
+      </p:sp>
+      <p:sp>
+        <p:nvSpPr>
+          <p:cNvPr id="6" name="Content Placeholder 5">
+            <a:extLst>
+              <a:ext uri="{FF2B5EF4-FFF2-40B4-BE49-F238E27FC236}">
+                <a16:creationId xmlns:a16="http://schemas.microsoft.com/office/drawing/2014/main" id="{A021779E-2FA2-4A5E-A312-61C6157037DE}"/>
+              </a:ext>
+            </a:extLst>
+          </p:cNvPr>
+          <p:cNvSpPr>
+            <a:spLocks noGrp="1"/>
+          </p:cNvSpPr>
+          <p:nvPr>
+            <p:ph idx="1"/>
+          </p:nvPr>
+        </p:nvSpPr>
+        <p:spPr/>
+        <p:txBody>
+          <a:bodyPr/>
+          <a:lstStyle/>
+          <a:p>
+            <a:r>
+              <a:rPr lang="en-US" dirty="0"/>
+              <a:t>I can identify, label, and explain every section of a method header</a:t>
+            </a:r>
+          </a:p>
+          <a:p>
+            <a:r>
+              <a:rPr lang="en-US" dirty="0"/>
+              <a:t>I can call non-static void methods with parameters</a:t>
+            </a:r>
+          </a:p>
+          <a:p>
+            <a:r>
+              <a:rPr lang="en-US" dirty="0"/>
+              <a:t>I know what a mutator method is and can write one to modify an instance variable</a:t>
+            </a:r>
+          </a:p>
+          <a:p>
+            <a:pPr marL="0" indent="0">
+              <a:buNone/>
+            </a:pPr>
+            <a:endParaRPr lang="en-US" dirty="0"/>
+          </a:p>
+        </p:txBody>
+      </p:sp>
+    </p:spTree>
+    <p:extLst>
+      <p:ext uri="{BB962C8B-B14F-4D97-AF65-F5344CB8AC3E}">
+        <p14:creationId xmlns:p14="http://schemas.microsoft.com/office/powerpoint/2010/main" val="32686003"/>
+      </p:ext>
+    </p:extLst>
+  </p:cSld>
+  <p:clrMapOvr>
+    <a:masterClrMapping/>
+  </p:clrMapOvr>
+</p:sld>
+</file>
+
+<file path=ppt/slides/slide42.xml><?xml version="1.0" encoding="utf-8"?>
+<p:sld xmlns:a="http://schemas.openxmlformats.org/drawingml/2006/main" xmlns:r="http://schemas.openxmlformats.org/officeDocument/2006/relationships" xmlns:p="http://schemas.openxmlformats.org/presentationml/2006/main">
+  <p:cSld>
+    <p:bg>
+      <p:bgPr>
+        <a:solidFill>
+          <a:schemeClr val="bg2"/>
+        </a:solidFill>
+        <a:effectLst/>
+      </p:bgPr>
+    </p:bg>
+    <p:spTree>
+      <p:nvGrpSpPr>
+        <p:cNvPr id="1" name=""/>
+        <p:cNvGrpSpPr/>
+        <p:nvPr/>
+      </p:nvGrpSpPr>
+      <p:grpSpPr>
+        <a:xfrm>
+          <a:off x="0" y="0"/>
+          <a:ext cx="0" cy="0"/>
+          <a:chOff x="0" y="0"/>
+          <a:chExt cx="0" cy="0"/>
+        </a:xfrm>
+      </p:grpSpPr>
+      <p:sp>
+        <p:nvSpPr>
+          <p:cNvPr id="2" name="Title 1">
+            <a:extLst>
+              <a:ext uri="{FF2B5EF4-FFF2-40B4-BE49-F238E27FC236}">
+                <a16:creationId xmlns:a16="http://schemas.microsoft.com/office/drawing/2014/main" id="{39FBEBC1-C3A0-41A3-86DF-2D8B059FF71B}"/>
+              </a:ext>
+            </a:extLst>
+          </p:cNvPr>
+          <p:cNvSpPr>
+            <a:spLocks noGrp="1"/>
+          </p:cNvSpPr>
+          <p:nvPr>
+            <p:ph type="ctrTitle"/>
+          </p:nvPr>
+        </p:nvSpPr>
+        <p:spPr/>
+        <p:txBody>
+          <a:bodyPr/>
+          <a:lstStyle/>
+          <a:p>
+            <a:r>
+              <a:rPr lang="en-US" dirty="0"/>
+              <a:t>Unit 02</a:t>
+            </a:r>
+          </a:p>
+        </p:txBody>
+      </p:sp>
+      <p:sp>
+        <p:nvSpPr>
+          <p:cNvPr id="3" name="Subtitle 2">
+            <a:extLst>
+              <a:ext uri="{FF2B5EF4-FFF2-40B4-BE49-F238E27FC236}">
+                <a16:creationId xmlns:a16="http://schemas.microsoft.com/office/drawing/2014/main" id="{4D11C128-7CC7-49C3-9733-C1223023100F}"/>
+              </a:ext>
+            </a:extLst>
+          </p:cNvPr>
+          <p:cNvSpPr>
+            <a:spLocks noGrp="1"/>
+          </p:cNvSpPr>
+          <p:nvPr>
+            <p:ph type="subTitle" idx="1"/>
+          </p:nvPr>
+        </p:nvSpPr>
+        <p:spPr/>
+        <p:txBody>
+          <a:bodyPr/>
+          <a:lstStyle/>
+          <a:p>
+            <a:r>
+              <a:rPr lang="en-US" dirty="0"/>
+              <a:t>Calling Methods that Return Values</a:t>
+            </a:r>
+          </a:p>
+        </p:txBody>
+      </p:sp>
+    </p:spTree>
+    <p:extLst>
+      <p:ext uri="{BB962C8B-B14F-4D97-AF65-F5344CB8AC3E}">
+        <p14:creationId xmlns:p14="http://schemas.microsoft.com/office/powerpoint/2010/main" val="3139418995"/>
+      </p:ext>
+    </p:extLst>
+  </p:cSld>
+  <p:clrMapOvr>
+    <a:masterClrMapping/>
+  </p:clrMapOvr>
+</p:sld>
+</file>
+
+<file path=ppt/slides/slide43.xml><?xml version="1.0" encoding="utf-8"?>
+<p:sld xmlns:a="http://schemas.openxmlformats.org/drawingml/2006/main" xmlns:r="http://schemas.openxmlformats.org/officeDocument/2006/relationships" xmlns:p="http://schemas.openxmlformats.org/presentationml/2006/main">
+  <p:cSld>
+    <p:spTree>
+      <p:nvGrpSpPr>
+        <p:cNvPr id="1" name=""/>
+        <p:cNvGrpSpPr/>
+        <p:nvPr/>
+      </p:nvGrpSpPr>
+      <p:grpSpPr>
+        <a:xfrm>
+          <a:off x="0" y="0"/>
+          <a:ext cx="0" cy="0"/>
+          <a:chOff x="0" y="0"/>
+          <a:chExt cx="0" cy="0"/>
+        </a:xfrm>
+      </p:grpSpPr>
+      <p:sp>
+        <p:nvSpPr>
+          <p:cNvPr id="2" name="Title 1">
+            <a:extLst>
+              <a:ext uri="{FF2B5EF4-FFF2-40B4-BE49-F238E27FC236}">
+                <a16:creationId xmlns:a16="http://schemas.microsoft.com/office/drawing/2014/main" id="{2FBAD298-8535-41BA-93E2-C00797B607A4}"/>
+              </a:ext>
+            </a:extLst>
+          </p:cNvPr>
+          <p:cNvSpPr>
+            <a:spLocks noGrp="1"/>
+          </p:cNvSpPr>
+          <p:nvPr>
+            <p:ph type="title"/>
+          </p:nvPr>
+        </p:nvSpPr>
+        <p:spPr/>
+        <p:txBody>
+          <a:bodyPr/>
+          <a:lstStyle/>
+          <a:p>
+            <a:r>
+              <a:rPr lang="en-US" dirty="0"/>
+              <a:t>Overview</a:t>
+            </a:r>
+          </a:p>
+        </p:txBody>
+      </p:sp>
+      <p:sp>
+        <p:nvSpPr>
+          <p:cNvPr id="3" name="Content Placeholder 2">
+            <a:extLst>
+              <a:ext uri="{FF2B5EF4-FFF2-40B4-BE49-F238E27FC236}">
+                <a16:creationId xmlns:a16="http://schemas.microsoft.com/office/drawing/2014/main" id="{97BF11EC-95EA-4CEC-81CB-8961A028BB2E}"/>
+              </a:ext>
+            </a:extLst>
+          </p:cNvPr>
+          <p:cNvSpPr>
+            <a:spLocks noGrp="1"/>
+          </p:cNvSpPr>
+          <p:nvPr>
+            <p:ph idx="1"/>
+          </p:nvPr>
+        </p:nvSpPr>
+        <p:spPr/>
+        <p:txBody>
+          <a:bodyPr/>
+          <a:lstStyle/>
+          <a:p>
+            <a:r>
+              <a:rPr lang="en-US" dirty="0"/>
+              <a:t>Method Header w/ Return Options</a:t>
+            </a:r>
+          </a:p>
+          <a:p>
+            <a:r>
+              <a:rPr lang="en-US" dirty="0"/>
+              <a:t>Calling Methods that Return Things</a:t>
+            </a:r>
+          </a:p>
+          <a:p>
+            <a:r>
+              <a:rPr lang="en-US" dirty="0"/>
+              <a:t>“Accessor” Methods</a:t>
+            </a:r>
+          </a:p>
+          <a:p>
+            <a:endParaRPr lang="en-US" dirty="0"/>
+          </a:p>
+          <a:p>
+            <a:endParaRPr lang="en-US" dirty="0"/>
+          </a:p>
+          <a:p>
+            <a:endParaRPr lang="en-US" dirty="0"/>
+          </a:p>
+        </p:txBody>
+      </p:sp>
+    </p:spTree>
+    <p:extLst>
+      <p:ext uri="{BB962C8B-B14F-4D97-AF65-F5344CB8AC3E}">
+        <p14:creationId xmlns:p14="http://schemas.microsoft.com/office/powerpoint/2010/main" val="1529258591"/>
+      </p:ext>
+    </p:extLst>
+  </p:cSld>
+  <p:clrMapOvr>
+    <a:masterClrMapping/>
+  </p:clrMapOvr>
+</p:sld>
+</file>
+
+<file path=ppt/slides/slide44.xml><?xml version="1.0" encoding="utf-8"?>
+<p:sld xmlns:a="http://schemas.openxmlformats.org/drawingml/2006/main" xmlns:r="http://schemas.openxmlformats.org/officeDocument/2006/relationships" xmlns:p="http://schemas.openxmlformats.org/presentationml/2006/main">
+  <p:cSld>
+    <p:spTree>
+      <p:nvGrpSpPr>
+        <p:cNvPr id="1" name=""/>
+        <p:cNvGrpSpPr/>
+        <p:nvPr/>
+      </p:nvGrpSpPr>
+      <p:grpSpPr>
+        <a:xfrm>
+          <a:off x="0" y="0"/>
+          <a:ext cx="0" cy="0"/>
+          <a:chOff x="0" y="0"/>
+          <a:chExt cx="0" cy="0"/>
+        </a:xfrm>
+      </p:grpSpPr>
+      <p:sp>
+        <p:nvSpPr>
+          <p:cNvPr id="2" name="Title 1">
+            <a:extLst>
+              <a:ext uri="{FF2B5EF4-FFF2-40B4-BE49-F238E27FC236}">
+                <a16:creationId xmlns:a16="http://schemas.microsoft.com/office/drawing/2014/main" id="{39717D41-9B93-433A-A8BD-F7EA8BA3BE39}"/>
+              </a:ext>
+            </a:extLst>
+          </p:cNvPr>
+          <p:cNvSpPr>
+            <a:spLocks noGrp="1"/>
+          </p:cNvSpPr>
+          <p:nvPr>
+            <p:ph type="title"/>
+          </p:nvPr>
+        </p:nvSpPr>
+        <p:spPr/>
+        <p:txBody>
+          <a:bodyPr/>
+          <a:lstStyle/>
+          <a:p>
+            <a:r>
+              <a:rPr lang="en-US" dirty="0"/>
+              <a:t>Objectives</a:t>
+            </a:r>
+          </a:p>
+        </p:txBody>
+      </p:sp>
+      <p:sp>
+        <p:nvSpPr>
+          <p:cNvPr id="6" name="Content Placeholder 5">
+            <a:extLst>
+              <a:ext uri="{FF2B5EF4-FFF2-40B4-BE49-F238E27FC236}">
+                <a16:creationId xmlns:a16="http://schemas.microsoft.com/office/drawing/2014/main" id="{A021779E-2FA2-4A5E-A312-61C6157037DE}"/>
+              </a:ext>
+            </a:extLst>
+          </p:cNvPr>
+          <p:cNvSpPr>
+            <a:spLocks noGrp="1"/>
+          </p:cNvSpPr>
+          <p:nvPr>
+            <p:ph idx="1"/>
+          </p:nvPr>
+        </p:nvSpPr>
+        <p:spPr/>
+        <p:txBody>
+          <a:bodyPr/>
+          <a:lstStyle/>
+          <a:p>
+            <a:r>
+              <a:rPr lang="en-US" dirty="0"/>
+              <a:t>I can identify, label, and explain every section of a method header</a:t>
+            </a:r>
+          </a:p>
+          <a:p>
+            <a:r>
+              <a:rPr lang="en-US" dirty="0"/>
+              <a:t>I can call non-static non-void methods with parameters that return a value</a:t>
+            </a:r>
+          </a:p>
+          <a:p>
+            <a:r>
+              <a:rPr lang="en-US" dirty="0"/>
+              <a:t>I know what an accessor method is and can write one to return the value of an instance variable</a:t>
+            </a:r>
+          </a:p>
+          <a:p>
+            <a:endParaRPr lang="en-US" dirty="0"/>
+          </a:p>
+          <a:p>
+            <a:pPr marL="0" indent="0">
+              <a:buNone/>
+            </a:pPr>
+            <a:endParaRPr lang="en-US" dirty="0"/>
+          </a:p>
+          <a:p>
+            <a:endParaRPr lang="en-US" dirty="0"/>
+          </a:p>
+        </p:txBody>
+      </p:sp>
+    </p:spTree>
+    <p:extLst>
+      <p:ext uri="{BB962C8B-B14F-4D97-AF65-F5344CB8AC3E}">
+        <p14:creationId xmlns:p14="http://schemas.microsoft.com/office/powerpoint/2010/main" val="920751635"/>
+      </p:ext>
+    </p:extLst>
+  </p:cSld>
+  <p:clrMapOvr>
+    <a:masterClrMapping/>
+  </p:clrMapOvr>
+</p:sld>
+</file>
+
+<file path=ppt/slides/slide45.xml><?xml version="1.0" encoding="utf-8"?>
+<p:sld xmlns:a="http://schemas.openxmlformats.org/drawingml/2006/main" xmlns:r="http://schemas.openxmlformats.org/officeDocument/2006/relationships" xmlns:p="http://schemas.openxmlformats.org/presentationml/2006/main">
+  <p:cSld>
+    <p:bg>
+      <p:bgPr>
+        <a:solidFill>
+          <a:schemeClr val="bg2"/>
+        </a:solidFill>
+        <a:effectLst/>
+      </p:bgPr>
+    </p:bg>
+    <p:spTree>
+      <p:nvGrpSpPr>
+        <p:cNvPr id="1" name=""/>
+        <p:cNvGrpSpPr/>
+        <p:nvPr/>
+      </p:nvGrpSpPr>
+      <p:grpSpPr>
+        <a:xfrm>
+          <a:off x="0" y="0"/>
+          <a:ext cx="0" cy="0"/>
+          <a:chOff x="0" y="0"/>
+          <a:chExt cx="0" cy="0"/>
+        </a:xfrm>
+      </p:grpSpPr>
+      <p:sp>
+        <p:nvSpPr>
+          <p:cNvPr id="2" name="Title 1">
+            <a:extLst>
+              <a:ext uri="{FF2B5EF4-FFF2-40B4-BE49-F238E27FC236}">
+                <a16:creationId xmlns:a16="http://schemas.microsoft.com/office/drawing/2014/main" id="{39FBEBC1-C3A0-41A3-86DF-2D8B059FF71B}"/>
+              </a:ext>
+            </a:extLst>
+          </p:cNvPr>
+          <p:cNvSpPr>
+            <a:spLocks noGrp="1"/>
+          </p:cNvSpPr>
+          <p:nvPr>
+            <p:ph type="ctrTitle"/>
+          </p:nvPr>
+        </p:nvSpPr>
+        <p:spPr/>
+        <p:txBody>
+          <a:bodyPr/>
+          <a:lstStyle/>
+          <a:p>
+            <a:r>
+              <a:rPr lang="en-US" dirty="0"/>
+              <a:t>Unit 02</a:t>
+            </a:r>
+          </a:p>
+        </p:txBody>
+      </p:sp>
+      <p:sp>
+        <p:nvSpPr>
+          <p:cNvPr id="3" name="Subtitle 2">
+            <a:extLst>
+              <a:ext uri="{FF2B5EF4-FFF2-40B4-BE49-F238E27FC236}">
+                <a16:creationId xmlns:a16="http://schemas.microsoft.com/office/drawing/2014/main" id="{4D11C128-7CC7-49C3-9733-C1223023100F}"/>
+              </a:ext>
+            </a:extLst>
+          </p:cNvPr>
+          <p:cNvSpPr>
+            <a:spLocks noGrp="1"/>
+          </p:cNvSpPr>
+          <p:nvPr>
+            <p:ph type="subTitle" idx="1"/>
+          </p:nvPr>
+        </p:nvSpPr>
+        <p:spPr/>
+        <p:txBody>
+          <a:bodyPr/>
+          <a:lstStyle/>
+          <a:p>
+            <a:r>
+              <a:rPr lang="en-US" dirty="0"/>
+              <a:t>Strings</a:t>
+            </a:r>
+          </a:p>
+        </p:txBody>
+      </p:sp>
+    </p:spTree>
+    <p:extLst>
+      <p:ext uri="{BB962C8B-B14F-4D97-AF65-F5344CB8AC3E}">
+        <p14:creationId xmlns:p14="http://schemas.microsoft.com/office/powerpoint/2010/main" val="357904155"/>
+      </p:ext>
+    </p:extLst>
+  </p:cSld>
+  <p:clrMapOvr>
+    <a:masterClrMapping/>
+  </p:clrMapOvr>
+</p:sld>
+</file>
+
+<file path=ppt/slides/slide46.xml><?xml version="1.0" encoding="utf-8"?>
+<p:sld xmlns:a="http://schemas.openxmlformats.org/drawingml/2006/main" xmlns:r="http://schemas.openxmlformats.org/officeDocument/2006/relationships" xmlns:p="http://schemas.openxmlformats.org/presentationml/2006/main">
+  <p:cSld>
+    <p:spTree>
+      <p:nvGrpSpPr>
+        <p:cNvPr id="1" name=""/>
+        <p:cNvGrpSpPr/>
+        <p:nvPr/>
+      </p:nvGrpSpPr>
+      <p:grpSpPr>
+        <a:xfrm>
+          <a:off x="0" y="0"/>
+          <a:ext cx="0" cy="0"/>
+          <a:chOff x="0" y="0"/>
+          <a:chExt cx="0" cy="0"/>
+        </a:xfrm>
+      </p:grpSpPr>
+      <p:sp>
+        <p:nvSpPr>
+          <p:cNvPr id="2" name="Title 1">
+            <a:extLst>
+              <a:ext uri="{FF2B5EF4-FFF2-40B4-BE49-F238E27FC236}">
+                <a16:creationId xmlns:a16="http://schemas.microsoft.com/office/drawing/2014/main" id="{2FBAD298-8535-41BA-93E2-C00797B607A4}"/>
+              </a:ext>
+            </a:extLst>
+          </p:cNvPr>
+          <p:cNvSpPr>
+            <a:spLocks noGrp="1"/>
+          </p:cNvSpPr>
+          <p:nvPr>
+            <p:ph type="title"/>
+          </p:nvPr>
+        </p:nvSpPr>
+        <p:spPr/>
+        <p:txBody>
+          <a:bodyPr/>
+          <a:lstStyle/>
+          <a:p>
+            <a:r>
+              <a:rPr lang="en-US" dirty="0"/>
+              <a:t>Overview</a:t>
+            </a:r>
+          </a:p>
+        </p:txBody>
+      </p:sp>
+      <p:sp>
+        <p:nvSpPr>
+          <p:cNvPr id="3" name="Content Placeholder 2">
+            <a:extLst>
+              <a:ext uri="{FF2B5EF4-FFF2-40B4-BE49-F238E27FC236}">
+                <a16:creationId xmlns:a16="http://schemas.microsoft.com/office/drawing/2014/main" id="{97BF11EC-95EA-4CEC-81CB-8961A028BB2E}"/>
+              </a:ext>
+            </a:extLst>
+          </p:cNvPr>
+          <p:cNvSpPr>
+            <a:spLocks noGrp="1"/>
+          </p:cNvSpPr>
+          <p:nvPr>
+            <p:ph idx="1"/>
+          </p:nvPr>
+        </p:nvSpPr>
+        <p:spPr/>
+        <p:txBody>
+          <a:bodyPr/>
+          <a:lstStyle/>
+          <a:p>
+            <a:pPr marL="0" indent="0">
+              <a:buNone/>
+            </a:pPr>
+            <a:r>
+              <a:rPr lang="en-US" dirty="0"/>
+              <a:t>Constructing String objects</a:t>
+            </a:r>
+          </a:p>
+          <a:p>
+            <a:pPr marL="0" indent="0">
+              <a:buNone/>
+            </a:pPr>
+            <a:r>
+              <a:rPr lang="en-US" dirty="0"/>
+              <a:t>Calling String Methods</a:t>
+            </a:r>
+          </a:p>
+        </p:txBody>
+      </p:sp>
+    </p:spTree>
+    <p:extLst>
+      <p:ext uri="{BB962C8B-B14F-4D97-AF65-F5344CB8AC3E}">
+        <p14:creationId xmlns:p14="http://schemas.microsoft.com/office/powerpoint/2010/main" val="684452808"/>
+      </p:ext>
+    </p:extLst>
+  </p:cSld>
+  <p:clrMapOvr>
+    <a:masterClrMapping/>
+  </p:clrMapOvr>
+</p:sld>
+</file>
+
+<file path=ppt/slides/slide47.xml><?xml version="1.0" encoding="utf-8"?>
+<p:sld xmlns:a="http://schemas.openxmlformats.org/drawingml/2006/main" xmlns:r="http://schemas.openxmlformats.org/officeDocument/2006/relationships" xmlns:p="http://schemas.openxmlformats.org/presentationml/2006/main">
+  <p:cSld>
+    <p:spTree>
+      <p:nvGrpSpPr>
+        <p:cNvPr id="1" name=""/>
+        <p:cNvGrpSpPr/>
+        <p:nvPr/>
+      </p:nvGrpSpPr>
+      <p:grpSpPr>
+        <a:xfrm>
+          <a:off x="0" y="0"/>
+          <a:ext cx="0" cy="0"/>
+          <a:chOff x="0" y="0"/>
+          <a:chExt cx="0" cy="0"/>
+        </a:xfrm>
+      </p:grpSpPr>
+      <p:sp>
+        <p:nvSpPr>
+          <p:cNvPr id="2" name="Title 1">
+            <a:extLst>
+              <a:ext uri="{FF2B5EF4-FFF2-40B4-BE49-F238E27FC236}">
+                <a16:creationId xmlns:a16="http://schemas.microsoft.com/office/drawing/2014/main" id="{39717D41-9B93-433A-A8BD-F7EA8BA3BE39}"/>
+              </a:ext>
+            </a:extLst>
+          </p:cNvPr>
+          <p:cNvSpPr>
+            <a:spLocks noGrp="1"/>
+          </p:cNvSpPr>
+          <p:nvPr>
+            <p:ph type="title"/>
+          </p:nvPr>
+        </p:nvSpPr>
+        <p:spPr/>
+        <p:txBody>
+          <a:bodyPr/>
+          <a:lstStyle/>
+          <a:p>
+            <a:r>
+              <a:rPr lang="en-US" dirty="0"/>
+              <a:t>Objectives</a:t>
+            </a:r>
+          </a:p>
+        </p:txBody>
+      </p:sp>
+      <p:sp>
+        <p:nvSpPr>
+          <p:cNvPr id="6" name="Content Placeholder 5">
+            <a:extLst>
+              <a:ext uri="{FF2B5EF4-FFF2-40B4-BE49-F238E27FC236}">
+                <a16:creationId xmlns:a16="http://schemas.microsoft.com/office/drawing/2014/main" id="{A021779E-2FA2-4A5E-A312-61C6157037DE}"/>
+              </a:ext>
+            </a:extLst>
+          </p:cNvPr>
+          <p:cNvSpPr>
+            <a:spLocks noGrp="1"/>
+          </p:cNvSpPr>
+          <p:nvPr>
+            <p:ph idx="1"/>
+          </p:nvPr>
+        </p:nvSpPr>
+        <p:spPr/>
+        <p:txBody>
+          <a:bodyPr/>
+          <a:lstStyle/>
+          <a:p>
+            <a:r>
+              <a:rPr lang="en-US" dirty="0"/>
+              <a:t>I can create String objects</a:t>
+            </a:r>
+          </a:p>
+          <a:p>
+            <a:r>
+              <a:rPr lang="en-US" dirty="0"/>
+              <a:t>I know Strings are immutable</a:t>
+            </a:r>
+          </a:p>
+          <a:p>
+            <a:r>
+              <a:rPr lang="en-US" dirty="0"/>
+              <a:t>I can call String methods and utilize them in my code</a:t>
+            </a:r>
+          </a:p>
+          <a:p>
+            <a:pPr lvl="1"/>
+            <a:r>
+              <a:rPr lang="en-US" dirty="0"/>
+              <a:t>substring(int start)</a:t>
+            </a:r>
+          </a:p>
+          <a:p>
+            <a:pPr lvl="1"/>
+            <a:r>
+              <a:rPr lang="en-US" dirty="0"/>
+              <a:t>substring(int start, int end)</a:t>
+            </a:r>
+          </a:p>
+          <a:p>
+            <a:pPr lvl="1"/>
+            <a:r>
+              <a:rPr lang="en-US" dirty="0" err="1"/>
+              <a:t>charAt</a:t>
+            </a:r>
+            <a:r>
+              <a:rPr lang="en-US" dirty="0"/>
+              <a:t>(int index)</a:t>
+            </a:r>
+          </a:p>
+          <a:p>
+            <a:pPr lvl="1"/>
+            <a:r>
+              <a:rPr lang="en-US" dirty="0"/>
+              <a:t>length()</a:t>
+            </a:r>
+          </a:p>
+        </p:txBody>
+      </p:sp>
+    </p:spTree>
+    <p:extLst>
+      <p:ext uri="{BB962C8B-B14F-4D97-AF65-F5344CB8AC3E}">
+        <p14:creationId xmlns:p14="http://schemas.microsoft.com/office/powerpoint/2010/main" val="4246258472"/>
+      </p:ext>
+    </p:extLst>
+  </p:cSld>
+  <p:clrMapOvr>
+    <a:masterClrMapping/>
+  </p:clrMapOvr>
+</p:sld>
+</file>
+
+<file path=ppt/slides/slide48.xml><?xml version="1.0" encoding="utf-8"?>
+<p:sld xmlns:a="http://schemas.openxmlformats.org/drawingml/2006/main" xmlns:r="http://schemas.openxmlformats.org/officeDocument/2006/relationships" xmlns:p="http://schemas.openxmlformats.org/presentationml/2006/main">
+  <p:cSld>
+    <p:bg>
+      <p:bgPr>
+        <a:solidFill>
+          <a:schemeClr val="bg2"/>
+        </a:solidFill>
+        <a:effectLst/>
+      </p:bgPr>
+    </p:bg>
+    <p:spTree>
+      <p:nvGrpSpPr>
+        <p:cNvPr id="1" name=""/>
+        <p:cNvGrpSpPr/>
+        <p:nvPr/>
+      </p:nvGrpSpPr>
+      <p:grpSpPr>
+        <a:xfrm>
+          <a:off x="0" y="0"/>
+          <a:ext cx="0" cy="0"/>
+          <a:chOff x="0" y="0"/>
+          <a:chExt cx="0" cy="0"/>
+        </a:xfrm>
+      </p:grpSpPr>
+      <p:sp>
+        <p:nvSpPr>
+          <p:cNvPr id="2" name="Title 1">
+            <a:extLst>
+              <a:ext uri="{FF2B5EF4-FFF2-40B4-BE49-F238E27FC236}">
+                <a16:creationId xmlns:a16="http://schemas.microsoft.com/office/drawing/2014/main" id="{39FBEBC1-C3A0-41A3-86DF-2D8B059FF71B}"/>
+              </a:ext>
+            </a:extLst>
+          </p:cNvPr>
+          <p:cNvSpPr>
+            <a:spLocks noGrp="1"/>
+          </p:cNvSpPr>
+          <p:nvPr>
+            <p:ph type="ctrTitle"/>
+          </p:nvPr>
+        </p:nvSpPr>
+        <p:spPr/>
+        <p:txBody>
+          <a:bodyPr/>
+          <a:lstStyle/>
+          <a:p>
+            <a:r>
+              <a:rPr lang="en-US" dirty="0"/>
+              <a:t>Unit 02</a:t>
+            </a:r>
+          </a:p>
+        </p:txBody>
+      </p:sp>
+      <p:sp>
+        <p:nvSpPr>
+          <p:cNvPr id="3" name="Subtitle 2">
+            <a:extLst>
+              <a:ext uri="{FF2B5EF4-FFF2-40B4-BE49-F238E27FC236}">
+                <a16:creationId xmlns:a16="http://schemas.microsoft.com/office/drawing/2014/main" id="{4D11C128-7CC7-49C3-9733-C1223023100F}"/>
+              </a:ext>
+            </a:extLst>
+          </p:cNvPr>
+          <p:cNvSpPr>
+            <a:spLocks noGrp="1"/>
+          </p:cNvSpPr>
+          <p:nvPr>
+            <p:ph type="subTitle" idx="1"/>
+          </p:nvPr>
+        </p:nvSpPr>
+        <p:spPr/>
+        <p:txBody>
+          <a:bodyPr/>
+          <a:lstStyle/>
+          <a:p>
+            <a:r>
+              <a:rPr lang="en-US" dirty="0"/>
+              <a:t>String Methods</a:t>
+            </a:r>
+          </a:p>
+        </p:txBody>
+      </p:sp>
+    </p:spTree>
+    <p:extLst>
+      <p:ext uri="{BB962C8B-B14F-4D97-AF65-F5344CB8AC3E}">
+        <p14:creationId xmlns:p14="http://schemas.microsoft.com/office/powerpoint/2010/main" val="3047323592"/>
+      </p:ext>
+    </p:extLst>
+  </p:cSld>
+  <p:clrMapOvr>
+    <a:masterClrMapping/>
+  </p:clrMapOvr>
+</p:sld>
+</file>
+
+<file path=ppt/slides/slide49.xml><?xml version="1.0" encoding="utf-8"?>
+<p:sld xmlns:a="http://schemas.openxmlformats.org/drawingml/2006/main" xmlns:r="http://schemas.openxmlformats.org/officeDocument/2006/relationships" xmlns:p="http://schemas.openxmlformats.org/presentationml/2006/main">
+  <p:cSld>
+    <p:spTree>
+      <p:nvGrpSpPr>
+        <p:cNvPr id="1" name=""/>
+        <p:cNvGrpSpPr/>
+        <p:nvPr/>
+      </p:nvGrpSpPr>
+      <p:grpSpPr>
+        <a:xfrm>
+          <a:off x="0" y="0"/>
+          <a:ext cx="0" cy="0"/>
+          <a:chOff x="0" y="0"/>
+          <a:chExt cx="0" cy="0"/>
+        </a:xfrm>
+      </p:grpSpPr>
+      <p:sp>
+        <p:nvSpPr>
+          <p:cNvPr id="2" name="Title 1">
+            <a:extLst>
+              <a:ext uri="{FF2B5EF4-FFF2-40B4-BE49-F238E27FC236}">
+                <a16:creationId xmlns:a16="http://schemas.microsoft.com/office/drawing/2014/main" id="{2FBAD298-8535-41BA-93E2-C00797B607A4}"/>
+              </a:ext>
+            </a:extLst>
+          </p:cNvPr>
+          <p:cNvSpPr>
+            <a:spLocks noGrp="1"/>
+          </p:cNvSpPr>
+          <p:nvPr>
+            <p:ph type="title"/>
+          </p:nvPr>
+        </p:nvSpPr>
+        <p:spPr/>
+        <p:txBody>
+          <a:bodyPr/>
+          <a:lstStyle/>
+          <a:p>
+            <a:r>
+              <a:rPr lang="en-US" dirty="0"/>
+              <a:t>Overview</a:t>
+            </a:r>
+          </a:p>
+        </p:txBody>
+      </p:sp>
+      <p:sp>
+        <p:nvSpPr>
+          <p:cNvPr id="3" name="Content Placeholder 2">
+            <a:extLst>
+              <a:ext uri="{FF2B5EF4-FFF2-40B4-BE49-F238E27FC236}">
+                <a16:creationId xmlns:a16="http://schemas.microsoft.com/office/drawing/2014/main" id="{97BF11EC-95EA-4CEC-81CB-8961A028BB2E}"/>
+              </a:ext>
+            </a:extLst>
+          </p:cNvPr>
+          <p:cNvSpPr>
+            <a:spLocks noGrp="1"/>
+          </p:cNvSpPr>
+          <p:nvPr>
+            <p:ph idx="1"/>
+          </p:nvPr>
+        </p:nvSpPr>
+        <p:spPr/>
+        <p:txBody>
+          <a:bodyPr/>
+          <a:lstStyle/>
+          <a:p>
+            <a:pPr marL="0" indent="0">
+              <a:buNone/>
+            </a:pPr>
+            <a:r>
+              <a:rPr lang="en-US" dirty="0"/>
+              <a:t>Calling String Methods (more)</a:t>
+            </a:r>
+          </a:p>
+        </p:txBody>
+      </p:sp>
+    </p:spTree>
+    <p:extLst>
+      <p:ext uri="{BB962C8B-B14F-4D97-AF65-F5344CB8AC3E}">
+        <p14:creationId xmlns:p14="http://schemas.microsoft.com/office/powerpoint/2010/main" val="640553312"/>
+      </p:ext>
+    </p:extLst>
+  </p:cSld>
+  <p:clrMapOvr>
+    <a:masterClrMapping/>
+  </p:clrMapOvr>
+</p:sld>
+</file>
+
+<file path=ppt/slides/slide5.xml><?xml version="1.0" encoding="utf-8"?>
 <p:sld xmlns:a="http://schemas.openxmlformats.org/drawingml/2006/main" xmlns:r="http://schemas.openxmlformats.org/officeDocument/2006/relationships" xmlns:p="http://schemas.openxmlformats.org/presentationml/2006/main">
   <p:cSld>
     <p:spTree>
@@ -4576,7 +12465,7 @@
 </p:sld>
 </file>
 
-<file path=ppt/slides/slide4.xml><?xml version="1.0" encoding="utf-8"?>
+<file path=ppt/slides/slide50.xml><?xml version="1.0" encoding="utf-8"?>
 <p:sld xmlns:a="http://schemas.openxmlformats.org/drawingml/2006/main" xmlns:r="http://schemas.openxmlformats.org/officeDocument/2006/relationships" xmlns:p="http://schemas.openxmlformats.org/presentationml/2006/main">
   <p:cSld>
     <p:spTree>
@@ -4598,7 +12487,7 @@
           <p:cNvPr id="2" name="Title 1">
             <a:extLst>
               <a:ext uri="{FF2B5EF4-FFF2-40B4-BE49-F238E27FC236}">
-                <a16:creationId xmlns:a16="http://schemas.microsoft.com/office/drawing/2014/main" id="{2FBAD298-8535-41BA-93E2-C00797B607A4}"/>
+                <a16:creationId xmlns:a16="http://schemas.microsoft.com/office/drawing/2014/main" id="{39717D41-9B93-433A-A8BD-F7EA8BA3BE39}"/>
               </a:ext>
             </a:extLst>
           </p:cNvPr>
@@ -4616,17 +12505,17 @@
           <a:p>
             <a:r>
               <a:rPr lang="en-US" dirty="0"/>
-              <a:t>Overview</a:t>
-            </a:r>
-          </a:p>
-        </p:txBody>
-      </p:sp>
-      <p:sp>
-        <p:nvSpPr>
-          <p:cNvPr id="3" name="Content Placeholder 2">
-            <a:extLst>
-              <a:ext uri="{FF2B5EF4-FFF2-40B4-BE49-F238E27FC236}">
-                <a16:creationId xmlns:a16="http://schemas.microsoft.com/office/drawing/2014/main" id="{97BF11EC-95EA-4CEC-81CB-8961A028BB2E}"/>
+              <a:t>Objectives</a:t>
+            </a:r>
+          </a:p>
+        </p:txBody>
+      </p:sp>
+      <p:sp>
+        <p:nvSpPr>
+          <p:cNvPr id="6" name="Content Placeholder 5">
+            <a:extLst>
+              <a:ext uri="{FF2B5EF4-FFF2-40B4-BE49-F238E27FC236}">
+                <a16:creationId xmlns:a16="http://schemas.microsoft.com/office/drawing/2014/main" id="{A021779E-2FA2-4A5E-A312-61C6157037DE}"/>
               </a:ext>
             </a:extLst>
           </p:cNvPr>
@@ -4637,40 +12526,118 @@
             <p:ph idx="1"/>
           </p:nvPr>
         </p:nvSpPr>
-        <p:spPr/>
-        <p:txBody>
-          <a:bodyPr/>
-          <a:lstStyle/>
-          <a:p>
-            <a:r>
-              <a:rPr lang="en-US" dirty="0"/>
-              <a:t>public class – What is a Class?</a:t>
-            </a:r>
-          </a:p>
-          <a:p>
-            <a:r>
-              <a:rPr lang="en-US" dirty="0"/>
-              <a:t>What is an object?</a:t>
-            </a:r>
-          </a:p>
-          <a:p>
-            <a:r>
-              <a:rPr lang="en-US" dirty="0"/>
-              <a:t>Turtle object practice </a:t>
-            </a:r>
-          </a:p>
-          <a:p>
-            <a:pPr marL="0" indent="0">
-              <a:buNone/>
-            </a:pPr>
-            <a:endParaRPr lang="en-US" dirty="0"/>
+        <p:spPr>
+          <a:xfrm>
+            <a:off x="1097280" y="1845734"/>
+            <a:ext cx="10058400" cy="4308486"/>
+          </a:xfrm>
+        </p:spPr>
+        <p:txBody>
+          <a:bodyPr>
+            <a:normAutofit/>
+          </a:bodyPr>
+          <a:lstStyle/>
+          <a:p>
+            <a:r>
+              <a:rPr lang="en-US" dirty="0"/>
+              <a:t>I can call String methods</a:t>
+            </a:r>
+          </a:p>
+          <a:p>
+            <a:pPr lvl="1"/>
+            <a:r>
+              <a:rPr lang="en-US" dirty="0" err="1"/>
+              <a:t>indexOf</a:t>
+            </a:r>
+            <a:r>
+              <a:rPr lang="en-US" dirty="0"/>
+              <a:t>(String str)</a:t>
+            </a:r>
+          </a:p>
+          <a:p>
+            <a:pPr lvl="1"/>
+            <a:r>
+              <a:rPr lang="en-US" dirty="0" err="1"/>
+              <a:t>indexOf</a:t>
+            </a:r>
+            <a:r>
+              <a:rPr lang="en-US" dirty="0"/>
+              <a:t>(char c)</a:t>
+            </a:r>
+          </a:p>
+          <a:p>
+            <a:pPr lvl="1"/>
+            <a:r>
+              <a:rPr lang="en-US" dirty="0" err="1"/>
+              <a:t>lastIndexOf</a:t>
+            </a:r>
+            <a:r>
+              <a:rPr lang="en-US" dirty="0"/>
+              <a:t>(String str)</a:t>
+            </a:r>
+          </a:p>
+          <a:p>
+            <a:pPr lvl="1"/>
+            <a:r>
+              <a:rPr lang="en-US" dirty="0" err="1"/>
+              <a:t>lastIndexOf</a:t>
+            </a:r>
+            <a:r>
+              <a:rPr lang="en-US" dirty="0"/>
+              <a:t>(char c)</a:t>
+            </a:r>
+          </a:p>
+          <a:p>
+            <a:pPr lvl="1"/>
+            <a:r>
+              <a:rPr lang="en-US" dirty="0"/>
+              <a:t>equals(String s)</a:t>
+            </a:r>
+          </a:p>
+          <a:p>
+            <a:pPr lvl="1"/>
+            <a:r>
+              <a:rPr lang="en-US" dirty="0" err="1"/>
+              <a:t>compareTo</a:t>
+            </a:r>
+            <a:r>
+              <a:rPr lang="en-US" dirty="0"/>
+              <a:t>(String s)</a:t>
+            </a:r>
+          </a:p>
+          <a:p>
+            <a:r>
+              <a:rPr lang="en-US" dirty="0"/>
+              <a:t>I know to use .equals() when comparing Objects</a:t>
+            </a:r>
+          </a:p>
+          <a:p>
+            <a:pPr lvl="1"/>
+            <a:r>
+              <a:rPr lang="en-US" dirty="0"/>
+              <a:t>== compares what is ‘inside the box’</a:t>
+            </a:r>
+          </a:p>
+          <a:p>
+            <a:pPr lvl="1"/>
+            <a:r>
+              <a:rPr lang="en-US" dirty="0"/>
+              <a:t>.equals() compares what the address inside the box is pointing to</a:t>
+            </a:r>
+          </a:p>
+          <a:p>
+            <a:pPr lvl="1"/>
+            <a:r>
+              <a:rPr lang="en-US" dirty="0"/>
+              <a:t>.equals() inherits from the granddaddy Object class and we have to ‘override’ it</a:t>
+            </a:r>
           </a:p>
         </p:txBody>
       </p:sp>
     </p:spTree>
     <p:extLst>
       <p:ext uri="{BB962C8B-B14F-4D97-AF65-F5344CB8AC3E}">
-        <p14:creationId xmlns:p14="http://schemas.microsoft.com/office/powerpoint/2010/main" val="2893643321"/>
+        <p14:creationId xmlns:p14="http://schemas.microsoft.com/office/powerpoint/2010/main" val="388787546"/>
       </p:ext>
     </p:extLst>
   </p:cSld>
@@ -4680,7 +12647,456 @@
 </p:sld>
 </file>
 
-<file path=ppt/slides/slide5.xml><?xml version="1.0" encoding="utf-8"?>
+<file path=ppt/slides/slide51.xml><?xml version="1.0" encoding="utf-8"?>
+<p:sld xmlns:a="http://schemas.openxmlformats.org/drawingml/2006/main" xmlns:r="http://schemas.openxmlformats.org/officeDocument/2006/relationships" xmlns:p="http://schemas.openxmlformats.org/presentationml/2006/main">
+  <p:cSld>
+    <p:bg>
+      <p:bgPr>
+        <a:solidFill>
+          <a:schemeClr val="bg2"/>
+        </a:solidFill>
+        <a:effectLst/>
+      </p:bgPr>
+    </p:bg>
+    <p:spTree>
+      <p:nvGrpSpPr>
+        <p:cNvPr id="1" name=""/>
+        <p:cNvGrpSpPr/>
+        <p:nvPr/>
+      </p:nvGrpSpPr>
+      <p:grpSpPr>
+        <a:xfrm>
+          <a:off x="0" y="0"/>
+          <a:ext cx="0" cy="0"/>
+          <a:chOff x="0" y="0"/>
+          <a:chExt cx="0" cy="0"/>
+        </a:xfrm>
+      </p:grpSpPr>
+      <p:sp>
+        <p:nvSpPr>
+          <p:cNvPr id="2" name="Title 1">
+            <a:extLst>
+              <a:ext uri="{FF2B5EF4-FFF2-40B4-BE49-F238E27FC236}">
+                <a16:creationId xmlns:a16="http://schemas.microsoft.com/office/drawing/2014/main" id="{39FBEBC1-C3A0-41A3-86DF-2D8B059FF71B}"/>
+              </a:ext>
+            </a:extLst>
+          </p:cNvPr>
+          <p:cNvSpPr>
+            <a:spLocks noGrp="1"/>
+          </p:cNvSpPr>
+          <p:nvPr>
+            <p:ph type="ctrTitle"/>
+          </p:nvPr>
+        </p:nvSpPr>
+        <p:spPr/>
+        <p:txBody>
+          <a:bodyPr/>
+          <a:lstStyle/>
+          <a:p>
+            <a:r>
+              <a:rPr lang="en-US" dirty="0"/>
+              <a:t>Unit 02</a:t>
+            </a:r>
+          </a:p>
+        </p:txBody>
+      </p:sp>
+      <p:sp>
+        <p:nvSpPr>
+          <p:cNvPr id="3" name="Subtitle 2">
+            <a:extLst>
+              <a:ext uri="{FF2B5EF4-FFF2-40B4-BE49-F238E27FC236}">
+                <a16:creationId xmlns:a16="http://schemas.microsoft.com/office/drawing/2014/main" id="{4D11C128-7CC7-49C3-9733-C1223023100F}"/>
+              </a:ext>
+            </a:extLst>
+          </p:cNvPr>
+          <p:cNvSpPr>
+            <a:spLocks noGrp="1"/>
+          </p:cNvSpPr>
+          <p:nvPr>
+            <p:ph type="subTitle" idx="1"/>
+          </p:nvPr>
+        </p:nvSpPr>
+        <p:spPr/>
+        <p:txBody>
+          <a:bodyPr/>
+          <a:lstStyle/>
+          <a:p>
+            <a:r>
+              <a:rPr lang="en-US" dirty="0"/>
+              <a:t>Using the Math Class</a:t>
+            </a:r>
+          </a:p>
+        </p:txBody>
+      </p:sp>
+    </p:spTree>
+    <p:extLst>
+      <p:ext uri="{BB962C8B-B14F-4D97-AF65-F5344CB8AC3E}">
+        <p14:creationId xmlns:p14="http://schemas.microsoft.com/office/powerpoint/2010/main" val="3587590488"/>
+      </p:ext>
+    </p:extLst>
+  </p:cSld>
+  <p:clrMapOvr>
+    <a:masterClrMapping/>
+  </p:clrMapOvr>
+</p:sld>
+</file>
+
+<file path=ppt/slides/slide52.xml><?xml version="1.0" encoding="utf-8"?>
+<p:sld xmlns:a="http://schemas.openxmlformats.org/drawingml/2006/main" xmlns:r="http://schemas.openxmlformats.org/officeDocument/2006/relationships" xmlns:p="http://schemas.openxmlformats.org/presentationml/2006/main">
+  <p:cSld>
+    <p:spTree>
+      <p:nvGrpSpPr>
+        <p:cNvPr id="1" name=""/>
+        <p:cNvGrpSpPr/>
+        <p:nvPr/>
+      </p:nvGrpSpPr>
+      <p:grpSpPr>
+        <a:xfrm>
+          <a:off x="0" y="0"/>
+          <a:ext cx="0" cy="0"/>
+          <a:chOff x="0" y="0"/>
+          <a:chExt cx="0" cy="0"/>
+        </a:xfrm>
+      </p:grpSpPr>
+      <p:sp>
+        <p:nvSpPr>
+          <p:cNvPr id="2" name="Title 1">
+            <a:extLst>
+              <a:ext uri="{FF2B5EF4-FFF2-40B4-BE49-F238E27FC236}">
+                <a16:creationId xmlns:a16="http://schemas.microsoft.com/office/drawing/2014/main" id="{2FBAD298-8535-41BA-93E2-C00797B607A4}"/>
+              </a:ext>
+            </a:extLst>
+          </p:cNvPr>
+          <p:cNvSpPr>
+            <a:spLocks noGrp="1"/>
+          </p:cNvSpPr>
+          <p:nvPr>
+            <p:ph type="title"/>
+          </p:nvPr>
+        </p:nvSpPr>
+        <p:spPr/>
+        <p:txBody>
+          <a:bodyPr/>
+          <a:lstStyle/>
+          <a:p>
+            <a:r>
+              <a:rPr lang="en-US" dirty="0"/>
+              <a:t>Overview</a:t>
+            </a:r>
+          </a:p>
+        </p:txBody>
+      </p:sp>
+      <p:sp>
+        <p:nvSpPr>
+          <p:cNvPr id="3" name="Content Placeholder 2">
+            <a:extLst>
+              <a:ext uri="{FF2B5EF4-FFF2-40B4-BE49-F238E27FC236}">
+                <a16:creationId xmlns:a16="http://schemas.microsoft.com/office/drawing/2014/main" id="{97BF11EC-95EA-4CEC-81CB-8961A028BB2E}"/>
+              </a:ext>
+            </a:extLst>
+          </p:cNvPr>
+          <p:cNvSpPr>
+            <a:spLocks noGrp="1"/>
+          </p:cNvSpPr>
+          <p:nvPr>
+            <p:ph idx="1"/>
+          </p:nvPr>
+        </p:nvSpPr>
+        <p:spPr/>
+        <p:txBody>
+          <a:bodyPr/>
+          <a:lstStyle/>
+          <a:p>
+            <a:pPr marL="0" indent="0">
+              <a:buNone/>
+            </a:pPr>
+            <a:r>
+              <a:rPr lang="en-US" dirty="0"/>
+              <a:t>What does static mean?</a:t>
+            </a:r>
+          </a:p>
+          <a:p>
+            <a:pPr marL="0" indent="0">
+              <a:buNone/>
+            </a:pPr>
+            <a:r>
+              <a:rPr lang="en-US" dirty="0"/>
+              <a:t>Calling static methods</a:t>
+            </a:r>
+          </a:p>
+          <a:p>
+            <a:pPr marL="0" indent="0">
+              <a:buNone/>
+            </a:pPr>
+            <a:r>
+              <a:rPr lang="en-US" dirty="0"/>
+              <a:t>Static/Instance Variables + Methods</a:t>
+            </a:r>
+          </a:p>
+        </p:txBody>
+      </p:sp>
+    </p:spTree>
+    <p:extLst>
+      <p:ext uri="{BB962C8B-B14F-4D97-AF65-F5344CB8AC3E}">
+        <p14:creationId xmlns:p14="http://schemas.microsoft.com/office/powerpoint/2010/main" val="3552635432"/>
+      </p:ext>
+    </p:extLst>
+  </p:cSld>
+  <p:clrMapOvr>
+    <a:masterClrMapping/>
+  </p:clrMapOvr>
+</p:sld>
+</file>
+
+<file path=ppt/slides/slide53.xml><?xml version="1.0" encoding="utf-8"?>
+<p:sld xmlns:a="http://schemas.openxmlformats.org/drawingml/2006/main" xmlns:r="http://schemas.openxmlformats.org/officeDocument/2006/relationships" xmlns:p="http://schemas.openxmlformats.org/presentationml/2006/main">
+  <p:cSld>
+    <p:spTree>
+      <p:nvGrpSpPr>
+        <p:cNvPr id="1" name=""/>
+        <p:cNvGrpSpPr/>
+        <p:nvPr/>
+      </p:nvGrpSpPr>
+      <p:grpSpPr>
+        <a:xfrm>
+          <a:off x="0" y="0"/>
+          <a:ext cx="0" cy="0"/>
+          <a:chOff x="0" y="0"/>
+          <a:chExt cx="0" cy="0"/>
+        </a:xfrm>
+      </p:grpSpPr>
+      <p:sp>
+        <p:nvSpPr>
+          <p:cNvPr id="2" name="Title 1">
+            <a:extLst>
+              <a:ext uri="{FF2B5EF4-FFF2-40B4-BE49-F238E27FC236}">
+                <a16:creationId xmlns:a16="http://schemas.microsoft.com/office/drawing/2014/main" id="{39717D41-9B93-433A-A8BD-F7EA8BA3BE39}"/>
+              </a:ext>
+            </a:extLst>
+          </p:cNvPr>
+          <p:cNvSpPr>
+            <a:spLocks noGrp="1"/>
+          </p:cNvSpPr>
+          <p:nvPr>
+            <p:ph type="title"/>
+          </p:nvPr>
+        </p:nvSpPr>
+        <p:spPr/>
+        <p:txBody>
+          <a:bodyPr/>
+          <a:lstStyle/>
+          <a:p>
+            <a:r>
+              <a:rPr lang="en-US" dirty="0"/>
+              <a:t>Objectives</a:t>
+            </a:r>
+          </a:p>
+        </p:txBody>
+      </p:sp>
+      <p:sp>
+        <p:nvSpPr>
+          <p:cNvPr id="6" name="Content Placeholder 5">
+            <a:extLst>
+              <a:ext uri="{FF2B5EF4-FFF2-40B4-BE49-F238E27FC236}">
+                <a16:creationId xmlns:a16="http://schemas.microsoft.com/office/drawing/2014/main" id="{A021779E-2FA2-4A5E-A312-61C6157037DE}"/>
+              </a:ext>
+            </a:extLst>
+          </p:cNvPr>
+          <p:cNvSpPr>
+            <a:spLocks noGrp="1"/>
+          </p:cNvSpPr>
+          <p:nvPr>
+            <p:ph idx="1"/>
+          </p:nvPr>
+        </p:nvSpPr>
+        <p:spPr/>
+        <p:txBody>
+          <a:bodyPr/>
+          <a:lstStyle/>
+          <a:p>
+            <a:pPr marL="0" indent="0">
+              <a:buNone/>
+            </a:pPr>
+            <a:r>
+              <a:rPr lang="en-US" dirty="0"/>
+              <a:t>I can call static methods</a:t>
+            </a:r>
+          </a:p>
+          <a:p>
+            <a:pPr marL="0" indent="0">
+              <a:buNone/>
+            </a:pPr>
+            <a:r>
+              <a:rPr lang="en-US" dirty="0"/>
+              <a:t>I can evaluate expressions that use the Math class methods</a:t>
+            </a:r>
+          </a:p>
+          <a:p>
+            <a:endParaRPr lang="en-US" dirty="0"/>
+          </a:p>
+        </p:txBody>
+      </p:sp>
+    </p:spTree>
+    <p:extLst>
+      <p:ext uri="{BB962C8B-B14F-4D97-AF65-F5344CB8AC3E}">
+        <p14:creationId xmlns:p14="http://schemas.microsoft.com/office/powerpoint/2010/main" val="3091322002"/>
+      </p:ext>
+    </p:extLst>
+  </p:cSld>
+  <p:clrMapOvr>
+    <a:masterClrMapping/>
+  </p:clrMapOvr>
+</p:sld>
+</file>
+
+<file path=ppt/slides/slide54.xml><?xml version="1.0" encoding="utf-8"?>
+<p:sld xmlns:a="http://schemas.openxmlformats.org/drawingml/2006/main" xmlns:r="http://schemas.openxmlformats.org/officeDocument/2006/relationships" xmlns:p="http://schemas.openxmlformats.org/presentationml/2006/main">
+  <p:cSld>
+    <p:spTree>
+      <p:nvGrpSpPr>
+        <p:cNvPr id="1" name=""/>
+        <p:cNvGrpSpPr/>
+        <p:nvPr/>
+      </p:nvGrpSpPr>
+      <p:grpSpPr>
+        <a:xfrm>
+          <a:off x="0" y="0"/>
+          <a:ext cx="0" cy="0"/>
+          <a:chOff x="0" y="0"/>
+          <a:chExt cx="0" cy="0"/>
+        </a:xfrm>
+      </p:grpSpPr>
+      <p:sp>
+        <p:nvSpPr>
+          <p:cNvPr id="2" name="Title 1">
+            <a:extLst>
+              <a:ext uri="{FF2B5EF4-FFF2-40B4-BE49-F238E27FC236}">
+                <a16:creationId xmlns:a16="http://schemas.microsoft.com/office/drawing/2014/main" id="{75355994-6C54-41DA-9FEF-22C4894D5C02}"/>
+              </a:ext>
+            </a:extLst>
+          </p:cNvPr>
+          <p:cNvSpPr>
+            <a:spLocks noGrp="1"/>
+          </p:cNvSpPr>
+          <p:nvPr>
+            <p:ph type="title"/>
+          </p:nvPr>
+        </p:nvSpPr>
+        <p:spPr/>
+        <p:txBody>
+          <a:bodyPr/>
+          <a:lstStyle/>
+          <a:p>
+            <a:r>
+              <a:rPr lang="en-US" dirty="0"/>
+              <a:t>Follow Up</a:t>
+            </a:r>
+          </a:p>
+        </p:txBody>
+      </p:sp>
+      <p:sp>
+        <p:nvSpPr>
+          <p:cNvPr id="3" name="Content Placeholder 2">
+            <a:extLst>
+              <a:ext uri="{FF2B5EF4-FFF2-40B4-BE49-F238E27FC236}">
+                <a16:creationId xmlns:a16="http://schemas.microsoft.com/office/drawing/2014/main" id="{E6A666D6-AB47-4AC5-AF89-E91B76A86F1C}"/>
+              </a:ext>
+            </a:extLst>
+          </p:cNvPr>
+          <p:cNvSpPr>
+            <a:spLocks noGrp="1"/>
+          </p:cNvSpPr>
+          <p:nvPr>
+            <p:ph idx="1"/>
+          </p:nvPr>
+        </p:nvSpPr>
+        <p:spPr/>
+        <p:txBody>
+          <a:bodyPr>
+            <a:normAutofit/>
+          </a:bodyPr>
+          <a:lstStyle/>
+          <a:p>
+            <a:r>
+              <a:rPr lang="en-US" dirty="0"/>
+              <a:t>Sample Code:</a:t>
+            </a:r>
+          </a:p>
+          <a:p>
+            <a:r>
+              <a:rPr lang="en-US" dirty="0"/>
+              <a:t>Worksheet</a:t>
+            </a:r>
+          </a:p>
+          <a:p>
+            <a:pPr lvl="1"/>
+            <a:r>
+              <a:rPr lang="en-US" dirty="0"/>
+              <a:t>None</a:t>
+            </a:r>
+          </a:p>
+          <a:p>
+            <a:r>
+              <a:rPr lang="en-US" dirty="0"/>
+              <a:t>Coding Practice</a:t>
+            </a:r>
+          </a:p>
+          <a:p>
+            <a:pPr lvl="1"/>
+            <a:r>
+              <a:rPr lang="en-US" dirty="0"/>
+              <a:t>None</a:t>
+            </a:r>
+          </a:p>
+          <a:p>
+            <a:r>
+              <a:rPr lang="en-US" dirty="0"/>
+              <a:t>Scaffolding:</a:t>
+            </a:r>
+          </a:p>
+          <a:p>
+            <a:pPr lvl="1"/>
+            <a:r>
+              <a:rPr lang="en-US" dirty="0"/>
+              <a:t>See 02_Scaffolding</a:t>
+            </a:r>
+          </a:p>
+          <a:p>
+            <a:r>
+              <a:rPr lang="en-US" dirty="0"/>
+              <a:t>Leave some Feedback/Questions:</a:t>
+            </a:r>
+          </a:p>
+          <a:p>
+            <a:pPr lvl="1"/>
+            <a:r>
+              <a:rPr lang="en-US" dirty="0"/>
+              <a:t>Link: </a:t>
+            </a:r>
+            <a:r>
+              <a:rPr lang="en-US" dirty="0">
+                <a:hlinkClick r:id="rId3"/>
+              </a:rPr>
+              <a:t>https://forms.gle/wRuj8Bzh3cTPFR4T6</a:t>
+            </a:r>
+            <a:endParaRPr lang="en-US" dirty="0"/>
+          </a:p>
+        </p:txBody>
+      </p:sp>
+    </p:spTree>
+    <p:extLst>
+      <p:ext uri="{BB962C8B-B14F-4D97-AF65-F5344CB8AC3E}">
+        <p14:creationId xmlns:p14="http://schemas.microsoft.com/office/powerpoint/2010/main" val="2986473969"/>
+      </p:ext>
+    </p:extLst>
+  </p:cSld>
+  <p:clrMapOvr>
+    <a:masterClrMapping/>
+  </p:clrMapOvr>
+</p:sld>
+</file>
+
+<file path=ppt/slides/slide6.xml><?xml version="1.0" encoding="utf-8"?>
 <p:sld xmlns:a="http://schemas.openxmlformats.org/drawingml/2006/main" xmlns:r="http://schemas.openxmlformats.org/officeDocument/2006/relationships" xmlns:p="http://schemas.openxmlformats.org/presentationml/2006/main">
   <p:cSld>
     <p:bg>
@@ -4729,7 +13145,10 @@
           <a:bodyPr/>
           <a:lstStyle/>
           <a:p>
-            <a:endParaRPr lang="en-US" dirty="0"/>
+            <a:r>
+              <a:rPr lang="en-US" dirty="0"/>
+              <a:t>What is a class and Object?</a:t>
+            </a:r>
           </a:p>
         </p:txBody>
       </p:sp>
@@ -4771,7 +13190,7 @@
 </p:sld>
 </file>
 
-<file path=ppt/slides/slide6.xml><?xml version="1.0" encoding="utf-8"?>
+<file path=ppt/slides/slide7.xml><?xml version="1.0" encoding="utf-8"?>
 <p:sld xmlns:a="http://schemas.openxmlformats.org/drawingml/2006/main" xmlns:r="http://schemas.openxmlformats.org/officeDocument/2006/relationships" xmlns:p="http://schemas.openxmlformats.org/presentationml/2006/main">
   <p:cSld>
     <p:spTree>
@@ -4793,6 +13212,106 @@
           <p:cNvPr id="2" name="Title 1">
             <a:extLst>
               <a:ext uri="{FF2B5EF4-FFF2-40B4-BE49-F238E27FC236}">
+                <a16:creationId xmlns:a16="http://schemas.microsoft.com/office/drawing/2014/main" id="{6148FE24-5691-46DD-85AF-90B9B296108B}"/>
+              </a:ext>
+            </a:extLst>
+          </p:cNvPr>
+          <p:cNvSpPr>
+            <a:spLocks noGrp="1"/>
+          </p:cNvSpPr>
+          <p:nvPr>
+            <p:ph type="title"/>
+          </p:nvPr>
+        </p:nvSpPr>
+        <p:spPr/>
+        <p:txBody>
+          <a:bodyPr/>
+          <a:lstStyle/>
+          <a:p>
+            <a:r>
+              <a:rPr lang="en-US" dirty="0"/>
+              <a:t>We’ve seen this before…</a:t>
+            </a:r>
+          </a:p>
+        </p:txBody>
+      </p:sp>
+      <p:sp>
+        <p:nvSpPr>
+          <p:cNvPr id="3" name="Content Placeholder 2">
+            <a:extLst>
+              <a:ext uri="{FF2B5EF4-FFF2-40B4-BE49-F238E27FC236}">
+                <a16:creationId xmlns:a16="http://schemas.microsoft.com/office/drawing/2014/main" id="{94B6C1FB-5C13-42E5-A34F-BD6A32B5D328}"/>
+              </a:ext>
+            </a:extLst>
+          </p:cNvPr>
+          <p:cNvSpPr>
+            <a:spLocks noGrp="1"/>
+          </p:cNvSpPr>
+          <p:nvPr>
+            <p:ph idx="1"/>
+          </p:nvPr>
+        </p:nvSpPr>
+        <p:spPr/>
+        <p:txBody>
+          <a:bodyPr/>
+          <a:lstStyle/>
+          <a:p>
+            <a:r>
+              <a:rPr lang="en-US" dirty="0"/>
+              <a:t>Scanner kb = new Scanner(System.in);</a:t>
+            </a:r>
+          </a:p>
+          <a:p>
+            <a:r>
+              <a:rPr lang="en-US" dirty="0"/>
+              <a:t>String </a:t>
+            </a:r>
+            <a:r>
+              <a:rPr lang="en-US" dirty="0" err="1"/>
+              <a:t>myName</a:t>
+            </a:r>
+            <a:r>
+              <a:rPr lang="en-US" dirty="0"/>
+              <a:t> = “Mr. Wang”;</a:t>
+            </a:r>
+          </a:p>
+        </p:txBody>
+      </p:sp>
+    </p:spTree>
+    <p:extLst>
+      <p:ext uri="{BB962C8B-B14F-4D97-AF65-F5344CB8AC3E}">
+        <p14:creationId xmlns:p14="http://schemas.microsoft.com/office/powerpoint/2010/main" val="1432160757"/>
+      </p:ext>
+    </p:extLst>
+  </p:cSld>
+  <p:clrMapOvr>
+    <a:masterClrMapping/>
+  </p:clrMapOvr>
+</p:sld>
+</file>
+
+<file path=ppt/slides/slide8.xml><?xml version="1.0" encoding="utf-8"?>
+<p:sld xmlns:a="http://schemas.openxmlformats.org/drawingml/2006/main" xmlns:r="http://schemas.openxmlformats.org/officeDocument/2006/relationships" xmlns:p="http://schemas.openxmlformats.org/presentationml/2006/main">
+  <p:cSld>
+    <p:spTree>
+      <p:nvGrpSpPr>
+        <p:cNvPr id="1" name=""/>
+        <p:cNvGrpSpPr/>
+        <p:nvPr/>
+      </p:nvGrpSpPr>
+      <p:grpSpPr>
+        <a:xfrm>
+          <a:off x="0" y="0"/>
+          <a:ext cx="0" cy="0"/>
+          <a:chOff x="0" y="0"/>
+          <a:chExt cx="0" cy="0"/>
+        </a:xfrm>
+      </p:grpSpPr>
+      <p:sp>
+        <p:nvSpPr>
+          <p:cNvPr id="2" name="Title 1">
+            <a:extLst>
+              <a:ext uri="{FF2B5EF4-FFF2-40B4-BE49-F238E27FC236}">
                 <a16:creationId xmlns:a16="http://schemas.microsoft.com/office/drawing/2014/main" id="{6189FA3E-5226-47DF-9363-525876DD04DB}"/>
               </a:ext>
             </a:extLst>
@@ -4811,7 +13330,7 @@
           <a:p>
             <a:r>
               <a:rPr lang="en-US" dirty="0"/>
-              <a:t>Classes</a:t>
+              <a:t>Class Introduction</a:t>
             </a:r>
           </a:p>
         </p:txBody>
@@ -4837,13 +13356,21 @@
           <a:bodyPr/>
           <a:lstStyle/>
           <a:p>
-            <a:pPr marL="0" indent="0">
-              <a:buNone/>
-            </a:pPr>
-            <a:r>
-              <a:rPr lang="en-US" dirty="0"/>
-              <a:t>public class</a:t>
-            </a:r>
+            <a:r>
+              <a:rPr lang="en-US" dirty="0"/>
+              <a:t>class</a:t>
+            </a:r>
+          </a:p>
+          <a:p>
+            <a:pPr lvl="1"/>
+            <a:r>
+              <a:rPr lang="en-US" dirty="0"/>
+              <a:t>class: Used to define a new blueprint for creating objects</a:t>
+            </a:r>
+          </a:p>
+          <a:p>
+            <a:pPr lvl="2"/>
+            <a:endParaRPr lang="en-US" dirty="0"/>
           </a:p>
         </p:txBody>
       </p:sp>
@@ -4851,6 +13378,159 @@
     <p:extLst>
       <p:ext uri="{BB962C8B-B14F-4D97-AF65-F5344CB8AC3E}">
         <p14:creationId xmlns:p14="http://schemas.microsoft.com/office/powerpoint/2010/main" val="1665259162"/>
+      </p:ext>
+    </p:extLst>
+  </p:cSld>
+  <p:clrMapOvr>
+    <a:masterClrMapping/>
+  </p:clrMapOvr>
+</p:sld>
+</file>
+
+<file path=ppt/slides/slide9.xml><?xml version="1.0" encoding="utf-8"?>
+<p:sld xmlns:a="http://schemas.openxmlformats.org/drawingml/2006/main" xmlns:r="http://schemas.openxmlformats.org/officeDocument/2006/relationships" xmlns:p="http://schemas.openxmlformats.org/presentationml/2006/main">
+  <p:cSld>
+    <p:spTree>
+      <p:nvGrpSpPr>
+        <p:cNvPr id="1" name=""/>
+        <p:cNvGrpSpPr/>
+        <p:nvPr/>
+      </p:nvGrpSpPr>
+      <p:grpSpPr>
+        <a:xfrm>
+          <a:off x="0" y="0"/>
+          <a:ext cx="0" cy="0"/>
+          <a:chOff x="0" y="0"/>
+          <a:chExt cx="0" cy="0"/>
+        </a:xfrm>
+      </p:grpSpPr>
+      <p:sp>
+        <p:nvSpPr>
+          <p:cNvPr id="2" name="Title 1">
+            <a:extLst>
+              <a:ext uri="{FF2B5EF4-FFF2-40B4-BE49-F238E27FC236}">
+                <a16:creationId xmlns:a16="http://schemas.microsoft.com/office/drawing/2014/main" id="{A20185E9-FDFB-461D-B785-A29E7ED8D7AB}"/>
+              </a:ext>
+            </a:extLst>
+          </p:cNvPr>
+          <p:cNvSpPr>
+            <a:spLocks noGrp="1"/>
+          </p:cNvSpPr>
+          <p:nvPr>
+            <p:ph type="title"/>
+          </p:nvPr>
+        </p:nvSpPr>
+        <p:spPr/>
+        <p:txBody>
+          <a:bodyPr/>
+          <a:lstStyle/>
+          <a:p>
+            <a:r>
+              <a:rPr lang="en-US" dirty="0"/>
+              <a:t>Class Introduction</a:t>
+            </a:r>
+          </a:p>
+        </p:txBody>
+      </p:sp>
+      <p:sp>
+        <p:nvSpPr>
+          <p:cNvPr id="3" name="Content Placeholder 2">
+            <a:extLst>
+              <a:ext uri="{FF2B5EF4-FFF2-40B4-BE49-F238E27FC236}">
+                <a16:creationId xmlns:a16="http://schemas.microsoft.com/office/drawing/2014/main" id="{0FDBCF04-5747-430F-A524-2DBC73A8DE1A}"/>
+              </a:ext>
+            </a:extLst>
+          </p:cNvPr>
+          <p:cNvSpPr>
+            <a:spLocks noGrp="1"/>
+          </p:cNvSpPr>
+          <p:nvPr>
+            <p:ph idx="1"/>
+          </p:nvPr>
+        </p:nvSpPr>
+        <p:spPr/>
+        <p:txBody>
+          <a:bodyPr/>
+          <a:lstStyle/>
+          <a:p>
+            <a:r>
+              <a:rPr lang="en-US" dirty="0"/>
+              <a:t>Primitives come built-in with the Java programming language</a:t>
+            </a:r>
+          </a:p>
+          <a:p>
+            <a:pPr lvl="1"/>
+            <a:r>
+              <a:rPr lang="en-US" dirty="0"/>
+              <a:t>int</a:t>
+            </a:r>
+          </a:p>
+          <a:p>
+            <a:pPr lvl="1"/>
+            <a:r>
+              <a:rPr lang="en-US" dirty="0"/>
+              <a:t>double</a:t>
+            </a:r>
+          </a:p>
+          <a:p>
+            <a:pPr lvl="1"/>
+            <a:r>
+              <a:rPr lang="en-US" dirty="0" err="1"/>
+              <a:t>boolean</a:t>
+            </a:r>
+            <a:endParaRPr lang="en-US" dirty="0"/>
+          </a:p>
+          <a:p>
+            <a:pPr lvl="1"/>
+            <a:r>
+              <a:rPr lang="en-US" dirty="0"/>
+              <a:t>etc.</a:t>
+            </a:r>
+          </a:p>
+          <a:p>
+            <a:r>
+              <a:rPr lang="en-US" dirty="0"/>
+              <a:t>What if we want a different type of variable?</a:t>
+            </a:r>
+          </a:p>
+          <a:p>
+            <a:pPr lvl="1"/>
+            <a:r>
+              <a:rPr lang="en-US" dirty="0"/>
+              <a:t>Student?</a:t>
+            </a:r>
+          </a:p>
+          <a:p>
+            <a:pPr lvl="1"/>
+            <a:r>
+              <a:rPr lang="en-US" dirty="0"/>
+              <a:t>3D Point?</a:t>
+            </a:r>
+          </a:p>
+          <a:p>
+            <a:pPr lvl="1"/>
+            <a:r>
+              <a:rPr lang="en-US" dirty="0"/>
+              <a:t>Pixel?</a:t>
+            </a:r>
+          </a:p>
+          <a:p>
+            <a:pPr lvl="1"/>
+            <a:r>
+              <a:rPr lang="en-US" dirty="0" err="1"/>
+              <a:t>BankAccount</a:t>
+            </a:r>
+            <a:r>
+              <a:rPr lang="en-US" dirty="0"/>
+              <a:t>?</a:t>
+            </a:r>
+          </a:p>
+        </p:txBody>
+      </p:sp>
+    </p:spTree>
+    <p:extLst>
+      <p:ext uri="{BB962C8B-B14F-4D97-AF65-F5344CB8AC3E}">
+        <p14:creationId xmlns:p14="http://schemas.microsoft.com/office/powerpoint/2010/main" val="3560830711"/>
       </p:ext>
     </p:extLst>
   </p:cSld>
